--- a/webdevmojo.pptx
+++ b/webdevmojo.pptx
@@ -6,6 +6,7 @@
   </p:sldMasterIdLst>
   <p:sldIdLst>
     <p:sldId id="256" r:id="rId2"/>
+    <p:sldId id="257" r:id="rId3"/>
   </p:sldIdLst>
   <p:sldSz cx="9144000" cy="6858000" type="screen4x3"/>
   <p:notesSz cx="6858000" cy="9144000"/>
@@ -104,6 +105,22 @@
       </a:defRPr>
     </a:lvl9pPr>
   </p:defaultTextStyle>
+  <p:extLst>
+    <p:ext uri="{EFAFB233-063F-42B5-8137-9DF3F51BA10A}">
+      <p15:sldGuideLst xmlns:p15="http://schemas.microsoft.com/office/powerpoint/2012/main">
+        <p15:guide id="1" orient="horz" pos="2160">
+          <p15:clr>
+            <a:srgbClr val="A4A3A4"/>
+          </p15:clr>
+        </p15:guide>
+        <p15:guide id="2" pos="2880">
+          <p15:clr>
+            <a:srgbClr val="A4A3A4"/>
+          </p15:clr>
+        </p15:guide>
+      </p15:sldGuideLst>
+    </p:ext>
+  </p:extLst>
 </p:presentation>
 </file>
 
@@ -3131,6 +3148,59 @@
     <p:extLst>
       <p:ext uri="{BB962C8B-B14F-4D97-AF65-F5344CB8AC3E}">
         <p14:creationId xmlns:p14="http://schemas.microsoft.com/office/powerpoint/2010/main" val="986093980"/>
+      </p:ext>
+    </p:extLst>
+  </p:cSld>
+  <p:clrMapOvr>
+    <a:masterClrMapping/>
+  </p:clrMapOvr>
+</p:sld>
+</file>
+
+<file path=ppt/slides/slide2.xml><?xml version="1.0" encoding="utf-8"?>
+<p:sld xmlns:a="http://schemas.openxmlformats.org/drawingml/2006/main" xmlns:r="http://schemas.openxmlformats.org/officeDocument/2006/relationships" xmlns:p="http://schemas.openxmlformats.org/presentationml/2006/main">
+  <p:cSld>
+    <p:spTree>
+      <p:nvGrpSpPr>
+        <p:cNvPr id="1" name=""/>
+        <p:cNvGrpSpPr/>
+        <p:nvPr/>
+      </p:nvGrpSpPr>
+      <p:grpSpPr>
+        <a:xfrm>
+          <a:off x="0" y="0"/>
+          <a:ext cx="0" cy="0"/>
+          <a:chOff x="0" y="0"/>
+          <a:chExt cx="0" cy="0"/>
+        </a:xfrm>
+      </p:grpSpPr>
+      <p:sp>
+        <p:nvSpPr>
+          <p:cNvPr id="2" name="Title 1"/>
+          <p:cNvSpPr>
+            <a:spLocks noGrp="1"/>
+          </p:cNvSpPr>
+          <p:nvPr>
+            <p:ph type="title"/>
+          </p:nvPr>
+        </p:nvSpPr>
+        <p:spPr/>
+        <p:txBody>
+          <a:bodyPr/>
+          <a:lstStyle/>
+          <a:p>
+            <a:r>
+              <a:rPr lang="en-US" smtClean="0"/>
+              <a:t>Losing it</a:t>
+            </a:r>
+            <a:endParaRPr lang="en-US"/>
+          </a:p>
+        </p:txBody>
+      </p:sp>
+    </p:spTree>
+    <p:extLst>
+      <p:ext uri="{BB962C8B-B14F-4D97-AF65-F5344CB8AC3E}">
+        <p14:creationId xmlns:p14="http://schemas.microsoft.com/office/powerpoint/2010/main" val="927391039"/>
       </p:ext>
     </p:extLst>
   </p:cSld>

--- a/webdevmojo.pptx
+++ b/webdevmojo.pptx
@@ -6,7 +6,16 @@
   </p:sldMasterIdLst>
   <p:sldIdLst>
     <p:sldId id="256" r:id="rId2"/>
-    <p:sldId id="257" r:id="rId3"/>
+    <p:sldId id="262" r:id="rId3"/>
+    <p:sldId id="257" r:id="rId4"/>
+    <p:sldId id="258" r:id="rId5"/>
+    <p:sldId id="259" r:id="rId6"/>
+    <p:sldId id="260" r:id="rId7"/>
+    <p:sldId id="261" r:id="rId8"/>
+    <p:sldId id="263" r:id="rId9"/>
+    <p:sldId id="264" r:id="rId10"/>
+    <p:sldId id="265" r:id="rId11"/>
+    <p:sldId id="266" r:id="rId12"/>
   </p:sldIdLst>
   <p:sldSz cx="9144000" cy="6858000" type="screen4x3"/>
   <p:notesSz cx="6858000" cy="9144000"/>
@@ -107,7 +116,7 @@
   </p:defaultTextStyle>
   <p:extLst>
     <p:ext uri="{EFAFB233-063F-42B5-8137-9DF3F51BA10A}">
-      <p15:sldGuideLst xmlns:p15="http://schemas.microsoft.com/office/powerpoint/2012/main">
+      <p15:sldGuideLst xmlns:p15="http://schemas.microsoft.com/office/powerpoint/2012/main" xmlns="">
         <p15:guide id="1" orient="horz" pos="2160">
           <p15:clr>
             <a:srgbClr val="A4A3A4"/>
@@ -3157,6 +3166,176 @@
 </p:sld>
 </file>
 
+<file path=ppt/slides/slide10.xml><?xml version="1.0" encoding="utf-8"?>
+<p:sld xmlns:a="http://schemas.openxmlformats.org/drawingml/2006/main" xmlns:r="http://schemas.openxmlformats.org/officeDocument/2006/relationships" xmlns:p="http://schemas.openxmlformats.org/presentationml/2006/main">
+  <p:cSld>
+    <p:spTree>
+      <p:nvGrpSpPr>
+        <p:cNvPr id="1" name=""/>
+        <p:cNvGrpSpPr/>
+        <p:nvPr/>
+      </p:nvGrpSpPr>
+      <p:grpSpPr>
+        <a:xfrm>
+          <a:off x="0" y="0"/>
+          <a:ext cx="0" cy="0"/>
+          <a:chOff x="0" y="0"/>
+          <a:chExt cx="0" cy="0"/>
+        </a:xfrm>
+      </p:grpSpPr>
+      <p:sp>
+        <p:nvSpPr>
+          <p:cNvPr id="2" name="Title 1"/>
+          <p:cNvSpPr>
+            <a:spLocks noGrp="1"/>
+          </p:cNvSpPr>
+          <p:nvPr>
+            <p:ph type="title"/>
+          </p:nvPr>
+        </p:nvSpPr>
+        <p:spPr/>
+        <p:txBody>
+          <a:bodyPr/>
+          <a:lstStyle/>
+          <a:p>
+            <a:r>
+              <a:rPr lang="en-US" dirty="0" smtClean="0"/>
+              <a:t>Keep it accessible</a:t>
+            </a:r>
+            <a:endParaRPr lang="en-US" dirty="0"/>
+          </a:p>
+        </p:txBody>
+      </p:sp>
+    </p:spTree>
+    <p:extLst>
+      <p:ext uri="{BB962C8B-B14F-4D97-AF65-F5344CB8AC3E}">
+        <p14:creationId xmlns:p14="http://schemas.microsoft.com/office/powerpoint/2010/main" val="1382696099"/>
+      </p:ext>
+    </p:extLst>
+  </p:cSld>
+  <p:clrMapOvr>
+    <a:masterClrMapping/>
+  </p:clrMapOvr>
+</p:sld>
+</file>
+
+<file path=ppt/slides/slide11.xml><?xml version="1.0" encoding="utf-8"?>
+<p:sld xmlns:a="http://schemas.openxmlformats.org/drawingml/2006/main" xmlns:r="http://schemas.openxmlformats.org/officeDocument/2006/relationships" xmlns:p="http://schemas.openxmlformats.org/presentationml/2006/main">
+  <p:cSld>
+    <p:spTree>
+      <p:nvGrpSpPr>
+        <p:cNvPr id="1" name=""/>
+        <p:cNvGrpSpPr/>
+        <p:nvPr/>
+      </p:nvGrpSpPr>
+      <p:grpSpPr>
+        <a:xfrm>
+          <a:off x="0" y="0"/>
+          <a:ext cx="0" cy="0"/>
+          <a:chOff x="0" y="0"/>
+          <a:chExt cx="0" cy="0"/>
+        </a:xfrm>
+      </p:grpSpPr>
+      <p:sp>
+        <p:nvSpPr>
+          <p:cNvPr id="2" name="Title 1"/>
+          <p:cNvSpPr>
+            <a:spLocks noGrp="1"/>
+          </p:cNvSpPr>
+          <p:nvPr>
+            <p:ph type="title"/>
+          </p:nvPr>
+        </p:nvSpPr>
+        <p:spPr/>
+        <p:txBody>
+          <a:bodyPr/>
+          <a:lstStyle/>
+          <a:p>
+            <a:r>
+              <a:rPr lang="en-US" dirty="0" smtClean="0"/>
+              <a:t>Working environment</a:t>
+            </a:r>
+            <a:endParaRPr lang="en-US" dirty="0"/>
+          </a:p>
+        </p:txBody>
+      </p:sp>
+      <p:sp>
+        <p:nvSpPr>
+          <p:cNvPr id="3" name="TextBox 2"/>
+          <p:cNvSpPr txBox="1"/>
+          <p:nvPr/>
+        </p:nvSpPr>
+        <p:spPr>
+          <a:xfrm>
+            <a:off x="2286000" y="3505200"/>
+            <a:ext cx="4350293" cy="369332"/>
+          </a:xfrm>
+          <a:prstGeom prst="rect">
+            <a:avLst/>
+          </a:prstGeom>
+          <a:noFill/>
+        </p:spPr>
+        <p:txBody>
+          <a:bodyPr wrap="none" rtlCol="0">
+            <a:spAutoFit/>
+          </a:bodyPr>
+          <a:lstStyle/>
+          <a:p>
+            <a:r>
+              <a:rPr lang="en-US" dirty="0" smtClean="0"/>
+              <a:t>Copying a page then using it as the template</a:t>
+            </a:r>
+            <a:endParaRPr lang="en-US" dirty="0"/>
+          </a:p>
+        </p:txBody>
+      </p:sp>
+      <p:sp>
+        <p:nvSpPr>
+          <p:cNvPr id="4" name="TextBox 3"/>
+          <p:cNvSpPr txBox="1"/>
+          <p:nvPr/>
+        </p:nvSpPr>
+        <p:spPr>
+          <a:xfrm>
+            <a:off x="1600200" y="1905000"/>
+            <a:ext cx="4679101" cy="369332"/>
+          </a:xfrm>
+          <a:prstGeom prst="rect">
+            <a:avLst/>
+          </a:prstGeom>
+          <a:noFill/>
+        </p:spPr>
+        <p:txBody>
+          <a:bodyPr wrap="none" rtlCol="0">
+            <a:spAutoFit/>
+          </a:bodyPr>
+          <a:lstStyle/>
+          <a:p>
+            <a:r>
+              <a:rPr lang="en-US" dirty="0" smtClean="0"/>
+              <a:t>IDE – Visual Studio Express, Brackets, </a:t>
+            </a:r>
+            <a:r>
+              <a:rPr lang="en-US" dirty="0" err="1" smtClean="0"/>
+              <a:t>Webstorm</a:t>
+            </a:r>
+            <a:endParaRPr lang="en-US" dirty="0"/>
+          </a:p>
+        </p:txBody>
+      </p:sp>
+    </p:spTree>
+    <p:extLst>
+      <p:ext uri="{BB962C8B-B14F-4D97-AF65-F5344CB8AC3E}">
+        <p14:creationId xmlns:p14="http://schemas.microsoft.com/office/powerpoint/2010/main" val="4284982792"/>
+      </p:ext>
+    </p:extLst>
+  </p:cSld>
+  <p:clrMapOvr>
+    <a:masterClrMapping/>
+  </p:clrMapOvr>
+</p:sld>
+</file>
+
 <file path=ppt/slides/slide2.xml><?xml version="1.0" encoding="utf-8"?>
 <p:sld xmlns:a="http://schemas.openxmlformats.org/drawingml/2006/main" xmlns:r="http://schemas.openxmlformats.org/officeDocument/2006/relationships" xmlns:p="http://schemas.openxmlformats.org/presentationml/2006/main">
   <p:cSld>
@@ -3190,6 +3369,59 @@
           <a:lstStyle/>
           <a:p>
             <a:r>
+              <a:rPr lang="en-US" dirty="0" smtClean="0"/>
+              <a:t>What is it?</a:t>
+            </a:r>
+            <a:endParaRPr lang="en-US" dirty="0"/>
+          </a:p>
+        </p:txBody>
+      </p:sp>
+    </p:spTree>
+    <p:extLst>
+      <p:ext uri="{BB962C8B-B14F-4D97-AF65-F5344CB8AC3E}">
+        <p14:creationId xmlns:p14="http://schemas.microsoft.com/office/powerpoint/2010/main" val="450929624"/>
+      </p:ext>
+    </p:extLst>
+  </p:cSld>
+  <p:clrMapOvr>
+    <a:masterClrMapping/>
+  </p:clrMapOvr>
+</p:sld>
+</file>
+
+<file path=ppt/slides/slide3.xml><?xml version="1.0" encoding="utf-8"?>
+<p:sld xmlns:a="http://schemas.openxmlformats.org/drawingml/2006/main" xmlns:r="http://schemas.openxmlformats.org/officeDocument/2006/relationships" xmlns:p="http://schemas.openxmlformats.org/presentationml/2006/main">
+  <p:cSld>
+    <p:spTree>
+      <p:nvGrpSpPr>
+        <p:cNvPr id="1" name=""/>
+        <p:cNvGrpSpPr/>
+        <p:nvPr/>
+      </p:nvGrpSpPr>
+      <p:grpSpPr>
+        <a:xfrm>
+          <a:off x="0" y="0"/>
+          <a:ext cx="0" cy="0"/>
+          <a:chOff x="0" y="0"/>
+          <a:chExt cx="0" cy="0"/>
+        </a:xfrm>
+      </p:grpSpPr>
+      <p:sp>
+        <p:nvSpPr>
+          <p:cNvPr id="2" name="Title 1"/>
+          <p:cNvSpPr>
+            <a:spLocks noGrp="1"/>
+          </p:cNvSpPr>
+          <p:nvPr>
+            <p:ph type="title"/>
+          </p:nvPr>
+        </p:nvSpPr>
+        <p:spPr/>
+        <p:txBody>
+          <a:bodyPr/>
+          <a:lstStyle/>
+          <a:p>
+            <a:r>
               <a:rPr lang="en-US" smtClean="0"/>
               <a:t>Losing it</a:t>
             </a:r>
@@ -3201,6 +3433,446 @@
     <p:extLst>
       <p:ext uri="{BB962C8B-B14F-4D97-AF65-F5344CB8AC3E}">
         <p14:creationId xmlns:p14="http://schemas.microsoft.com/office/powerpoint/2010/main" val="927391039"/>
+      </p:ext>
+    </p:extLst>
+  </p:cSld>
+  <p:clrMapOvr>
+    <a:masterClrMapping/>
+  </p:clrMapOvr>
+</p:sld>
+</file>
+
+<file path=ppt/slides/slide4.xml><?xml version="1.0" encoding="utf-8"?>
+<p:sld xmlns:a="http://schemas.openxmlformats.org/drawingml/2006/main" xmlns:r="http://schemas.openxmlformats.org/officeDocument/2006/relationships" xmlns:p="http://schemas.openxmlformats.org/presentationml/2006/main">
+  <p:cSld>
+    <p:spTree>
+      <p:nvGrpSpPr>
+        <p:cNvPr id="1" name=""/>
+        <p:cNvGrpSpPr/>
+        <p:nvPr/>
+      </p:nvGrpSpPr>
+      <p:grpSpPr>
+        <a:xfrm>
+          <a:off x="0" y="0"/>
+          <a:ext cx="0" cy="0"/>
+          <a:chOff x="0" y="0"/>
+          <a:chExt cx="0" cy="0"/>
+        </a:xfrm>
+      </p:grpSpPr>
+      <p:sp>
+        <p:nvSpPr>
+          <p:cNvPr id="2" name="Title 1"/>
+          <p:cNvSpPr>
+            <a:spLocks noGrp="1"/>
+          </p:cNvSpPr>
+          <p:nvPr>
+            <p:ph type="title"/>
+          </p:nvPr>
+        </p:nvSpPr>
+        <p:spPr/>
+        <p:txBody>
+          <a:bodyPr/>
+          <a:lstStyle/>
+          <a:p>
+            <a:r>
+              <a:rPr lang="en-US" dirty="0" smtClean="0"/>
+              <a:t>Getting it back</a:t>
+            </a:r>
+            <a:endParaRPr lang="en-US" dirty="0"/>
+          </a:p>
+        </p:txBody>
+      </p:sp>
+      <p:sp>
+        <p:nvSpPr>
+          <p:cNvPr id="3" name="TextBox 2"/>
+          <p:cNvSpPr txBox="1"/>
+          <p:nvPr/>
+        </p:nvSpPr>
+        <p:spPr>
+          <a:xfrm>
+            <a:off x="1524000" y="2362200"/>
+            <a:ext cx="2691121" cy="369332"/>
+          </a:xfrm>
+          <a:prstGeom prst="rect">
+            <a:avLst/>
+          </a:prstGeom>
+          <a:noFill/>
+        </p:spPr>
+        <p:txBody>
+          <a:bodyPr wrap="none" rtlCol="0">
+            <a:spAutoFit/>
+          </a:bodyPr>
+          <a:lstStyle/>
+          <a:p>
+            <a:r>
+              <a:rPr lang="en-US" dirty="0" smtClean="0"/>
+              <a:t>Example of Inmate Locator</a:t>
+            </a:r>
+            <a:endParaRPr lang="en-US" dirty="0"/>
+          </a:p>
+        </p:txBody>
+      </p:sp>
+    </p:spTree>
+    <p:extLst>
+      <p:ext uri="{BB962C8B-B14F-4D97-AF65-F5344CB8AC3E}">
+        <p14:creationId xmlns:p14="http://schemas.microsoft.com/office/powerpoint/2010/main" val="1079474859"/>
+      </p:ext>
+    </p:extLst>
+  </p:cSld>
+  <p:clrMapOvr>
+    <a:masterClrMapping/>
+  </p:clrMapOvr>
+</p:sld>
+</file>
+
+<file path=ppt/slides/slide5.xml><?xml version="1.0" encoding="utf-8"?>
+<p:sld xmlns:a="http://schemas.openxmlformats.org/drawingml/2006/main" xmlns:r="http://schemas.openxmlformats.org/officeDocument/2006/relationships" xmlns:p="http://schemas.openxmlformats.org/presentationml/2006/main">
+  <p:cSld>
+    <p:spTree>
+      <p:nvGrpSpPr>
+        <p:cNvPr id="1" name=""/>
+        <p:cNvGrpSpPr/>
+        <p:nvPr/>
+      </p:nvGrpSpPr>
+      <p:grpSpPr>
+        <a:xfrm>
+          <a:off x="0" y="0"/>
+          <a:ext cx="0" cy="0"/>
+          <a:chOff x="0" y="0"/>
+          <a:chExt cx="0" cy="0"/>
+        </a:xfrm>
+      </p:grpSpPr>
+      <p:sp>
+        <p:nvSpPr>
+          <p:cNvPr id="2" name="Title 1"/>
+          <p:cNvSpPr>
+            <a:spLocks noGrp="1"/>
+          </p:cNvSpPr>
+          <p:nvPr>
+            <p:ph type="title"/>
+          </p:nvPr>
+        </p:nvSpPr>
+        <p:spPr/>
+        <p:txBody>
+          <a:bodyPr/>
+          <a:lstStyle/>
+          <a:p>
+            <a:r>
+              <a:rPr lang="en-US" dirty="0" smtClean="0"/>
+              <a:t>Why JavaScript?</a:t>
+            </a:r>
+            <a:endParaRPr lang="en-US" dirty="0"/>
+          </a:p>
+        </p:txBody>
+      </p:sp>
+    </p:spTree>
+    <p:extLst>
+      <p:ext uri="{BB962C8B-B14F-4D97-AF65-F5344CB8AC3E}">
+        <p14:creationId xmlns:p14="http://schemas.microsoft.com/office/powerpoint/2010/main" val="2307883125"/>
+      </p:ext>
+    </p:extLst>
+  </p:cSld>
+  <p:clrMapOvr>
+    <a:masterClrMapping/>
+  </p:clrMapOvr>
+</p:sld>
+</file>
+
+<file path=ppt/slides/slide6.xml><?xml version="1.0" encoding="utf-8"?>
+<p:sld xmlns:a="http://schemas.openxmlformats.org/drawingml/2006/main" xmlns:r="http://schemas.openxmlformats.org/officeDocument/2006/relationships" xmlns:p="http://schemas.openxmlformats.org/presentationml/2006/main">
+  <p:cSld>
+    <p:spTree>
+      <p:nvGrpSpPr>
+        <p:cNvPr id="1" name=""/>
+        <p:cNvGrpSpPr/>
+        <p:nvPr/>
+      </p:nvGrpSpPr>
+      <p:grpSpPr>
+        <a:xfrm>
+          <a:off x="0" y="0"/>
+          <a:ext cx="0" cy="0"/>
+          <a:chOff x="0" y="0"/>
+          <a:chExt cx="0" cy="0"/>
+        </a:xfrm>
+      </p:grpSpPr>
+      <p:sp>
+        <p:nvSpPr>
+          <p:cNvPr id="2" name="Title 1"/>
+          <p:cNvSpPr>
+            <a:spLocks noGrp="1"/>
+          </p:cNvSpPr>
+          <p:nvPr>
+            <p:ph type="title"/>
+          </p:nvPr>
+        </p:nvSpPr>
+        <p:spPr/>
+        <p:txBody>
+          <a:bodyPr/>
+          <a:lstStyle/>
+          <a:p>
+            <a:r>
+              <a:rPr lang="en-US" dirty="0" smtClean="0"/>
+              <a:t>How to play</a:t>
+            </a:r>
+            <a:endParaRPr lang="en-US" dirty="0"/>
+          </a:p>
+        </p:txBody>
+      </p:sp>
+      <p:sp>
+        <p:nvSpPr>
+          <p:cNvPr id="3" name="TextBox 2"/>
+          <p:cNvSpPr txBox="1"/>
+          <p:nvPr/>
+        </p:nvSpPr>
+        <p:spPr>
+          <a:xfrm>
+            <a:off x="2514600" y="2743200"/>
+            <a:ext cx="2940485" cy="1477328"/>
+          </a:xfrm>
+          <a:prstGeom prst="rect">
+            <a:avLst/>
+          </a:prstGeom>
+          <a:noFill/>
+        </p:spPr>
+        <p:txBody>
+          <a:bodyPr wrap="none" rtlCol="0">
+            <a:spAutoFit/>
+          </a:bodyPr>
+          <a:lstStyle/>
+          <a:p>
+            <a:r>
+              <a:rPr lang="en-US" dirty="0" smtClean="0"/>
+              <a:t>JavaScript basics</a:t>
+            </a:r>
+          </a:p>
+          <a:p>
+            <a:r>
+              <a:rPr lang="en-US" dirty="0" smtClean="0"/>
+              <a:t>HTML page in browser</a:t>
+            </a:r>
+          </a:p>
+          <a:p>
+            <a:r>
+              <a:rPr lang="en-US" dirty="0" smtClean="0"/>
+              <a:t>&lt;script&gt;&lt;/script&gt;</a:t>
+            </a:r>
+          </a:p>
+          <a:p>
+            <a:r>
+              <a:rPr lang="en-US" dirty="0" smtClean="0"/>
+              <a:t>Code between tags</a:t>
+            </a:r>
+          </a:p>
+          <a:p>
+            <a:r>
+              <a:rPr lang="en-US" dirty="0" err="1" smtClean="0"/>
+              <a:t>Src</a:t>
+            </a:r>
+            <a:r>
+              <a:rPr lang="en-US" dirty="0" smtClean="0"/>
+              <a:t> that loads file from server</a:t>
+            </a:r>
+            <a:endParaRPr lang="en-US" dirty="0"/>
+          </a:p>
+        </p:txBody>
+      </p:sp>
+    </p:spTree>
+    <p:extLst>
+      <p:ext uri="{BB962C8B-B14F-4D97-AF65-F5344CB8AC3E}">
+        <p14:creationId xmlns:p14="http://schemas.microsoft.com/office/powerpoint/2010/main" val="3746872012"/>
+      </p:ext>
+    </p:extLst>
+  </p:cSld>
+  <p:clrMapOvr>
+    <a:masterClrMapping/>
+  </p:clrMapOvr>
+</p:sld>
+</file>
+
+<file path=ppt/slides/slide7.xml><?xml version="1.0" encoding="utf-8"?>
+<p:sld xmlns:a="http://schemas.openxmlformats.org/drawingml/2006/main" xmlns:r="http://schemas.openxmlformats.org/officeDocument/2006/relationships" xmlns:p="http://schemas.openxmlformats.org/presentationml/2006/main">
+  <p:cSld>
+    <p:spTree>
+      <p:nvGrpSpPr>
+        <p:cNvPr id="1" name=""/>
+        <p:cNvGrpSpPr/>
+        <p:nvPr/>
+      </p:nvGrpSpPr>
+      <p:grpSpPr>
+        <a:xfrm>
+          <a:off x="0" y="0"/>
+          <a:ext cx="0" cy="0"/>
+          <a:chOff x="0" y="0"/>
+          <a:chExt cx="0" cy="0"/>
+        </a:xfrm>
+      </p:grpSpPr>
+      <p:sp>
+        <p:nvSpPr>
+          <p:cNvPr id="2" name="Title 1"/>
+          <p:cNvSpPr>
+            <a:spLocks noGrp="1"/>
+          </p:cNvSpPr>
+          <p:nvPr>
+            <p:ph type="title"/>
+          </p:nvPr>
+        </p:nvSpPr>
+        <p:spPr/>
+        <p:txBody>
+          <a:bodyPr/>
+          <a:lstStyle/>
+          <a:p>
+            <a:r>
+              <a:rPr lang="en-US" dirty="0" smtClean="0"/>
+              <a:t>Can you play?</a:t>
+            </a:r>
+            <a:endParaRPr lang="en-US" dirty="0"/>
+          </a:p>
+        </p:txBody>
+      </p:sp>
+    </p:spTree>
+    <p:extLst>
+      <p:ext uri="{BB962C8B-B14F-4D97-AF65-F5344CB8AC3E}">
+        <p14:creationId xmlns:p14="http://schemas.microsoft.com/office/powerpoint/2010/main" val="2311885351"/>
+      </p:ext>
+    </p:extLst>
+  </p:cSld>
+  <p:clrMapOvr>
+    <a:masterClrMapping/>
+  </p:clrMapOvr>
+</p:sld>
+</file>
+
+<file path=ppt/slides/slide8.xml><?xml version="1.0" encoding="utf-8"?>
+<p:sld xmlns:a="http://schemas.openxmlformats.org/drawingml/2006/main" xmlns:r="http://schemas.openxmlformats.org/officeDocument/2006/relationships" xmlns:p="http://schemas.openxmlformats.org/presentationml/2006/main">
+  <p:cSld>
+    <p:spTree>
+      <p:nvGrpSpPr>
+        <p:cNvPr id="1" name=""/>
+        <p:cNvGrpSpPr/>
+        <p:nvPr/>
+      </p:nvGrpSpPr>
+      <p:grpSpPr>
+        <a:xfrm>
+          <a:off x="0" y="0"/>
+          <a:ext cx="0" cy="0"/>
+          <a:chOff x="0" y="0"/>
+          <a:chExt cx="0" cy="0"/>
+        </a:xfrm>
+      </p:grpSpPr>
+      <p:sp>
+        <p:nvSpPr>
+          <p:cNvPr id="2" name="Title 1"/>
+          <p:cNvSpPr>
+            <a:spLocks noGrp="1"/>
+          </p:cNvSpPr>
+          <p:nvPr>
+            <p:ph type="title"/>
+          </p:nvPr>
+        </p:nvSpPr>
+        <p:spPr/>
+        <p:txBody>
+          <a:bodyPr/>
+          <a:lstStyle/>
+          <a:p>
+            <a:r>
+              <a:rPr lang="en-US" dirty="0" smtClean="0"/>
+              <a:t>Why can’t you play?</a:t>
+            </a:r>
+            <a:endParaRPr lang="en-US" dirty="0"/>
+          </a:p>
+        </p:txBody>
+      </p:sp>
+      <p:sp>
+        <p:nvSpPr>
+          <p:cNvPr id="3" name="TextBox 2"/>
+          <p:cNvSpPr txBox="1"/>
+          <p:nvPr/>
+        </p:nvSpPr>
+        <p:spPr>
+          <a:xfrm>
+            <a:off x="1143000" y="2667000"/>
+            <a:ext cx="4114800" cy="646331"/>
+          </a:xfrm>
+          <a:prstGeom prst="rect">
+            <a:avLst/>
+          </a:prstGeom>
+          <a:noFill/>
+        </p:spPr>
+        <p:txBody>
+          <a:bodyPr wrap="square" rtlCol="0">
+            <a:spAutoFit/>
+          </a:bodyPr>
+          <a:lstStyle/>
+          <a:p>
+            <a:r>
+              <a:rPr lang="en-US" dirty="0" smtClean="0"/>
+              <a:t>Good reasons why provider may not want to allow embedded scripting</a:t>
+            </a:r>
+            <a:endParaRPr lang="en-US" dirty="0"/>
+          </a:p>
+        </p:txBody>
+      </p:sp>
+    </p:spTree>
+    <p:extLst>
+      <p:ext uri="{BB962C8B-B14F-4D97-AF65-F5344CB8AC3E}">
+        <p14:creationId xmlns:p14="http://schemas.microsoft.com/office/powerpoint/2010/main" val="1441364826"/>
+      </p:ext>
+    </p:extLst>
+  </p:cSld>
+  <p:clrMapOvr>
+    <a:masterClrMapping/>
+  </p:clrMapOvr>
+</p:sld>
+</file>
+
+<file path=ppt/slides/slide9.xml><?xml version="1.0" encoding="utf-8"?>
+<p:sld xmlns:a="http://schemas.openxmlformats.org/drawingml/2006/main" xmlns:r="http://schemas.openxmlformats.org/officeDocument/2006/relationships" xmlns:p="http://schemas.openxmlformats.org/presentationml/2006/main">
+  <p:cSld>
+    <p:spTree>
+      <p:nvGrpSpPr>
+        <p:cNvPr id="1" name=""/>
+        <p:cNvGrpSpPr/>
+        <p:nvPr/>
+      </p:nvGrpSpPr>
+      <p:grpSpPr>
+        <a:xfrm>
+          <a:off x="0" y="0"/>
+          <a:ext cx="0" cy="0"/>
+          <a:chOff x="0" y="0"/>
+          <a:chExt cx="0" cy="0"/>
+        </a:xfrm>
+      </p:grpSpPr>
+      <p:sp>
+        <p:nvSpPr>
+          <p:cNvPr id="2" name="Title 1"/>
+          <p:cNvSpPr>
+            <a:spLocks noGrp="1"/>
+          </p:cNvSpPr>
+          <p:nvPr>
+            <p:ph type="title"/>
+          </p:nvPr>
+        </p:nvSpPr>
+        <p:spPr/>
+        <p:txBody>
+          <a:bodyPr/>
+          <a:lstStyle/>
+          <a:p>
+            <a:r>
+              <a:rPr lang="en-US" dirty="0" smtClean="0"/>
+              <a:t>What do you have </a:t>
+            </a:r>
+            <a:r>
+              <a:rPr lang="en-US" smtClean="0"/>
+              <a:t>to work with?</a:t>
+            </a:r>
+            <a:endParaRPr lang="en-US" dirty="0"/>
+          </a:p>
+        </p:txBody>
+      </p:sp>
+    </p:spTree>
+    <p:extLst>
+      <p:ext uri="{BB962C8B-B14F-4D97-AF65-F5344CB8AC3E}">
+        <p14:creationId xmlns:p14="http://schemas.microsoft.com/office/powerpoint/2010/main" val="3049985624"/>
       </p:ext>
     </p:extLst>
   </p:cSld>

--- a/webdevmojo.pptx
+++ b/webdevmojo.pptx
@@ -116,7 +116,7 @@
   </p:defaultTextStyle>
   <p:extLst>
     <p:ext uri="{EFAFB233-063F-42B5-8137-9DF3F51BA10A}">
-      <p15:sldGuideLst xmlns:p15="http://schemas.microsoft.com/office/powerpoint/2012/main" xmlns="">
+      <p15:sldGuideLst xmlns="" xmlns:p15="http://schemas.microsoft.com/office/powerpoint/2012/main">
         <p15:guide id="1" orient="horz" pos="2160">
           <p15:clr>
             <a:srgbClr val="A4A3A4"/>
@@ -315,7 +315,7 @@
             <a:fld id="{1D8BD707-D9CF-40AE-B4C6-C98DA3205C09}" type="datetimeFigureOut">
               <a:rPr lang="en-US" smtClean="0"/>
               <a:pPr/>
-              <a:t>10/20/2014</a:t>
+              <a:t>10/29/2014</a:t>
             </a:fld>
             <a:endParaRPr lang="en-US"/>
           </a:p>
@@ -482,7 +482,7 @@
             <a:fld id="{1D8BD707-D9CF-40AE-B4C6-C98DA3205C09}" type="datetimeFigureOut">
               <a:rPr lang="en-US" smtClean="0"/>
               <a:pPr/>
-              <a:t>10/20/2014</a:t>
+              <a:t>10/29/2014</a:t>
             </a:fld>
             <a:endParaRPr lang="en-US"/>
           </a:p>
@@ -659,7 +659,7 @@
             <a:fld id="{1D8BD707-D9CF-40AE-B4C6-C98DA3205C09}" type="datetimeFigureOut">
               <a:rPr lang="en-US" smtClean="0"/>
               <a:pPr/>
-              <a:t>10/20/2014</a:t>
+              <a:t>10/29/2014</a:t>
             </a:fld>
             <a:endParaRPr lang="en-US"/>
           </a:p>
@@ -826,7 +826,7 @@
             <a:fld id="{1D8BD707-D9CF-40AE-B4C6-C98DA3205C09}" type="datetimeFigureOut">
               <a:rPr lang="en-US" smtClean="0"/>
               <a:pPr/>
-              <a:t>10/20/2014</a:t>
+              <a:t>10/29/2014</a:t>
             </a:fld>
             <a:endParaRPr lang="en-US"/>
           </a:p>
@@ -1069,7 +1069,7 @@
             <a:fld id="{1D8BD707-D9CF-40AE-B4C6-C98DA3205C09}" type="datetimeFigureOut">
               <a:rPr lang="en-US" smtClean="0"/>
               <a:pPr/>
-              <a:t>10/20/2014</a:t>
+              <a:t>10/29/2014</a:t>
             </a:fld>
             <a:endParaRPr lang="en-US"/>
           </a:p>
@@ -1354,7 +1354,7 @@
             <a:fld id="{1D8BD707-D9CF-40AE-B4C6-C98DA3205C09}" type="datetimeFigureOut">
               <a:rPr lang="en-US" smtClean="0"/>
               <a:pPr/>
-              <a:t>10/20/2014</a:t>
+              <a:t>10/29/2014</a:t>
             </a:fld>
             <a:endParaRPr lang="en-US"/>
           </a:p>
@@ -1773,7 +1773,7 @@
             <a:fld id="{1D8BD707-D9CF-40AE-B4C6-C98DA3205C09}" type="datetimeFigureOut">
               <a:rPr lang="en-US" smtClean="0"/>
               <a:pPr/>
-              <a:t>10/20/2014</a:t>
+              <a:t>10/29/2014</a:t>
             </a:fld>
             <a:endParaRPr lang="en-US"/>
           </a:p>
@@ -1888,7 +1888,7 @@
             <a:fld id="{1D8BD707-D9CF-40AE-B4C6-C98DA3205C09}" type="datetimeFigureOut">
               <a:rPr lang="en-US" smtClean="0"/>
               <a:pPr/>
-              <a:t>10/20/2014</a:t>
+              <a:t>10/29/2014</a:t>
             </a:fld>
             <a:endParaRPr lang="en-US"/>
           </a:p>
@@ -1980,7 +1980,7 @@
             <a:fld id="{1D8BD707-D9CF-40AE-B4C6-C98DA3205C09}" type="datetimeFigureOut">
               <a:rPr lang="en-US" smtClean="0"/>
               <a:pPr/>
-              <a:t>10/20/2014</a:t>
+              <a:t>10/29/2014</a:t>
             </a:fld>
             <a:endParaRPr lang="en-US"/>
           </a:p>
@@ -2254,7 +2254,7 @@
             <a:fld id="{1D8BD707-D9CF-40AE-B4C6-C98DA3205C09}" type="datetimeFigureOut">
               <a:rPr lang="en-US" smtClean="0"/>
               <a:pPr/>
-              <a:t>10/20/2014</a:t>
+              <a:t>10/29/2014</a:t>
             </a:fld>
             <a:endParaRPr lang="en-US"/>
           </a:p>
@@ -2504,7 +2504,7 @@
             <a:fld id="{1D8BD707-D9CF-40AE-B4C6-C98DA3205C09}" type="datetimeFigureOut">
               <a:rPr lang="en-US" smtClean="0"/>
               <a:pPr/>
-              <a:t>10/20/2014</a:t>
+              <a:t>10/29/2014</a:t>
             </a:fld>
             <a:endParaRPr lang="en-US"/>
           </a:p>
@@ -2714,7 +2714,7 @@
             <a:fld id="{1D8BD707-D9CF-40AE-B4C6-C98DA3205C09}" type="datetimeFigureOut">
               <a:rPr lang="en-US" smtClean="0"/>
               <a:pPr/>
-              <a:t>10/20/2014</a:t>
+              <a:t>10/29/2014</a:t>
             </a:fld>
             <a:endParaRPr lang="en-US"/>
           </a:p>
@@ -3724,6 +3724,98 @@
             <a:r>
               <a:rPr lang="en-US" dirty="0" smtClean="0"/>
               <a:t>Can you play?</a:t>
+            </a:r>
+            <a:endParaRPr lang="en-US" dirty="0"/>
+          </a:p>
+        </p:txBody>
+      </p:sp>
+      <p:sp>
+        <p:nvSpPr>
+          <p:cNvPr id="3" name="TextBox 2"/>
+          <p:cNvSpPr txBox="1"/>
+          <p:nvPr/>
+        </p:nvSpPr>
+        <p:spPr>
+          <a:xfrm>
+            <a:off x="2514600" y="2743200"/>
+            <a:ext cx="3491661" cy="3139321"/>
+          </a:xfrm>
+          <a:prstGeom prst="rect">
+            <a:avLst/>
+          </a:prstGeom>
+          <a:noFill/>
+        </p:spPr>
+        <p:txBody>
+          <a:bodyPr wrap="none" rtlCol="0">
+            <a:spAutoFit/>
+          </a:bodyPr>
+          <a:lstStyle/>
+          <a:p>
+            <a:r>
+              <a:rPr lang="en-US" dirty="0" smtClean="0"/>
+              <a:t>How to get JavaScript into the page</a:t>
+            </a:r>
+          </a:p>
+          <a:p>
+            <a:r>
+              <a:rPr lang="en-US" dirty="0" smtClean="0"/>
+              <a:t>HTML editor</a:t>
+            </a:r>
+          </a:p>
+          <a:p>
+            <a:r>
+              <a:rPr lang="en-US" dirty="0" smtClean="0"/>
+              <a:t>Custom HTML</a:t>
+            </a:r>
+          </a:p>
+          <a:p>
+            <a:r>
+              <a:rPr lang="en-US" dirty="0" smtClean="0"/>
+              <a:t>Editable part of a template</a:t>
+            </a:r>
+          </a:p>
+          <a:p>
+            <a:endParaRPr lang="en-US" dirty="0"/>
+          </a:p>
+          <a:p>
+            <a:r>
+              <a:rPr lang="en-US" dirty="0" smtClean="0"/>
+              <a:t>How to see if it works</a:t>
+            </a:r>
+          </a:p>
+          <a:p>
+            <a:r>
+              <a:rPr lang="en-US" dirty="0" smtClean="0"/>
+              <a:t>Try it</a:t>
+            </a:r>
+          </a:p>
+          <a:p>
+            <a:r>
+              <a:rPr lang="en-US" dirty="0" smtClean="0"/>
+              <a:t>Does it stay</a:t>
+            </a:r>
+          </a:p>
+          <a:p>
+            <a:r>
+              <a:rPr lang="en-US" dirty="0" smtClean="0"/>
+              <a:t>Does it cause an error</a:t>
+            </a:r>
+          </a:p>
+          <a:p>
+            <a:r>
+              <a:rPr lang="en-US" dirty="0" smtClean="0"/>
+              <a:t>Does </a:t>
+            </a:r>
+            <a:r>
+              <a:rPr lang="en-US" smtClean="0"/>
+              <a:t>it display</a:t>
+            </a:r>
+            <a:endParaRPr lang="en-US" dirty="0" smtClean="0"/>
+          </a:p>
+          <a:p>
+            <a:r>
+              <a:rPr lang="en-US" dirty="0" smtClean="0"/>
+              <a:t>Check with support</a:t>
             </a:r>
             <a:endParaRPr lang="en-US" dirty="0"/>
           </a:p>

--- a/webdevmojo.pptx
+++ b/webdevmojo.pptx
@@ -14,8 +14,10 @@
     <p:sldId id="261" r:id="rId8"/>
     <p:sldId id="263" r:id="rId9"/>
     <p:sldId id="264" r:id="rId10"/>
-    <p:sldId id="265" r:id="rId11"/>
-    <p:sldId id="266" r:id="rId12"/>
+    <p:sldId id="268" r:id="rId11"/>
+    <p:sldId id="267" r:id="rId12"/>
+    <p:sldId id="265" r:id="rId13"/>
+    <p:sldId id="266" r:id="rId14"/>
   </p:sldIdLst>
   <p:sldSz cx="9144000" cy="6858000" type="screen4x3"/>
   <p:notesSz cx="6858000" cy="9144000"/>
@@ -116,7 +118,7 @@
   </p:defaultTextStyle>
   <p:extLst>
     <p:ext uri="{EFAFB233-063F-42B5-8137-9DF3F51BA10A}">
-      <p15:sldGuideLst xmlns="" xmlns:p15="http://schemas.microsoft.com/office/powerpoint/2012/main">
+      <p15:sldGuideLst xmlns:p15="http://schemas.microsoft.com/office/powerpoint/2012/main" xmlns="">
         <p15:guide id="1" orient="horz" pos="2160">
           <p15:clr>
             <a:srgbClr val="A4A3A4"/>
@@ -315,7 +317,7 @@
             <a:fld id="{1D8BD707-D9CF-40AE-B4C6-C98DA3205C09}" type="datetimeFigureOut">
               <a:rPr lang="en-US" smtClean="0"/>
               <a:pPr/>
-              <a:t>10/29/2014</a:t>
+              <a:t>10/30/2014</a:t>
             </a:fld>
             <a:endParaRPr lang="en-US"/>
           </a:p>
@@ -482,7 +484,7 @@
             <a:fld id="{1D8BD707-D9CF-40AE-B4C6-C98DA3205C09}" type="datetimeFigureOut">
               <a:rPr lang="en-US" smtClean="0"/>
               <a:pPr/>
-              <a:t>10/29/2014</a:t>
+              <a:t>10/30/2014</a:t>
             </a:fld>
             <a:endParaRPr lang="en-US"/>
           </a:p>
@@ -659,7 +661,7 @@
             <a:fld id="{1D8BD707-D9CF-40AE-B4C6-C98DA3205C09}" type="datetimeFigureOut">
               <a:rPr lang="en-US" smtClean="0"/>
               <a:pPr/>
-              <a:t>10/29/2014</a:t>
+              <a:t>10/30/2014</a:t>
             </a:fld>
             <a:endParaRPr lang="en-US"/>
           </a:p>
@@ -826,7 +828,7 @@
             <a:fld id="{1D8BD707-D9CF-40AE-B4C6-C98DA3205C09}" type="datetimeFigureOut">
               <a:rPr lang="en-US" smtClean="0"/>
               <a:pPr/>
-              <a:t>10/29/2014</a:t>
+              <a:t>10/30/2014</a:t>
             </a:fld>
             <a:endParaRPr lang="en-US"/>
           </a:p>
@@ -1069,7 +1071,7 @@
             <a:fld id="{1D8BD707-D9CF-40AE-B4C6-C98DA3205C09}" type="datetimeFigureOut">
               <a:rPr lang="en-US" smtClean="0"/>
               <a:pPr/>
-              <a:t>10/29/2014</a:t>
+              <a:t>10/30/2014</a:t>
             </a:fld>
             <a:endParaRPr lang="en-US"/>
           </a:p>
@@ -1354,7 +1356,7 @@
             <a:fld id="{1D8BD707-D9CF-40AE-B4C6-C98DA3205C09}" type="datetimeFigureOut">
               <a:rPr lang="en-US" smtClean="0"/>
               <a:pPr/>
-              <a:t>10/29/2014</a:t>
+              <a:t>10/30/2014</a:t>
             </a:fld>
             <a:endParaRPr lang="en-US"/>
           </a:p>
@@ -1773,7 +1775,7 @@
             <a:fld id="{1D8BD707-D9CF-40AE-B4C6-C98DA3205C09}" type="datetimeFigureOut">
               <a:rPr lang="en-US" smtClean="0"/>
               <a:pPr/>
-              <a:t>10/29/2014</a:t>
+              <a:t>10/30/2014</a:t>
             </a:fld>
             <a:endParaRPr lang="en-US"/>
           </a:p>
@@ -1888,7 +1890,7 @@
             <a:fld id="{1D8BD707-D9CF-40AE-B4C6-C98DA3205C09}" type="datetimeFigureOut">
               <a:rPr lang="en-US" smtClean="0"/>
               <a:pPr/>
-              <a:t>10/29/2014</a:t>
+              <a:t>10/30/2014</a:t>
             </a:fld>
             <a:endParaRPr lang="en-US"/>
           </a:p>
@@ -1980,7 +1982,7 @@
             <a:fld id="{1D8BD707-D9CF-40AE-B4C6-C98DA3205C09}" type="datetimeFigureOut">
               <a:rPr lang="en-US" smtClean="0"/>
               <a:pPr/>
-              <a:t>10/29/2014</a:t>
+              <a:t>10/30/2014</a:t>
             </a:fld>
             <a:endParaRPr lang="en-US"/>
           </a:p>
@@ -2254,7 +2256,7 @@
             <a:fld id="{1D8BD707-D9CF-40AE-B4C6-C98DA3205C09}" type="datetimeFigureOut">
               <a:rPr lang="en-US" smtClean="0"/>
               <a:pPr/>
-              <a:t>10/29/2014</a:t>
+              <a:t>10/30/2014</a:t>
             </a:fld>
             <a:endParaRPr lang="en-US"/>
           </a:p>
@@ -2504,7 +2506,7 @@
             <a:fld id="{1D8BD707-D9CF-40AE-B4C6-C98DA3205C09}" type="datetimeFigureOut">
               <a:rPr lang="en-US" smtClean="0"/>
               <a:pPr/>
-              <a:t>10/29/2014</a:t>
+              <a:t>10/30/2014</a:t>
             </a:fld>
             <a:endParaRPr lang="en-US"/>
           </a:p>
@@ -2714,7 +2716,7 @@
             <a:fld id="{1D8BD707-D9CF-40AE-B4C6-C98DA3205C09}" type="datetimeFigureOut">
               <a:rPr lang="en-US" smtClean="0"/>
               <a:pPr/>
-              <a:t>10/29/2014</a:t>
+              <a:t>10/30/2014</a:t>
             </a:fld>
             <a:endParaRPr lang="en-US"/>
           </a:p>
@@ -3199,17 +3201,25 @@
           <a:lstStyle/>
           <a:p>
             <a:r>
-              <a:rPr lang="en-US" dirty="0" smtClean="0"/>
-              <a:t>Keep it accessible</a:t>
-            </a:r>
-            <a:endParaRPr lang="en-US" dirty="0"/>
+              <a:rPr lang="en-US" smtClean="0"/>
+              <a:t>Plays </a:t>
+            </a:r>
+            <a:r>
+              <a:rPr lang="en-US" dirty="0" smtClean="0"/>
+              <a:t>well </a:t>
+            </a:r>
+            <a:r>
+              <a:rPr lang="en-US" smtClean="0"/>
+              <a:t>with others…</a:t>
+            </a:r>
+            <a:endParaRPr lang="en-US"/>
           </a:p>
         </p:txBody>
       </p:sp>
     </p:spTree>
     <p:extLst>
       <p:ext uri="{BB962C8B-B14F-4D97-AF65-F5344CB8AC3E}">
-        <p14:creationId xmlns:p14="http://schemas.microsoft.com/office/powerpoint/2010/main" val="1382696099"/>
+        <p14:creationId xmlns:p14="http://schemas.microsoft.com/office/powerpoint/2010/main" val="3187686015"/>
       </p:ext>
     </p:extLst>
   </p:cSld>
@@ -3253,6 +3263,112 @@
           <a:p>
             <a:r>
               <a:rPr lang="en-US" dirty="0" smtClean="0"/>
+              <a:t>Patterns</a:t>
+            </a:r>
+            <a:endParaRPr lang="en-US" dirty="0"/>
+          </a:p>
+        </p:txBody>
+      </p:sp>
+    </p:spTree>
+    <p:extLst>
+      <p:ext uri="{BB962C8B-B14F-4D97-AF65-F5344CB8AC3E}">
+        <p14:creationId xmlns:p14="http://schemas.microsoft.com/office/powerpoint/2010/main" val="2567194083"/>
+      </p:ext>
+    </p:extLst>
+  </p:cSld>
+  <p:clrMapOvr>
+    <a:masterClrMapping/>
+  </p:clrMapOvr>
+</p:sld>
+</file>
+
+<file path=ppt/slides/slide12.xml><?xml version="1.0" encoding="utf-8"?>
+<p:sld xmlns:a="http://schemas.openxmlformats.org/drawingml/2006/main" xmlns:r="http://schemas.openxmlformats.org/officeDocument/2006/relationships" xmlns:p="http://schemas.openxmlformats.org/presentationml/2006/main">
+  <p:cSld>
+    <p:spTree>
+      <p:nvGrpSpPr>
+        <p:cNvPr id="1" name=""/>
+        <p:cNvGrpSpPr/>
+        <p:nvPr/>
+      </p:nvGrpSpPr>
+      <p:grpSpPr>
+        <a:xfrm>
+          <a:off x="0" y="0"/>
+          <a:ext cx="0" cy="0"/>
+          <a:chOff x="0" y="0"/>
+          <a:chExt cx="0" cy="0"/>
+        </a:xfrm>
+      </p:grpSpPr>
+      <p:sp>
+        <p:nvSpPr>
+          <p:cNvPr id="2" name="Title 1"/>
+          <p:cNvSpPr>
+            <a:spLocks noGrp="1"/>
+          </p:cNvSpPr>
+          <p:nvPr>
+            <p:ph type="title"/>
+          </p:nvPr>
+        </p:nvSpPr>
+        <p:spPr/>
+        <p:txBody>
+          <a:bodyPr/>
+          <a:lstStyle/>
+          <a:p>
+            <a:r>
+              <a:rPr lang="en-US" dirty="0" smtClean="0"/>
+              <a:t>Keep it accessible</a:t>
+            </a:r>
+            <a:endParaRPr lang="en-US" dirty="0"/>
+          </a:p>
+        </p:txBody>
+      </p:sp>
+    </p:spTree>
+    <p:extLst>
+      <p:ext uri="{BB962C8B-B14F-4D97-AF65-F5344CB8AC3E}">
+        <p14:creationId xmlns:p14="http://schemas.microsoft.com/office/powerpoint/2010/main" val="1382696099"/>
+      </p:ext>
+    </p:extLst>
+  </p:cSld>
+  <p:clrMapOvr>
+    <a:masterClrMapping/>
+  </p:clrMapOvr>
+</p:sld>
+</file>
+
+<file path=ppt/slides/slide13.xml><?xml version="1.0" encoding="utf-8"?>
+<p:sld xmlns:a="http://schemas.openxmlformats.org/drawingml/2006/main" xmlns:r="http://schemas.openxmlformats.org/officeDocument/2006/relationships" xmlns:p="http://schemas.openxmlformats.org/presentationml/2006/main">
+  <p:cSld>
+    <p:spTree>
+      <p:nvGrpSpPr>
+        <p:cNvPr id="1" name=""/>
+        <p:cNvGrpSpPr/>
+        <p:nvPr/>
+      </p:nvGrpSpPr>
+      <p:grpSpPr>
+        <a:xfrm>
+          <a:off x="0" y="0"/>
+          <a:ext cx="0" cy="0"/>
+          <a:chOff x="0" y="0"/>
+          <a:chExt cx="0" cy="0"/>
+        </a:xfrm>
+      </p:grpSpPr>
+      <p:sp>
+        <p:nvSpPr>
+          <p:cNvPr id="2" name="Title 1"/>
+          <p:cNvSpPr>
+            <a:spLocks noGrp="1"/>
+          </p:cNvSpPr>
+          <p:nvPr>
+            <p:ph type="title"/>
+          </p:nvPr>
+        </p:nvSpPr>
+        <p:spPr/>
+        <p:txBody>
+          <a:bodyPr/>
+          <a:lstStyle/>
+          <a:p>
+            <a:r>
+              <a:rPr lang="en-US" dirty="0" smtClean="0"/>
               <a:t>Working environment</a:t>
             </a:r>
             <a:endParaRPr lang="en-US" dirty="0"/>
@@ -3318,6 +3434,50 @@
             <a:r>
               <a:rPr lang="en-US" dirty="0" err="1" smtClean="0"/>
               <a:t>Webstorm</a:t>
+            </a:r>
+            <a:endParaRPr lang="en-US" dirty="0"/>
+          </a:p>
+        </p:txBody>
+      </p:sp>
+      <p:sp>
+        <p:nvSpPr>
+          <p:cNvPr id="5" name="TextBox 4"/>
+          <p:cNvSpPr txBox="1"/>
+          <p:nvPr/>
+        </p:nvSpPr>
+        <p:spPr>
+          <a:xfrm>
+            <a:off x="1295400" y="4876800"/>
+            <a:ext cx="6756914" cy="646331"/>
+          </a:xfrm>
+          <a:prstGeom prst="rect">
+            <a:avLst/>
+          </a:prstGeom>
+          <a:noFill/>
+        </p:spPr>
+        <p:txBody>
+          <a:bodyPr wrap="none" rtlCol="0">
+            <a:spAutoFit/>
+          </a:bodyPr>
+          <a:lstStyle/>
+          <a:p>
+            <a:r>
+              <a:rPr lang="en-US" dirty="0" smtClean="0"/>
+              <a:t>Tracking the pages you put JavaScript on</a:t>
+            </a:r>
+          </a:p>
+          <a:p>
+            <a:r>
+              <a:rPr lang="en-US" dirty="0" smtClean="0"/>
+              <a:t>Using </a:t>
+            </a:r>
+            <a:r>
+              <a:rPr lang="en-US" dirty="0" err="1" smtClean="0"/>
+              <a:t>git</a:t>
+            </a:r>
+            <a:r>
+              <a:rPr lang="en-US" dirty="0" smtClean="0"/>
+              <a:t> (github.com bitbucket.com) or some other versioning system</a:t>
             </a:r>
             <a:endParaRPr lang="en-US" dirty="0"/>
           </a:p>
@@ -3376,6 +3536,107 @@
           </a:p>
         </p:txBody>
       </p:sp>
+      <p:sp>
+        <p:nvSpPr>
+          <p:cNvPr id="3" name="TextBox 2"/>
+          <p:cNvSpPr txBox="1"/>
+          <p:nvPr/>
+        </p:nvSpPr>
+        <p:spPr>
+          <a:xfrm>
+            <a:off x="381000" y="1371600"/>
+            <a:ext cx="5105400" cy="1200329"/>
+          </a:xfrm>
+          <a:prstGeom prst="rect">
+            <a:avLst/>
+          </a:prstGeom>
+          <a:noFill/>
+        </p:spPr>
+        <p:txBody>
+          <a:bodyPr wrap="square" rtlCol="0">
+            <a:spAutoFit/>
+          </a:bodyPr>
+          <a:lstStyle/>
+          <a:p>
+            <a:r>
+              <a:rPr lang="en-US" dirty="0">
+                <a:hlinkClick r:id="rId2"/>
+              </a:rPr>
+              <a:t>http://</a:t>
+            </a:r>
+            <a:r>
+              <a:rPr lang="en-US" dirty="0" smtClean="0">
+                <a:hlinkClick r:id="rId2"/>
+              </a:rPr>
+              <a:t>www.merriam-webster.com/dictionary/mojo</a:t>
+            </a:r>
+            <a:endParaRPr lang="en-US" dirty="0" smtClean="0"/>
+          </a:p>
+          <a:p>
+            <a:endParaRPr lang="en-US" dirty="0" smtClean="0"/>
+          </a:p>
+          <a:p>
+            <a:r>
+              <a:rPr lang="en-US" dirty="0"/>
+              <a:t>a power that may seem magical and that allows someone to be very effective, successful, etc.</a:t>
+            </a:r>
+          </a:p>
+        </p:txBody>
+      </p:sp>
+      <p:pic>
+        <p:nvPicPr>
+          <p:cNvPr id="1026" name="Picture 2"/>
+          <p:cNvPicPr>
+            <a:picLocks noChangeAspect="1" noChangeArrowheads="1"/>
+          </p:cNvPicPr>
+          <p:nvPr/>
+        </p:nvPicPr>
+        <p:blipFill>
+          <a:blip r:embed="rId3">
+            <a:extLst>
+              <a:ext uri="{28A0092B-C50C-407E-A947-70E740481C1C}">
+                <a14:useLocalDpi xmlns:a14="http://schemas.microsoft.com/office/drawing/2010/main" val="0"/>
+              </a:ext>
+            </a:extLst>
+          </a:blip>
+          <a:srcRect/>
+          <a:stretch>
+            <a:fillRect/>
+          </a:stretch>
+        </p:blipFill>
+        <p:spPr bwMode="auto">
+          <a:xfrm>
+            <a:off x="406400" y="2571929"/>
+            <a:ext cx="2909656" cy="3224213"/>
+          </a:xfrm>
+          <a:prstGeom prst="rect">
+            <a:avLst/>
+          </a:prstGeom>
+          <a:noFill/>
+          <a:ln>
+            <a:noFill/>
+          </a:ln>
+          <a:extLst>
+            <a:ext uri="{909E8E84-426E-40DD-AFC4-6F175D3DCCD1}">
+              <a14:hiddenFill xmlns:a14="http://schemas.microsoft.com/office/drawing/2010/main">
+                <a:solidFill>
+                  <a:schemeClr val="accent1"/>
+                </a:solidFill>
+              </a14:hiddenFill>
+            </a:ext>
+            <a:ext uri="{91240B29-F687-4F45-9708-019B960494DF}">
+              <a14:hiddenLine xmlns:a14="http://schemas.microsoft.com/office/drawing/2010/main" w="9525">
+                <a:solidFill>
+                  <a:schemeClr val="tx1"/>
+                </a:solidFill>
+                <a:miter lim="800000"/>
+                <a:headEnd/>
+                <a:tailEnd/>
+              </a14:hiddenLine>
+            </a:ext>
+          </a:extLst>
+        </p:spPr>
+      </p:pic>
     </p:spTree>
     <p:extLst>
       <p:ext uri="{BB962C8B-B14F-4D97-AF65-F5344CB8AC3E}">
@@ -3386,6 +3647,13 @@
   <p:clrMapOvr>
     <a:masterClrMapping/>
   </p:clrMapOvr>
+  <p:timing>
+    <p:tnLst>
+      <p:par>
+        <p:cTn id="1" dur="indefinite" restart="never" nodeType="tmRoot"/>
+      </p:par>
+    </p:tnLst>
+  </p:timing>
 </p:sld>
 </file>
 
@@ -3429,6 +3697,62 @@
           </a:p>
         </p:txBody>
       </p:sp>
+      <p:sp>
+        <p:nvSpPr>
+          <p:cNvPr id="3" name="TextBox 2"/>
+          <p:cNvSpPr txBox="1"/>
+          <p:nvPr/>
+        </p:nvSpPr>
+        <p:spPr>
+          <a:xfrm>
+            <a:off x="381000" y="5867400"/>
+            <a:ext cx="2819400" cy="646331"/>
+          </a:xfrm>
+          <a:prstGeom prst="rect">
+            <a:avLst/>
+          </a:prstGeom>
+          <a:noFill/>
+        </p:spPr>
+        <p:txBody>
+          <a:bodyPr wrap="square" rtlCol="0">
+            <a:spAutoFit/>
+          </a:bodyPr>
+          <a:lstStyle/>
+          <a:p>
+            <a:r>
+              <a:rPr lang="en-US" dirty="0" smtClean="0"/>
+              <a:t>Austin Powers: The Spy Who Shagged Me</a:t>
+            </a:r>
+            <a:endParaRPr lang="en-US" dirty="0"/>
+          </a:p>
+        </p:txBody>
+      </p:sp>
+      <p:pic>
+        <p:nvPicPr>
+          <p:cNvPr id="4" name="gEuw2mgLRuQ?rel=0&amp;showinfo=0"/>
+          <p:cNvPicPr>
+            <a:picLocks noRot="1" noChangeAspect="1"/>
+          </p:cNvPicPr>
+          <p:nvPr>
+            <a:videoFile r:link="rId1"/>
+          </p:nvPr>
+        </p:nvPicPr>
+        <p:blipFill>
+          <a:blip r:embed="rId3"/>
+          <a:stretch>
+            <a:fillRect/>
+          </a:stretch>
+        </p:blipFill>
+        <p:spPr>
+          <a:xfrm>
+            <a:off x="2286000" y="2143125"/>
+            <a:ext cx="4572000" cy="2571750"/>
+          </a:xfrm>
+          <a:prstGeom prst="rect">
+            <a:avLst/>
+          </a:prstGeom>
+        </p:spPr>
+      </p:pic>
     </p:spTree>
     <p:extLst>
       <p:ext uri="{BB962C8B-B14F-4D97-AF65-F5344CB8AC3E}">
@@ -3439,6 +3763,13 @@
   <p:clrMapOvr>
     <a:masterClrMapping/>
   </p:clrMapOvr>
+  <p:timing>
+    <p:tnLst>
+      <p:par>
+        <p:cTn id="1" dur="indefinite" restart="never" nodeType="tmRoot"/>
+      </p:par>
+    </p:tnLst>
+  </p:timing>
 </p:sld>
 </file>
 
@@ -3522,6 +3853,13 @@
   <p:clrMapOvr>
     <a:masterClrMapping/>
   </p:clrMapOvr>
+  <p:timing>
+    <p:tnLst>
+      <p:par>
+        <p:cTn id="1" dur="indefinite" restart="never" nodeType="tmRoot"/>
+      </p:par>
+    </p:tnLst>
+  </p:timing>
 </p:sld>
 </file>
 
@@ -3575,6 +3913,13 @@
   <p:clrMapOvr>
     <a:masterClrMapping/>
   </p:clrMapOvr>
+  <p:timing>
+    <p:tnLst>
+      <p:par>
+        <p:cTn id="1" dur="indefinite" restart="never" nodeType="tmRoot"/>
+      </p:par>
+    </p:tnLst>
+  </p:timing>
 </p:sld>
 </file>
 
@@ -3686,6 +4031,13 @@
   <p:clrMapOvr>
     <a:masterClrMapping/>
   </p:clrMapOvr>
+  <p:timing>
+    <p:tnLst>
+      <p:par>
+        <p:cTn id="1" dur="indefinite" restart="never" nodeType="tmRoot"/>
+      </p:par>
+    </p:tnLst>
+  </p:timing>
 </p:sld>
 </file>
 
@@ -3738,7 +4090,7 @@
         <p:spPr>
           <a:xfrm>
             <a:off x="2514600" y="2743200"/>
-            <a:ext cx="3491661" cy="3139321"/>
+            <a:ext cx="3532698" cy="3139321"/>
           </a:xfrm>
           <a:prstGeom prst="rect">
             <a:avLst/>
@@ -3780,8 +4132,19 @@
           <a:p>
             <a:r>
               <a:rPr lang="en-US" dirty="0" smtClean="0"/>
-              <a:t>How to see if it works</a:t>
-            </a:r>
+              <a:t>How to see if it </a:t>
+            </a:r>
+            <a:r>
+              <a:rPr lang="en-US" dirty="0" smtClean="0"/>
+              <a:t>works</a:t>
+            </a:r>
+          </a:p>
+          <a:p>
+            <a:r>
+              <a:rPr lang="en-US" dirty="0" smtClean="0"/>
+              <a:t>Check with support/documentation</a:t>
+            </a:r>
+            <a:endParaRPr lang="en-US" dirty="0" smtClean="0"/>
           </a:p>
           <a:p>
             <a:r>
@@ -3804,20 +4167,13 @@
           <a:p>
             <a:r>
               <a:rPr lang="en-US" dirty="0" smtClean="0"/>
-              <a:t>Does </a:t>
-            </a:r>
-            <a:r>
-              <a:rPr lang="en-US" smtClean="0"/>
-              <a:t>it display</a:t>
+              <a:t>Does it </a:t>
+            </a:r>
+            <a:r>
+              <a:rPr lang="en-US" dirty="0" smtClean="0"/>
+              <a:t>display</a:t>
             </a:r>
             <a:endParaRPr lang="en-US" dirty="0" smtClean="0"/>
-          </a:p>
-          <a:p>
-            <a:r>
-              <a:rPr lang="en-US" dirty="0" smtClean="0"/>
-              <a:t>Check with support</a:t>
-            </a:r>
-            <a:endParaRPr lang="en-US" dirty="0"/>
           </a:p>
         </p:txBody>
       </p:sp>
@@ -3883,7 +4239,7 @@
         <p:spPr>
           <a:xfrm>
             <a:off x="1143000" y="2667000"/>
-            <a:ext cx="4114800" cy="646331"/>
+            <a:ext cx="4114800" cy="1477328"/>
           </a:xfrm>
           <a:prstGeom prst="rect">
             <a:avLst/>
@@ -3898,7 +4254,29 @@
           <a:p>
             <a:r>
               <a:rPr lang="en-US" dirty="0" smtClean="0"/>
-              <a:t>Good reasons why provider may not want to allow embedded scripting</a:t>
+              <a:t>Good reasons why provider may not want to allow embedded </a:t>
+            </a:r>
+            <a:r>
+              <a:rPr lang="en-US" dirty="0" smtClean="0"/>
+              <a:t>scripting:</a:t>
+            </a:r>
+          </a:p>
+          <a:p>
+            <a:r>
+              <a:rPr lang="en-US" dirty="0" smtClean="0"/>
+              <a:t>May mess up something else on the page</a:t>
+            </a:r>
+          </a:p>
+          <a:p>
+            <a:r>
+              <a:rPr lang="en-US" dirty="0" smtClean="0"/>
+              <a:t>Can be a security risk</a:t>
+            </a:r>
+          </a:p>
+          <a:p>
+            <a:r>
+              <a:rPr lang="en-US" dirty="0" smtClean="0"/>
+              <a:t>Too complicated</a:t>
             </a:r>
             <a:endParaRPr lang="en-US" dirty="0"/>
           </a:p>
@@ -3946,16 +4324,60 @@
         </p:nvSpPr>
         <p:spPr/>
         <p:txBody>
-          <a:bodyPr/>
-          <a:lstStyle/>
-          <a:p>
-            <a:r>
-              <a:rPr lang="en-US" dirty="0" smtClean="0"/>
-              <a:t>What do you have </a:t>
-            </a:r>
-            <a:r>
-              <a:rPr lang="en-US" smtClean="0"/>
-              <a:t>to work with?</a:t>
+          <a:bodyPr>
+            <a:normAutofit fontScale="90000"/>
+          </a:bodyPr>
+          <a:lstStyle/>
+          <a:p>
+            <a:r>
+              <a:rPr lang="en-US" dirty="0" smtClean="0"/>
+              <a:t>So you can play.  What </a:t>
+            </a:r>
+            <a:r>
+              <a:rPr lang="en-US" dirty="0" smtClean="0"/>
+              <a:t>do you have to work with?</a:t>
+            </a:r>
+            <a:endParaRPr lang="en-US" dirty="0"/>
+          </a:p>
+        </p:txBody>
+      </p:sp>
+      <p:sp>
+        <p:nvSpPr>
+          <p:cNvPr id="3" name="TextBox 2"/>
+          <p:cNvSpPr txBox="1"/>
+          <p:nvPr/>
+        </p:nvSpPr>
+        <p:spPr>
+          <a:xfrm>
+            <a:off x="1219200" y="2438400"/>
+            <a:ext cx="4099392" cy="923330"/>
+          </a:xfrm>
+          <a:prstGeom prst="rect">
+            <a:avLst/>
+          </a:prstGeom>
+          <a:noFill/>
+        </p:spPr>
+        <p:txBody>
+          <a:bodyPr wrap="none" rtlCol="0">
+            <a:spAutoFit/>
+          </a:bodyPr>
+          <a:lstStyle/>
+          <a:p>
+            <a:r>
+              <a:rPr lang="en-US" dirty="0" smtClean="0"/>
+              <a:t>Widgets/template editors</a:t>
+            </a:r>
+          </a:p>
+          <a:p>
+            <a:r>
+              <a:rPr lang="en-US" dirty="0" smtClean="0"/>
+              <a:t>Existing JavaScript functions and variables</a:t>
+            </a:r>
+          </a:p>
+          <a:p>
+            <a:r>
+              <a:rPr lang="en-US" dirty="0" smtClean="0"/>
+              <a:t>Libraries (jQuery)</a:t>
             </a:r>
             <a:endParaRPr lang="en-US" dirty="0"/>
           </a:p>

--- a/webdevmojo.pptx
+++ b/webdevmojo.pptx
@@ -6,8 +6,8 @@
   </p:sldMasterIdLst>
   <p:sldIdLst>
     <p:sldId id="256" r:id="rId2"/>
-    <p:sldId id="262" r:id="rId3"/>
-    <p:sldId id="257" r:id="rId4"/>
+    <p:sldId id="257" r:id="rId3"/>
+    <p:sldId id="262" r:id="rId4"/>
     <p:sldId id="258" r:id="rId5"/>
     <p:sldId id="259" r:id="rId6"/>
     <p:sldId id="260" r:id="rId7"/>
@@ -15,9 +15,14 @@
     <p:sldId id="263" r:id="rId9"/>
     <p:sldId id="264" r:id="rId10"/>
     <p:sldId id="268" r:id="rId11"/>
-    <p:sldId id="267" r:id="rId12"/>
-    <p:sldId id="265" r:id="rId13"/>
-    <p:sldId id="266" r:id="rId14"/>
+    <p:sldId id="272" r:id="rId12"/>
+    <p:sldId id="270" r:id="rId13"/>
+    <p:sldId id="271" r:id="rId14"/>
+    <p:sldId id="273" r:id="rId15"/>
+    <p:sldId id="269" r:id="rId16"/>
+    <p:sldId id="267" r:id="rId17"/>
+    <p:sldId id="265" r:id="rId18"/>
+    <p:sldId id="266" r:id="rId19"/>
   </p:sldIdLst>
   <p:sldSz cx="9144000" cy="6858000" type="screen4x3"/>
   <p:notesSz cx="6858000" cy="9144000"/>
@@ -317,7 +322,7 @@
             <a:fld id="{1D8BD707-D9CF-40AE-B4C6-C98DA3205C09}" type="datetimeFigureOut">
               <a:rPr lang="en-US" smtClean="0"/>
               <a:pPr/>
-              <a:t>10/30/2014</a:t>
+              <a:t>11/04/2014</a:t>
             </a:fld>
             <a:endParaRPr lang="en-US"/>
           </a:p>
@@ -484,7 +489,7 @@
             <a:fld id="{1D8BD707-D9CF-40AE-B4C6-C98DA3205C09}" type="datetimeFigureOut">
               <a:rPr lang="en-US" smtClean="0"/>
               <a:pPr/>
-              <a:t>10/30/2014</a:t>
+              <a:t>11/04/2014</a:t>
             </a:fld>
             <a:endParaRPr lang="en-US"/>
           </a:p>
@@ -661,7 +666,7 @@
             <a:fld id="{1D8BD707-D9CF-40AE-B4C6-C98DA3205C09}" type="datetimeFigureOut">
               <a:rPr lang="en-US" smtClean="0"/>
               <a:pPr/>
-              <a:t>10/30/2014</a:t>
+              <a:t>11/04/2014</a:t>
             </a:fld>
             <a:endParaRPr lang="en-US"/>
           </a:p>
@@ -828,7 +833,7 @@
             <a:fld id="{1D8BD707-D9CF-40AE-B4C6-C98DA3205C09}" type="datetimeFigureOut">
               <a:rPr lang="en-US" smtClean="0"/>
               <a:pPr/>
-              <a:t>10/30/2014</a:t>
+              <a:t>11/04/2014</a:t>
             </a:fld>
             <a:endParaRPr lang="en-US"/>
           </a:p>
@@ -1071,7 +1076,7 @@
             <a:fld id="{1D8BD707-D9CF-40AE-B4C6-C98DA3205C09}" type="datetimeFigureOut">
               <a:rPr lang="en-US" smtClean="0"/>
               <a:pPr/>
-              <a:t>10/30/2014</a:t>
+              <a:t>11/04/2014</a:t>
             </a:fld>
             <a:endParaRPr lang="en-US"/>
           </a:p>
@@ -1356,7 +1361,7 @@
             <a:fld id="{1D8BD707-D9CF-40AE-B4C6-C98DA3205C09}" type="datetimeFigureOut">
               <a:rPr lang="en-US" smtClean="0"/>
               <a:pPr/>
-              <a:t>10/30/2014</a:t>
+              <a:t>11/04/2014</a:t>
             </a:fld>
             <a:endParaRPr lang="en-US"/>
           </a:p>
@@ -1775,7 +1780,7 @@
             <a:fld id="{1D8BD707-D9CF-40AE-B4C6-C98DA3205C09}" type="datetimeFigureOut">
               <a:rPr lang="en-US" smtClean="0"/>
               <a:pPr/>
-              <a:t>10/30/2014</a:t>
+              <a:t>11/04/2014</a:t>
             </a:fld>
             <a:endParaRPr lang="en-US"/>
           </a:p>
@@ -1890,7 +1895,7 @@
             <a:fld id="{1D8BD707-D9CF-40AE-B4C6-C98DA3205C09}" type="datetimeFigureOut">
               <a:rPr lang="en-US" smtClean="0"/>
               <a:pPr/>
-              <a:t>10/30/2014</a:t>
+              <a:t>11/04/2014</a:t>
             </a:fld>
             <a:endParaRPr lang="en-US"/>
           </a:p>
@@ -1982,7 +1987,7 @@
             <a:fld id="{1D8BD707-D9CF-40AE-B4C6-C98DA3205C09}" type="datetimeFigureOut">
               <a:rPr lang="en-US" smtClean="0"/>
               <a:pPr/>
-              <a:t>10/30/2014</a:t>
+              <a:t>11/04/2014</a:t>
             </a:fld>
             <a:endParaRPr lang="en-US"/>
           </a:p>
@@ -2256,7 +2261,7 @@
             <a:fld id="{1D8BD707-D9CF-40AE-B4C6-C98DA3205C09}" type="datetimeFigureOut">
               <a:rPr lang="en-US" smtClean="0"/>
               <a:pPr/>
-              <a:t>10/30/2014</a:t>
+              <a:t>11/04/2014</a:t>
             </a:fld>
             <a:endParaRPr lang="en-US"/>
           </a:p>
@@ -2506,7 +2511,7 @@
             <a:fld id="{1D8BD707-D9CF-40AE-B4C6-C98DA3205C09}" type="datetimeFigureOut">
               <a:rPr lang="en-US" smtClean="0"/>
               <a:pPr/>
-              <a:t>10/30/2014</a:t>
+              <a:t>11/04/2014</a:t>
             </a:fld>
             <a:endParaRPr lang="en-US"/>
           </a:p>
@@ -2716,7 +2721,7 @@
             <a:fld id="{1D8BD707-D9CF-40AE-B4C6-C98DA3205C09}" type="datetimeFigureOut">
               <a:rPr lang="en-US" smtClean="0"/>
               <a:pPr/>
-              <a:t>10/30/2014</a:t>
+              <a:t>11/04/2014</a:t>
             </a:fld>
             <a:endParaRPr lang="en-US"/>
           </a:p>
@@ -3089,68 +3094,180 @@
       </p:grpSpPr>
       <p:sp>
         <p:nvSpPr>
-          <p:cNvPr id="2" name="Title 1"/>
-          <p:cNvSpPr>
-            <a:spLocks noGrp="1"/>
-          </p:cNvSpPr>
-          <p:nvPr>
-            <p:ph type="ctrTitle"/>
-          </p:nvPr>
-        </p:nvSpPr>
-        <p:spPr/>
-        <p:txBody>
-          <a:bodyPr>
-            <a:normAutofit fontScale="90000"/>
+          <p:cNvPr id="4" name="TextBox 3"/>
+          <p:cNvSpPr txBox="1"/>
+          <p:nvPr/>
+        </p:nvSpPr>
+        <p:spPr>
+          <a:xfrm>
+            <a:off x="533400" y="456534"/>
+            <a:ext cx="8001000" cy="6093976"/>
+          </a:xfrm>
+          <a:prstGeom prst="rect">
+            <a:avLst/>
+          </a:prstGeom>
+          <a:noFill/>
+        </p:spPr>
+        <p:txBody>
+          <a:bodyPr wrap="square" rtlCol="0">
+            <a:spAutoFit/>
           </a:bodyPr>
           <a:lstStyle/>
           <a:p>
-            <a:r>
-              <a:rPr lang="en-US" dirty="0" smtClean="0"/>
-              <a:t>Got a CMS? Get your </a:t>
-            </a:r>
-            <a:r>
-              <a:rPr lang="en-US" dirty="0" err="1" smtClean="0"/>
-              <a:t>webdevmojo</a:t>
-            </a:r>
-            <a:r>
-              <a:rPr lang="en-US" dirty="0" smtClean="0"/>
-              <a:t> back with JavaScript!</a:t>
+            <a:pPr algn="ctr"/>
+            <a:r>
+              <a:rPr lang="en-US" b="1" dirty="0"/>
+              <a:t>2014 Minnesota Government IT Symposium</a:t>
             </a:r>
             <a:endParaRPr lang="en-US" dirty="0"/>
           </a:p>
-        </p:txBody>
-      </p:sp>
-      <p:sp>
-        <p:nvSpPr>
-          <p:cNvPr id="3" name="Subtitle 2"/>
-          <p:cNvSpPr>
-            <a:spLocks noGrp="1"/>
-          </p:cNvSpPr>
-          <p:nvPr>
-            <p:ph type="subTitle" idx="1"/>
-          </p:nvPr>
-        </p:nvSpPr>
-        <p:spPr/>
-        <p:txBody>
-          <a:bodyPr/>
-          <a:lstStyle/>
-          <a:p>
-            <a:r>
-              <a:rPr lang="en-US" dirty="0" smtClean="0"/>
-              <a:t>Paul Burtness</a:t>
-            </a:r>
-          </a:p>
-          <a:p>
-            <a:r>
-              <a:rPr lang="en-US" dirty="0" smtClean="0"/>
-              <a:t>Website Coordinator</a:t>
-            </a:r>
-          </a:p>
-          <a:p>
-            <a:r>
-              <a:rPr lang="en-US" dirty="0" smtClean="0"/>
-              <a:t>Anoka County, MN</a:t>
-            </a:r>
+          <a:p>
+            <a:pPr algn="ctr"/>
+            <a:r>
+              <a:rPr lang="en-US" i="1" dirty="0"/>
+              <a:t>For State Agencies, Counties, Cities, Higher Education and Nonprofits</a:t>
+            </a:r>
+            <a:endParaRPr lang="en-US" dirty="0"/>
+          </a:p>
+          <a:p>
+            <a:pPr algn="ctr"/>
+            <a:r>
+              <a:rPr lang="en-US" dirty="0"/>
+              <a:t> </a:t>
+            </a:r>
+          </a:p>
+          <a:p>
+            <a:pPr algn="ctr"/>
+            <a:r>
+              <a:rPr lang="en-US" dirty="0"/>
+              <a:t>December 9-11, 2014   </a:t>
+            </a:r>
+            <a:r>
+              <a:rPr lang="en-US" dirty="0" err="1"/>
+              <a:t>RiverCentre</a:t>
+            </a:r>
+            <a:r>
+              <a:rPr lang="en-US" dirty="0"/>
+              <a:t>, St. Paul, MN   </a:t>
+            </a:r>
+            <a:r>
+              <a:rPr lang="en-US" u="sng" dirty="0">
+                <a:hlinkClick r:id="rId2"/>
+              </a:rPr>
+              <a:t>www.mngts.org/itsym</a:t>
+            </a:r>
+            <a:endParaRPr lang="en-US" dirty="0"/>
+          </a:p>
+          <a:p>
+            <a:pPr algn="ctr"/>
+            <a:r>
+              <a:rPr lang="en-US" dirty="0"/>
+              <a:t>(Presented by GTS Educational Events)</a:t>
+            </a:r>
+          </a:p>
+          <a:p>
+            <a:pPr algn="ctr"/>
+            <a:r>
+              <a:rPr lang="en-US" b="1" dirty="0"/>
+              <a:t> </a:t>
+            </a:r>
+            <a:endParaRPr lang="en-US" dirty="0"/>
+          </a:p>
+          <a:p>
+            <a:pPr algn="ctr"/>
+            <a:r>
+              <a:rPr lang="en-US" b="1" dirty="0"/>
+              <a:t>Session </a:t>
+            </a:r>
+            <a:r>
+              <a:rPr lang="en-US" b="1" dirty="0" smtClean="0"/>
+              <a:t>31</a:t>
+            </a:r>
+            <a:endParaRPr lang="en-US" dirty="0"/>
+          </a:p>
+          <a:p>
+            <a:pPr algn="ctr"/>
+            <a:r>
+              <a:rPr lang="en-US" sz="4000" b="1" dirty="0" smtClean="0"/>
+              <a:t/>
+            </a:r>
+            <a:br>
+              <a:rPr lang="en-US" sz="4000" b="1" dirty="0" smtClean="0"/>
+            </a:br>
+            <a:r>
+              <a:rPr lang="en-US" sz="4000" b="1" dirty="0" smtClean="0"/>
+              <a:t>Got </a:t>
+            </a:r>
+            <a:r>
+              <a:rPr lang="en-US" sz="4000" b="1" dirty="0"/>
+              <a:t>a CMS? Get Your </a:t>
+            </a:r>
+            <a:r>
+              <a:rPr lang="en-US" sz="4000" b="1" dirty="0" err="1"/>
+              <a:t>Webdevmojo</a:t>
+            </a:r>
+            <a:r>
+              <a:rPr lang="en-US" sz="4000" b="1" dirty="0"/>
+              <a:t> Back with </a:t>
+            </a:r>
+            <a:r>
+              <a:rPr lang="en-US" sz="4000" b="1" dirty="0" smtClean="0"/>
+              <a:t>JavaScript!</a:t>
+            </a:r>
+            <a:br>
+              <a:rPr lang="en-US" sz="4000" b="1" dirty="0" smtClean="0"/>
+            </a:br>
+            <a:endParaRPr lang="en-US" sz="4000" dirty="0"/>
+          </a:p>
+          <a:p>
+            <a:pPr algn="ctr"/>
+            <a:r>
+              <a:rPr lang="en-US" sz="3200" dirty="0" smtClean="0"/>
+              <a:t>Paul Burtness, Anoka County, MN</a:t>
+            </a:r>
+            <a:endParaRPr lang="en-US" sz="3200" dirty="0"/>
+          </a:p>
+          <a:p>
+            <a:pPr algn="ctr"/>
+            <a:r>
+              <a:rPr lang="en-US" b="1" dirty="0"/>
+              <a:t> </a:t>
+            </a:r>
+            <a:endParaRPr lang="en-US" dirty="0"/>
+          </a:p>
+          <a:p>
+            <a:pPr algn="ctr"/>
+            <a:r>
+              <a:rPr lang="en-US" b="1" dirty="0" smtClean="0"/>
+              <a:t>Wednesday, </a:t>
+            </a:r>
+            <a:r>
+              <a:rPr lang="en-US" b="1" dirty="0"/>
+              <a:t>December </a:t>
+            </a:r>
+            <a:r>
+              <a:rPr lang="en-US" b="1" dirty="0" smtClean="0"/>
+              <a:t>10, </a:t>
+            </a:r>
+            <a:r>
+              <a:rPr lang="en-US" b="1" dirty="0"/>
+              <a:t>2014</a:t>
+            </a:r>
+            <a:endParaRPr lang="en-US" dirty="0"/>
+          </a:p>
+          <a:p>
+            <a:pPr algn="ctr"/>
+            <a:r>
+              <a:rPr lang="en-US" b="1" dirty="0"/>
+              <a:t>2:00 p.m. – 3:00 </a:t>
+            </a:r>
+            <a:r>
+              <a:rPr lang="en-US" b="1" dirty="0" smtClean="0"/>
+              <a:t>p.m.</a:t>
+            </a:r>
+            <a:endParaRPr lang="en-US" dirty="0"/>
+          </a:p>
+          <a:p>
             <a:endParaRPr lang="en-US" dirty="0"/>
           </a:p>
         </p:txBody>
@@ -3165,6 +3282,13 @@
   <p:clrMapOvr>
     <a:masterClrMapping/>
   </p:clrMapOvr>
+  <p:timing>
+    <p:tnLst>
+      <p:par>
+        <p:cTn id="1" dur="indefinite" restart="never" nodeType="tmRoot"/>
+      </p:par>
+    </p:tnLst>
+  </p:timing>
 </p:sld>
 </file>
 
@@ -3197,22 +3321,94 @@
         </p:nvSpPr>
         <p:spPr/>
         <p:txBody>
-          <a:bodyPr/>
-          <a:lstStyle/>
-          <a:p>
-            <a:r>
-              <a:rPr lang="en-US" smtClean="0"/>
-              <a:t>Plays </a:t>
-            </a:r>
-            <a:r>
-              <a:rPr lang="en-US" dirty="0" smtClean="0"/>
-              <a:t>well </a:t>
-            </a:r>
-            <a:r>
-              <a:rPr lang="en-US" smtClean="0"/>
-              <a:t>with others…</a:t>
-            </a:r>
-            <a:endParaRPr lang="en-US"/>
+          <a:bodyPr>
+            <a:normAutofit fontScale="90000"/>
+          </a:bodyPr>
+          <a:lstStyle/>
+          <a:p>
+            <a:r>
+              <a:rPr lang="en-US" dirty="0" smtClean="0"/>
+              <a:t>How do you “play </a:t>
+            </a:r>
+            <a:r>
+              <a:rPr lang="en-US" dirty="0" smtClean="0"/>
+              <a:t>well with </a:t>
+            </a:r>
+            <a:r>
+              <a:rPr lang="en-US" dirty="0" smtClean="0"/>
+              <a:t>others?”</a:t>
+            </a:r>
+            <a:endParaRPr lang="en-US" dirty="0"/>
+          </a:p>
+        </p:txBody>
+      </p:sp>
+      <p:sp>
+        <p:nvSpPr>
+          <p:cNvPr id="3" name="TextBox 2"/>
+          <p:cNvSpPr txBox="1"/>
+          <p:nvPr/>
+        </p:nvSpPr>
+        <p:spPr>
+          <a:xfrm>
+            <a:off x="1066800" y="1676400"/>
+            <a:ext cx="6781800" cy="1938992"/>
+          </a:xfrm>
+          <a:prstGeom prst="rect">
+            <a:avLst/>
+          </a:prstGeom>
+          <a:noFill/>
+        </p:spPr>
+        <p:txBody>
+          <a:bodyPr wrap="square" rtlCol="0">
+            <a:spAutoFit/>
+          </a:bodyPr>
+          <a:lstStyle/>
+          <a:p>
+            <a:pPr marL="285750" indent="-285750">
+              <a:buFont typeface="Arial" panose="020B0604020202020204" pitchFamily="34" charset="0"/>
+              <a:buChar char="•"/>
+            </a:pPr>
+            <a:r>
+              <a:rPr lang="en-US" dirty="0" smtClean="0"/>
+              <a:t>Problem:  Inserting your JavaScript into a webpage with existing scripts can break the page.</a:t>
+            </a:r>
+          </a:p>
+          <a:p>
+            <a:pPr marL="285750" indent="-285750">
+              <a:buFont typeface="Arial" panose="020B0604020202020204" pitchFamily="34" charset="0"/>
+              <a:buChar char="•"/>
+            </a:pPr>
+            <a:r>
+              <a:rPr lang="en-US" dirty="0" smtClean="0"/>
+              <a:t>Reason:  By default, everything in JavaScript is global.</a:t>
+            </a:r>
+          </a:p>
+          <a:p>
+            <a:pPr marL="285750" indent="-285750">
+              <a:buFont typeface="Arial" panose="020B0604020202020204" pitchFamily="34" charset="0"/>
+              <a:buChar char="•"/>
+            </a:pPr>
+            <a:r>
+              <a:rPr lang="en-US" dirty="0" smtClean="0"/>
+              <a:t>Consequences:  You can overwrite existing variables and functions or they can overwrite your code.</a:t>
+            </a:r>
+          </a:p>
+          <a:p>
+            <a:pPr marL="285750" indent="-285750">
+              <a:buFont typeface="Arial" panose="020B0604020202020204" pitchFamily="34" charset="0"/>
+              <a:buChar char="•"/>
+            </a:pPr>
+            <a:r>
+              <a:rPr lang="en-US" dirty="0" smtClean="0"/>
+              <a:t>Example:  Broken Page</a:t>
+            </a:r>
+          </a:p>
+          <a:p>
+            <a:pPr marL="285750" indent="-285750">
+              <a:buFont typeface="Arial" panose="020B0604020202020204" pitchFamily="34" charset="0"/>
+              <a:buChar char="•"/>
+            </a:pPr>
+            <a:endParaRPr lang="en-US" baseline="-25000" dirty="0"/>
           </a:p>
         </p:txBody>
       </p:sp>
@@ -3226,6 +3422,13 @@
   <p:clrMapOvr>
     <a:masterClrMapping/>
   </p:clrMapOvr>
+  <p:timing>
+    <p:tnLst>
+      <p:par>
+        <p:cTn id="1" dur="indefinite" restart="never" nodeType="tmRoot"/>
+      </p:par>
+    </p:tnLst>
+  </p:timing>
 </p:sld>
 </file>
 
@@ -3246,39 +3449,77 @@
           <a:chExt cx="0" cy="0"/>
         </a:xfrm>
       </p:grpSpPr>
-      <p:sp>
-        <p:nvSpPr>
-          <p:cNvPr id="2" name="Title 1"/>
-          <p:cNvSpPr>
-            <a:spLocks noGrp="1"/>
-          </p:cNvSpPr>
-          <p:nvPr>
-            <p:ph type="title"/>
-          </p:nvPr>
-        </p:nvSpPr>
-        <p:spPr/>
-        <p:txBody>
-          <a:bodyPr/>
-          <a:lstStyle/>
-          <a:p>
-            <a:r>
-              <a:rPr lang="en-US" dirty="0" smtClean="0"/>
-              <a:t>Patterns</a:t>
-            </a:r>
-            <a:endParaRPr lang="en-US" dirty="0"/>
-          </a:p>
-        </p:txBody>
-      </p:sp>
+      <p:pic>
+        <p:nvPicPr>
+          <p:cNvPr id="2050" name="Picture 2"/>
+          <p:cNvPicPr>
+            <a:picLocks noChangeAspect="1" noChangeArrowheads="1"/>
+          </p:cNvPicPr>
+          <p:nvPr/>
+        </p:nvPicPr>
+        <p:blipFill>
+          <a:blip r:embed="rId2">
+            <a:extLst>
+              <a:ext uri="{28A0092B-C50C-407E-A947-70E740481C1C}">
+                <a14:useLocalDpi xmlns:a14="http://schemas.microsoft.com/office/drawing/2010/main" val="0"/>
+              </a:ext>
+            </a:extLst>
+          </a:blip>
+          <a:srcRect/>
+          <a:stretch>
+            <a:fillRect/>
+          </a:stretch>
+        </p:blipFill>
+        <p:spPr bwMode="auto">
+          <a:xfrm>
+            <a:off x="289322" y="0"/>
+            <a:ext cx="8626078" cy="6858000"/>
+          </a:xfrm>
+          <a:prstGeom prst="rect">
+            <a:avLst/>
+          </a:prstGeom>
+          <a:noFill/>
+          <a:ln>
+            <a:noFill/>
+          </a:ln>
+          <a:extLst>
+            <a:ext uri="{909E8E84-426E-40DD-AFC4-6F175D3DCCD1}">
+              <a14:hiddenFill xmlns:a14="http://schemas.microsoft.com/office/drawing/2010/main">
+                <a:solidFill>
+                  <a:schemeClr val="accent1"/>
+                </a:solidFill>
+              </a14:hiddenFill>
+            </a:ext>
+            <a:ext uri="{91240B29-F687-4F45-9708-019B960494DF}">
+              <a14:hiddenLine xmlns:a14="http://schemas.microsoft.com/office/drawing/2010/main" w="9525">
+                <a:solidFill>
+                  <a:schemeClr val="tx1"/>
+                </a:solidFill>
+                <a:miter lim="800000"/>
+                <a:headEnd/>
+                <a:tailEnd/>
+              </a14:hiddenLine>
+            </a:ext>
+          </a:extLst>
+        </p:spPr>
+      </p:pic>
     </p:spTree>
     <p:extLst>
       <p:ext uri="{BB962C8B-B14F-4D97-AF65-F5344CB8AC3E}">
-        <p14:creationId xmlns:p14="http://schemas.microsoft.com/office/powerpoint/2010/main" val="2567194083"/>
+        <p14:creationId xmlns:p14="http://schemas.microsoft.com/office/powerpoint/2010/main" val="401319095"/>
       </p:ext>
     </p:extLst>
   </p:cSld>
   <p:clrMapOvr>
     <a:masterClrMapping/>
   </p:clrMapOvr>
+  <p:timing>
+    <p:tnLst>
+      <p:par>
+        <p:cTn id="1" dur="indefinite" restart="never" nodeType="tmRoot"/>
+      </p:par>
+    </p:tnLst>
+  </p:timing>
 </p:sld>
 </file>
 
@@ -3299,39 +3540,77 @@
           <a:chExt cx="0" cy="0"/>
         </a:xfrm>
       </p:grpSpPr>
-      <p:sp>
-        <p:nvSpPr>
-          <p:cNvPr id="2" name="Title 1"/>
-          <p:cNvSpPr>
-            <a:spLocks noGrp="1"/>
-          </p:cNvSpPr>
-          <p:nvPr>
-            <p:ph type="title"/>
-          </p:nvPr>
-        </p:nvSpPr>
-        <p:spPr/>
-        <p:txBody>
-          <a:bodyPr/>
-          <a:lstStyle/>
-          <a:p>
-            <a:r>
-              <a:rPr lang="en-US" dirty="0" smtClean="0"/>
-              <a:t>Keep it accessible</a:t>
-            </a:r>
-            <a:endParaRPr lang="en-US" dirty="0"/>
-          </a:p>
-        </p:txBody>
-      </p:sp>
+      <p:pic>
+        <p:nvPicPr>
+          <p:cNvPr id="1026" name="Picture 2"/>
+          <p:cNvPicPr>
+            <a:picLocks noChangeAspect="1" noChangeArrowheads="1"/>
+          </p:cNvPicPr>
+          <p:nvPr/>
+        </p:nvPicPr>
+        <p:blipFill>
+          <a:blip r:embed="rId2">
+            <a:extLst>
+              <a:ext uri="{28A0092B-C50C-407E-A947-70E740481C1C}">
+                <a14:useLocalDpi xmlns:a14="http://schemas.microsoft.com/office/drawing/2010/main" val="0"/>
+              </a:ext>
+            </a:extLst>
+          </a:blip>
+          <a:srcRect/>
+          <a:stretch>
+            <a:fillRect/>
+          </a:stretch>
+        </p:blipFill>
+        <p:spPr bwMode="auto">
+          <a:xfrm>
+            <a:off x="1219200" y="0"/>
+            <a:ext cx="7239000" cy="6807016"/>
+          </a:xfrm>
+          <a:prstGeom prst="rect">
+            <a:avLst/>
+          </a:prstGeom>
+          <a:noFill/>
+          <a:ln>
+            <a:noFill/>
+          </a:ln>
+          <a:extLst>
+            <a:ext uri="{909E8E84-426E-40DD-AFC4-6F175D3DCCD1}">
+              <a14:hiddenFill xmlns:a14="http://schemas.microsoft.com/office/drawing/2010/main">
+                <a:solidFill>
+                  <a:schemeClr val="accent1"/>
+                </a:solidFill>
+              </a14:hiddenFill>
+            </a:ext>
+            <a:ext uri="{91240B29-F687-4F45-9708-019B960494DF}">
+              <a14:hiddenLine xmlns:a14="http://schemas.microsoft.com/office/drawing/2010/main" w="9525">
+                <a:solidFill>
+                  <a:schemeClr val="tx1"/>
+                </a:solidFill>
+                <a:miter lim="800000"/>
+                <a:headEnd/>
+                <a:tailEnd/>
+              </a14:hiddenLine>
+            </a:ext>
+          </a:extLst>
+        </p:spPr>
+      </p:pic>
     </p:spTree>
     <p:extLst>
       <p:ext uri="{BB962C8B-B14F-4D97-AF65-F5344CB8AC3E}">
-        <p14:creationId xmlns:p14="http://schemas.microsoft.com/office/powerpoint/2010/main" val="1382696099"/>
+        <p14:creationId xmlns:p14="http://schemas.microsoft.com/office/powerpoint/2010/main" val="2068770448"/>
       </p:ext>
     </p:extLst>
   </p:cSld>
   <p:clrMapOvr>
     <a:masterClrMapping/>
   </p:clrMapOvr>
+  <p:timing>
+    <p:tnLst>
+      <p:par>
+        <p:cTn id="1" dur="indefinite" restart="never" nodeType="tmRoot"/>
+      </p:par>
+    </p:tnLst>
+  </p:timing>
 </p:sld>
 </file>
 
@@ -3354,6 +3633,666 @@
       </p:grpSpPr>
       <p:sp>
         <p:nvSpPr>
+          <p:cNvPr id="3" name="TextBox 2"/>
+          <p:cNvSpPr txBox="1"/>
+          <p:nvPr/>
+        </p:nvSpPr>
+        <p:spPr>
+          <a:xfrm>
+            <a:off x="609601" y="914400"/>
+            <a:ext cx="8305799" cy="3785652"/>
+          </a:xfrm>
+          <a:prstGeom prst="rect">
+            <a:avLst/>
+          </a:prstGeom>
+          <a:noFill/>
+        </p:spPr>
+        <p:txBody>
+          <a:bodyPr wrap="square" rtlCol="0">
+            <a:spAutoFit/>
+          </a:bodyPr>
+          <a:lstStyle/>
+          <a:p>
+            <a:r>
+              <a:rPr lang="en-US" sz="2400" dirty="0">
+                <a:latin typeface="Courier New" panose="02070309020205020404" pitchFamily="49" charset="0"/>
+                <a:cs typeface="Courier New" panose="02070309020205020404" pitchFamily="49" charset="0"/>
+              </a:rPr>
+              <a:t>&lt;p&gt;This is a custom HTML widget.  JavaScript is embedded after this paragraph.&lt;/p</a:t>
+            </a:r>
+            <a:r>
+              <a:rPr lang="en-US" sz="2400" dirty="0" smtClean="0">
+                <a:latin typeface="Courier New" panose="02070309020205020404" pitchFamily="49" charset="0"/>
+                <a:cs typeface="Courier New" panose="02070309020205020404" pitchFamily="49" charset="0"/>
+              </a:rPr>
+              <a:t>&gt;</a:t>
+            </a:r>
+          </a:p>
+          <a:p>
+            <a:endParaRPr lang="en-US" sz="2400" dirty="0">
+              <a:latin typeface="Courier New" panose="02070309020205020404" pitchFamily="49" charset="0"/>
+              <a:cs typeface="Courier New" panose="02070309020205020404" pitchFamily="49" charset="0"/>
+            </a:endParaRPr>
+          </a:p>
+          <a:p>
+            <a:r>
+              <a:rPr lang="en-US" sz="2400" dirty="0" smtClean="0">
+                <a:latin typeface="Courier New" panose="02070309020205020404" pitchFamily="49" charset="0"/>
+                <a:cs typeface="Courier New" panose="02070309020205020404" pitchFamily="49" charset="0"/>
+              </a:rPr>
+              <a:t>&lt;</a:t>
+            </a:r>
+            <a:r>
+              <a:rPr lang="en-US" sz="2400" dirty="0">
+                <a:latin typeface="Courier New" panose="02070309020205020404" pitchFamily="49" charset="0"/>
+                <a:cs typeface="Courier New" panose="02070309020205020404" pitchFamily="49" charset="0"/>
+              </a:rPr>
+              <a:t>script type="</a:t>
+            </a:r>
+            <a:r>
+              <a:rPr lang="en-US" sz="2400" dirty="0" smtClean="0">
+                <a:latin typeface="Courier New" panose="02070309020205020404" pitchFamily="49" charset="0"/>
+                <a:cs typeface="Courier New" panose="02070309020205020404" pitchFamily="49" charset="0"/>
+              </a:rPr>
+              <a:t>text/</a:t>
+            </a:r>
+            <a:r>
+              <a:rPr lang="en-US" sz="2400" smtClean="0">
+                <a:latin typeface="Courier New" panose="02070309020205020404" pitchFamily="49" charset="0"/>
+                <a:cs typeface="Courier New" panose="02070309020205020404" pitchFamily="49" charset="0"/>
+              </a:rPr>
+              <a:t>javascript</a:t>
+            </a:r>
+            <a:r>
+              <a:rPr lang="en-US" sz="2400" dirty="0" smtClean="0">
+                <a:latin typeface="Courier New" panose="02070309020205020404" pitchFamily="49" charset="0"/>
+                <a:cs typeface="Courier New" panose="02070309020205020404" pitchFamily="49" charset="0"/>
+              </a:rPr>
+              <a:t>"&gt;</a:t>
+            </a:r>
+          </a:p>
+          <a:p>
+            <a:endParaRPr lang="en-US" sz="2400" dirty="0">
+              <a:latin typeface="Courier New" panose="02070309020205020404" pitchFamily="49" charset="0"/>
+              <a:cs typeface="Courier New" panose="02070309020205020404" pitchFamily="49" charset="0"/>
+            </a:endParaRPr>
+          </a:p>
+          <a:p>
+            <a:r>
+              <a:rPr lang="en-US" sz="2400" dirty="0" smtClean="0">
+                <a:latin typeface="Courier New" panose="02070309020205020404" pitchFamily="49" charset="0"/>
+                <a:cs typeface="Courier New" panose="02070309020205020404" pitchFamily="49" charset="0"/>
+              </a:rPr>
+              <a:t>function </a:t>
+            </a:r>
+            <a:r>
+              <a:rPr lang="en-US" sz="2400" dirty="0" err="1">
+                <a:latin typeface="Courier New" panose="02070309020205020404" pitchFamily="49" charset="0"/>
+                <a:cs typeface="Courier New" panose="02070309020205020404" pitchFamily="49" charset="0"/>
+              </a:rPr>
+              <a:t>doWidgetSearch</a:t>
+            </a:r>
+            <a:r>
+              <a:rPr lang="en-US" sz="2400" dirty="0">
+                <a:latin typeface="Courier New" panose="02070309020205020404" pitchFamily="49" charset="0"/>
+                <a:cs typeface="Courier New" panose="02070309020205020404" pitchFamily="49" charset="0"/>
+              </a:rPr>
+              <a:t>(</a:t>
+            </a:r>
+            <a:r>
+              <a:rPr lang="en-US" sz="2400" dirty="0" err="1">
+                <a:latin typeface="Courier New" panose="02070309020205020404" pitchFamily="49" charset="0"/>
+                <a:cs typeface="Courier New" panose="02070309020205020404" pitchFamily="49" charset="0"/>
+              </a:rPr>
+              <a:t>searchPhrase</a:t>
+            </a:r>
+            <a:r>
+              <a:rPr lang="en-US" sz="2400" dirty="0">
+                <a:latin typeface="Courier New" panose="02070309020205020404" pitchFamily="49" charset="0"/>
+                <a:cs typeface="Courier New" panose="02070309020205020404" pitchFamily="49" charset="0"/>
+              </a:rPr>
+              <a:t>) </a:t>
+            </a:r>
+            <a:r>
+              <a:rPr lang="en-US" sz="2400" dirty="0" smtClean="0">
+                <a:latin typeface="Courier New" panose="02070309020205020404" pitchFamily="49" charset="0"/>
+                <a:cs typeface="Courier New" panose="02070309020205020404" pitchFamily="49" charset="0"/>
+              </a:rPr>
+              <a:t>{</a:t>
+            </a:r>
+          </a:p>
+          <a:p>
+            <a:r>
+              <a:rPr lang="en-US" sz="2400" dirty="0">
+                <a:latin typeface="Courier New" panose="02070309020205020404" pitchFamily="49" charset="0"/>
+                <a:cs typeface="Courier New" panose="02070309020205020404" pitchFamily="49" charset="0"/>
+              </a:rPr>
+              <a:t>	if (</a:t>
+            </a:r>
+            <a:r>
+              <a:rPr lang="en-US" sz="2400" dirty="0" err="1">
+                <a:latin typeface="Courier New" panose="02070309020205020404" pitchFamily="49" charset="0"/>
+                <a:cs typeface="Courier New" panose="02070309020205020404" pitchFamily="49" charset="0"/>
+              </a:rPr>
+              <a:t>searchPhrase</a:t>
+            </a:r>
+            <a:r>
+              <a:rPr lang="en-US" sz="2400" dirty="0">
+                <a:latin typeface="Courier New" panose="02070309020205020404" pitchFamily="49" charset="0"/>
+                <a:cs typeface="Courier New" panose="02070309020205020404" pitchFamily="49" charset="0"/>
+              </a:rPr>
+              <a:t> != '') </a:t>
+            </a:r>
+            <a:r>
+              <a:rPr lang="en-US" sz="2400" dirty="0" smtClean="0">
+                <a:latin typeface="Courier New" panose="02070309020205020404" pitchFamily="49" charset="0"/>
+                <a:cs typeface="Courier New" panose="02070309020205020404" pitchFamily="49" charset="0"/>
+              </a:rPr>
+              <a:t>{</a:t>
+            </a:r>
+          </a:p>
+          <a:p>
+            <a:r>
+              <a:rPr lang="en-US" sz="2400" dirty="0">
+                <a:latin typeface="Courier New" panose="02070309020205020404" pitchFamily="49" charset="0"/>
+                <a:cs typeface="Courier New" panose="02070309020205020404" pitchFamily="49" charset="0"/>
+              </a:rPr>
+              <a:t>		alert("Search is now broken</a:t>
+            </a:r>
+            <a:r>
+              <a:rPr lang="en-US" sz="2400" dirty="0" smtClean="0">
+                <a:latin typeface="Courier New" panose="02070309020205020404" pitchFamily="49" charset="0"/>
+                <a:cs typeface="Courier New" panose="02070309020205020404" pitchFamily="49" charset="0"/>
+              </a:rPr>
+              <a:t>!");</a:t>
+            </a:r>
+          </a:p>
+          <a:p>
+            <a:r>
+              <a:rPr lang="en-US" sz="2400" dirty="0">
+                <a:latin typeface="Courier New" panose="02070309020205020404" pitchFamily="49" charset="0"/>
+                <a:cs typeface="Courier New" panose="02070309020205020404" pitchFamily="49" charset="0"/>
+              </a:rPr>
+              <a:t>	</a:t>
+            </a:r>
+            <a:r>
+              <a:rPr lang="en-US" sz="2400" dirty="0" smtClean="0">
+                <a:latin typeface="Courier New" panose="02070309020205020404" pitchFamily="49" charset="0"/>
+                <a:cs typeface="Courier New" panose="02070309020205020404" pitchFamily="49" charset="0"/>
+              </a:rPr>
+              <a:t>}}</a:t>
+            </a:r>
+          </a:p>
+          <a:p>
+            <a:r>
+              <a:rPr lang="en-US" sz="2400" dirty="0" smtClean="0">
+                <a:latin typeface="Courier New" panose="02070309020205020404" pitchFamily="49" charset="0"/>
+                <a:cs typeface="Courier New" panose="02070309020205020404" pitchFamily="49" charset="0"/>
+              </a:rPr>
+              <a:t>&lt;/</a:t>
+            </a:r>
+            <a:r>
+              <a:rPr lang="en-US" sz="2400" dirty="0">
+                <a:latin typeface="Courier New" panose="02070309020205020404" pitchFamily="49" charset="0"/>
+                <a:cs typeface="Courier New" panose="02070309020205020404" pitchFamily="49" charset="0"/>
+              </a:rPr>
+              <a:t>script&gt;</a:t>
+            </a:r>
+          </a:p>
+        </p:txBody>
+      </p:sp>
+    </p:spTree>
+    <p:extLst>
+      <p:ext uri="{BB962C8B-B14F-4D97-AF65-F5344CB8AC3E}">
+        <p14:creationId xmlns:p14="http://schemas.microsoft.com/office/powerpoint/2010/main" val="2893645492"/>
+      </p:ext>
+    </p:extLst>
+  </p:cSld>
+  <p:clrMapOvr>
+    <a:masterClrMapping/>
+  </p:clrMapOvr>
+  <p:timing>
+    <p:tnLst>
+      <p:par>
+        <p:cTn id="1" dur="indefinite" restart="never" nodeType="tmRoot"/>
+      </p:par>
+    </p:tnLst>
+  </p:timing>
+</p:sld>
+</file>
+
+<file path=ppt/slides/slide14.xml><?xml version="1.0" encoding="utf-8"?>
+<p:sld xmlns:a="http://schemas.openxmlformats.org/drawingml/2006/main" xmlns:r="http://schemas.openxmlformats.org/officeDocument/2006/relationships" xmlns:p="http://schemas.openxmlformats.org/presentationml/2006/main">
+  <p:cSld>
+    <p:spTree>
+      <p:nvGrpSpPr>
+        <p:cNvPr id="1" name=""/>
+        <p:cNvGrpSpPr/>
+        <p:nvPr/>
+      </p:nvGrpSpPr>
+      <p:grpSpPr>
+        <a:xfrm>
+          <a:off x="0" y="0"/>
+          <a:ext cx="0" cy="0"/>
+          <a:chOff x="0" y="0"/>
+          <a:chExt cx="0" cy="0"/>
+        </a:xfrm>
+      </p:grpSpPr>
+      <p:pic>
+        <p:nvPicPr>
+          <p:cNvPr id="3074" name="Picture 2"/>
+          <p:cNvPicPr>
+            <a:picLocks noChangeAspect="1" noChangeArrowheads="1"/>
+          </p:cNvPicPr>
+          <p:nvPr/>
+        </p:nvPicPr>
+        <p:blipFill>
+          <a:blip r:embed="rId2">
+            <a:extLst>
+              <a:ext uri="{28A0092B-C50C-407E-A947-70E740481C1C}">
+                <a14:useLocalDpi xmlns:a14="http://schemas.microsoft.com/office/drawing/2010/main" val="0"/>
+              </a:ext>
+            </a:extLst>
+          </a:blip>
+          <a:srcRect/>
+          <a:stretch>
+            <a:fillRect/>
+          </a:stretch>
+        </p:blipFill>
+        <p:spPr bwMode="auto">
+          <a:xfrm>
+            <a:off x="304800" y="1"/>
+            <a:ext cx="8626077" cy="6857999"/>
+          </a:xfrm>
+          <a:prstGeom prst="rect">
+            <a:avLst/>
+          </a:prstGeom>
+          <a:noFill/>
+          <a:ln>
+            <a:noFill/>
+          </a:ln>
+          <a:extLst>
+            <a:ext uri="{909E8E84-426E-40DD-AFC4-6F175D3DCCD1}">
+              <a14:hiddenFill xmlns:a14="http://schemas.microsoft.com/office/drawing/2010/main">
+                <a:solidFill>
+                  <a:schemeClr val="accent1"/>
+                </a:solidFill>
+              </a14:hiddenFill>
+            </a:ext>
+            <a:ext uri="{91240B29-F687-4F45-9708-019B960494DF}">
+              <a14:hiddenLine xmlns:a14="http://schemas.microsoft.com/office/drawing/2010/main" w="9525">
+                <a:solidFill>
+                  <a:schemeClr val="tx1"/>
+                </a:solidFill>
+                <a:miter lim="800000"/>
+                <a:headEnd/>
+                <a:tailEnd/>
+              </a14:hiddenLine>
+            </a:ext>
+          </a:extLst>
+        </p:spPr>
+      </p:pic>
+    </p:spTree>
+    <p:extLst>
+      <p:ext uri="{BB962C8B-B14F-4D97-AF65-F5344CB8AC3E}">
+        <p14:creationId xmlns:p14="http://schemas.microsoft.com/office/powerpoint/2010/main" val="4015715092"/>
+      </p:ext>
+    </p:extLst>
+  </p:cSld>
+  <p:clrMapOvr>
+    <a:masterClrMapping/>
+  </p:clrMapOvr>
+  <p:timing>
+    <p:tnLst>
+      <p:par>
+        <p:cTn id="1" dur="indefinite" restart="never" nodeType="tmRoot"/>
+      </p:par>
+    </p:tnLst>
+  </p:timing>
+</p:sld>
+</file>
+
+<file path=ppt/slides/slide15.xml><?xml version="1.0" encoding="utf-8"?>
+<p:sld xmlns:a="http://schemas.openxmlformats.org/drawingml/2006/main" xmlns:r="http://schemas.openxmlformats.org/officeDocument/2006/relationships" xmlns:p="http://schemas.openxmlformats.org/presentationml/2006/main">
+  <p:cSld>
+    <p:spTree>
+      <p:nvGrpSpPr>
+        <p:cNvPr id="1" name=""/>
+        <p:cNvGrpSpPr/>
+        <p:nvPr/>
+      </p:nvGrpSpPr>
+      <p:grpSpPr>
+        <a:xfrm>
+          <a:off x="0" y="0"/>
+          <a:ext cx="0" cy="0"/>
+          <a:chOff x="0" y="0"/>
+          <a:chExt cx="0" cy="0"/>
+        </a:xfrm>
+      </p:grpSpPr>
+      <p:sp>
+        <p:nvSpPr>
+          <p:cNvPr id="2" name="Title 1"/>
+          <p:cNvSpPr>
+            <a:spLocks noGrp="1"/>
+          </p:cNvSpPr>
+          <p:nvPr>
+            <p:ph type="title"/>
+          </p:nvPr>
+        </p:nvSpPr>
+        <p:spPr/>
+        <p:txBody>
+          <a:bodyPr>
+            <a:normAutofit fontScale="90000"/>
+          </a:bodyPr>
+          <a:lstStyle/>
+          <a:p>
+            <a:r>
+              <a:rPr lang="en-US" dirty="0" smtClean="0"/>
+              <a:t>How do you “play </a:t>
+            </a:r>
+            <a:r>
+              <a:rPr lang="en-US" dirty="0" smtClean="0"/>
+              <a:t>well with </a:t>
+            </a:r>
+            <a:r>
+              <a:rPr lang="en-US" dirty="0" smtClean="0"/>
+              <a:t>others?”</a:t>
+            </a:r>
+            <a:endParaRPr lang="en-US" dirty="0"/>
+          </a:p>
+        </p:txBody>
+      </p:sp>
+      <p:sp>
+        <p:nvSpPr>
+          <p:cNvPr id="3" name="TextBox 2"/>
+          <p:cNvSpPr txBox="1"/>
+          <p:nvPr/>
+        </p:nvSpPr>
+        <p:spPr>
+          <a:xfrm>
+            <a:off x="1066800" y="1676400"/>
+            <a:ext cx="6781800" cy="3970318"/>
+          </a:xfrm>
+          <a:prstGeom prst="rect">
+            <a:avLst/>
+          </a:prstGeom>
+          <a:noFill/>
+        </p:spPr>
+        <p:txBody>
+          <a:bodyPr wrap="square" rtlCol="0">
+            <a:spAutoFit/>
+          </a:bodyPr>
+          <a:lstStyle/>
+          <a:p>
+            <a:pPr marL="285750" indent="-285750">
+              <a:buFont typeface="Arial" panose="020B0604020202020204" pitchFamily="34" charset="0"/>
+              <a:buChar char="•"/>
+            </a:pPr>
+            <a:r>
+              <a:rPr lang="en-US" dirty="0" smtClean="0"/>
+              <a:t>Problem:  Inserting your JavaScript into a webpage with existing scripts can break the page.</a:t>
+            </a:r>
+          </a:p>
+          <a:p>
+            <a:pPr marL="285750" indent="-285750">
+              <a:buFont typeface="Arial" panose="020B0604020202020204" pitchFamily="34" charset="0"/>
+              <a:buChar char="•"/>
+            </a:pPr>
+            <a:r>
+              <a:rPr lang="en-US" dirty="0" smtClean="0"/>
+              <a:t>Reason:  By default, everything in JavaScript is global.</a:t>
+            </a:r>
+          </a:p>
+          <a:p>
+            <a:pPr marL="285750" indent="-285750">
+              <a:buFont typeface="Arial" panose="020B0604020202020204" pitchFamily="34" charset="0"/>
+              <a:buChar char="•"/>
+            </a:pPr>
+            <a:r>
+              <a:rPr lang="en-US" dirty="0" smtClean="0"/>
+              <a:t>Consequences:  You can overwrite existing variables and functions or they can overwrite your code.</a:t>
+            </a:r>
+          </a:p>
+          <a:p>
+            <a:pPr marL="285750" indent="-285750">
+              <a:buFont typeface="Arial" panose="020B0604020202020204" pitchFamily="34" charset="0"/>
+              <a:buChar char="•"/>
+            </a:pPr>
+            <a:r>
+              <a:rPr lang="en-US" dirty="0" smtClean="0"/>
+              <a:t>Example:  Broken Page</a:t>
+            </a:r>
+          </a:p>
+          <a:p>
+            <a:pPr marL="285750" indent="-285750">
+              <a:buFont typeface="Arial" panose="020B0604020202020204" pitchFamily="34" charset="0"/>
+              <a:buChar char="•"/>
+            </a:pPr>
+            <a:r>
+              <a:rPr lang="en-US" dirty="0" smtClean="0"/>
+              <a:t>Solution:  Create a JavaScript “namespace” – a single global object that contains all variables and functions</a:t>
+            </a:r>
+          </a:p>
+          <a:p>
+            <a:pPr marL="285750" indent="-285750">
+              <a:buFont typeface="Arial" panose="020B0604020202020204" pitchFamily="34" charset="0"/>
+              <a:buChar char="•"/>
+            </a:pPr>
+            <a:r>
+              <a:rPr lang="en-US" dirty="0" smtClean="0"/>
+              <a:t>For more information:</a:t>
+            </a:r>
+          </a:p>
+          <a:p>
+            <a:pPr marL="742950" lvl="1" indent="-285750">
+              <a:buFont typeface="Arial" panose="020B0604020202020204" pitchFamily="34" charset="0"/>
+              <a:buChar char="•"/>
+            </a:pPr>
+            <a:r>
+              <a:rPr lang="en-US" dirty="0" smtClean="0">
+                <a:hlinkClick r:id="rId2"/>
+              </a:rPr>
+              <a:t>http://www.kenneth-truyers.net/2013/04/27/javascript-namespaces-and-modules/</a:t>
+            </a:r>
+            <a:endParaRPr lang="en-US" dirty="0" smtClean="0"/>
+          </a:p>
+          <a:p>
+            <a:pPr marL="742950" lvl="1" indent="-285750">
+              <a:buFont typeface="Arial" panose="020B0604020202020204" pitchFamily="34" charset="0"/>
+              <a:buChar char="•"/>
+            </a:pPr>
+            <a:r>
+              <a:rPr lang="en-US" dirty="0" smtClean="0">
+                <a:hlinkClick r:id="rId3"/>
+              </a:rPr>
+              <a:t>http</a:t>
+            </a:r>
+            <a:r>
+              <a:rPr lang="en-US" dirty="0">
+                <a:hlinkClick r:id="rId3"/>
+              </a:rPr>
+              <a:t>://appendto.com/2010/10/how-good-c-habits-can-encourage-bad-javascript-habits-part-1</a:t>
+            </a:r>
+            <a:r>
+              <a:rPr lang="en-US" dirty="0" smtClean="0">
+                <a:hlinkClick r:id="rId3"/>
+              </a:rPr>
+              <a:t>/</a:t>
+            </a:r>
+            <a:r>
+              <a:rPr lang="en-US" dirty="0" smtClean="0"/>
+              <a:t> </a:t>
+            </a:r>
+            <a:endParaRPr lang="en-US" dirty="0" smtClean="0"/>
+          </a:p>
+          <a:p>
+            <a:pPr marL="285750" indent="-285750">
+              <a:buFont typeface="Arial" panose="020B0604020202020204" pitchFamily="34" charset="0"/>
+              <a:buChar char="•"/>
+            </a:pPr>
+            <a:endParaRPr lang="en-US" dirty="0"/>
+          </a:p>
+        </p:txBody>
+      </p:sp>
+    </p:spTree>
+    <p:extLst>
+      <p:ext uri="{BB962C8B-B14F-4D97-AF65-F5344CB8AC3E}">
+        <p14:creationId xmlns:p14="http://schemas.microsoft.com/office/powerpoint/2010/main" val="2051039694"/>
+      </p:ext>
+    </p:extLst>
+  </p:cSld>
+  <p:clrMapOvr>
+    <a:masterClrMapping/>
+  </p:clrMapOvr>
+  <p:timing>
+    <p:tnLst>
+      <p:par>
+        <p:cTn id="1" dur="indefinite" restart="never" nodeType="tmRoot"/>
+      </p:par>
+    </p:tnLst>
+  </p:timing>
+</p:sld>
+</file>
+
+<file path=ppt/slides/slide16.xml><?xml version="1.0" encoding="utf-8"?>
+<p:sld xmlns:a="http://schemas.openxmlformats.org/drawingml/2006/main" xmlns:r="http://schemas.openxmlformats.org/officeDocument/2006/relationships" xmlns:p="http://schemas.openxmlformats.org/presentationml/2006/main">
+  <p:cSld>
+    <p:spTree>
+      <p:nvGrpSpPr>
+        <p:cNvPr id="1" name=""/>
+        <p:cNvGrpSpPr/>
+        <p:nvPr/>
+      </p:nvGrpSpPr>
+      <p:grpSpPr>
+        <a:xfrm>
+          <a:off x="0" y="0"/>
+          <a:ext cx="0" cy="0"/>
+          <a:chOff x="0" y="0"/>
+          <a:chExt cx="0" cy="0"/>
+        </a:xfrm>
+      </p:grpSpPr>
+      <p:sp>
+        <p:nvSpPr>
+          <p:cNvPr id="2" name="Title 1"/>
+          <p:cNvSpPr>
+            <a:spLocks noGrp="1"/>
+          </p:cNvSpPr>
+          <p:nvPr>
+            <p:ph type="title"/>
+          </p:nvPr>
+        </p:nvSpPr>
+        <p:spPr/>
+        <p:txBody>
+          <a:bodyPr/>
+          <a:lstStyle/>
+          <a:p>
+            <a:r>
+              <a:rPr lang="en-US" dirty="0" smtClean="0"/>
+              <a:t>Patterns</a:t>
+            </a:r>
+            <a:endParaRPr lang="en-US" dirty="0"/>
+          </a:p>
+        </p:txBody>
+      </p:sp>
+    </p:spTree>
+    <p:extLst>
+      <p:ext uri="{BB962C8B-B14F-4D97-AF65-F5344CB8AC3E}">
+        <p14:creationId xmlns:p14="http://schemas.microsoft.com/office/powerpoint/2010/main" val="2567194083"/>
+      </p:ext>
+    </p:extLst>
+  </p:cSld>
+  <p:clrMapOvr>
+    <a:masterClrMapping/>
+  </p:clrMapOvr>
+  <p:timing>
+    <p:tnLst>
+      <p:par>
+        <p:cTn id="1" dur="indefinite" restart="never" nodeType="tmRoot"/>
+      </p:par>
+    </p:tnLst>
+  </p:timing>
+</p:sld>
+</file>
+
+<file path=ppt/slides/slide17.xml><?xml version="1.0" encoding="utf-8"?>
+<p:sld xmlns:a="http://schemas.openxmlformats.org/drawingml/2006/main" xmlns:r="http://schemas.openxmlformats.org/officeDocument/2006/relationships" xmlns:p="http://schemas.openxmlformats.org/presentationml/2006/main">
+  <p:cSld>
+    <p:spTree>
+      <p:nvGrpSpPr>
+        <p:cNvPr id="1" name=""/>
+        <p:cNvGrpSpPr/>
+        <p:nvPr/>
+      </p:nvGrpSpPr>
+      <p:grpSpPr>
+        <a:xfrm>
+          <a:off x="0" y="0"/>
+          <a:ext cx="0" cy="0"/>
+          <a:chOff x="0" y="0"/>
+          <a:chExt cx="0" cy="0"/>
+        </a:xfrm>
+      </p:grpSpPr>
+      <p:sp>
+        <p:nvSpPr>
+          <p:cNvPr id="2" name="Title 1"/>
+          <p:cNvSpPr>
+            <a:spLocks noGrp="1"/>
+          </p:cNvSpPr>
+          <p:nvPr>
+            <p:ph type="title"/>
+          </p:nvPr>
+        </p:nvSpPr>
+        <p:spPr/>
+        <p:txBody>
+          <a:bodyPr/>
+          <a:lstStyle/>
+          <a:p>
+            <a:r>
+              <a:rPr lang="en-US" dirty="0" smtClean="0"/>
+              <a:t>Keep it accessible</a:t>
+            </a:r>
+            <a:endParaRPr lang="en-US" dirty="0"/>
+          </a:p>
+        </p:txBody>
+      </p:sp>
+    </p:spTree>
+    <p:extLst>
+      <p:ext uri="{BB962C8B-B14F-4D97-AF65-F5344CB8AC3E}">
+        <p14:creationId xmlns:p14="http://schemas.microsoft.com/office/powerpoint/2010/main" val="1382696099"/>
+      </p:ext>
+    </p:extLst>
+  </p:cSld>
+  <p:clrMapOvr>
+    <a:masterClrMapping/>
+  </p:clrMapOvr>
+  <p:timing>
+    <p:tnLst>
+      <p:par>
+        <p:cTn id="1" dur="indefinite" restart="never" nodeType="tmRoot"/>
+      </p:par>
+    </p:tnLst>
+  </p:timing>
+</p:sld>
+</file>
+
+<file path=ppt/slides/slide18.xml><?xml version="1.0" encoding="utf-8"?>
+<p:sld xmlns:a="http://schemas.openxmlformats.org/drawingml/2006/main" xmlns:r="http://schemas.openxmlformats.org/officeDocument/2006/relationships" xmlns:p="http://schemas.openxmlformats.org/presentationml/2006/main">
+  <p:cSld>
+    <p:spTree>
+      <p:nvGrpSpPr>
+        <p:cNvPr id="1" name=""/>
+        <p:cNvGrpSpPr/>
+        <p:nvPr/>
+      </p:nvGrpSpPr>
+      <p:grpSpPr>
+        <a:xfrm>
+          <a:off x="0" y="0"/>
+          <a:ext cx="0" cy="0"/>
+          <a:chOff x="0" y="0"/>
+          <a:chExt cx="0" cy="0"/>
+        </a:xfrm>
+      </p:grpSpPr>
+      <p:sp>
+        <p:nvSpPr>
           <p:cNvPr id="2" name="Title 1"/>
           <p:cNvSpPr>
             <a:spLocks noGrp="1"/>
@@ -3497,6 +4436,126 @@
 </file>
 
 <file path=ppt/slides/slide2.xml><?xml version="1.0" encoding="utf-8"?>
+<p:sld xmlns:a="http://schemas.openxmlformats.org/drawingml/2006/main" xmlns:r="http://schemas.openxmlformats.org/officeDocument/2006/relationships" xmlns:p="http://schemas.openxmlformats.org/presentationml/2006/main">
+  <p:cSld>
+    <p:spTree>
+      <p:nvGrpSpPr>
+        <p:cNvPr id="1" name=""/>
+        <p:cNvGrpSpPr/>
+        <p:nvPr/>
+      </p:nvGrpSpPr>
+      <p:grpSpPr>
+        <a:xfrm>
+          <a:off x="0" y="0"/>
+          <a:ext cx="0" cy="0"/>
+          <a:chOff x="0" y="0"/>
+          <a:chExt cx="0" cy="0"/>
+        </a:xfrm>
+      </p:grpSpPr>
+      <p:sp>
+        <p:nvSpPr>
+          <p:cNvPr id="2" name="Title 1"/>
+          <p:cNvSpPr>
+            <a:spLocks noGrp="1"/>
+          </p:cNvSpPr>
+          <p:nvPr>
+            <p:ph type="title"/>
+          </p:nvPr>
+        </p:nvSpPr>
+        <p:spPr/>
+        <p:txBody>
+          <a:bodyPr/>
+          <a:lstStyle/>
+          <a:p>
+            <a:r>
+              <a:rPr lang="en-US" dirty="0" smtClean="0"/>
+              <a:t>Losing </a:t>
+            </a:r>
+            <a:r>
+              <a:rPr lang="en-US" dirty="0" smtClean="0"/>
+              <a:t>it?</a:t>
+            </a:r>
+            <a:endParaRPr lang="en-US" dirty="0"/>
+          </a:p>
+        </p:txBody>
+      </p:sp>
+      <p:sp>
+        <p:nvSpPr>
+          <p:cNvPr id="3" name="TextBox 2"/>
+          <p:cNvSpPr txBox="1"/>
+          <p:nvPr/>
+        </p:nvSpPr>
+        <p:spPr>
+          <a:xfrm>
+            <a:off x="381000" y="5867400"/>
+            <a:ext cx="2819400" cy="646331"/>
+          </a:xfrm>
+          <a:prstGeom prst="rect">
+            <a:avLst/>
+          </a:prstGeom>
+          <a:noFill/>
+        </p:spPr>
+        <p:txBody>
+          <a:bodyPr wrap="square" rtlCol="0">
+            <a:spAutoFit/>
+          </a:bodyPr>
+          <a:lstStyle/>
+          <a:p>
+            <a:r>
+              <a:rPr lang="en-US" dirty="0" smtClean="0"/>
+              <a:t>Austin Powers: The Spy Who Shagged Me</a:t>
+            </a:r>
+            <a:endParaRPr lang="en-US" dirty="0"/>
+          </a:p>
+        </p:txBody>
+      </p:sp>
+      <p:pic>
+        <p:nvPicPr>
+          <p:cNvPr id="4" name="gEuw2mgLRuQ?rel=0&amp;showinfo=0"/>
+          <p:cNvPicPr>
+            <a:picLocks noRot="1" noChangeAspect="1"/>
+          </p:cNvPicPr>
+          <p:nvPr>
+            <a:videoFile r:link="rId1"/>
+          </p:nvPr>
+        </p:nvPicPr>
+        <p:blipFill>
+          <a:blip r:embed="rId3"/>
+          <a:stretch>
+            <a:fillRect/>
+          </a:stretch>
+        </p:blipFill>
+        <p:spPr>
+          <a:xfrm>
+            <a:off x="2286000" y="2143125"/>
+            <a:ext cx="4572000" cy="2571750"/>
+          </a:xfrm>
+          <a:prstGeom prst="rect">
+            <a:avLst/>
+          </a:prstGeom>
+        </p:spPr>
+      </p:pic>
+    </p:spTree>
+    <p:extLst>
+      <p:ext uri="{BB962C8B-B14F-4D97-AF65-F5344CB8AC3E}">
+        <p14:creationId xmlns:p14="http://schemas.microsoft.com/office/powerpoint/2010/main" val="927391039"/>
+      </p:ext>
+    </p:extLst>
+  </p:cSld>
+  <p:clrMapOvr>
+    <a:masterClrMapping/>
+  </p:clrMapOvr>
+  <p:timing>
+    <p:tnLst>
+      <p:par>
+        <p:cTn id="1" dur="indefinite" restart="never" nodeType="tmRoot"/>
+      </p:par>
+    </p:tnLst>
+  </p:timing>
+</p:sld>
+</file>
+
+<file path=ppt/slides/slide3.xml><?xml version="1.0" encoding="utf-8"?>
 <p:sld xmlns:a="http://schemas.openxmlformats.org/drawingml/2006/main" xmlns:r="http://schemas.openxmlformats.org/officeDocument/2006/relationships" xmlns:p="http://schemas.openxmlformats.org/presentationml/2006/main">
   <p:cSld>
     <p:spTree>
@@ -3657,122 +4716,6 @@
 </p:sld>
 </file>
 
-<file path=ppt/slides/slide3.xml><?xml version="1.0" encoding="utf-8"?>
-<p:sld xmlns:a="http://schemas.openxmlformats.org/drawingml/2006/main" xmlns:r="http://schemas.openxmlformats.org/officeDocument/2006/relationships" xmlns:p="http://schemas.openxmlformats.org/presentationml/2006/main">
-  <p:cSld>
-    <p:spTree>
-      <p:nvGrpSpPr>
-        <p:cNvPr id="1" name=""/>
-        <p:cNvGrpSpPr/>
-        <p:nvPr/>
-      </p:nvGrpSpPr>
-      <p:grpSpPr>
-        <a:xfrm>
-          <a:off x="0" y="0"/>
-          <a:ext cx="0" cy="0"/>
-          <a:chOff x="0" y="0"/>
-          <a:chExt cx="0" cy="0"/>
-        </a:xfrm>
-      </p:grpSpPr>
-      <p:sp>
-        <p:nvSpPr>
-          <p:cNvPr id="2" name="Title 1"/>
-          <p:cNvSpPr>
-            <a:spLocks noGrp="1"/>
-          </p:cNvSpPr>
-          <p:nvPr>
-            <p:ph type="title"/>
-          </p:nvPr>
-        </p:nvSpPr>
-        <p:spPr/>
-        <p:txBody>
-          <a:bodyPr/>
-          <a:lstStyle/>
-          <a:p>
-            <a:r>
-              <a:rPr lang="en-US" smtClean="0"/>
-              <a:t>Losing it</a:t>
-            </a:r>
-            <a:endParaRPr lang="en-US"/>
-          </a:p>
-        </p:txBody>
-      </p:sp>
-      <p:sp>
-        <p:nvSpPr>
-          <p:cNvPr id="3" name="TextBox 2"/>
-          <p:cNvSpPr txBox="1"/>
-          <p:nvPr/>
-        </p:nvSpPr>
-        <p:spPr>
-          <a:xfrm>
-            <a:off x="381000" y="5867400"/>
-            <a:ext cx="2819400" cy="646331"/>
-          </a:xfrm>
-          <a:prstGeom prst="rect">
-            <a:avLst/>
-          </a:prstGeom>
-          <a:noFill/>
-        </p:spPr>
-        <p:txBody>
-          <a:bodyPr wrap="square" rtlCol="0">
-            <a:spAutoFit/>
-          </a:bodyPr>
-          <a:lstStyle/>
-          <a:p>
-            <a:r>
-              <a:rPr lang="en-US" dirty="0" smtClean="0"/>
-              <a:t>Austin Powers: The Spy Who Shagged Me</a:t>
-            </a:r>
-            <a:endParaRPr lang="en-US" dirty="0"/>
-          </a:p>
-        </p:txBody>
-      </p:sp>
-      <p:pic>
-        <p:nvPicPr>
-          <p:cNvPr id="4" name="gEuw2mgLRuQ?rel=0&amp;showinfo=0"/>
-          <p:cNvPicPr>
-            <a:picLocks noRot="1" noChangeAspect="1"/>
-          </p:cNvPicPr>
-          <p:nvPr>
-            <a:videoFile r:link="rId1"/>
-          </p:nvPr>
-        </p:nvPicPr>
-        <p:blipFill>
-          <a:blip r:embed="rId3"/>
-          <a:stretch>
-            <a:fillRect/>
-          </a:stretch>
-        </p:blipFill>
-        <p:spPr>
-          <a:xfrm>
-            <a:off x="2286000" y="2143125"/>
-            <a:ext cx="4572000" cy="2571750"/>
-          </a:xfrm>
-          <a:prstGeom prst="rect">
-            <a:avLst/>
-          </a:prstGeom>
-        </p:spPr>
-      </p:pic>
-    </p:spTree>
-    <p:extLst>
-      <p:ext uri="{BB962C8B-B14F-4D97-AF65-F5344CB8AC3E}">
-        <p14:creationId xmlns:p14="http://schemas.microsoft.com/office/powerpoint/2010/main" val="927391039"/>
-      </p:ext>
-    </p:extLst>
-  </p:cSld>
-  <p:clrMapOvr>
-    <a:masterClrMapping/>
-  </p:clrMapOvr>
-  <p:timing>
-    <p:tnLst>
-      <p:par>
-        <p:cTn id="1" dur="indefinite" restart="never" nodeType="tmRoot"/>
-      </p:par>
-    </p:tnLst>
-  </p:timing>
-</p:sld>
-</file>
-
 <file path=ppt/slides/slide4.xml><?xml version="1.0" encoding="utf-8"?>
 <p:sld xmlns:a="http://schemas.openxmlformats.org/drawingml/2006/main" xmlns:r="http://schemas.openxmlformats.org/officeDocument/2006/relationships" xmlns:p="http://schemas.openxmlformats.org/presentationml/2006/main">
   <p:cSld>
@@ -3807,7 +4750,15 @@
           <a:p>
             <a:r>
               <a:rPr lang="en-US" dirty="0" smtClean="0"/>
-              <a:t>Getting it back</a:t>
+              <a:t>How do you get </a:t>
+            </a:r>
+            <a:r>
+              <a:rPr lang="en-US" dirty="0" smtClean="0"/>
+              <a:t>it </a:t>
+            </a:r>
+            <a:r>
+              <a:rPr lang="en-US" dirty="0" smtClean="0"/>
+              <a:t>back?</a:t>
             </a:r>
             <a:endParaRPr lang="en-US" dirty="0"/>
           </a:p>
@@ -3957,7 +4908,11 @@
           <a:p>
             <a:r>
               <a:rPr lang="en-US" dirty="0" smtClean="0"/>
-              <a:t>How to play</a:t>
+              <a:t>How </a:t>
+            </a:r>
+            <a:r>
+              <a:rPr lang="en-US" dirty="0" smtClean="0"/>
+              <a:t>do you play?</a:t>
             </a:r>
             <a:endParaRPr lang="en-US" dirty="0"/>
           </a:p>
@@ -4132,11 +5087,7 @@
           <a:p>
             <a:r>
               <a:rPr lang="en-US" dirty="0" smtClean="0"/>
-              <a:t>How to see if it </a:t>
-            </a:r>
-            <a:r>
-              <a:rPr lang="en-US" dirty="0" smtClean="0"/>
-              <a:t>works</a:t>
+              <a:t>How to see if it works</a:t>
             </a:r>
           </a:p>
           <a:p>
@@ -4144,7 +5095,6 @@
               <a:rPr lang="en-US" dirty="0" smtClean="0"/>
               <a:t>Check with support/documentation</a:t>
             </a:r>
-            <a:endParaRPr lang="en-US" dirty="0" smtClean="0"/>
           </a:p>
           <a:p>
             <a:r>
@@ -4167,13 +5117,8 @@
           <a:p>
             <a:r>
               <a:rPr lang="en-US" dirty="0" smtClean="0"/>
-              <a:t>Does it </a:t>
-            </a:r>
-            <a:r>
-              <a:rPr lang="en-US" dirty="0" smtClean="0"/>
-              <a:t>display</a:t>
-            </a:r>
-            <a:endParaRPr lang="en-US" dirty="0" smtClean="0"/>
+              <a:t>Does it display</a:t>
+            </a:r>
           </a:p>
         </p:txBody>
       </p:sp>
@@ -4254,11 +5199,7 @@
           <a:p>
             <a:r>
               <a:rPr lang="en-US" dirty="0" smtClean="0"/>
-              <a:t>Good reasons why provider may not want to allow embedded </a:t>
-            </a:r>
-            <a:r>
-              <a:rPr lang="en-US" dirty="0" smtClean="0"/>
-              <a:t>scripting:</a:t>
+              <a:t>Good reasons why provider may not want to allow embedded scripting:</a:t>
             </a:r>
           </a:p>
           <a:p>
@@ -4325,17 +5266,25 @@
         <p:spPr/>
         <p:txBody>
           <a:bodyPr>
-            <a:normAutofit fontScale="90000"/>
+            <a:normAutofit/>
           </a:bodyPr>
           <a:lstStyle/>
           <a:p>
             <a:r>
               <a:rPr lang="en-US" dirty="0" smtClean="0"/>
-              <a:t>So you can play.  What </a:t>
-            </a:r>
-            <a:r>
-              <a:rPr lang="en-US" dirty="0" smtClean="0"/>
-              <a:t>do you have to work with?</a:t>
+              <a:t>What </a:t>
+            </a:r>
+            <a:r>
+              <a:rPr lang="en-US" dirty="0" smtClean="0"/>
+              <a:t>do you have to </a:t>
+            </a:r>
+            <a:r>
+              <a:rPr lang="en-US" dirty="0" smtClean="0"/>
+              <a:t>play with</a:t>
+            </a:r>
+            <a:r>
+              <a:rPr lang="en-US" dirty="0" smtClean="0"/>
+              <a:t>?</a:t>
             </a:r>
             <a:endParaRPr lang="en-US" dirty="0"/>
           </a:p>
@@ -4393,6 +5342,13 @@
   <p:clrMapOvr>
     <a:masterClrMapping/>
   </p:clrMapOvr>
+  <p:timing>
+    <p:tnLst>
+      <p:par>
+        <p:cTn id="1" dur="indefinite" restart="never" nodeType="tmRoot"/>
+      </p:par>
+    </p:tnLst>
+  </p:timing>
 </p:sld>
 </file>
 

--- a/webdevmojo.pptx
+++ b/webdevmojo.pptx
@@ -123,7 +123,7 @@
   </p:defaultTextStyle>
   <p:extLst>
     <p:ext uri="{EFAFB233-063F-42B5-8137-9DF3F51BA10A}">
-      <p15:sldGuideLst xmlns:p15="http://schemas.microsoft.com/office/powerpoint/2012/main" xmlns="">
+      <p15:sldGuideLst xmlns="" xmlns:p15="http://schemas.microsoft.com/office/powerpoint/2012/main">
         <p15:guide id="1" orient="horz" pos="2160">
           <p15:clr>
             <a:srgbClr val="A4A3A4"/>
@@ -322,7 +322,7 @@
             <a:fld id="{1D8BD707-D9CF-40AE-B4C6-C98DA3205C09}" type="datetimeFigureOut">
               <a:rPr lang="en-US" smtClean="0"/>
               <a:pPr/>
-              <a:t>11/04/2014</a:t>
+              <a:t>11/12/2014</a:t>
             </a:fld>
             <a:endParaRPr lang="en-US"/>
           </a:p>
@@ -489,7 +489,7 @@
             <a:fld id="{1D8BD707-D9CF-40AE-B4C6-C98DA3205C09}" type="datetimeFigureOut">
               <a:rPr lang="en-US" smtClean="0"/>
               <a:pPr/>
-              <a:t>11/04/2014</a:t>
+              <a:t>11/12/2014</a:t>
             </a:fld>
             <a:endParaRPr lang="en-US"/>
           </a:p>
@@ -666,7 +666,7 @@
             <a:fld id="{1D8BD707-D9CF-40AE-B4C6-C98DA3205C09}" type="datetimeFigureOut">
               <a:rPr lang="en-US" smtClean="0"/>
               <a:pPr/>
-              <a:t>11/04/2014</a:t>
+              <a:t>11/12/2014</a:t>
             </a:fld>
             <a:endParaRPr lang="en-US"/>
           </a:p>
@@ -833,7 +833,7 @@
             <a:fld id="{1D8BD707-D9CF-40AE-B4C6-C98DA3205C09}" type="datetimeFigureOut">
               <a:rPr lang="en-US" smtClean="0"/>
               <a:pPr/>
-              <a:t>11/04/2014</a:t>
+              <a:t>11/12/2014</a:t>
             </a:fld>
             <a:endParaRPr lang="en-US"/>
           </a:p>
@@ -1076,7 +1076,7 @@
             <a:fld id="{1D8BD707-D9CF-40AE-B4C6-C98DA3205C09}" type="datetimeFigureOut">
               <a:rPr lang="en-US" smtClean="0"/>
               <a:pPr/>
-              <a:t>11/04/2014</a:t>
+              <a:t>11/12/2014</a:t>
             </a:fld>
             <a:endParaRPr lang="en-US"/>
           </a:p>
@@ -1361,7 +1361,7 @@
             <a:fld id="{1D8BD707-D9CF-40AE-B4C6-C98DA3205C09}" type="datetimeFigureOut">
               <a:rPr lang="en-US" smtClean="0"/>
               <a:pPr/>
-              <a:t>11/04/2014</a:t>
+              <a:t>11/12/2014</a:t>
             </a:fld>
             <a:endParaRPr lang="en-US"/>
           </a:p>
@@ -1780,7 +1780,7 @@
             <a:fld id="{1D8BD707-D9CF-40AE-B4C6-C98DA3205C09}" type="datetimeFigureOut">
               <a:rPr lang="en-US" smtClean="0"/>
               <a:pPr/>
-              <a:t>11/04/2014</a:t>
+              <a:t>11/12/2014</a:t>
             </a:fld>
             <a:endParaRPr lang="en-US"/>
           </a:p>
@@ -1895,7 +1895,7 @@
             <a:fld id="{1D8BD707-D9CF-40AE-B4C6-C98DA3205C09}" type="datetimeFigureOut">
               <a:rPr lang="en-US" smtClean="0"/>
               <a:pPr/>
-              <a:t>11/04/2014</a:t>
+              <a:t>11/12/2014</a:t>
             </a:fld>
             <a:endParaRPr lang="en-US"/>
           </a:p>
@@ -1987,7 +1987,7 @@
             <a:fld id="{1D8BD707-D9CF-40AE-B4C6-C98DA3205C09}" type="datetimeFigureOut">
               <a:rPr lang="en-US" smtClean="0"/>
               <a:pPr/>
-              <a:t>11/04/2014</a:t>
+              <a:t>11/12/2014</a:t>
             </a:fld>
             <a:endParaRPr lang="en-US"/>
           </a:p>
@@ -2261,7 +2261,7 @@
             <a:fld id="{1D8BD707-D9CF-40AE-B4C6-C98DA3205C09}" type="datetimeFigureOut">
               <a:rPr lang="en-US" smtClean="0"/>
               <a:pPr/>
-              <a:t>11/04/2014</a:t>
+              <a:t>11/12/2014</a:t>
             </a:fld>
             <a:endParaRPr lang="en-US"/>
           </a:p>
@@ -2511,7 +2511,7 @@
             <a:fld id="{1D8BD707-D9CF-40AE-B4C6-C98DA3205C09}" type="datetimeFigureOut">
               <a:rPr lang="en-US" smtClean="0"/>
               <a:pPr/>
-              <a:t>11/04/2014</a:t>
+              <a:t>11/12/2014</a:t>
             </a:fld>
             <a:endParaRPr lang="en-US"/>
           </a:p>
@@ -2721,7 +2721,7 @@
             <a:fld id="{1D8BD707-D9CF-40AE-B4C6-C98DA3205C09}" type="datetimeFigureOut">
               <a:rPr lang="en-US" smtClean="0"/>
               <a:pPr/>
-              <a:t>11/04/2014</a:t>
+              <a:t>11/12/2014</a:t>
             </a:fld>
             <a:endParaRPr lang="en-US"/>
           </a:p>
@@ -3100,7 +3100,7 @@
         </p:nvSpPr>
         <p:spPr>
           <a:xfrm>
-            <a:off x="533400" y="456534"/>
+            <a:off x="381000" y="381000"/>
             <a:ext cx="8001000" cy="6093976"/>
           </a:xfrm>
           <a:prstGeom prst="rect">
@@ -3268,6 +3268,48 @@
             <a:endParaRPr lang="en-US" dirty="0"/>
           </a:p>
           <a:p>
+            <a:endParaRPr lang="en-US" dirty="0"/>
+          </a:p>
+        </p:txBody>
+      </p:sp>
+      <p:sp>
+        <p:nvSpPr>
+          <p:cNvPr id="2" name="Title 1" hidden="1"/>
+          <p:cNvSpPr>
+            <a:spLocks noGrp="1"/>
+          </p:cNvSpPr>
+          <p:nvPr>
+            <p:ph type="ctrTitle"/>
+          </p:nvPr>
+        </p:nvSpPr>
+        <p:spPr>
+          <a:xfrm>
+            <a:off x="990600" y="1524000"/>
+            <a:ext cx="7772400" cy="1470025"/>
+          </a:xfrm>
+        </p:spPr>
+        <p:txBody>
+          <a:bodyPr>
+            <a:normAutofit fontScale="90000"/>
+          </a:bodyPr>
+          <a:lstStyle/>
+          <a:p>
+            <a:r>
+              <a:rPr lang="en-US" dirty="0"/>
+              <a:t>Got a CMS? Get Your </a:t>
+            </a:r>
+            <a:r>
+              <a:rPr lang="en-US" dirty="0" err="1"/>
+              <a:t>Webdevmojo</a:t>
+            </a:r>
+            <a:r>
+              <a:rPr lang="en-US" dirty="0"/>
+              <a:t> Back with JavaScript</a:t>
+            </a:r>
+            <a:r>
+              <a:rPr lang="en-US" dirty="0" smtClean="0"/>
+              <a:t>!</a:t>
+            </a:r>
             <a:endParaRPr lang="en-US" dirty="0"/>
           </a:p>
         </p:txBody>
@@ -3311,39 +3353,6 @@
       </p:grpSpPr>
       <p:sp>
         <p:nvSpPr>
-          <p:cNvPr id="2" name="Title 1"/>
-          <p:cNvSpPr>
-            <a:spLocks noGrp="1"/>
-          </p:cNvSpPr>
-          <p:nvPr>
-            <p:ph type="title"/>
-          </p:nvPr>
-        </p:nvSpPr>
-        <p:spPr/>
-        <p:txBody>
-          <a:bodyPr>
-            <a:normAutofit fontScale="90000"/>
-          </a:bodyPr>
-          <a:lstStyle/>
-          <a:p>
-            <a:r>
-              <a:rPr lang="en-US" dirty="0" smtClean="0"/>
-              <a:t>How do you “play </a:t>
-            </a:r>
-            <a:r>
-              <a:rPr lang="en-US" dirty="0" smtClean="0"/>
-              <a:t>well with </a:t>
-            </a:r>
-            <a:r>
-              <a:rPr lang="en-US" dirty="0" smtClean="0"/>
-              <a:t>others?”</a:t>
-            </a:r>
-            <a:endParaRPr lang="en-US" dirty="0"/>
-          </a:p>
-        </p:txBody>
-      </p:sp>
-      <p:sp>
-        <p:nvSpPr>
           <p:cNvPr id="3" name="TextBox 2"/>
           <p:cNvSpPr txBox="1"/>
           <p:nvPr/>
@@ -3409,6 +3418,31 @@
               <a:buChar char="•"/>
             </a:pPr>
             <a:endParaRPr lang="en-US" baseline="-25000" dirty="0"/>
+          </a:p>
+        </p:txBody>
+      </p:sp>
+      <p:sp>
+        <p:nvSpPr>
+          <p:cNvPr id="2" name="Title 1"/>
+          <p:cNvSpPr>
+            <a:spLocks noGrp="1"/>
+          </p:cNvSpPr>
+          <p:nvPr>
+            <p:ph type="title"/>
+          </p:nvPr>
+        </p:nvSpPr>
+        <p:spPr/>
+        <p:txBody>
+          <a:bodyPr>
+            <a:normAutofit fontScale="90000"/>
+          </a:bodyPr>
+          <a:lstStyle/>
+          <a:p>
+            <a:r>
+              <a:rPr lang="en-US" dirty="0" smtClean="0"/>
+              <a:t>How do you “play well with others?”</a:t>
+            </a:r>
+            <a:endParaRPr lang="en-US" dirty="0"/>
           </a:p>
         </p:txBody>
       </p:sp>
@@ -3988,15 +4022,7 @@
           <a:p>
             <a:r>
               <a:rPr lang="en-US" dirty="0" smtClean="0"/>
-              <a:t>How do you “play </a:t>
-            </a:r>
-            <a:r>
-              <a:rPr lang="en-US" dirty="0" smtClean="0"/>
-              <a:t>well with </a:t>
-            </a:r>
-            <a:r>
-              <a:rPr lang="en-US" dirty="0" smtClean="0"/>
-              <a:t>others?”</a:t>
+              <a:t>How do you “play well with others?”</a:t>
             </a:r>
             <a:endParaRPr lang="en-US" dirty="0"/>
           </a:p>
@@ -4123,7 +4149,6 @@
               <a:rPr lang="en-US" dirty="0" smtClean="0"/>
               <a:t> </a:t>
             </a:r>
-            <a:endParaRPr lang="en-US" dirty="0" smtClean="0"/>
           </a:p>
           <a:p>
             <a:pPr marL="285750" indent="-285750">
@@ -4454,33 +4479,6 @@
       </p:grpSpPr>
       <p:sp>
         <p:nvSpPr>
-          <p:cNvPr id="2" name="Title 1"/>
-          <p:cNvSpPr>
-            <a:spLocks noGrp="1"/>
-          </p:cNvSpPr>
-          <p:nvPr>
-            <p:ph type="title"/>
-          </p:nvPr>
-        </p:nvSpPr>
-        <p:spPr/>
-        <p:txBody>
-          <a:bodyPr/>
-          <a:lstStyle/>
-          <a:p>
-            <a:r>
-              <a:rPr lang="en-US" dirty="0" smtClean="0"/>
-              <a:t>Losing </a:t>
-            </a:r>
-            <a:r>
-              <a:rPr lang="en-US" dirty="0" smtClean="0"/>
-              <a:t>it?</a:t>
-            </a:r>
-            <a:endParaRPr lang="en-US" dirty="0"/>
-          </a:p>
-        </p:txBody>
-      </p:sp>
-      <p:sp>
-        <p:nvSpPr>
           <p:cNvPr id="3" name="TextBox 2"/>
           <p:cNvSpPr txBox="1"/>
           <p:nvPr/>
@@ -4535,6 +4533,29 @@
           </a:prstGeom>
         </p:spPr>
       </p:pic>
+      <p:sp>
+        <p:nvSpPr>
+          <p:cNvPr id="2" name="Title 1"/>
+          <p:cNvSpPr>
+            <a:spLocks noGrp="1"/>
+          </p:cNvSpPr>
+          <p:nvPr>
+            <p:ph type="title"/>
+          </p:nvPr>
+        </p:nvSpPr>
+        <p:spPr/>
+        <p:txBody>
+          <a:bodyPr/>
+          <a:lstStyle/>
+          <a:p>
+            <a:r>
+              <a:rPr lang="en-US" dirty="0" smtClean="0"/>
+              <a:t>Losing it?</a:t>
+            </a:r>
+            <a:endParaRPr lang="en-US" dirty="0"/>
+          </a:p>
+        </p:txBody>
+      </p:sp>
     </p:spTree>
     <p:extLst>
       <p:ext uri="{BB962C8B-B14F-4D97-AF65-F5344CB8AC3E}">
@@ -4572,29 +4593,6 @@
           <a:chExt cx="0" cy="0"/>
         </a:xfrm>
       </p:grpSpPr>
-      <p:sp>
-        <p:nvSpPr>
-          <p:cNvPr id="2" name="Title 1"/>
-          <p:cNvSpPr>
-            <a:spLocks noGrp="1"/>
-          </p:cNvSpPr>
-          <p:nvPr>
-            <p:ph type="title"/>
-          </p:nvPr>
-        </p:nvSpPr>
-        <p:spPr/>
-        <p:txBody>
-          <a:bodyPr/>
-          <a:lstStyle/>
-          <a:p>
-            <a:r>
-              <a:rPr lang="en-US" dirty="0" smtClean="0"/>
-              <a:t>What is it?</a:t>
-            </a:r>
-            <a:endParaRPr lang="en-US" dirty="0"/>
-          </a:p>
-        </p:txBody>
-      </p:sp>
       <p:sp>
         <p:nvSpPr>
           <p:cNvPr id="3" name="TextBox 2"/>
@@ -4696,6 +4694,29 @@
           </a:extLst>
         </p:spPr>
       </p:pic>
+      <p:sp>
+        <p:nvSpPr>
+          <p:cNvPr id="2" name="Title 1"/>
+          <p:cNvSpPr>
+            <a:spLocks noGrp="1"/>
+          </p:cNvSpPr>
+          <p:nvPr>
+            <p:ph type="title"/>
+          </p:nvPr>
+        </p:nvSpPr>
+        <p:spPr/>
+        <p:txBody>
+          <a:bodyPr/>
+          <a:lstStyle/>
+          <a:p>
+            <a:r>
+              <a:rPr lang="en-US" dirty="0" smtClean="0"/>
+              <a:t>What is it?</a:t>
+            </a:r>
+            <a:endParaRPr lang="en-US" dirty="0"/>
+          </a:p>
+        </p:txBody>
+      </p:sp>
     </p:spTree>
     <p:extLst>
       <p:ext uri="{BB962C8B-B14F-4D97-AF65-F5344CB8AC3E}">
@@ -4735,37 +4756,6 @@
       </p:grpSpPr>
       <p:sp>
         <p:nvSpPr>
-          <p:cNvPr id="2" name="Title 1"/>
-          <p:cNvSpPr>
-            <a:spLocks noGrp="1"/>
-          </p:cNvSpPr>
-          <p:nvPr>
-            <p:ph type="title"/>
-          </p:nvPr>
-        </p:nvSpPr>
-        <p:spPr/>
-        <p:txBody>
-          <a:bodyPr/>
-          <a:lstStyle/>
-          <a:p>
-            <a:r>
-              <a:rPr lang="en-US" dirty="0" smtClean="0"/>
-              <a:t>How do you get </a:t>
-            </a:r>
-            <a:r>
-              <a:rPr lang="en-US" dirty="0" smtClean="0"/>
-              <a:t>it </a:t>
-            </a:r>
-            <a:r>
-              <a:rPr lang="en-US" dirty="0" smtClean="0"/>
-              <a:t>back?</a:t>
-            </a:r>
-            <a:endParaRPr lang="en-US" dirty="0"/>
-          </a:p>
-        </p:txBody>
-      </p:sp>
-      <p:sp>
-        <p:nvSpPr>
           <p:cNvPr id="3" name="TextBox 2"/>
           <p:cNvSpPr txBox="1"/>
           <p:nvPr/>
@@ -4789,6 +4779,29 @@
             <a:r>
               <a:rPr lang="en-US" dirty="0" smtClean="0"/>
               <a:t>Example of Inmate Locator</a:t>
+            </a:r>
+            <a:endParaRPr lang="en-US" dirty="0"/>
+          </a:p>
+        </p:txBody>
+      </p:sp>
+      <p:sp>
+        <p:nvSpPr>
+          <p:cNvPr id="2" name="Title 1"/>
+          <p:cNvSpPr>
+            <a:spLocks noGrp="1"/>
+          </p:cNvSpPr>
+          <p:nvPr>
+            <p:ph type="title"/>
+          </p:nvPr>
+        </p:nvSpPr>
+        <p:spPr/>
+        <p:txBody>
+          <a:bodyPr/>
+          <a:lstStyle/>
+          <a:p>
+            <a:r>
+              <a:rPr lang="en-US" dirty="0" smtClean="0"/>
+              <a:t>How do you get it back?</a:t>
             </a:r>
             <a:endParaRPr lang="en-US" dirty="0"/>
           </a:p>
@@ -4893,33 +4906,6 @@
       </p:grpSpPr>
       <p:sp>
         <p:nvSpPr>
-          <p:cNvPr id="2" name="Title 1"/>
-          <p:cNvSpPr>
-            <a:spLocks noGrp="1"/>
-          </p:cNvSpPr>
-          <p:nvPr>
-            <p:ph type="title"/>
-          </p:nvPr>
-        </p:nvSpPr>
-        <p:spPr/>
-        <p:txBody>
-          <a:bodyPr/>
-          <a:lstStyle/>
-          <a:p>
-            <a:r>
-              <a:rPr lang="en-US" dirty="0" smtClean="0"/>
-              <a:t>How </a:t>
-            </a:r>
-            <a:r>
-              <a:rPr lang="en-US" dirty="0" smtClean="0"/>
-              <a:t>do you play?</a:t>
-            </a:r>
-            <a:endParaRPr lang="en-US" dirty="0"/>
-          </a:p>
-        </p:txBody>
-      </p:sp>
-      <p:sp>
-        <p:nvSpPr>
           <p:cNvPr id="3" name="TextBox 2"/>
           <p:cNvSpPr txBox="1"/>
           <p:nvPr/>
@@ -4971,6 +4957,29 @@
             <a:r>
               <a:rPr lang="en-US" dirty="0" smtClean="0"/>
               <a:t> that loads file from server</a:t>
+            </a:r>
+            <a:endParaRPr lang="en-US" dirty="0"/>
+          </a:p>
+        </p:txBody>
+      </p:sp>
+      <p:sp>
+        <p:nvSpPr>
+          <p:cNvPr id="2" name="Title 1"/>
+          <p:cNvSpPr>
+            <a:spLocks noGrp="1"/>
+          </p:cNvSpPr>
+          <p:nvPr>
+            <p:ph type="title"/>
+          </p:nvPr>
+        </p:nvSpPr>
+        <p:spPr/>
+        <p:txBody>
+          <a:bodyPr/>
+          <a:lstStyle/>
+          <a:p>
+            <a:r>
+              <a:rPr lang="en-US" dirty="0" smtClean="0"/>
+              <a:t>How do you play?</a:t>
             </a:r>
             <a:endParaRPr lang="en-US" dirty="0"/>
           </a:p>
@@ -5015,29 +5024,6 @@
       </p:grpSpPr>
       <p:sp>
         <p:nvSpPr>
-          <p:cNvPr id="2" name="Title 1"/>
-          <p:cNvSpPr>
-            <a:spLocks noGrp="1"/>
-          </p:cNvSpPr>
-          <p:nvPr>
-            <p:ph type="title"/>
-          </p:nvPr>
-        </p:nvSpPr>
-        <p:spPr/>
-        <p:txBody>
-          <a:bodyPr/>
-          <a:lstStyle/>
-          <a:p>
-            <a:r>
-              <a:rPr lang="en-US" dirty="0" smtClean="0"/>
-              <a:t>Can you play?</a:t>
-            </a:r>
-            <a:endParaRPr lang="en-US" dirty="0"/>
-          </a:p>
-        </p:txBody>
-      </p:sp>
-      <p:sp>
-        <p:nvSpPr>
           <p:cNvPr id="3" name="TextBox 2"/>
           <p:cNvSpPr txBox="1"/>
           <p:nvPr/>
@@ -5119,6 +5105,29 @@
               <a:rPr lang="en-US" dirty="0" smtClean="0"/>
               <a:t>Does it display</a:t>
             </a:r>
+          </a:p>
+        </p:txBody>
+      </p:sp>
+      <p:sp>
+        <p:nvSpPr>
+          <p:cNvPr id="2" name="Title 1"/>
+          <p:cNvSpPr>
+            <a:spLocks noGrp="1"/>
+          </p:cNvSpPr>
+          <p:nvPr>
+            <p:ph type="title"/>
+          </p:nvPr>
+        </p:nvSpPr>
+        <p:spPr/>
+        <p:txBody>
+          <a:bodyPr/>
+          <a:lstStyle/>
+          <a:p>
+            <a:r>
+              <a:rPr lang="en-US" dirty="0" smtClean="0"/>
+              <a:t>Can you play?</a:t>
+            </a:r>
+            <a:endParaRPr lang="en-US" dirty="0"/>
           </a:p>
         </p:txBody>
       </p:sp>
@@ -5154,29 +5163,6 @@
       </p:grpSpPr>
       <p:sp>
         <p:nvSpPr>
-          <p:cNvPr id="2" name="Title 1"/>
-          <p:cNvSpPr>
-            <a:spLocks noGrp="1"/>
-          </p:cNvSpPr>
-          <p:nvPr>
-            <p:ph type="title"/>
-          </p:nvPr>
-        </p:nvSpPr>
-        <p:spPr/>
-        <p:txBody>
-          <a:bodyPr/>
-          <a:lstStyle/>
-          <a:p>
-            <a:r>
-              <a:rPr lang="en-US" dirty="0" smtClean="0"/>
-              <a:t>Why can’t you play?</a:t>
-            </a:r>
-            <a:endParaRPr lang="en-US" dirty="0"/>
-          </a:p>
-        </p:txBody>
-      </p:sp>
-      <p:sp>
-        <p:nvSpPr>
           <p:cNvPr id="3" name="TextBox 2"/>
           <p:cNvSpPr txBox="1"/>
           <p:nvPr/>
@@ -5218,6 +5204,29 @@
             <a:r>
               <a:rPr lang="en-US" dirty="0" smtClean="0"/>
               <a:t>Too complicated</a:t>
+            </a:r>
+            <a:endParaRPr lang="en-US" dirty="0"/>
+          </a:p>
+        </p:txBody>
+      </p:sp>
+      <p:sp>
+        <p:nvSpPr>
+          <p:cNvPr id="2" name="Title 1"/>
+          <p:cNvSpPr>
+            <a:spLocks noGrp="1"/>
+          </p:cNvSpPr>
+          <p:nvPr>
+            <p:ph type="title"/>
+          </p:nvPr>
+        </p:nvSpPr>
+        <p:spPr/>
+        <p:txBody>
+          <a:bodyPr/>
+          <a:lstStyle/>
+          <a:p>
+            <a:r>
+              <a:rPr lang="en-US" dirty="0" smtClean="0"/>
+              <a:t>Why can’t you play?</a:t>
             </a:r>
             <a:endParaRPr lang="en-US" dirty="0"/>
           </a:p>
@@ -5255,43 +5264,6 @@
       </p:grpSpPr>
       <p:sp>
         <p:nvSpPr>
-          <p:cNvPr id="2" name="Title 1"/>
-          <p:cNvSpPr>
-            <a:spLocks noGrp="1"/>
-          </p:cNvSpPr>
-          <p:nvPr>
-            <p:ph type="title"/>
-          </p:nvPr>
-        </p:nvSpPr>
-        <p:spPr/>
-        <p:txBody>
-          <a:bodyPr>
-            <a:normAutofit/>
-          </a:bodyPr>
-          <a:lstStyle/>
-          <a:p>
-            <a:r>
-              <a:rPr lang="en-US" dirty="0" smtClean="0"/>
-              <a:t>What </a:t>
-            </a:r>
-            <a:r>
-              <a:rPr lang="en-US" dirty="0" smtClean="0"/>
-              <a:t>do you have to </a:t>
-            </a:r>
-            <a:r>
-              <a:rPr lang="en-US" dirty="0" smtClean="0"/>
-              <a:t>play with</a:t>
-            </a:r>
-            <a:r>
-              <a:rPr lang="en-US" dirty="0" smtClean="0"/>
-              <a:t>?</a:t>
-            </a:r>
-            <a:endParaRPr lang="en-US" dirty="0"/>
-          </a:p>
-        </p:txBody>
-      </p:sp>
-      <p:sp>
-        <p:nvSpPr>
           <p:cNvPr id="3" name="TextBox 2"/>
           <p:cNvSpPr txBox="1"/>
           <p:nvPr/>
@@ -5327,6 +5299,31 @@
             <a:r>
               <a:rPr lang="en-US" dirty="0" smtClean="0"/>
               <a:t>Libraries (jQuery)</a:t>
+            </a:r>
+            <a:endParaRPr lang="en-US" dirty="0"/>
+          </a:p>
+        </p:txBody>
+      </p:sp>
+      <p:sp>
+        <p:nvSpPr>
+          <p:cNvPr id="2" name="Title 1"/>
+          <p:cNvSpPr>
+            <a:spLocks noGrp="1"/>
+          </p:cNvSpPr>
+          <p:nvPr>
+            <p:ph type="title"/>
+          </p:nvPr>
+        </p:nvSpPr>
+        <p:spPr/>
+        <p:txBody>
+          <a:bodyPr>
+            <a:normAutofit/>
+          </a:bodyPr>
+          <a:lstStyle/>
+          <a:p>
+            <a:r>
+              <a:rPr lang="en-US" dirty="0" smtClean="0"/>
+              <a:t>What do you have to play with?</a:t>
             </a:r>
             <a:endParaRPr lang="en-US" dirty="0"/>
           </a:p>

--- a/webdevmojo.pptx
+++ b/webdevmojo.pptx
@@ -8,21 +8,25 @@
     <p:sldId id="256" r:id="rId2"/>
     <p:sldId id="257" r:id="rId3"/>
     <p:sldId id="262" r:id="rId4"/>
-    <p:sldId id="258" r:id="rId5"/>
-    <p:sldId id="259" r:id="rId6"/>
-    <p:sldId id="260" r:id="rId7"/>
-    <p:sldId id="261" r:id="rId8"/>
-    <p:sldId id="263" r:id="rId9"/>
-    <p:sldId id="264" r:id="rId10"/>
-    <p:sldId id="268" r:id="rId11"/>
-    <p:sldId id="272" r:id="rId12"/>
-    <p:sldId id="270" r:id="rId13"/>
-    <p:sldId id="271" r:id="rId14"/>
-    <p:sldId id="273" r:id="rId15"/>
-    <p:sldId id="269" r:id="rId16"/>
-    <p:sldId id="267" r:id="rId17"/>
-    <p:sldId id="265" r:id="rId18"/>
-    <p:sldId id="266" r:id="rId19"/>
+    <p:sldId id="275" r:id="rId5"/>
+    <p:sldId id="274" r:id="rId6"/>
+    <p:sldId id="258" r:id="rId7"/>
+    <p:sldId id="259" r:id="rId8"/>
+    <p:sldId id="260" r:id="rId9"/>
+    <p:sldId id="261" r:id="rId10"/>
+    <p:sldId id="263" r:id="rId11"/>
+    <p:sldId id="276" r:id="rId12"/>
+    <p:sldId id="264" r:id="rId13"/>
+    <p:sldId id="268" r:id="rId14"/>
+    <p:sldId id="277" r:id="rId15"/>
+    <p:sldId id="272" r:id="rId16"/>
+    <p:sldId id="270" r:id="rId17"/>
+    <p:sldId id="271" r:id="rId18"/>
+    <p:sldId id="273" r:id="rId19"/>
+    <p:sldId id="269" r:id="rId20"/>
+    <p:sldId id="267" r:id="rId21"/>
+    <p:sldId id="265" r:id="rId22"/>
+    <p:sldId id="266" r:id="rId23"/>
   </p:sldIdLst>
   <p:sldSz cx="9144000" cy="6858000" type="screen4x3"/>
   <p:notesSz cx="6858000" cy="9144000"/>
@@ -123,7 +127,7 @@
   </p:defaultTextStyle>
   <p:extLst>
     <p:ext uri="{EFAFB233-063F-42B5-8137-9DF3F51BA10A}">
-      <p15:sldGuideLst xmlns="" xmlns:p15="http://schemas.microsoft.com/office/powerpoint/2012/main">
+      <p15:sldGuideLst xmlns:p15="http://schemas.microsoft.com/office/powerpoint/2012/main">
         <p15:guide id="1" orient="horz" pos="2160">
           <p15:clr>
             <a:srgbClr val="A4A3A4"/>
@@ -322,7 +326,7 @@
             <a:fld id="{1D8BD707-D9CF-40AE-B4C6-C98DA3205C09}" type="datetimeFigureOut">
               <a:rPr lang="en-US" smtClean="0"/>
               <a:pPr/>
-              <a:t>11/12/2014</a:t>
+              <a:t>11/17/2014</a:t>
             </a:fld>
             <a:endParaRPr lang="en-US"/>
           </a:p>
@@ -489,7 +493,7 @@
             <a:fld id="{1D8BD707-D9CF-40AE-B4C6-C98DA3205C09}" type="datetimeFigureOut">
               <a:rPr lang="en-US" smtClean="0"/>
               <a:pPr/>
-              <a:t>11/12/2014</a:t>
+              <a:t>11/17/2014</a:t>
             </a:fld>
             <a:endParaRPr lang="en-US"/>
           </a:p>
@@ -666,7 +670,7 @@
             <a:fld id="{1D8BD707-D9CF-40AE-B4C6-C98DA3205C09}" type="datetimeFigureOut">
               <a:rPr lang="en-US" smtClean="0"/>
               <a:pPr/>
-              <a:t>11/12/2014</a:t>
+              <a:t>11/17/2014</a:t>
             </a:fld>
             <a:endParaRPr lang="en-US"/>
           </a:p>
@@ -833,7 +837,7 @@
             <a:fld id="{1D8BD707-D9CF-40AE-B4C6-C98DA3205C09}" type="datetimeFigureOut">
               <a:rPr lang="en-US" smtClean="0"/>
               <a:pPr/>
-              <a:t>11/12/2014</a:t>
+              <a:t>11/17/2014</a:t>
             </a:fld>
             <a:endParaRPr lang="en-US"/>
           </a:p>
@@ -1076,7 +1080,7 @@
             <a:fld id="{1D8BD707-D9CF-40AE-B4C6-C98DA3205C09}" type="datetimeFigureOut">
               <a:rPr lang="en-US" smtClean="0"/>
               <a:pPr/>
-              <a:t>11/12/2014</a:t>
+              <a:t>11/17/2014</a:t>
             </a:fld>
             <a:endParaRPr lang="en-US"/>
           </a:p>
@@ -1361,7 +1365,7 @@
             <a:fld id="{1D8BD707-D9CF-40AE-B4C6-C98DA3205C09}" type="datetimeFigureOut">
               <a:rPr lang="en-US" smtClean="0"/>
               <a:pPr/>
-              <a:t>11/12/2014</a:t>
+              <a:t>11/17/2014</a:t>
             </a:fld>
             <a:endParaRPr lang="en-US"/>
           </a:p>
@@ -1780,7 +1784,7 @@
             <a:fld id="{1D8BD707-D9CF-40AE-B4C6-C98DA3205C09}" type="datetimeFigureOut">
               <a:rPr lang="en-US" smtClean="0"/>
               <a:pPr/>
-              <a:t>11/12/2014</a:t>
+              <a:t>11/17/2014</a:t>
             </a:fld>
             <a:endParaRPr lang="en-US"/>
           </a:p>
@@ -1895,7 +1899,7 @@
             <a:fld id="{1D8BD707-D9CF-40AE-B4C6-C98DA3205C09}" type="datetimeFigureOut">
               <a:rPr lang="en-US" smtClean="0"/>
               <a:pPr/>
-              <a:t>11/12/2014</a:t>
+              <a:t>11/17/2014</a:t>
             </a:fld>
             <a:endParaRPr lang="en-US"/>
           </a:p>
@@ -1987,7 +1991,7 @@
             <a:fld id="{1D8BD707-D9CF-40AE-B4C6-C98DA3205C09}" type="datetimeFigureOut">
               <a:rPr lang="en-US" smtClean="0"/>
               <a:pPr/>
-              <a:t>11/12/2014</a:t>
+              <a:t>11/17/2014</a:t>
             </a:fld>
             <a:endParaRPr lang="en-US"/>
           </a:p>
@@ -2261,7 +2265,7 @@
             <a:fld id="{1D8BD707-D9CF-40AE-B4C6-C98DA3205C09}" type="datetimeFigureOut">
               <a:rPr lang="en-US" smtClean="0"/>
               <a:pPr/>
-              <a:t>11/12/2014</a:t>
+              <a:t>11/17/2014</a:t>
             </a:fld>
             <a:endParaRPr lang="en-US"/>
           </a:p>
@@ -2511,7 +2515,7 @@
             <a:fld id="{1D8BD707-D9CF-40AE-B4C6-C98DA3205C09}" type="datetimeFigureOut">
               <a:rPr lang="en-US" smtClean="0"/>
               <a:pPr/>
-              <a:t>11/12/2014</a:t>
+              <a:t>11/17/2014</a:t>
             </a:fld>
             <a:endParaRPr lang="en-US"/>
           </a:p>
@@ -2721,7 +2725,7 @@
             <a:fld id="{1D8BD707-D9CF-40AE-B4C6-C98DA3205C09}" type="datetimeFigureOut">
               <a:rPr lang="en-US" smtClean="0"/>
               <a:pPr/>
-              <a:t>11/12/2014</a:t>
+              <a:t>11/17/2014</a:t>
             </a:fld>
             <a:endParaRPr lang="en-US"/>
           </a:p>
@@ -3101,7 +3105,7 @@
         <p:spPr>
           <a:xfrm>
             <a:off x="381000" y="381000"/>
-            <a:ext cx="8001000" cy="6093976"/>
+            <a:ext cx="8001000" cy="6647974"/>
           </a:xfrm>
           <a:prstGeom prst="rect">
             <a:avLst/>
@@ -3264,6 +3268,32 @@
             <a:r>
               <a:rPr lang="en-US" b="1" dirty="0" smtClean="0"/>
               <a:t>p.m.</a:t>
+            </a:r>
+          </a:p>
+          <a:p>
+            <a:pPr algn="ctr"/>
+            <a:r>
+              <a:rPr lang="en-US" b="1" dirty="0" smtClean="0"/>
+              <a:t>Presentation and code examples at:</a:t>
+            </a:r>
+          </a:p>
+          <a:p>
+            <a:pPr algn="ctr"/>
+            <a:r>
+              <a:rPr lang="en-US" dirty="0">
+                <a:hlinkClick r:id="rId3"/>
+              </a:rPr>
+              <a:t>http://paul-burtness.github.io/webdevmojo</a:t>
+            </a:r>
+            <a:r>
+              <a:rPr lang="en-US" dirty="0" smtClean="0">
+                <a:hlinkClick r:id="rId3"/>
+              </a:rPr>
+              <a:t>/</a:t>
+            </a:r>
+            <a:r>
+              <a:rPr lang="en-US" dirty="0" smtClean="0"/>
+              <a:t> </a:t>
             </a:r>
             <a:endParaRPr lang="en-US" dirty="0"/>
           </a:p>
@@ -3353,74 +3383,324 @@
       </p:grpSpPr>
       <p:sp>
         <p:nvSpPr>
-          <p:cNvPr id="3" name="TextBox 2"/>
-          <p:cNvSpPr txBox="1"/>
-          <p:nvPr/>
-        </p:nvSpPr>
-        <p:spPr>
-          <a:xfrm>
-            <a:off x="1066800" y="1676400"/>
-            <a:ext cx="6781800" cy="1938992"/>
-          </a:xfrm>
-          <a:prstGeom prst="rect">
-            <a:avLst/>
-          </a:prstGeom>
-          <a:noFill/>
-        </p:spPr>
-        <p:txBody>
-          <a:bodyPr wrap="square" rtlCol="0">
-            <a:spAutoFit/>
+          <p:cNvPr id="2" name="Title 1"/>
+          <p:cNvSpPr>
+            <a:spLocks noGrp="1"/>
+          </p:cNvSpPr>
+          <p:nvPr>
+            <p:ph type="title"/>
+          </p:nvPr>
+        </p:nvSpPr>
+        <p:spPr/>
+        <p:txBody>
+          <a:bodyPr/>
+          <a:lstStyle/>
+          <a:p>
+            <a:r>
+              <a:rPr lang="en-US" dirty="0" smtClean="0"/>
+              <a:t>Why can’t you play?</a:t>
+            </a:r>
+            <a:endParaRPr lang="en-US" dirty="0"/>
+          </a:p>
+        </p:txBody>
+      </p:sp>
+      <p:sp>
+        <p:nvSpPr>
+          <p:cNvPr id="4" name="Content Placeholder 3"/>
+          <p:cNvSpPr>
+            <a:spLocks noGrp="1"/>
+          </p:cNvSpPr>
+          <p:nvPr>
+            <p:ph idx="1"/>
+          </p:nvPr>
+        </p:nvSpPr>
+        <p:spPr/>
+        <p:txBody>
+          <a:bodyPr/>
+          <a:lstStyle/>
+          <a:p>
+            <a:r>
+              <a:rPr lang="en-US" dirty="0" smtClean="0"/>
+              <a:t>Security risk of script insertion</a:t>
+            </a:r>
+          </a:p>
+          <a:p>
+            <a:r>
+              <a:rPr lang="en-US" dirty="0" smtClean="0"/>
+              <a:t>Interference with other scripts on the page</a:t>
+            </a:r>
+          </a:p>
+          <a:p>
+            <a:r>
+              <a:rPr lang="en-US" dirty="0" smtClean="0"/>
+              <a:t>Vendor quality control</a:t>
+            </a:r>
+          </a:p>
+          <a:p>
+            <a:r>
+              <a:rPr lang="en-US" dirty="0" smtClean="0"/>
+              <a:t>Just because</a:t>
+            </a:r>
+          </a:p>
+          <a:p>
+            <a:endParaRPr lang="en-US" dirty="0"/>
+          </a:p>
+        </p:txBody>
+      </p:sp>
+    </p:spTree>
+    <p:extLst>
+      <p:ext uri="{BB962C8B-B14F-4D97-AF65-F5344CB8AC3E}">
+        <p14:creationId xmlns:p14="http://schemas.microsoft.com/office/powerpoint/2010/main" val="1441364826"/>
+      </p:ext>
+    </p:extLst>
+  </p:cSld>
+  <p:clrMapOvr>
+    <a:masterClrMapping/>
+  </p:clrMapOvr>
+</p:sld>
+</file>
+
+<file path=ppt/slides/slide11.xml><?xml version="1.0" encoding="utf-8"?>
+<p:sld xmlns:a="http://schemas.openxmlformats.org/drawingml/2006/main" xmlns:r="http://schemas.openxmlformats.org/officeDocument/2006/relationships" xmlns:p="http://schemas.openxmlformats.org/presentationml/2006/main">
+  <p:cSld>
+    <p:spTree>
+      <p:nvGrpSpPr>
+        <p:cNvPr id="1" name=""/>
+        <p:cNvGrpSpPr/>
+        <p:nvPr/>
+      </p:nvGrpSpPr>
+      <p:grpSpPr>
+        <a:xfrm>
+          <a:off x="0" y="0"/>
+          <a:ext cx="0" cy="0"/>
+          <a:chOff x="0" y="0"/>
+          <a:chExt cx="0" cy="0"/>
+        </a:xfrm>
+      </p:grpSpPr>
+      <p:sp>
+        <p:nvSpPr>
+          <p:cNvPr id="2" name="Title 1"/>
+          <p:cNvSpPr>
+            <a:spLocks noGrp="1"/>
+          </p:cNvSpPr>
+          <p:nvPr>
+            <p:ph type="title"/>
+          </p:nvPr>
+        </p:nvSpPr>
+        <p:spPr/>
+        <p:txBody>
+          <a:bodyPr>
+            <a:normAutofit/>
           </a:bodyPr>
           <a:lstStyle/>
           <a:p>
-            <a:pPr marL="285750" indent="-285750">
-              <a:buFont typeface="Arial" panose="020B0604020202020204" pitchFamily="34" charset="0"/>
-              <a:buChar char="•"/>
-            </a:pPr>
-            <a:r>
-              <a:rPr lang="en-US" dirty="0" smtClean="0"/>
-              <a:t>Problem:  Inserting your JavaScript into a webpage with existing scripts can break the page.</a:t>
-            </a:r>
-          </a:p>
-          <a:p>
-            <a:pPr marL="285750" indent="-285750">
-              <a:buFont typeface="Arial" panose="020B0604020202020204" pitchFamily="34" charset="0"/>
-              <a:buChar char="•"/>
-            </a:pPr>
-            <a:r>
-              <a:rPr lang="en-US" dirty="0" smtClean="0"/>
-              <a:t>Reason:  By default, everything in JavaScript is global.</a:t>
-            </a:r>
-          </a:p>
-          <a:p>
-            <a:pPr marL="285750" indent="-285750">
-              <a:buFont typeface="Arial" panose="020B0604020202020204" pitchFamily="34" charset="0"/>
-              <a:buChar char="•"/>
-            </a:pPr>
-            <a:r>
-              <a:rPr lang="en-US" dirty="0" smtClean="0"/>
-              <a:t>Consequences:  You can overwrite existing variables and functions or they can overwrite your code.</a:t>
-            </a:r>
-          </a:p>
-          <a:p>
-            <a:pPr marL="285750" indent="-285750">
-              <a:buFont typeface="Arial" panose="020B0604020202020204" pitchFamily="34" charset="0"/>
-              <a:buChar char="•"/>
-            </a:pPr>
-            <a:r>
-              <a:rPr lang="en-US" dirty="0" smtClean="0"/>
-              <a:t>Example:  Broken Page</a:t>
-            </a:r>
-          </a:p>
-          <a:p>
-            <a:pPr marL="285750" indent="-285750">
-              <a:buFont typeface="Arial" panose="020B0604020202020204" pitchFamily="34" charset="0"/>
-              <a:buChar char="•"/>
-            </a:pPr>
-            <a:endParaRPr lang="en-US" baseline="-25000" dirty="0"/>
-          </a:p>
-        </p:txBody>
-      </p:sp>
+            <a:r>
+              <a:rPr lang="en-US" dirty="0" smtClean="0"/>
+              <a:t>Why </a:t>
+            </a:r>
+            <a:r>
+              <a:rPr lang="en-US" dirty="0" smtClean="0"/>
+              <a:t>would you want to play</a:t>
+            </a:r>
+            <a:r>
+              <a:rPr lang="en-US" dirty="0" smtClean="0"/>
+              <a:t>?</a:t>
+            </a:r>
+            <a:endParaRPr lang="en-US" dirty="0"/>
+          </a:p>
+        </p:txBody>
+      </p:sp>
+      <p:sp>
+        <p:nvSpPr>
+          <p:cNvPr id="4" name="Content Placeholder 3"/>
+          <p:cNvSpPr>
+            <a:spLocks noGrp="1"/>
+          </p:cNvSpPr>
+          <p:nvPr>
+            <p:ph idx="1"/>
+          </p:nvPr>
+        </p:nvSpPr>
+        <p:spPr/>
+        <p:txBody>
+          <a:bodyPr/>
+          <a:lstStyle/>
+          <a:p>
+            <a:r>
+              <a:rPr lang="en-US" dirty="0" smtClean="0"/>
+              <a:t>Include information from other sources on your site (JSONP and CORS)</a:t>
+            </a:r>
+          </a:p>
+          <a:p>
+            <a:r>
+              <a:rPr lang="en-US" dirty="0" smtClean="0"/>
+              <a:t>Enhanced use of information on your site (RSS and site API)</a:t>
+            </a:r>
+          </a:p>
+          <a:p>
+            <a:r>
+              <a:rPr lang="en-US" dirty="0" smtClean="0"/>
+              <a:t>Custom solutions</a:t>
+            </a:r>
+          </a:p>
+          <a:p>
+            <a:r>
+              <a:rPr lang="en-US" dirty="0" smtClean="0"/>
+              <a:t>Customize design</a:t>
+            </a:r>
+            <a:endParaRPr lang="en-US" dirty="0"/>
+          </a:p>
+        </p:txBody>
+      </p:sp>
+    </p:spTree>
+    <p:extLst>
+      <p:ext uri="{BB962C8B-B14F-4D97-AF65-F5344CB8AC3E}">
+        <p14:creationId xmlns:p14="http://schemas.microsoft.com/office/powerpoint/2010/main" val="3572719039"/>
+      </p:ext>
+    </p:extLst>
+  </p:cSld>
+  <p:clrMapOvr>
+    <a:masterClrMapping/>
+  </p:clrMapOvr>
+</p:sld>
+</file>
+
+<file path=ppt/slides/slide12.xml><?xml version="1.0" encoding="utf-8"?>
+<p:sld xmlns:a="http://schemas.openxmlformats.org/drawingml/2006/main" xmlns:r="http://schemas.openxmlformats.org/officeDocument/2006/relationships" xmlns:p="http://schemas.openxmlformats.org/presentationml/2006/main">
+  <p:cSld>
+    <p:spTree>
+      <p:nvGrpSpPr>
+        <p:cNvPr id="1" name=""/>
+        <p:cNvGrpSpPr/>
+        <p:nvPr/>
+      </p:nvGrpSpPr>
+      <p:grpSpPr>
+        <a:xfrm>
+          <a:off x="0" y="0"/>
+          <a:ext cx="0" cy="0"/>
+          <a:chOff x="0" y="0"/>
+          <a:chExt cx="0" cy="0"/>
+        </a:xfrm>
+      </p:grpSpPr>
+      <p:sp>
+        <p:nvSpPr>
+          <p:cNvPr id="2" name="Title 1"/>
+          <p:cNvSpPr>
+            <a:spLocks noGrp="1"/>
+          </p:cNvSpPr>
+          <p:nvPr>
+            <p:ph type="title"/>
+          </p:nvPr>
+        </p:nvSpPr>
+        <p:spPr/>
+        <p:txBody>
+          <a:bodyPr>
+            <a:normAutofit/>
+          </a:bodyPr>
+          <a:lstStyle/>
+          <a:p>
+            <a:r>
+              <a:rPr lang="en-US" dirty="0" smtClean="0"/>
+              <a:t>What do you have to play with?</a:t>
+            </a:r>
+            <a:endParaRPr lang="en-US" dirty="0"/>
+          </a:p>
+        </p:txBody>
+      </p:sp>
+      <p:sp>
+        <p:nvSpPr>
+          <p:cNvPr id="4" name="Content Placeholder 3"/>
+          <p:cNvSpPr>
+            <a:spLocks noGrp="1"/>
+          </p:cNvSpPr>
+          <p:nvPr>
+            <p:ph idx="1"/>
+          </p:nvPr>
+        </p:nvSpPr>
+        <p:spPr/>
+        <p:txBody>
+          <a:bodyPr/>
+          <a:lstStyle/>
+          <a:p>
+            <a:r>
+              <a:rPr lang="en-US" dirty="0" smtClean="0"/>
+              <a:t>JavaScript – statements, functions, objects, DOM interaction, etc.</a:t>
+            </a:r>
+          </a:p>
+          <a:p>
+            <a:r>
+              <a:rPr lang="en-US" dirty="0" smtClean="0"/>
+              <a:t>JavaScript Libraries – example:  jQuery</a:t>
+            </a:r>
+          </a:p>
+          <a:p>
+            <a:r>
+              <a:rPr lang="en-US" dirty="0" smtClean="0"/>
+              <a:t>Use "View Source" or "Inspect Element" to see if jQuery is loaded</a:t>
+            </a:r>
+          </a:p>
+          <a:p>
+            <a:r>
+              <a:rPr lang="en-US" dirty="0" smtClean="0"/>
+              <a:t>Try simple code to see if you can use it</a:t>
+            </a:r>
+            <a:br>
+              <a:rPr lang="en-US" dirty="0" smtClean="0"/>
+            </a:br>
+            <a:r>
+              <a:rPr lang="en-US" sz="2000" dirty="0" smtClean="0"/>
+              <a:t>demo – </a:t>
+            </a:r>
+            <a:r>
+              <a:rPr lang="en-US" sz="2000" dirty="0" smtClean="0">
+                <a:hlinkClick r:id="rId2"/>
+              </a:rPr>
+              <a:t>http://www.anokcounty.us/tryjquery</a:t>
+            </a:r>
+            <a:r>
+              <a:rPr lang="en-US" sz="2000" dirty="0" smtClean="0"/>
+              <a:t> </a:t>
+            </a:r>
+            <a:endParaRPr lang="en-US" sz="2000" dirty="0"/>
+          </a:p>
+        </p:txBody>
+      </p:sp>
+    </p:spTree>
+    <p:extLst>
+      <p:ext uri="{BB962C8B-B14F-4D97-AF65-F5344CB8AC3E}">
+        <p14:creationId xmlns:p14="http://schemas.microsoft.com/office/powerpoint/2010/main" val="3049985624"/>
+      </p:ext>
+    </p:extLst>
+  </p:cSld>
+  <p:clrMapOvr>
+    <a:masterClrMapping/>
+  </p:clrMapOvr>
+  <p:timing>
+    <p:tnLst>
+      <p:par>
+        <p:cTn id="1" dur="indefinite" restart="never" nodeType="tmRoot"/>
+      </p:par>
+    </p:tnLst>
+  </p:timing>
+</p:sld>
+</file>
+
+<file path=ppt/slides/slide13.xml><?xml version="1.0" encoding="utf-8"?>
+<p:sld xmlns:a="http://schemas.openxmlformats.org/drawingml/2006/main" xmlns:r="http://schemas.openxmlformats.org/officeDocument/2006/relationships" xmlns:p="http://schemas.openxmlformats.org/presentationml/2006/main">
+  <p:cSld>
+    <p:spTree>
+      <p:nvGrpSpPr>
+        <p:cNvPr id="1" name=""/>
+        <p:cNvGrpSpPr/>
+        <p:nvPr/>
+      </p:nvGrpSpPr>
+      <p:grpSpPr>
+        <a:xfrm>
+          <a:off x="0" y="0"/>
+          <a:ext cx="0" cy="0"/>
+          <a:chOff x="0" y="0"/>
+          <a:chExt cx="0" cy="0"/>
+        </a:xfrm>
+      </p:grpSpPr>
       <p:sp>
         <p:nvSpPr>
           <p:cNvPr id="2" name="Title 1"/>
@@ -3443,6 +3723,60 @@
               <a:t>How do you “play well with others?”</a:t>
             </a:r>
             <a:endParaRPr lang="en-US" dirty="0"/>
+          </a:p>
+        </p:txBody>
+      </p:sp>
+      <p:sp>
+        <p:nvSpPr>
+          <p:cNvPr id="4" name="Content Placeholder 3"/>
+          <p:cNvSpPr>
+            <a:spLocks noGrp="1"/>
+          </p:cNvSpPr>
+          <p:nvPr>
+            <p:ph idx="1"/>
+          </p:nvPr>
+        </p:nvSpPr>
+        <p:spPr/>
+        <p:txBody>
+          <a:bodyPr>
+            <a:normAutofit/>
+          </a:bodyPr>
+          <a:lstStyle/>
+          <a:p>
+            <a:r>
+              <a:rPr lang="en-US" dirty="0" smtClean="0"/>
+              <a:t>Problem – If your CMS uses JavaScript, your code can break the page (but not the CMS)</a:t>
+            </a:r>
+          </a:p>
+          <a:p>
+            <a:r>
+              <a:rPr lang="en-US" dirty="0" smtClean="0"/>
+              <a:t>Reason – By default all JavaScript on the page is global</a:t>
+            </a:r>
+          </a:p>
+          <a:p>
+            <a:r>
+              <a:rPr lang="en-US" dirty="0" smtClean="0"/>
+              <a:t>Consequences – You can overwrite existing variables and functions on the page, or the page can overwrite yours</a:t>
+            </a:r>
+            <a:br>
+              <a:rPr lang="en-US" dirty="0" smtClean="0"/>
+            </a:br>
+            <a:r>
+              <a:rPr lang="en-US" sz="2000" dirty="0" smtClean="0"/>
+              <a:t>demo – </a:t>
+            </a:r>
+            <a:r>
+              <a:rPr lang="en-US" sz="2000" dirty="0" smtClean="0">
+                <a:hlinkClick r:id="rId2"/>
+              </a:rPr>
+              <a:t>http://www.anokacounty.us/youbrokeit</a:t>
+            </a:r>
+            <a:r>
+              <a:rPr lang="en-US" sz="2000" dirty="0" smtClean="0"/>
+              <a:t> </a:t>
+            </a:r>
+            <a:endParaRPr lang="en-US" sz="2000" dirty="0"/>
           </a:p>
         </p:txBody>
       </p:sp>
@@ -3466,8 +3800,145 @@
 </p:sld>
 </file>
 
-<file path=ppt/slides/slide11.xml><?xml version="1.0" encoding="utf-8"?>
+<file path=ppt/slides/slide14.xml><?xml version="1.0" encoding="utf-8"?>
 <p:sld xmlns:a="http://schemas.openxmlformats.org/drawingml/2006/main" xmlns:r="http://schemas.openxmlformats.org/officeDocument/2006/relationships" xmlns:p="http://schemas.openxmlformats.org/presentationml/2006/main">
+  <p:cSld>
+    <p:spTree>
+      <p:nvGrpSpPr>
+        <p:cNvPr id="1" name=""/>
+        <p:cNvGrpSpPr/>
+        <p:nvPr/>
+      </p:nvGrpSpPr>
+      <p:grpSpPr>
+        <a:xfrm>
+          <a:off x="0" y="0"/>
+          <a:ext cx="0" cy="0"/>
+          <a:chOff x="0" y="0"/>
+          <a:chExt cx="0" cy="0"/>
+        </a:xfrm>
+      </p:grpSpPr>
+      <p:sp>
+        <p:nvSpPr>
+          <p:cNvPr id="2" name="Title 1"/>
+          <p:cNvSpPr>
+            <a:spLocks noGrp="1"/>
+          </p:cNvSpPr>
+          <p:nvPr>
+            <p:ph type="title"/>
+          </p:nvPr>
+        </p:nvSpPr>
+        <p:spPr/>
+        <p:txBody>
+          <a:bodyPr>
+            <a:normAutofit fontScale="90000"/>
+          </a:bodyPr>
+          <a:lstStyle/>
+          <a:p>
+            <a:r>
+              <a:rPr lang="en-US" dirty="0" smtClean="0"/>
+              <a:t>How do you “play well with others?”</a:t>
+            </a:r>
+            <a:endParaRPr lang="en-US" dirty="0"/>
+          </a:p>
+        </p:txBody>
+      </p:sp>
+      <p:sp>
+        <p:nvSpPr>
+          <p:cNvPr id="4" name="Content Placeholder 3"/>
+          <p:cNvSpPr>
+            <a:spLocks noGrp="1"/>
+          </p:cNvSpPr>
+          <p:nvPr>
+            <p:ph idx="1"/>
+          </p:nvPr>
+        </p:nvSpPr>
+        <p:spPr/>
+        <p:txBody>
+          <a:bodyPr>
+            <a:normAutofit/>
+          </a:bodyPr>
+          <a:lstStyle/>
+          <a:p>
+            <a:r>
+              <a:rPr lang="en-US" dirty="0" smtClean="0"/>
+              <a:t>Solution – Create  </a:t>
+            </a:r>
+            <a:r>
+              <a:rPr lang="en-US" dirty="0"/>
+              <a:t>a JavaScript “</a:t>
+            </a:r>
+            <a:r>
+              <a:rPr lang="en-US" dirty="0" smtClean="0"/>
+              <a:t>namespace,” a </a:t>
+            </a:r>
+            <a:r>
+              <a:rPr lang="en-US" dirty="0"/>
+              <a:t>single global object that contains all </a:t>
+            </a:r>
+            <a:r>
+              <a:rPr lang="en-US" dirty="0" smtClean="0"/>
+              <a:t>your variables </a:t>
+            </a:r>
+            <a:r>
+              <a:rPr lang="en-US" dirty="0"/>
+              <a:t>and </a:t>
+            </a:r>
+            <a:r>
+              <a:rPr lang="en-US" dirty="0" smtClean="0"/>
+              <a:t>functions</a:t>
+            </a:r>
+          </a:p>
+          <a:p>
+            <a:r>
+              <a:rPr lang="en-US" dirty="0" smtClean="0"/>
+              <a:t>Reference </a:t>
+            </a:r>
+            <a:r>
+              <a:rPr lang="en-US" dirty="0"/>
+              <a:t>- </a:t>
+            </a:r>
+            <a:r>
+              <a:rPr lang="en-US" dirty="0">
+                <a:hlinkClick r:id="rId2"/>
+              </a:rPr>
+              <a:t>http://www.kenneth-truyers.net/2013/04/27/javascript-namespaces-and-modules</a:t>
+            </a:r>
+            <a:r>
+              <a:rPr lang="en-US" smtClean="0">
+                <a:hlinkClick r:id="rId2"/>
+              </a:rPr>
+              <a:t>/</a:t>
+            </a:r>
+            <a:r>
+              <a:rPr lang="en-US" smtClean="0"/>
+              <a:t> </a:t>
+            </a:r>
+            <a:endParaRPr lang="en-US" dirty="0"/>
+          </a:p>
+        </p:txBody>
+      </p:sp>
+    </p:spTree>
+    <p:extLst>
+      <p:ext uri="{BB962C8B-B14F-4D97-AF65-F5344CB8AC3E}">
+        <p14:creationId xmlns:p14="http://schemas.microsoft.com/office/powerpoint/2010/main" val="1149033214"/>
+      </p:ext>
+    </p:extLst>
+  </p:cSld>
+  <p:clrMapOvr>
+    <a:masterClrMapping/>
+  </p:clrMapOvr>
+  <p:timing>
+    <p:tnLst>
+      <p:par>
+        <p:cTn id="1" dur="indefinite" restart="never" nodeType="tmRoot"/>
+      </p:par>
+    </p:tnLst>
+  </p:timing>
+</p:sld>
+</file>
+
+<file path=ppt/slides/slide15.xml><?xml version="1.0" encoding="utf-8"?>
+<p:sld xmlns:a="http://schemas.openxmlformats.org/drawingml/2006/main" xmlns:r="http://schemas.openxmlformats.org/officeDocument/2006/relationships" xmlns:p="http://schemas.openxmlformats.org/presentationml/2006/main" show="0">
   <p:cSld>
     <p:spTree>
       <p:nvGrpSpPr>
@@ -3547,6 +4018,14 @@
   <p:clrMapOvr>
     <a:masterClrMapping/>
   </p:clrMapOvr>
+  <mc:AlternateContent xmlns:mc="http://schemas.openxmlformats.org/markup-compatibility/2006">
+    <mc:Choice xmlns:p14="http://schemas.microsoft.com/office/powerpoint/2010/main" Requires="p14">
+      <p:transition spd="slow" p14:dur="2000"/>
+    </mc:Choice>
+    <mc:Fallback>
+      <p:transition spd="slow"/>
+    </mc:Fallback>
+  </mc:AlternateContent>
   <p:timing>
     <p:tnLst>
       <p:par>
@@ -3557,8 +4036,8 @@
 </p:sld>
 </file>
 
-<file path=ppt/slides/slide12.xml><?xml version="1.0" encoding="utf-8"?>
-<p:sld xmlns:a="http://schemas.openxmlformats.org/drawingml/2006/main" xmlns:r="http://schemas.openxmlformats.org/officeDocument/2006/relationships" xmlns:p="http://schemas.openxmlformats.org/presentationml/2006/main">
+<file path=ppt/slides/slide16.xml><?xml version="1.0" encoding="utf-8"?>
+<p:sld xmlns:a="http://schemas.openxmlformats.org/drawingml/2006/main" xmlns:r="http://schemas.openxmlformats.org/officeDocument/2006/relationships" xmlns:p="http://schemas.openxmlformats.org/presentationml/2006/main" show="0">
   <p:cSld>
     <p:spTree>
       <p:nvGrpSpPr>
@@ -3638,6 +4117,14 @@
   <p:clrMapOvr>
     <a:masterClrMapping/>
   </p:clrMapOvr>
+  <mc:AlternateContent xmlns:mc="http://schemas.openxmlformats.org/markup-compatibility/2006">
+    <mc:Choice xmlns:p14="http://schemas.microsoft.com/office/powerpoint/2010/main" Requires="p14">
+      <p:transition spd="slow" p14:dur="2000"/>
+    </mc:Choice>
+    <mc:Fallback>
+      <p:transition spd="slow"/>
+    </mc:Fallback>
+  </mc:AlternateContent>
   <p:timing>
     <p:tnLst>
       <p:par>
@@ -3648,8 +4135,8 @@
 </p:sld>
 </file>
 
-<file path=ppt/slides/slide13.xml><?xml version="1.0" encoding="utf-8"?>
-<p:sld xmlns:a="http://schemas.openxmlformats.org/drawingml/2006/main" xmlns:r="http://schemas.openxmlformats.org/officeDocument/2006/relationships" xmlns:p="http://schemas.openxmlformats.org/presentationml/2006/main">
+<file path=ppt/slides/slide17.xml><?xml version="1.0" encoding="utf-8"?>
+<p:sld xmlns:a="http://schemas.openxmlformats.org/drawingml/2006/main" xmlns:r="http://schemas.openxmlformats.org/officeDocument/2006/relationships" xmlns:p="http://schemas.openxmlformats.org/presentationml/2006/main" show="0">
   <p:cSld>
     <p:spTree>
       <p:nvGrpSpPr>
@@ -3885,6 +4372,14 @@
   <p:clrMapOvr>
     <a:masterClrMapping/>
   </p:clrMapOvr>
+  <mc:AlternateContent xmlns:mc="http://schemas.openxmlformats.org/markup-compatibility/2006">
+    <mc:Choice xmlns:p14="http://schemas.microsoft.com/office/powerpoint/2010/main" Requires="p14">
+      <p:transition spd="slow" p14:dur="2000"/>
+    </mc:Choice>
+    <mc:Fallback>
+      <p:transition spd="slow"/>
+    </mc:Fallback>
+  </mc:AlternateContent>
   <p:timing>
     <p:tnLst>
       <p:par>
@@ -3895,8 +4390,8 @@
 </p:sld>
 </file>
 
-<file path=ppt/slides/slide14.xml><?xml version="1.0" encoding="utf-8"?>
-<p:sld xmlns:a="http://schemas.openxmlformats.org/drawingml/2006/main" xmlns:r="http://schemas.openxmlformats.org/officeDocument/2006/relationships" xmlns:p="http://schemas.openxmlformats.org/presentationml/2006/main">
+<file path=ppt/slides/slide18.xml><?xml version="1.0" encoding="utf-8"?>
+<p:sld xmlns:a="http://schemas.openxmlformats.org/drawingml/2006/main" xmlns:r="http://schemas.openxmlformats.org/officeDocument/2006/relationships" xmlns:p="http://schemas.openxmlformats.org/presentationml/2006/main" show="0">
   <p:cSld>
     <p:spTree>
       <p:nvGrpSpPr>
@@ -3976,6 +4471,14 @@
   <p:clrMapOvr>
     <a:masterClrMapping/>
   </p:clrMapOvr>
+  <mc:AlternateContent xmlns:mc="http://schemas.openxmlformats.org/markup-compatibility/2006">
+    <mc:Choice xmlns:p14="http://schemas.microsoft.com/office/powerpoint/2010/main" Requires="p14">
+      <p:transition spd="slow" p14:dur="2000"/>
+    </mc:Choice>
+    <mc:Fallback>
+      <p:transition spd="slow"/>
+    </mc:Fallback>
+  </mc:AlternateContent>
   <p:timing>
     <p:tnLst>
       <p:par>
@@ -3986,7 +4489,7 @@
 </p:sld>
 </file>
 
-<file path=ppt/slides/slide15.xml><?xml version="1.0" encoding="utf-8"?>
+<file path=ppt/slides/slide19.xml><?xml version="1.0" encoding="utf-8"?>
 <p:sld xmlns:a="http://schemas.openxmlformats.org/drawingml/2006/main" xmlns:r="http://schemas.openxmlformats.org/officeDocument/2006/relationships" xmlns:p="http://schemas.openxmlformats.org/presentationml/2006/main">
   <p:cSld>
     <p:spTree>
@@ -4179,7 +4682,123 @@
 </p:sld>
 </file>
 
-<file path=ppt/slides/slide16.xml><?xml version="1.0" encoding="utf-8"?>
+<file path=ppt/slides/slide2.xml><?xml version="1.0" encoding="utf-8"?>
+<p:sld xmlns:a="http://schemas.openxmlformats.org/drawingml/2006/main" xmlns:r="http://schemas.openxmlformats.org/officeDocument/2006/relationships" xmlns:p="http://schemas.openxmlformats.org/presentationml/2006/main">
+  <p:cSld>
+    <p:spTree>
+      <p:nvGrpSpPr>
+        <p:cNvPr id="1" name=""/>
+        <p:cNvGrpSpPr/>
+        <p:nvPr/>
+      </p:nvGrpSpPr>
+      <p:grpSpPr>
+        <a:xfrm>
+          <a:off x="0" y="0"/>
+          <a:ext cx="0" cy="0"/>
+          <a:chOff x="0" y="0"/>
+          <a:chExt cx="0" cy="0"/>
+        </a:xfrm>
+      </p:grpSpPr>
+      <p:sp>
+        <p:nvSpPr>
+          <p:cNvPr id="3" name="TextBox 2"/>
+          <p:cNvSpPr txBox="1"/>
+          <p:nvPr/>
+        </p:nvSpPr>
+        <p:spPr>
+          <a:xfrm>
+            <a:off x="2438399" y="6019800"/>
+            <a:ext cx="4267200" cy="369332"/>
+          </a:xfrm>
+          <a:prstGeom prst="rect">
+            <a:avLst/>
+          </a:prstGeom>
+          <a:noFill/>
+        </p:spPr>
+        <p:txBody>
+          <a:bodyPr wrap="square" rtlCol="0">
+            <a:spAutoFit/>
+          </a:bodyPr>
+          <a:lstStyle/>
+          <a:p>
+            <a:r>
+              <a:rPr lang="en-US" dirty="0" smtClean="0"/>
+              <a:t>Austin Powers: The Spy Who Shagged Me</a:t>
+            </a:r>
+            <a:endParaRPr lang="en-US" dirty="0"/>
+          </a:p>
+        </p:txBody>
+      </p:sp>
+      <p:pic>
+        <p:nvPicPr>
+          <p:cNvPr id="4" name="gEuw2mgLRuQ?rel=0&amp;showinfo=0"/>
+          <p:cNvPicPr>
+            <a:picLocks noRot="1" noChangeAspect="1"/>
+          </p:cNvPicPr>
+          <p:nvPr>
+            <a:videoFile r:link="rId1"/>
+          </p:nvPr>
+        </p:nvPicPr>
+        <p:blipFill>
+          <a:blip r:embed="rId3"/>
+          <a:stretch>
+            <a:fillRect/>
+          </a:stretch>
+        </p:blipFill>
+        <p:spPr>
+          <a:xfrm>
+            <a:off x="955322" y="1524000"/>
+            <a:ext cx="7233355" cy="4068762"/>
+          </a:xfrm>
+          <a:prstGeom prst="rect">
+            <a:avLst/>
+          </a:prstGeom>
+        </p:spPr>
+      </p:pic>
+      <p:sp>
+        <p:nvSpPr>
+          <p:cNvPr id="2" name="Title 1"/>
+          <p:cNvSpPr>
+            <a:spLocks noGrp="1"/>
+          </p:cNvSpPr>
+          <p:nvPr>
+            <p:ph type="title"/>
+          </p:nvPr>
+        </p:nvSpPr>
+        <p:spPr/>
+        <p:txBody>
+          <a:bodyPr/>
+          <a:lstStyle/>
+          <a:p>
+            <a:r>
+              <a:rPr lang="en-US" dirty="0" smtClean="0"/>
+              <a:t>Losing your mojo?</a:t>
+            </a:r>
+            <a:endParaRPr lang="en-US" dirty="0"/>
+          </a:p>
+        </p:txBody>
+      </p:sp>
+    </p:spTree>
+    <p:extLst>
+      <p:ext uri="{BB962C8B-B14F-4D97-AF65-F5344CB8AC3E}">
+        <p14:creationId xmlns:p14="http://schemas.microsoft.com/office/powerpoint/2010/main" val="927391039"/>
+      </p:ext>
+    </p:extLst>
+  </p:cSld>
+  <p:clrMapOvr>
+    <a:masterClrMapping/>
+  </p:clrMapOvr>
+  <p:timing>
+    <p:tnLst>
+      <p:par>
+        <p:cTn id="1" dur="indefinite" restart="never" nodeType="tmRoot"/>
+      </p:par>
+    </p:tnLst>
+  </p:timing>
+</p:sld>
+</file>
+
+<file path=ppt/slides/slide20.xml><?xml version="1.0" encoding="utf-8"?>
 <p:sld xmlns:a="http://schemas.openxmlformats.org/drawingml/2006/main" xmlns:r="http://schemas.openxmlformats.org/officeDocument/2006/relationships" xmlns:p="http://schemas.openxmlformats.org/presentationml/2006/main">
   <p:cSld>
     <p:spTree>
@@ -4239,7 +4858,7 @@
 </p:sld>
 </file>
 
-<file path=ppt/slides/slide17.xml><?xml version="1.0" encoding="utf-8"?>
+<file path=ppt/slides/slide21.xml><?xml version="1.0" encoding="utf-8"?>
 <p:sld xmlns:a="http://schemas.openxmlformats.org/drawingml/2006/main" xmlns:r="http://schemas.openxmlformats.org/officeDocument/2006/relationships" xmlns:p="http://schemas.openxmlformats.org/presentationml/2006/main">
   <p:cSld>
     <p:spTree>
@@ -4299,7 +4918,7 @@
 </p:sld>
 </file>
 
-<file path=ppt/slides/slide18.xml><?xml version="1.0" encoding="utf-8"?>
+<file path=ppt/slides/slide22.xml><?xml version="1.0" encoding="utf-8"?>
 <p:sld xmlns:a="http://schemas.openxmlformats.org/drawingml/2006/main" xmlns:r="http://schemas.openxmlformats.org/officeDocument/2006/relationships" xmlns:p="http://schemas.openxmlformats.org/presentationml/2006/main">
   <p:cSld>
     <p:spTree>
@@ -4460,7 +5079,7 @@
 </p:sld>
 </file>
 
-<file path=ppt/slides/slide2.xml><?xml version="1.0" encoding="utf-8"?>
+<file path=ppt/slides/slide3.xml><?xml version="1.0" encoding="utf-8"?>
 <p:sld xmlns:a="http://schemas.openxmlformats.org/drawingml/2006/main" xmlns:r="http://schemas.openxmlformats.org/officeDocument/2006/relationships" xmlns:p="http://schemas.openxmlformats.org/presentationml/2006/main">
   <p:cSld>
     <p:spTree>
@@ -4479,79 +5098,90 @@
       </p:grpSpPr>
       <p:sp>
         <p:nvSpPr>
-          <p:cNvPr id="3" name="TextBox 2"/>
-          <p:cNvSpPr txBox="1"/>
-          <p:nvPr/>
-        </p:nvSpPr>
-        <p:spPr>
-          <a:xfrm>
-            <a:off x="381000" y="5867400"/>
-            <a:ext cx="2819400" cy="646331"/>
-          </a:xfrm>
-          <a:prstGeom prst="rect">
-            <a:avLst/>
-          </a:prstGeom>
-          <a:noFill/>
-        </p:spPr>
-        <p:txBody>
-          <a:bodyPr wrap="square" rtlCol="0">
-            <a:spAutoFit/>
-          </a:bodyPr>
-          <a:lstStyle/>
-          <a:p>
-            <a:r>
-              <a:rPr lang="en-US" dirty="0" smtClean="0"/>
-              <a:t>Austin Powers: The Spy Who Shagged Me</a:t>
+          <p:cNvPr id="2" name="Title 1"/>
+          <p:cNvSpPr>
+            <a:spLocks noGrp="1"/>
+          </p:cNvSpPr>
+          <p:nvPr>
+            <p:ph type="title"/>
+          </p:nvPr>
+        </p:nvSpPr>
+        <p:spPr/>
+        <p:txBody>
+          <a:bodyPr/>
+          <a:lstStyle/>
+          <a:p>
+            <a:r>
+              <a:rPr lang="en-US" dirty="0" smtClean="0"/>
+              <a:t>What is it?</a:t>
             </a:r>
             <a:endParaRPr lang="en-US" dirty="0"/>
           </a:p>
         </p:txBody>
       </p:sp>
-      <p:pic>
-        <p:nvPicPr>
-          <p:cNvPr id="4" name="gEuw2mgLRuQ?rel=0&amp;showinfo=0"/>
-          <p:cNvPicPr>
-            <a:picLocks noRot="1" noChangeAspect="1"/>
-          </p:cNvPicPr>
-          <p:nvPr>
-            <a:videoFile r:link="rId1"/>
-          </p:nvPr>
-        </p:nvPicPr>
-        <p:blipFill>
-          <a:blip r:embed="rId3"/>
-          <a:stretch>
-            <a:fillRect/>
-          </a:stretch>
-        </p:blipFill>
-        <p:spPr>
-          <a:xfrm>
-            <a:off x="2286000" y="2143125"/>
-            <a:ext cx="4572000" cy="2571750"/>
-          </a:xfrm>
-          <a:prstGeom prst="rect">
-            <a:avLst/>
-          </a:prstGeom>
-        </p:spPr>
-      </p:pic>
-      <p:sp>
-        <p:nvSpPr>
-          <p:cNvPr id="2" name="Title 1"/>
-          <p:cNvSpPr>
-            <a:spLocks noGrp="1"/>
-          </p:cNvSpPr>
-          <p:nvPr>
-            <p:ph type="title"/>
-          </p:nvPr>
-        </p:nvSpPr>
-        <p:spPr/>
-        <p:txBody>
-          <a:bodyPr/>
-          <a:lstStyle/>
-          <a:p>
-            <a:r>
-              <a:rPr lang="en-US" dirty="0" smtClean="0"/>
-              <a:t>Losing it?</a:t>
-            </a:r>
+      <p:sp>
+        <p:nvSpPr>
+          <p:cNvPr id="4" name="Content Placeholder 3"/>
+          <p:cNvSpPr>
+            <a:spLocks noGrp="1"/>
+          </p:cNvSpPr>
+          <p:nvPr>
+            <p:ph idx="1"/>
+          </p:nvPr>
+        </p:nvSpPr>
+        <p:spPr/>
+        <p:txBody>
+          <a:bodyPr/>
+          <a:lstStyle/>
+          <a:p>
+            <a:r>
+              <a:rPr lang="en-US" dirty="0" smtClean="0"/>
+              <a:t>Mojo – a power </a:t>
+            </a:r>
+            <a:r>
+              <a:rPr lang="en-US" dirty="0"/>
+              <a:t>that may seem magical and that allows someone to be very effective, successful, etc. </a:t>
+            </a:r>
+            <a:r>
+              <a:rPr lang="en-US" sz="1600" dirty="0">
+                <a:hlinkClick r:id="rId2"/>
+              </a:rPr>
+              <a:t>http://</a:t>
+            </a:r>
+            <a:r>
+              <a:rPr lang="en-US" sz="1600" dirty="0" smtClean="0">
+                <a:hlinkClick r:id="rId2"/>
+              </a:rPr>
+              <a:t>www.merriam-webster.com/dictionary/mojo</a:t>
+            </a:r>
+            <a:r>
+              <a:rPr lang="en-US" sz="1600" dirty="0" smtClean="0"/>
+              <a:t> </a:t>
+            </a:r>
+            <a:endParaRPr lang="en-US" sz="1600" dirty="0"/>
+          </a:p>
+          <a:p>
+            <a:r>
+              <a:rPr lang="en-US" dirty="0" err="1" smtClean="0"/>
+              <a:t>Webdevmojo</a:t>
+            </a:r>
+            <a:r>
+              <a:rPr lang="en-US" dirty="0" smtClean="0"/>
+              <a:t> – the ability to solve problems in an amazing way using a web application...</a:t>
+            </a:r>
+          </a:p>
+          <a:p>
+            <a:r>
+              <a:rPr lang="en-US" dirty="0"/>
+              <a:t>a</a:t>
+            </a:r>
+            <a:r>
+              <a:rPr lang="en-US" dirty="0" smtClean="0"/>
+              <a:t>nd have fun doing it!</a:t>
+            </a:r>
+            <a:endParaRPr lang="en-US" dirty="0"/>
+          </a:p>
+          <a:p>
             <a:endParaRPr lang="en-US" dirty="0"/>
           </a:p>
         </p:txBody>
@@ -4559,13 +5189,21 @@
     </p:spTree>
     <p:extLst>
       <p:ext uri="{BB962C8B-B14F-4D97-AF65-F5344CB8AC3E}">
-        <p14:creationId xmlns:p14="http://schemas.microsoft.com/office/powerpoint/2010/main" val="927391039"/>
+        <p14:creationId xmlns:p14="http://schemas.microsoft.com/office/powerpoint/2010/main" val="450929624"/>
       </p:ext>
     </p:extLst>
   </p:cSld>
   <p:clrMapOvr>
     <a:masterClrMapping/>
   </p:clrMapOvr>
+  <mc:AlternateContent xmlns:mc="http://schemas.openxmlformats.org/markup-compatibility/2006" xmlns:p14="http://schemas.microsoft.com/office/powerpoint/2010/main">
+    <mc:Choice Requires="p14">
+      <p:transition spd="slow" p14:dur="2000"/>
+    </mc:Choice>
+    <mc:Fallback xmlns="">
+      <p:transition spd="slow"/>
+    </mc:Fallback>
+  </mc:AlternateContent>
   <p:timing>
     <p:tnLst>
       <p:par>
@@ -4576,8 +5214,8 @@
 </p:sld>
 </file>
 
-<file path=ppt/slides/slide3.xml><?xml version="1.0" encoding="utf-8"?>
-<p:sld xmlns:a="http://schemas.openxmlformats.org/drawingml/2006/main" xmlns:r="http://schemas.openxmlformats.org/officeDocument/2006/relationships" xmlns:p="http://schemas.openxmlformats.org/presentationml/2006/main">
+<file path=ppt/slides/slide4.xml><?xml version="1.0" encoding="utf-8"?>
+<p:sld xmlns:a="http://schemas.openxmlformats.org/drawingml/2006/main" xmlns:r="http://schemas.openxmlformats.org/officeDocument/2006/relationships" xmlns:p="http://schemas.openxmlformats.org/presentationml/2006/main" show="0">
   <p:cSld>
     <p:spTree>
       <p:nvGrpSpPr>
@@ -4720,103 +5358,21 @@
     </p:spTree>
     <p:extLst>
       <p:ext uri="{BB962C8B-B14F-4D97-AF65-F5344CB8AC3E}">
-        <p14:creationId xmlns:p14="http://schemas.microsoft.com/office/powerpoint/2010/main" val="450929624"/>
+        <p14:creationId xmlns:p14="http://schemas.microsoft.com/office/powerpoint/2010/main" val="3767685774"/>
       </p:ext>
     </p:extLst>
   </p:cSld>
   <p:clrMapOvr>
     <a:masterClrMapping/>
   </p:clrMapOvr>
-  <p:timing>
-    <p:tnLst>
-      <p:par>
-        <p:cTn id="1" dur="indefinite" restart="never" nodeType="tmRoot"/>
-      </p:par>
-    </p:tnLst>
-  </p:timing>
-</p:sld>
-</file>
-
-<file path=ppt/slides/slide4.xml><?xml version="1.0" encoding="utf-8"?>
-<p:sld xmlns:a="http://schemas.openxmlformats.org/drawingml/2006/main" xmlns:r="http://schemas.openxmlformats.org/officeDocument/2006/relationships" xmlns:p="http://schemas.openxmlformats.org/presentationml/2006/main">
-  <p:cSld>
-    <p:spTree>
-      <p:nvGrpSpPr>
-        <p:cNvPr id="1" name=""/>
-        <p:cNvGrpSpPr/>
-        <p:nvPr/>
-      </p:nvGrpSpPr>
-      <p:grpSpPr>
-        <a:xfrm>
-          <a:off x="0" y="0"/>
-          <a:ext cx="0" cy="0"/>
-          <a:chOff x="0" y="0"/>
-          <a:chExt cx="0" cy="0"/>
-        </a:xfrm>
-      </p:grpSpPr>
-      <p:sp>
-        <p:nvSpPr>
-          <p:cNvPr id="3" name="TextBox 2"/>
-          <p:cNvSpPr txBox="1"/>
-          <p:nvPr/>
-        </p:nvSpPr>
-        <p:spPr>
-          <a:xfrm>
-            <a:off x="1524000" y="2362200"/>
-            <a:ext cx="2691121" cy="369332"/>
-          </a:xfrm>
-          <a:prstGeom prst="rect">
-            <a:avLst/>
-          </a:prstGeom>
-          <a:noFill/>
-        </p:spPr>
-        <p:txBody>
-          <a:bodyPr wrap="none" rtlCol="0">
-            <a:spAutoFit/>
-          </a:bodyPr>
-          <a:lstStyle/>
-          <a:p>
-            <a:r>
-              <a:rPr lang="en-US" dirty="0" smtClean="0"/>
-              <a:t>Example of Inmate Locator</a:t>
-            </a:r>
-            <a:endParaRPr lang="en-US" dirty="0"/>
-          </a:p>
-        </p:txBody>
-      </p:sp>
-      <p:sp>
-        <p:nvSpPr>
-          <p:cNvPr id="2" name="Title 1"/>
-          <p:cNvSpPr>
-            <a:spLocks noGrp="1"/>
-          </p:cNvSpPr>
-          <p:nvPr>
-            <p:ph type="title"/>
-          </p:nvPr>
-        </p:nvSpPr>
-        <p:spPr/>
-        <p:txBody>
-          <a:bodyPr/>
-          <a:lstStyle/>
-          <a:p>
-            <a:r>
-              <a:rPr lang="en-US" dirty="0" smtClean="0"/>
-              <a:t>How do you get it back?</a:t>
-            </a:r>
-            <a:endParaRPr lang="en-US" dirty="0"/>
-          </a:p>
-        </p:txBody>
-      </p:sp>
-    </p:spTree>
-    <p:extLst>
-      <p:ext uri="{BB962C8B-B14F-4D97-AF65-F5344CB8AC3E}">
-        <p14:creationId xmlns:p14="http://schemas.microsoft.com/office/powerpoint/2010/main" val="1079474859"/>
-      </p:ext>
-    </p:extLst>
-  </p:cSld>
-  <p:clrMapOvr>
-    <a:masterClrMapping/>
-  </p:clrMapOvr>
+  <mc:AlternateContent xmlns:mc="http://schemas.openxmlformats.org/markup-compatibility/2006" xmlns:p14="http://schemas.microsoft.com/office/powerpoint/2010/main">
+    <mc:Choice Requires="p14">
+      <p:transition spd="slow" p14:dur="2000"/>
+    </mc:Choice>
+    <mc:Fallback xmlns="">
+      <p:transition spd="slow"/>
+    </mc:Fallback>
+  </mc:AlternateContent>
   <p:timing>
     <p:tnLst>
       <p:par>
@@ -4861,7 +5417,56 @@
           <a:p>
             <a:r>
               <a:rPr lang="en-US" dirty="0" smtClean="0"/>
-              <a:t>Why JavaScript?</a:t>
+              <a:t>How do you lose it?</a:t>
+            </a:r>
+            <a:endParaRPr lang="en-US" dirty="0"/>
+          </a:p>
+        </p:txBody>
+      </p:sp>
+      <p:sp>
+        <p:nvSpPr>
+          <p:cNvPr id="3" name="Content Placeholder 2"/>
+          <p:cNvSpPr>
+            <a:spLocks noGrp="1"/>
+          </p:cNvSpPr>
+          <p:nvPr>
+            <p:ph idx="1"/>
+          </p:nvPr>
+        </p:nvSpPr>
+        <p:spPr/>
+        <p:txBody>
+          <a:bodyPr/>
+          <a:lstStyle/>
+          <a:p>
+            <a:r>
+              <a:rPr lang="en-US" dirty="0" smtClean="0"/>
+              <a:t>Migrate your website from a self-hosted site you build and control…</a:t>
+            </a:r>
+          </a:p>
+          <a:p>
+            <a:r>
+              <a:rPr lang="en-US" dirty="0" smtClean="0"/>
+              <a:t>To a managed-hosting site built with a 3</a:t>
+            </a:r>
+            <a:r>
+              <a:rPr lang="en-US" baseline="30000" dirty="0" smtClean="0"/>
+              <a:t>rd</a:t>
+            </a:r>
+            <a:r>
+              <a:rPr lang="en-US" dirty="0" smtClean="0"/>
+              <a:t>-party Content Management System (CMS)</a:t>
+            </a:r>
+          </a:p>
+          <a:p>
+            <a:r>
+              <a:rPr lang="en-US" dirty="0" smtClean="0"/>
+              <a:t>Pros – no longer responsible for managing a server, distributed authoring, etc.</a:t>
+            </a:r>
+          </a:p>
+          <a:p>
+            <a:r>
+              <a:rPr lang="en-US" dirty="0" smtClean="0"/>
+              <a:t>Cons – format limitations, limited to built-in functions</a:t>
             </a:r>
             <a:endParaRPr lang="en-US" dirty="0"/>
           </a:p>
@@ -4870,7 +5475,7 @@
     </p:spTree>
     <p:extLst>
       <p:ext uri="{BB962C8B-B14F-4D97-AF65-F5344CB8AC3E}">
-        <p14:creationId xmlns:p14="http://schemas.microsoft.com/office/powerpoint/2010/main" val="2307883125"/>
+        <p14:creationId xmlns:p14="http://schemas.microsoft.com/office/powerpoint/2010/main" val="3285728424"/>
       </p:ext>
     </p:extLst>
   </p:cSld>
@@ -4906,57 +5511,22 @@
       </p:grpSpPr>
       <p:sp>
         <p:nvSpPr>
-          <p:cNvPr id="3" name="TextBox 2"/>
-          <p:cNvSpPr txBox="1"/>
-          <p:nvPr/>
-        </p:nvSpPr>
-        <p:spPr>
-          <a:xfrm>
-            <a:off x="2514600" y="2743200"/>
-            <a:ext cx="2940485" cy="1477328"/>
-          </a:xfrm>
-          <a:prstGeom prst="rect">
-            <a:avLst/>
-          </a:prstGeom>
-          <a:noFill/>
-        </p:spPr>
-        <p:txBody>
-          <a:bodyPr wrap="none" rtlCol="0">
-            <a:spAutoFit/>
-          </a:bodyPr>
-          <a:lstStyle/>
-          <a:p>
-            <a:r>
-              <a:rPr lang="en-US" dirty="0" smtClean="0"/>
-              <a:t>JavaScript basics</a:t>
-            </a:r>
-          </a:p>
-          <a:p>
-            <a:r>
-              <a:rPr lang="en-US" dirty="0" smtClean="0"/>
-              <a:t>HTML page in browser</a:t>
-            </a:r>
-          </a:p>
-          <a:p>
-            <a:r>
-              <a:rPr lang="en-US" dirty="0" smtClean="0"/>
-              <a:t>&lt;script&gt;&lt;/script&gt;</a:t>
-            </a:r>
-          </a:p>
-          <a:p>
-            <a:r>
-              <a:rPr lang="en-US" dirty="0" smtClean="0"/>
-              <a:t>Code between tags</a:t>
-            </a:r>
-          </a:p>
-          <a:p>
-            <a:r>
-              <a:rPr lang="en-US" dirty="0" err="1" smtClean="0"/>
-              <a:t>Src</a:t>
-            </a:r>
-            <a:r>
-              <a:rPr lang="en-US" dirty="0" smtClean="0"/>
-              <a:t> that loads file from server</a:t>
+          <p:cNvPr id="2" name="Title 1"/>
+          <p:cNvSpPr>
+            <a:spLocks noGrp="1"/>
+          </p:cNvSpPr>
+          <p:nvPr>
+            <p:ph type="title"/>
+          </p:nvPr>
+        </p:nvSpPr>
+        <p:spPr/>
+        <p:txBody>
+          <a:bodyPr/>
+          <a:lstStyle/>
+          <a:p>
+            <a:r>
+              <a:rPr lang="en-US" dirty="0" smtClean="0"/>
+              <a:t>How do you get it back?</a:t>
             </a:r>
             <a:endParaRPr lang="en-US" dirty="0"/>
           </a:p>
@@ -4964,23 +5534,60 @@
       </p:sp>
       <p:sp>
         <p:nvSpPr>
-          <p:cNvPr id="2" name="Title 1"/>
-          <p:cNvSpPr>
-            <a:spLocks noGrp="1"/>
-          </p:cNvSpPr>
-          <p:nvPr>
-            <p:ph type="title"/>
-          </p:nvPr>
-        </p:nvSpPr>
-        <p:spPr/>
-        <p:txBody>
-          <a:bodyPr/>
-          <a:lstStyle/>
-          <a:p>
-            <a:r>
-              <a:rPr lang="en-US" dirty="0" smtClean="0"/>
-              <a:t>How do you play?</a:t>
-            </a:r>
+          <p:cNvPr id="4" name="Content Placeholder 3"/>
+          <p:cNvSpPr>
+            <a:spLocks noGrp="1"/>
+          </p:cNvSpPr>
+          <p:nvPr>
+            <p:ph idx="1"/>
+          </p:nvPr>
+        </p:nvSpPr>
+        <p:spPr/>
+        <p:txBody>
+          <a:bodyPr/>
+          <a:lstStyle/>
+          <a:p>
+            <a:r>
+              <a:rPr lang="en-US" dirty="0" smtClean="0"/>
+              <a:t>Pay the vendor</a:t>
+            </a:r>
+          </a:p>
+          <a:p>
+            <a:r>
+              <a:rPr lang="en-US" dirty="0" smtClean="0"/>
+              <a:t>Modify the CMS</a:t>
+            </a:r>
+          </a:p>
+          <a:p>
+            <a:r>
+              <a:rPr lang="en-US" dirty="0" smtClean="0"/>
+              <a:t>Build applications on another server</a:t>
+            </a:r>
+          </a:p>
+          <a:p>
+            <a:r>
+              <a:rPr lang="en-US" dirty="0" smtClean="0"/>
+              <a:t>Integrate your applications with the CMS</a:t>
+            </a:r>
+            <a:br>
+              <a:rPr lang="en-US" dirty="0" smtClean="0"/>
+            </a:br>
+            <a:r>
+              <a:rPr lang="en-US" sz="2000" dirty="0" smtClean="0"/>
+              <a:t>demo – </a:t>
+            </a:r>
+            <a:r>
+              <a:rPr lang="en-US" sz="2000" dirty="0" smtClean="0">
+                <a:hlinkClick r:id="rId2"/>
+              </a:rPr>
+              <a:t>http://www.anokacounty.us/InmateLocator</a:t>
+            </a:r>
+            <a:r>
+              <a:rPr lang="en-US" sz="2000" dirty="0" smtClean="0"/>
+              <a:t> </a:t>
+            </a:r>
+          </a:p>
+          <a:p>
             <a:endParaRPr lang="en-US" dirty="0"/>
           </a:p>
         </p:txBody>
@@ -4988,7 +5595,7 @@
     </p:spTree>
     <p:extLst>
       <p:ext uri="{BB962C8B-B14F-4D97-AF65-F5344CB8AC3E}">
-        <p14:creationId xmlns:p14="http://schemas.microsoft.com/office/powerpoint/2010/main" val="3746872012"/>
+        <p14:creationId xmlns:p14="http://schemas.microsoft.com/office/powerpoint/2010/main" val="1079474859"/>
       </p:ext>
     </p:extLst>
   </p:cSld>
@@ -5024,108 +5631,57 @@
       </p:grpSpPr>
       <p:sp>
         <p:nvSpPr>
-          <p:cNvPr id="3" name="TextBox 2"/>
-          <p:cNvSpPr txBox="1"/>
-          <p:nvPr/>
-        </p:nvSpPr>
-        <p:spPr>
-          <a:xfrm>
-            <a:off x="2514600" y="2743200"/>
-            <a:ext cx="3532698" cy="3139321"/>
-          </a:xfrm>
-          <a:prstGeom prst="rect">
-            <a:avLst/>
-          </a:prstGeom>
-          <a:noFill/>
-        </p:spPr>
-        <p:txBody>
-          <a:bodyPr wrap="none" rtlCol="0">
-            <a:spAutoFit/>
-          </a:bodyPr>
-          <a:lstStyle/>
-          <a:p>
-            <a:r>
-              <a:rPr lang="en-US" dirty="0" smtClean="0"/>
-              <a:t>How to get JavaScript into the page</a:t>
-            </a:r>
-          </a:p>
-          <a:p>
-            <a:r>
-              <a:rPr lang="en-US" dirty="0" smtClean="0"/>
-              <a:t>HTML editor</a:t>
-            </a:r>
-          </a:p>
-          <a:p>
-            <a:r>
-              <a:rPr lang="en-US" dirty="0" smtClean="0"/>
-              <a:t>Custom HTML</a:t>
-            </a:r>
-          </a:p>
-          <a:p>
-            <a:r>
-              <a:rPr lang="en-US" dirty="0" smtClean="0"/>
-              <a:t>Editable part of a template</a:t>
-            </a:r>
-          </a:p>
-          <a:p>
+          <p:cNvPr id="2" name="Title 1"/>
+          <p:cNvSpPr>
+            <a:spLocks noGrp="1"/>
+          </p:cNvSpPr>
+          <p:nvPr>
+            <p:ph type="title"/>
+          </p:nvPr>
+        </p:nvSpPr>
+        <p:spPr/>
+        <p:txBody>
+          <a:bodyPr/>
+          <a:lstStyle/>
+          <a:p>
+            <a:r>
+              <a:rPr lang="en-US" dirty="0" smtClean="0"/>
+              <a:t>Why JavaScript?</a:t>
+            </a:r>
             <a:endParaRPr lang="en-US" dirty="0"/>
           </a:p>
-          <a:p>
-            <a:r>
-              <a:rPr lang="en-US" dirty="0" smtClean="0"/>
-              <a:t>How to see if it works</a:t>
-            </a:r>
-          </a:p>
-          <a:p>
-            <a:r>
-              <a:rPr lang="en-US" dirty="0" smtClean="0"/>
-              <a:t>Check with support/documentation</a:t>
-            </a:r>
-          </a:p>
-          <a:p>
-            <a:r>
-              <a:rPr lang="en-US" dirty="0" smtClean="0"/>
-              <a:t>Try it</a:t>
-            </a:r>
-          </a:p>
-          <a:p>
-            <a:r>
-              <a:rPr lang="en-US" dirty="0" smtClean="0"/>
-              <a:t>Does it stay</a:t>
-            </a:r>
-          </a:p>
-          <a:p>
-            <a:r>
-              <a:rPr lang="en-US" dirty="0" smtClean="0"/>
-              <a:t>Does it cause an error</a:t>
-            </a:r>
-          </a:p>
-          <a:p>
-            <a:r>
-              <a:rPr lang="en-US" dirty="0" smtClean="0"/>
-              <a:t>Does it display</a:t>
-            </a:r>
-          </a:p>
-        </p:txBody>
-      </p:sp>
-      <p:sp>
-        <p:nvSpPr>
-          <p:cNvPr id="2" name="Title 1"/>
-          <p:cNvSpPr>
-            <a:spLocks noGrp="1"/>
-          </p:cNvSpPr>
-          <p:nvPr>
-            <p:ph type="title"/>
-          </p:nvPr>
-        </p:nvSpPr>
-        <p:spPr/>
-        <p:txBody>
-          <a:bodyPr/>
-          <a:lstStyle/>
-          <a:p>
-            <a:r>
-              <a:rPr lang="en-US" dirty="0" smtClean="0"/>
-              <a:t>Can you play?</a:t>
+        </p:txBody>
+      </p:sp>
+      <p:sp>
+        <p:nvSpPr>
+          <p:cNvPr id="3" name="Content Placeholder 2"/>
+          <p:cNvSpPr>
+            <a:spLocks noGrp="1"/>
+          </p:cNvSpPr>
+          <p:nvPr>
+            <p:ph idx="1"/>
+          </p:nvPr>
+        </p:nvSpPr>
+        <p:spPr/>
+        <p:txBody>
+          <a:bodyPr/>
+          <a:lstStyle/>
+          <a:p>
+            <a:r>
+              <a:rPr lang="en-US" dirty="0" smtClean="0"/>
+              <a:t>Java – runtime issues, learning curve</a:t>
+            </a:r>
+          </a:p>
+          <a:p>
+            <a:r>
+              <a:rPr lang="en-US" dirty="0" smtClean="0"/>
+              <a:t>Flash – security issues, no iOS support</a:t>
+            </a:r>
+          </a:p>
+          <a:p>
+            <a:r>
+              <a:rPr lang="en-US" dirty="0" smtClean="0"/>
+              <a:t>JavaScript – universal support, appropriate for wide range of solutions, approachable</a:t>
             </a:r>
             <a:endParaRPr lang="en-US" dirty="0"/>
           </a:p>
@@ -5134,13 +5690,20 @@
     </p:spTree>
     <p:extLst>
       <p:ext uri="{BB962C8B-B14F-4D97-AF65-F5344CB8AC3E}">
-        <p14:creationId xmlns:p14="http://schemas.microsoft.com/office/powerpoint/2010/main" val="2311885351"/>
+        <p14:creationId xmlns:p14="http://schemas.microsoft.com/office/powerpoint/2010/main" val="2307883125"/>
       </p:ext>
     </p:extLst>
   </p:cSld>
   <p:clrMapOvr>
     <a:masterClrMapping/>
   </p:clrMapOvr>
+  <p:timing>
+    <p:tnLst>
+      <p:par>
+        <p:cTn id="1" dur="indefinite" restart="never" nodeType="tmRoot"/>
+      </p:par>
+    </p:tnLst>
+  </p:timing>
 </p:sld>
 </file>
 
@@ -5163,85 +5726,347 @@
       </p:grpSpPr>
       <p:sp>
         <p:nvSpPr>
-          <p:cNvPr id="3" name="TextBox 2"/>
-          <p:cNvSpPr txBox="1"/>
-          <p:nvPr/>
-        </p:nvSpPr>
-        <p:spPr>
-          <a:xfrm>
-            <a:off x="1143000" y="2667000"/>
-            <a:ext cx="4114800" cy="1477328"/>
-          </a:xfrm>
-          <a:prstGeom prst="rect">
-            <a:avLst/>
-          </a:prstGeom>
-          <a:noFill/>
-        </p:spPr>
-        <p:txBody>
-          <a:bodyPr wrap="square" rtlCol="0">
-            <a:spAutoFit/>
+          <p:cNvPr id="2" name="Title 1"/>
+          <p:cNvSpPr>
+            <a:spLocks noGrp="1"/>
+          </p:cNvSpPr>
+          <p:nvPr>
+            <p:ph type="title"/>
+          </p:nvPr>
+        </p:nvSpPr>
+        <p:spPr/>
+        <p:txBody>
+          <a:bodyPr/>
+          <a:lstStyle/>
+          <a:p>
+            <a:r>
+              <a:rPr lang="en-US" dirty="0" smtClean="0"/>
+              <a:t>How do you play?</a:t>
+            </a:r>
+            <a:endParaRPr lang="en-US" dirty="0"/>
+          </a:p>
+        </p:txBody>
+      </p:sp>
+      <p:sp>
+        <p:nvSpPr>
+          <p:cNvPr id="4" name="Content Placeholder 3"/>
+          <p:cNvSpPr>
+            <a:spLocks noGrp="1"/>
+          </p:cNvSpPr>
+          <p:nvPr>
+            <p:ph idx="1"/>
+          </p:nvPr>
+        </p:nvSpPr>
+        <p:spPr/>
+        <p:txBody>
+          <a:bodyPr>
+            <a:normAutofit fontScale="55000" lnSpcReduction="20000"/>
           </a:bodyPr>
           <a:lstStyle/>
           <a:p>
-            <a:r>
-              <a:rPr lang="en-US" dirty="0" smtClean="0"/>
-              <a:t>Good reasons why provider may not want to allow embedded scripting:</a:t>
-            </a:r>
-          </a:p>
-          <a:p>
-            <a:r>
-              <a:rPr lang="en-US" dirty="0" smtClean="0"/>
-              <a:t>May mess up something else on the page</a:t>
-            </a:r>
-          </a:p>
-          <a:p>
-            <a:r>
-              <a:rPr lang="en-US" dirty="0" smtClean="0"/>
-              <a:t>Can be a security risk</a:t>
-            </a:r>
-          </a:p>
-          <a:p>
-            <a:r>
-              <a:rPr lang="en-US" dirty="0" smtClean="0"/>
-              <a:t>Too complicated</a:t>
-            </a:r>
-            <a:endParaRPr lang="en-US" dirty="0"/>
-          </a:p>
-        </p:txBody>
-      </p:sp>
-      <p:sp>
-        <p:nvSpPr>
-          <p:cNvPr id="2" name="Title 1"/>
-          <p:cNvSpPr>
-            <a:spLocks noGrp="1"/>
-          </p:cNvSpPr>
-          <p:nvPr>
-            <p:ph type="title"/>
-          </p:nvPr>
-        </p:nvSpPr>
-        <p:spPr/>
-        <p:txBody>
-          <a:bodyPr/>
-          <a:lstStyle/>
-          <a:p>
-            <a:r>
-              <a:rPr lang="en-US" dirty="0" smtClean="0"/>
-              <a:t>Why can’t you play?</a:t>
-            </a:r>
-            <a:endParaRPr lang="en-US" dirty="0"/>
+            <a:pPr marL="0" indent="0">
+              <a:buNone/>
+            </a:pPr>
+            <a:r>
+              <a:rPr lang="en-US" dirty="0" smtClean="0">
+                <a:latin typeface="Courier New" panose="02070309020205020404" pitchFamily="49" charset="0"/>
+                <a:cs typeface="Courier New" panose="02070309020205020404" pitchFamily="49" charset="0"/>
+              </a:rPr>
+              <a:t>&lt;html&gt;</a:t>
+            </a:r>
+          </a:p>
+          <a:p>
+            <a:pPr marL="0" indent="0">
+              <a:buNone/>
+            </a:pPr>
+            <a:r>
+              <a:rPr lang="en-US" dirty="0" smtClean="0">
+                <a:latin typeface="Courier New" panose="02070309020205020404" pitchFamily="49" charset="0"/>
+                <a:cs typeface="Courier New" panose="02070309020205020404" pitchFamily="49" charset="0"/>
+              </a:rPr>
+              <a:t>&lt;head&gt;</a:t>
+            </a:r>
+          </a:p>
+          <a:p>
+            <a:pPr marL="0" indent="0">
+              <a:buNone/>
+            </a:pPr>
+            <a:r>
+              <a:rPr lang="en-US" dirty="0" smtClean="0">
+                <a:latin typeface="Courier New" panose="02070309020205020404" pitchFamily="49" charset="0"/>
+                <a:cs typeface="Courier New" panose="02070309020205020404" pitchFamily="49" charset="0"/>
+              </a:rPr>
+              <a:t>&lt;title&gt;My JavaScript Page&lt;/title&gt;</a:t>
+            </a:r>
+          </a:p>
+          <a:p>
+            <a:pPr marL="0" indent="0">
+              <a:buNone/>
+            </a:pPr>
+            <a:r>
+              <a:rPr lang="en-US" b="1" dirty="0">
+                <a:latin typeface="Courier New" panose="02070309020205020404" pitchFamily="49" charset="0"/>
+                <a:cs typeface="Courier New" panose="02070309020205020404" pitchFamily="49" charset="0"/>
+              </a:rPr>
+              <a:t>&lt;script type="text/</a:t>
+            </a:r>
+            <a:r>
+              <a:rPr lang="en-US" b="1" dirty="0" err="1">
+                <a:latin typeface="Courier New" panose="02070309020205020404" pitchFamily="49" charset="0"/>
+                <a:cs typeface="Courier New" panose="02070309020205020404" pitchFamily="49" charset="0"/>
+              </a:rPr>
+              <a:t>javascript</a:t>
+            </a:r>
+            <a:r>
+              <a:rPr lang="en-US" b="1" dirty="0">
+                <a:latin typeface="Courier New" panose="02070309020205020404" pitchFamily="49" charset="0"/>
+                <a:cs typeface="Courier New" panose="02070309020205020404" pitchFamily="49" charset="0"/>
+              </a:rPr>
+              <a:t>" </a:t>
+            </a:r>
+            <a:r>
+              <a:rPr lang="en-US" b="1" dirty="0" err="1">
+                <a:latin typeface="Courier New" panose="02070309020205020404" pitchFamily="49" charset="0"/>
+                <a:cs typeface="Courier New" panose="02070309020205020404" pitchFamily="49" charset="0"/>
+              </a:rPr>
+              <a:t>src</a:t>
+            </a:r>
+            <a:r>
+              <a:rPr lang="en-US" b="1" dirty="0">
+                <a:latin typeface="Courier New" panose="02070309020205020404" pitchFamily="49" charset="0"/>
+                <a:cs typeface="Courier New" panose="02070309020205020404" pitchFamily="49" charset="0"/>
+              </a:rPr>
+              <a:t>="http://yourserver.com/</a:t>
+            </a:r>
+            <a:r>
+              <a:rPr lang="en-US" b="1" dirty="0" err="1">
+                <a:latin typeface="Courier New" panose="02070309020205020404" pitchFamily="49" charset="0"/>
+                <a:cs typeface="Courier New" panose="02070309020205020404" pitchFamily="49" charset="0"/>
+              </a:rPr>
+              <a:t>js</a:t>
+            </a:r>
+            <a:r>
+              <a:rPr lang="en-US" b="1" dirty="0">
+                <a:latin typeface="Courier New" panose="02070309020205020404" pitchFamily="49" charset="0"/>
+                <a:cs typeface="Courier New" panose="02070309020205020404" pitchFamily="49" charset="0"/>
+              </a:rPr>
+              <a:t>/script.js"&gt;&lt;/script&gt;</a:t>
+            </a:r>
+          </a:p>
+          <a:p>
+            <a:pPr marL="0" indent="0">
+              <a:buNone/>
+            </a:pPr>
+            <a:r>
+              <a:rPr lang="en-US" b="1" dirty="0" smtClean="0">
+                <a:latin typeface="Courier New" panose="02070309020205020404" pitchFamily="49" charset="0"/>
+                <a:cs typeface="Courier New" panose="02070309020205020404" pitchFamily="49" charset="0"/>
+              </a:rPr>
+              <a:t>&lt;/</a:t>
+            </a:r>
+            <a:r>
+              <a:rPr lang="en-US" b="1" dirty="0" smtClean="0">
+                <a:latin typeface="Courier New" panose="02070309020205020404" pitchFamily="49" charset="0"/>
+                <a:cs typeface="Courier New" panose="02070309020205020404" pitchFamily="49" charset="0"/>
+              </a:rPr>
+              <a:t>head&gt;</a:t>
+            </a:r>
+          </a:p>
+          <a:p>
+            <a:pPr marL="0" indent="0">
+              <a:buNone/>
+            </a:pPr>
+            <a:r>
+              <a:rPr lang="en-US" dirty="0" smtClean="0">
+                <a:latin typeface="Courier New" panose="02070309020205020404" pitchFamily="49" charset="0"/>
+                <a:cs typeface="Courier New" panose="02070309020205020404" pitchFamily="49" charset="0"/>
+              </a:rPr>
+              <a:t>&lt;body</a:t>
+            </a:r>
+            <a:r>
+              <a:rPr lang="en-US" dirty="0" smtClean="0">
+                <a:latin typeface="Courier New" panose="02070309020205020404" pitchFamily="49" charset="0"/>
+                <a:cs typeface="Courier New" panose="02070309020205020404" pitchFamily="49" charset="0"/>
+              </a:rPr>
+              <a:t>&gt;</a:t>
+            </a:r>
+          </a:p>
+          <a:p>
+            <a:pPr marL="0" indent="0">
+              <a:buNone/>
+            </a:pPr>
+            <a:r>
+              <a:rPr lang="en-US" dirty="0" smtClean="0">
+                <a:latin typeface="Courier New" panose="02070309020205020404" pitchFamily="49" charset="0"/>
+                <a:cs typeface="Courier New" panose="02070309020205020404" pitchFamily="49" charset="0"/>
+              </a:rPr>
+              <a:t>&lt;h1&gt;</a:t>
+            </a:r>
+            <a:endParaRPr lang="en-US" dirty="0" smtClean="0">
+              <a:latin typeface="Courier New" panose="02070309020205020404" pitchFamily="49" charset="0"/>
+              <a:cs typeface="Courier New" panose="02070309020205020404" pitchFamily="49" charset="0"/>
+            </a:endParaRPr>
+          </a:p>
+          <a:p>
+            <a:pPr marL="0" indent="0">
+              <a:buNone/>
+            </a:pPr>
+            <a:r>
+              <a:rPr lang="en-US" b="1" dirty="0">
+                <a:latin typeface="Courier New" panose="02070309020205020404" pitchFamily="49" charset="0"/>
+                <a:cs typeface="Courier New" panose="02070309020205020404" pitchFamily="49" charset="0"/>
+              </a:rPr>
+              <a:t>&lt;script type="</a:t>
+            </a:r>
+            <a:r>
+              <a:rPr lang="en-US" b="1" dirty="0" smtClean="0">
+                <a:latin typeface="Courier New" panose="02070309020205020404" pitchFamily="49" charset="0"/>
+                <a:cs typeface="Courier New" panose="02070309020205020404" pitchFamily="49" charset="0"/>
+              </a:rPr>
+              <a:t>text/</a:t>
+            </a:r>
+            <a:r>
+              <a:rPr lang="en-US" b="1" dirty="0" err="1" smtClean="0">
+                <a:latin typeface="Courier New" panose="02070309020205020404" pitchFamily="49" charset="0"/>
+                <a:cs typeface="Courier New" panose="02070309020205020404" pitchFamily="49" charset="0"/>
+              </a:rPr>
+              <a:t>javascript</a:t>
+            </a:r>
+            <a:r>
+              <a:rPr lang="en-US" b="1" dirty="0" smtClean="0">
+                <a:latin typeface="Courier New" panose="02070309020205020404" pitchFamily="49" charset="0"/>
+                <a:cs typeface="Courier New" panose="02070309020205020404" pitchFamily="49" charset="0"/>
+              </a:rPr>
+              <a:t>"&gt;</a:t>
+            </a:r>
+          </a:p>
+          <a:p>
+            <a:pPr marL="0" indent="0">
+              <a:buNone/>
+            </a:pPr>
+            <a:r>
+              <a:rPr lang="en-US" b="1" dirty="0" err="1" smtClean="0">
+                <a:latin typeface="Courier New" panose="02070309020205020404" pitchFamily="49" charset="0"/>
+                <a:cs typeface="Courier New" panose="02070309020205020404" pitchFamily="49" charset="0"/>
+              </a:rPr>
+              <a:t>document.write</a:t>
+            </a:r>
+            <a:r>
+              <a:rPr lang="en-US" b="1" dirty="0">
+                <a:latin typeface="Courier New" panose="02070309020205020404" pitchFamily="49" charset="0"/>
+                <a:cs typeface="Courier New" panose="02070309020205020404" pitchFamily="49" charset="0"/>
+              </a:rPr>
+              <a:t>("Hello World</a:t>
+            </a:r>
+            <a:r>
+              <a:rPr lang="en-US" b="1" dirty="0" smtClean="0">
+                <a:latin typeface="Courier New" panose="02070309020205020404" pitchFamily="49" charset="0"/>
+                <a:cs typeface="Courier New" panose="02070309020205020404" pitchFamily="49" charset="0"/>
+              </a:rPr>
+              <a:t>");</a:t>
+            </a:r>
+          </a:p>
+          <a:p>
+            <a:pPr marL="0" indent="0">
+              <a:buNone/>
+            </a:pPr>
+            <a:r>
+              <a:rPr lang="en-US" b="1" dirty="0" smtClean="0">
+                <a:latin typeface="Courier New" panose="02070309020205020404" pitchFamily="49" charset="0"/>
+                <a:cs typeface="Courier New" panose="02070309020205020404" pitchFamily="49" charset="0"/>
+              </a:rPr>
+              <a:t>alert("It worked!");</a:t>
+            </a:r>
+          </a:p>
+          <a:p>
+            <a:pPr marL="0" indent="0">
+              <a:buNone/>
+            </a:pPr>
+            <a:r>
+              <a:rPr lang="en-US" b="1" dirty="0" smtClean="0">
+                <a:latin typeface="Courier New" panose="02070309020205020404" pitchFamily="49" charset="0"/>
+                <a:cs typeface="Courier New" panose="02070309020205020404" pitchFamily="49" charset="0"/>
+              </a:rPr>
+              <a:t>&lt;/</a:t>
+            </a:r>
+            <a:r>
+              <a:rPr lang="en-US" b="1" dirty="0">
+                <a:latin typeface="Courier New" panose="02070309020205020404" pitchFamily="49" charset="0"/>
+                <a:cs typeface="Courier New" panose="02070309020205020404" pitchFamily="49" charset="0"/>
+              </a:rPr>
+              <a:t>script</a:t>
+            </a:r>
+            <a:r>
+              <a:rPr lang="en-US" b="1" dirty="0" smtClean="0">
+                <a:latin typeface="Courier New" panose="02070309020205020404" pitchFamily="49" charset="0"/>
+                <a:cs typeface="Courier New" panose="02070309020205020404" pitchFamily="49" charset="0"/>
+              </a:rPr>
+              <a:t>&gt;</a:t>
+            </a:r>
+          </a:p>
+          <a:p>
+            <a:pPr marL="0" indent="0">
+              <a:buNone/>
+            </a:pPr>
+            <a:r>
+              <a:rPr lang="en-US" dirty="0" smtClean="0">
+                <a:latin typeface="Courier New" panose="02070309020205020404" pitchFamily="49" charset="0"/>
+                <a:cs typeface="Courier New" panose="02070309020205020404" pitchFamily="49" charset="0"/>
+              </a:rPr>
+              <a:t>&lt;/h1&gt;</a:t>
+            </a:r>
+            <a:endParaRPr lang="en-US" dirty="0" smtClean="0">
+              <a:latin typeface="Courier New" panose="02070309020205020404" pitchFamily="49" charset="0"/>
+              <a:cs typeface="Courier New" panose="02070309020205020404" pitchFamily="49" charset="0"/>
+            </a:endParaRPr>
+          </a:p>
+          <a:p>
+            <a:pPr marL="0" indent="0">
+              <a:buNone/>
+            </a:pPr>
+            <a:r>
+              <a:rPr lang="en-US" dirty="0" smtClean="0">
+                <a:latin typeface="Courier New" panose="02070309020205020404" pitchFamily="49" charset="0"/>
+                <a:cs typeface="Courier New" panose="02070309020205020404" pitchFamily="49" charset="0"/>
+              </a:rPr>
+              <a:t>&lt;/body&gt;</a:t>
+            </a:r>
+          </a:p>
+          <a:p>
+            <a:pPr marL="0" indent="0">
+              <a:buNone/>
+            </a:pPr>
+            <a:r>
+              <a:rPr lang="en-US" dirty="0" smtClean="0">
+                <a:latin typeface="Courier New" panose="02070309020205020404" pitchFamily="49" charset="0"/>
+                <a:cs typeface="Courier New" panose="02070309020205020404" pitchFamily="49" charset="0"/>
+              </a:rPr>
+              <a:t>&lt;/html&gt;</a:t>
+            </a:r>
+            <a:endParaRPr lang="en-US" dirty="0">
+              <a:latin typeface="Courier New" panose="02070309020205020404" pitchFamily="49" charset="0"/>
+              <a:cs typeface="Courier New" panose="02070309020205020404" pitchFamily="49" charset="0"/>
+            </a:endParaRPr>
           </a:p>
         </p:txBody>
       </p:sp>
     </p:spTree>
     <p:extLst>
       <p:ext uri="{BB962C8B-B14F-4D97-AF65-F5344CB8AC3E}">
-        <p14:creationId xmlns:p14="http://schemas.microsoft.com/office/powerpoint/2010/main" val="1441364826"/>
+        <p14:creationId xmlns:p14="http://schemas.microsoft.com/office/powerpoint/2010/main" val="3746872012"/>
       </p:ext>
     </p:extLst>
   </p:cSld>
   <p:clrMapOvr>
     <a:masterClrMapping/>
   </p:clrMapOvr>
+  <p:timing>
+    <p:tnLst>
+      <p:par>
+        <p:cTn id="1" dur="indefinite" restart="never" nodeType="tmRoot"/>
+      </p:par>
+    </p:tnLst>
+  </p:timing>
 </p:sld>
 </file>
 
@@ -5264,66 +6089,112 @@
       </p:grpSpPr>
       <p:sp>
         <p:nvSpPr>
-          <p:cNvPr id="3" name="TextBox 2"/>
-          <p:cNvSpPr txBox="1"/>
-          <p:nvPr/>
-        </p:nvSpPr>
-        <p:spPr>
-          <a:xfrm>
-            <a:off x="1219200" y="2438400"/>
-            <a:ext cx="4099392" cy="923330"/>
-          </a:xfrm>
-          <a:prstGeom prst="rect">
-            <a:avLst/>
-          </a:prstGeom>
-          <a:noFill/>
-        </p:spPr>
-        <p:txBody>
-          <a:bodyPr wrap="none" rtlCol="0">
-            <a:spAutoFit/>
+          <p:cNvPr id="2" name="Title 1"/>
+          <p:cNvSpPr>
+            <a:spLocks noGrp="1"/>
+          </p:cNvSpPr>
+          <p:nvPr>
+            <p:ph type="title"/>
+          </p:nvPr>
+        </p:nvSpPr>
+        <p:spPr/>
+        <p:txBody>
+          <a:bodyPr/>
+          <a:lstStyle/>
+          <a:p>
+            <a:r>
+              <a:rPr lang="en-US" dirty="0" smtClean="0"/>
+              <a:t>Can you play?</a:t>
+            </a:r>
+            <a:endParaRPr lang="en-US" dirty="0"/>
+          </a:p>
+        </p:txBody>
+      </p:sp>
+      <p:sp>
+        <p:nvSpPr>
+          <p:cNvPr id="5" name="Content Placeholder 4"/>
+          <p:cNvSpPr>
+            <a:spLocks noGrp="1"/>
+          </p:cNvSpPr>
+          <p:nvPr>
+            <p:ph idx="1"/>
+          </p:nvPr>
+        </p:nvSpPr>
+        <p:spPr/>
+        <p:txBody>
+          <a:bodyPr>
+            <a:normAutofit fontScale="92500" lnSpcReduction="10000"/>
           </a:bodyPr>
           <a:lstStyle/>
           <a:p>
             <a:r>
               <a:rPr lang="en-US" dirty="0" smtClean="0"/>
-              <a:t>Widgets/template editors</a:t>
-            </a:r>
-          </a:p>
-          <a:p>
-            <a:r>
-              <a:rPr lang="en-US" dirty="0" smtClean="0"/>
-              <a:t>Existing JavaScript functions and variables</a:t>
-            </a:r>
-          </a:p>
-          <a:p>
-            <a:r>
-              <a:rPr lang="en-US" dirty="0" smtClean="0"/>
-              <a:t>Libraries (jQuery)</a:t>
-            </a:r>
-            <a:endParaRPr lang="en-US" dirty="0"/>
-          </a:p>
-        </p:txBody>
-      </p:sp>
-      <p:sp>
-        <p:nvSpPr>
-          <p:cNvPr id="2" name="Title 1"/>
-          <p:cNvSpPr>
-            <a:spLocks noGrp="1"/>
-          </p:cNvSpPr>
-          <p:nvPr>
-            <p:ph type="title"/>
-          </p:nvPr>
-        </p:nvSpPr>
-        <p:spPr/>
-        <p:txBody>
-          <a:bodyPr>
-            <a:normAutofit/>
-          </a:bodyPr>
-          <a:lstStyle/>
-          <a:p>
-            <a:r>
-              <a:rPr lang="en-US" dirty="0" smtClean="0"/>
-              <a:t>What do you have to play with?</a:t>
+              <a:t>Need to get &lt;script&gt; code into the HTML</a:t>
+            </a:r>
+          </a:p>
+          <a:p>
+            <a:r>
+              <a:rPr lang="en-US" dirty="0" smtClean="0"/>
+              <a:t>Probably cannot access &lt;head&gt; section</a:t>
+            </a:r>
+          </a:p>
+          <a:p>
+            <a:r>
+              <a:rPr lang="en-US" dirty="0" smtClean="0"/>
+              <a:t>Check documentation/support</a:t>
+            </a:r>
+          </a:p>
+          <a:p>
+            <a:r>
+              <a:rPr lang="en-US" dirty="0" smtClean="0"/>
+              <a:t>Rich text editor with HTML editing</a:t>
+            </a:r>
+          </a:p>
+          <a:p>
+            <a:r>
+              <a:rPr lang="en-US" dirty="0" smtClean="0"/>
+              <a:t>Custom HTML editor</a:t>
+            </a:r>
+          </a:p>
+          <a:p>
+            <a:r>
+              <a:rPr lang="en-US" dirty="0" smtClean="0"/>
+              <a:t>Put in a new page and try it (test version?)</a:t>
+            </a:r>
+          </a:p>
+          <a:p>
+            <a:r>
+              <a:rPr lang="en-US" dirty="0" smtClean="0"/>
+              <a:t>Does it display?</a:t>
+            </a:r>
+          </a:p>
+          <a:p>
+            <a:r>
+              <a:rPr lang="en-US" dirty="0" smtClean="0"/>
+              <a:t>Does it cause an error?</a:t>
+            </a:r>
+            <a:br>
+              <a:rPr lang="en-US" dirty="0" smtClean="0"/>
+            </a:br>
+            <a:r>
+              <a:rPr lang="en-US" sz="2200" dirty="0"/>
+              <a:t>demo – </a:t>
+            </a:r>
+            <a:r>
+              <a:rPr lang="en-US" sz="2200" dirty="0">
+                <a:hlinkClick r:id="rId2"/>
+              </a:rPr>
+              <a:t>http://</a:t>
+            </a:r>
+            <a:r>
+              <a:rPr lang="en-US" sz="2200" dirty="0" smtClean="0">
+                <a:hlinkClick r:id="rId2"/>
+              </a:rPr>
+              <a:t>www.anokacount.us/tryit</a:t>
+            </a:r>
+            <a:r>
+              <a:rPr lang="en-US" dirty="0" smtClean="0"/>
+              <a:t> </a:t>
             </a:r>
             <a:endParaRPr lang="en-US" dirty="0"/>
           </a:p>
@@ -5332,20 +6203,13 @@
     </p:spTree>
     <p:extLst>
       <p:ext uri="{BB962C8B-B14F-4D97-AF65-F5344CB8AC3E}">
-        <p14:creationId xmlns:p14="http://schemas.microsoft.com/office/powerpoint/2010/main" val="3049985624"/>
+        <p14:creationId xmlns:p14="http://schemas.microsoft.com/office/powerpoint/2010/main" val="2311885351"/>
       </p:ext>
     </p:extLst>
   </p:cSld>
   <p:clrMapOvr>
     <a:masterClrMapping/>
   </p:clrMapOvr>
-  <p:timing>
-    <p:tnLst>
-      <p:par>
-        <p:cTn id="1" dur="indefinite" restart="never" nodeType="tmRoot"/>
-      </p:par>
-    </p:tnLst>
-  </p:timing>
 </p:sld>
 </file>
 

--- a/webdevmojo.pptx
+++ b/webdevmojo.pptx
@@ -326,7 +326,7 @@
             <a:fld id="{1D8BD707-D9CF-40AE-B4C6-C98DA3205C09}" type="datetimeFigureOut">
               <a:rPr lang="en-US" smtClean="0"/>
               <a:pPr/>
-              <a:t>11/17/2014</a:t>
+              <a:t>11/18/2014</a:t>
             </a:fld>
             <a:endParaRPr lang="en-US"/>
           </a:p>
@@ -493,7 +493,7 @@
             <a:fld id="{1D8BD707-D9CF-40AE-B4C6-C98DA3205C09}" type="datetimeFigureOut">
               <a:rPr lang="en-US" smtClean="0"/>
               <a:pPr/>
-              <a:t>11/17/2014</a:t>
+              <a:t>11/18/2014</a:t>
             </a:fld>
             <a:endParaRPr lang="en-US"/>
           </a:p>
@@ -670,7 +670,7 @@
             <a:fld id="{1D8BD707-D9CF-40AE-B4C6-C98DA3205C09}" type="datetimeFigureOut">
               <a:rPr lang="en-US" smtClean="0"/>
               <a:pPr/>
-              <a:t>11/17/2014</a:t>
+              <a:t>11/18/2014</a:t>
             </a:fld>
             <a:endParaRPr lang="en-US"/>
           </a:p>
@@ -837,7 +837,7 @@
             <a:fld id="{1D8BD707-D9CF-40AE-B4C6-C98DA3205C09}" type="datetimeFigureOut">
               <a:rPr lang="en-US" smtClean="0"/>
               <a:pPr/>
-              <a:t>11/17/2014</a:t>
+              <a:t>11/18/2014</a:t>
             </a:fld>
             <a:endParaRPr lang="en-US"/>
           </a:p>
@@ -1080,7 +1080,7 @@
             <a:fld id="{1D8BD707-D9CF-40AE-B4C6-C98DA3205C09}" type="datetimeFigureOut">
               <a:rPr lang="en-US" smtClean="0"/>
               <a:pPr/>
-              <a:t>11/17/2014</a:t>
+              <a:t>11/18/2014</a:t>
             </a:fld>
             <a:endParaRPr lang="en-US"/>
           </a:p>
@@ -1365,7 +1365,7 @@
             <a:fld id="{1D8BD707-D9CF-40AE-B4C6-C98DA3205C09}" type="datetimeFigureOut">
               <a:rPr lang="en-US" smtClean="0"/>
               <a:pPr/>
-              <a:t>11/17/2014</a:t>
+              <a:t>11/18/2014</a:t>
             </a:fld>
             <a:endParaRPr lang="en-US"/>
           </a:p>
@@ -1784,7 +1784,7 @@
             <a:fld id="{1D8BD707-D9CF-40AE-B4C6-C98DA3205C09}" type="datetimeFigureOut">
               <a:rPr lang="en-US" smtClean="0"/>
               <a:pPr/>
-              <a:t>11/17/2014</a:t>
+              <a:t>11/18/2014</a:t>
             </a:fld>
             <a:endParaRPr lang="en-US"/>
           </a:p>
@@ -1899,7 +1899,7 @@
             <a:fld id="{1D8BD707-D9CF-40AE-B4C6-C98DA3205C09}" type="datetimeFigureOut">
               <a:rPr lang="en-US" smtClean="0"/>
               <a:pPr/>
-              <a:t>11/17/2014</a:t>
+              <a:t>11/18/2014</a:t>
             </a:fld>
             <a:endParaRPr lang="en-US"/>
           </a:p>
@@ -1991,7 +1991,7 @@
             <a:fld id="{1D8BD707-D9CF-40AE-B4C6-C98DA3205C09}" type="datetimeFigureOut">
               <a:rPr lang="en-US" smtClean="0"/>
               <a:pPr/>
-              <a:t>11/17/2014</a:t>
+              <a:t>11/18/2014</a:t>
             </a:fld>
             <a:endParaRPr lang="en-US"/>
           </a:p>
@@ -2265,7 +2265,7 @@
             <a:fld id="{1D8BD707-D9CF-40AE-B4C6-C98DA3205C09}" type="datetimeFigureOut">
               <a:rPr lang="en-US" smtClean="0"/>
               <a:pPr/>
-              <a:t>11/17/2014</a:t>
+              <a:t>11/18/2014</a:t>
             </a:fld>
             <a:endParaRPr lang="en-US"/>
           </a:p>
@@ -2515,7 +2515,7 @@
             <a:fld id="{1D8BD707-D9CF-40AE-B4C6-C98DA3205C09}" type="datetimeFigureOut">
               <a:rPr lang="en-US" smtClean="0"/>
               <a:pPr/>
-              <a:t>11/17/2014</a:t>
+              <a:t>11/18/2014</a:t>
             </a:fld>
             <a:endParaRPr lang="en-US"/>
           </a:p>
@@ -2725,7 +2725,7 @@
             <a:fld id="{1D8BD707-D9CF-40AE-B4C6-C98DA3205C09}" type="datetimeFigureOut">
               <a:rPr lang="en-US" smtClean="0"/>
               <a:pPr/>
-              <a:t>11/17/2014</a:t>
+              <a:t>11/18/2014</a:t>
             </a:fld>
             <a:endParaRPr lang="en-US"/>
           </a:p>
@@ -3496,15 +3496,7 @@
           <a:p>
             <a:r>
               <a:rPr lang="en-US" dirty="0" smtClean="0"/>
-              <a:t>Why </a:t>
-            </a:r>
-            <a:r>
-              <a:rPr lang="en-US" dirty="0" smtClean="0"/>
-              <a:t>would you want to play</a:t>
-            </a:r>
-            <a:r>
-              <a:rPr lang="en-US" dirty="0" smtClean="0"/>
-              <a:t>?</a:t>
+              <a:t>Why would you want to play?</a:t>
             </a:r>
             <a:endParaRPr lang="en-US" dirty="0"/>
           </a:p>
@@ -3533,7 +3525,7 @@
           <a:p>
             <a:r>
               <a:rPr lang="en-US" dirty="0" smtClean="0"/>
-              <a:t>Enhanced use of information on your site (RSS and site API)</a:t>
+              <a:t>Enhanced use of information from your site (RSS and site API)</a:t>
             </a:r>
           </a:p>
           <a:p>
@@ -3904,14 +3896,21 @@
               <a:t>http://www.kenneth-truyers.net/2013/04/27/javascript-namespaces-and-modules</a:t>
             </a:r>
             <a:r>
-              <a:rPr lang="en-US" smtClean="0">
+              <a:rPr lang="en-US" dirty="0" smtClean="0">
                 <a:hlinkClick r:id="rId2"/>
               </a:rPr>
               <a:t>/</a:t>
             </a:r>
             <a:r>
-              <a:rPr lang="en-US" smtClean="0"/>
+              <a:rPr lang="en-US" dirty="0" smtClean="0"/>
               <a:t> </a:t>
+            </a:r>
+            <a:endParaRPr lang="en-US" dirty="0" smtClean="0"/>
+          </a:p>
+          <a:p>
+            <a:r>
+              <a:rPr lang="en-US" dirty="0" smtClean="0"/>
+              <a:t>Code demo</a:t>
             </a:r>
             <a:endParaRPr lang="en-US" dirty="0"/>
           </a:p>
@@ -4018,11 +4017,11 @@
   <p:clrMapOvr>
     <a:masterClrMapping/>
   </p:clrMapOvr>
-  <mc:AlternateContent xmlns:mc="http://schemas.openxmlformats.org/markup-compatibility/2006">
-    <mc:Choice xmlns:p14="http://schemas.microsoft.com/office/powerpoint/2010/main" Requires="p14">
+  <mc:AlternateContent xmlns:mc="http://schemas.openxmlformats.org/markup-compatibility/2006" xmlns:p14="http://schemas.microsoft.com/office/powerpoint/2010/main">
+    <mc:Choice Requires="p14">
       <p:transition spd="slow" p14:dur="2000"/>
     </mc:Choice>
-    <mc:Fallback>
+    <mc:Fallback xmlns="">
       <p:transition spd="slow"/>
     </mc:Fallback>
   </mc:AlternateContent>
@@ -4117,11 +4116,11 @@
   <p:clrMapOvr>
     <a:masterClrMapping/>
   </p:clrMapOvr>
-  <mc:AlternateContent xmlns:mc="http://schemas.openxmlformats.org/markup-compatibility/2006">
-    <mc:Choice xmlns:p14="http://schemas.microsoft.com/office/powerpoint/2010/main" Requires="p14">
+  <mc:AlternateContent xmlns:mc="http://schemas.openxmlformats.org/markup-compatibility/2006" xmlns:p14="http://schemas.microsoft.com/office/powerpoint/2010/main">
+    <mc:Choice Requires="p14">
       <p:transition spd="slow" p14:dur="2000"/>
     </mc:Choice>
-    <mc:Fallback>
+    <mc:Fallback xmlns="">
       <p:transition spd="slow"/>
     </mc:Fallback>
   </mc:AlternateContent>
@@ -4372,11 +4371,11 @@
   <p:clrMapOvr>
     <a:masterClrMapping/>
   </p:clrMapOvr>
-  <mc:AlternateContent xmlns:mc="http://schemas.openxmlformats.org/markup-compatibility/2006">
-    <mc:Choice xmlns:p14="http://schemas.microsoft.com/office/powerpoint/2010/main" Requires="p14">
+  <mc:AlternateContent xmlns:mc="http://schemas.openxmlformats.org/markup-compatibility/2006" xmlns:p14="http://schemas.microsoft.com/office/powerpoint/2010/main">
+    <mc:Choice Requires="p14">
       <p:transition spd="slow" p14:dur="2000"/>
     </mc:Choice>
-    <mc:Fallback>
+    <mc:Fallback xmlns="">
       <p:transition spd="slow"/>
     </mc:Fallback>
   </mc:AlternateContent>
@@ -4471,11 +4470,11 @@
   <p:clrMapOvr>
     <a:masterClrMapping/>
   </p:clrMapOvr>
-  <mc:AlternateContent xmlns:mc="http://schemas.openxmlformats.org/markup-compatibility/2006">
-    <mc:Choice xmlns:p14="http://schemas.microsoft.com/office/powerpoint/2010/main" Requires="p14">
+  <mc:AlternateContent xmlns:mc="http://schemas.openxmlformats.org/markup-compatibility/2006" xmlns:p14="http://schemas.microsoft.com/office/powerpoint/2010/main">
+    <mc:Choice Requires="p14">
       <p:transition spd="slow" p14:dur="2000"/>
     </mc:Choice>
-    <mc:Fallback>
+    <mc:Fallback xmlns="">
       <p:transition spd="slow"/>
     </mc:Fallback>
   </mc:AlternateContent>
@@ -4490,7 +4489,7 @@
 </file>
 
 <file path=ppt/slides/slide19.xml><?xml version="1.0" encoding="utf-8"?>
-<p:sld xmlns:a="http://schemas.openxmlformats.org/drawingml/2006/main" xmlns:r="http://schemas.openxmlformats.org/officeDocument/2006/relationships" xmlns:p="http://schemas.openxmlformats.org/presentationml/2006/main">
+<p:sld xmlns:a="http://schemas.openxmlformats.org/drawingml/2006/main" xmlns:r="http://schemas.openxmlformats.org/officeDocument/2006/relationships" xmlns:p="http://schemas.openxmlformats.org/presentationml/2006/main" show="0">
   <p:cSld>
     <p:spTree>
       <p:nvGrpSpPr>
@@ -4672,6 +4671,14 @@
   <p:clrMapOvr>
     <a:masterClrMapping/>
   </p:clrMapOvr>
+  <mc:AlternateContent xmlns:mc="http://schemas.openxmlformats.org/markup-compatibility/2006" xmlns:p14="http://schemas.microsoft.com/office/powerpoint/2010/main">
+    <mc:Choice Requires="p14">
+      <p:transition spd="slow" p14:dur="2000"/>
+    </mc:Choice>
+    <mc:Fallback xmlns="">
+      <p:transition spd="slow"/>
+    </mc:Fallback>
+  </mc:AlternateContent>
   <p:timing>
     <p:tnLst>
       <p:par>
@@ -4960,54 +4967,17 @@
       </p:sp>
       <p:sp>
         <p:nvSpPr>
-          <p:cNvPr id="3" name="TextBox 2"/>
-          <p:cNvSpPr txBox="1"/>
-          <p:nvPr/>
-        </p:nvSpPr>
-        <p:spPr>
-          <a:xfrm>
-            <a:off x="2286000" y="3505200"/>
-            <a:ext cx="4350293" cy="369332"/>
-          </a:xfrm>
-          <a:prstGeom prst="rect">
-            <a:avLst/>
-          </a:prstGeom>
-          <a:noFill/>
-        </p:spPr>
-        <p:txBody>
-          <a:bodyPr wrap="none" rtlCol="0">
-            <a:spAutoFit/>
-          </a:bodyPr>
-          <a:lstStyle/>
-          <a:p>
-            <a:r>
-              <a:rPr lang="en-US" dirty="0" smtClean="0"/>
-              <a:t>Copying a page then using it as the template</a:t>
-            </a:r>
-            <a:endParaRPr lang="en-US" dirty="0"/>
-          </a:p>
-        </p:txBody>
-      </p:sp>
-      <p:sp>
-        <p:nvSpPr>
-          <p:cNvPr id="4" name="TextBox 3"/>
-          <p:cNvSpPr txBox="1"/>
-          <p:nvPr/>
-        </p:nvSpPr>
-        <p:spPr>
-          <a:xfrm>
-            <a:off x="1600200" y="1905000"/>
-            <a:ext cx="4679101" cy="369332"/>
-          </a:xfrm>
-          <a:prstGeom prst="rect">
-            <a:avLst/>
-          </a:prstGeom>
-          <a:noFill/>
-        </p:spPr>
-        <p:txBody>
-          <a:bodyPr wrap="none" rtlCol="0">
-            <a:spAutoFit/>
-          </a:bodyPr>
+          <p:cNvPr id="6" name="Content Placeholder 5"/>
+          <p:cNvSpPr>
+            <a:spLocks noGrp="1"/>
+          </p:cNvSpPr>
+          <p:nvPr>
+            <p:ph idx="1"/>
+          </p:nvPr>
+        </p:nvSpPr>
+        <p:spPr/>
+        <p:txBody>
+          <a:bodyPr/>
           <a:lstStyle/>
           <a:p>
             <a:r>
@@ -5018,41 +4988,18 @@
               <a:rPr lang="en-US" dirty="0" err="1" smtClean="0"/>
               <a:t>Webstorm</a:t>
             </a:r>
-            <a:endParaRPr lang="en-US" dirty="0"/>
-          </a:p>
-        </p:txBody>
-      </p:sp>
-      <p:sp>
-        <p:nvSpPr>
-          <p:cNvPr id="5" name="TextBox 4"/>
-          <p:cNvSpPr txBox="1"/>
-          <p:nvPr/>
-        </p:nvSpPr>
-        <p:spPr>
-          <a:xfrm>
-            <a:off x="1295400" y="4876800"/>
-            <a:ext cx="6756914" cy="646331"/>
-          </a:xfrm>
-          <a:prstGeom prst="rect">
-            <a:avLst/>
-          </a:prstGeom>
-          <a:noFill/>
-        </p:spPr>
-        <p:txBody>
-          <a:bodyPr wrap="none" rtlCol="0">
-            <a:spAutoFit/>
-          </a:bodyPr>
-          <a:lstStyle/>
-          <a:p>
-            <a:r>
-              <a:rPr lang="en-US" dirty="0" smtClean="0"/>
-              <a:t>Tracking the pages you put JavaScript on</a:t>
-            </a:r>
-          </a:p>
-          <a:p>
-            <a:r>
-              <a:rPr lang="en-US" dirty="0" smtClean="0"/>
-              <a:t>Using </a:t>
+            <a:endParaRPr lang="en-US" dirty="0" smtClean="0"/>
+          </a:p>
+          <a:p>
+            <a:r>
+              <a:rPr lang="en-US" dirty="0" smtClean="0"/>
+              <a:t>Method – build/test in a stand-alone HTML page and then insert into CMS page</a:t>
+            </a:r>
+          </a:p>
+          <a:p>
+            <a:r>
+              <a:rPr lang="en-US" dirty="0" smtClean="0"/>
+              <a:t>Version Control – create a project and track versions using </a:t>
             </a:r>
             <a:r>
               <a:rPr lang="en-US" dirty="0" err="1" smtClean="0"/>
@@ -5060,7 +5007,7 @@
             </a:r>
             <a:r>
               <a:rPr lang="en-US" dirty="0" smtClean="0"/>
-              <a:t> (github.com bitbucket.com) or some other versioning system</a:t>
+              <a:t> (github.com or bitbucket.com) or other VCS</a:t>
             </a:r>
             <a:endParaRPr lang="en-US" dirty="0"/>
           </a:p>
@@ -5549,13 +5496,13 @@
           <a:p>
             <a:r>
               <a:rPr lang="en-US" dirty="0" smtClean="0"/>
-              <a:t>Pay the vendor</a:t>
-            </a:r>
-          </a:p>
-          <a:p>
-            <a:r>
-              <a:rPr lang="en-US" dirty="0" smtClean="0"/>
-              <a:t>Modify the CMS</a:t>
+              <a:t>Contract with vendor to customize the CMS</a:t>
+            </a:r>
+          </a:p>
+          <a:p>
+            <a:r>
+              <a:rPr lang="en-US" dirty="0" smtClean="0"/>
+              <a:t>Modify the CMS yourself</a:t>
             </a:r>
           </a:p>
           <a:p>
@@ -5862,14 +5809,128 @@
                 <a:latin typeface="Courier New" panose="02070309020205020404" pitchFamily="49" charset="0"/>
                 <a:cs typeface="Courier New" panose="02070309020205020404" pitchFamily="49" charset="0"/>
               </a:rPr>
-              <a:t>&lt;/</a:t>
+              <a:t>&lt;/head&gt;</a:t>
+            </a:r>
+          </a:p>
+          <a:p>
+            <a:pPr marL="0" indent="0">
+              <a:buNone/>
+            </a:pPr>
+            <a:r>
+              <a:rPr lang="en-US" dirty="0" smtClean="0">
+                <a:latin typeface="Courier New" panose="02070309020205020404" pitchFamily="49" charset="0"/>
+                <a:cs typeface="Courier New" panose="02070309020205020404" pitchFamily="49" charset="0"/>
+              </a:rPr>
+              <a:t>&lt;body&gt;</a:t>
+            </a:r>
+          </a:p>
+          <a:p>
+            <a:pPr marL="0" indent="0">
+              <a:buNone/>
+            </a:pPr>
+            <a:r>
+              <a:rPr lang="en-US" dirty="0" smtClean="0">
+                <a:latin typeface="Courier New" panose="02070309020205020404" pitchFamily="49" charset="0"/>
+                <a:cs typeface="Courier New" panose="02070309020205020404" pitchFamily="49" charset="0"/>
+              </a:rPr>
+              <a:t>&lt;h1&gt;</a:t>
+            </a:r>
+          </a:p>
+          <a:p>
+            <a:pPr marL="0" indent="0">
+              <a:buNone/>
+            </a:pPr>
+            <a:r>
+              <a:rPr lang="en-US" b="1" dirty="0">
+                <a:latin typeface="Courier New" panose="02070309020205020404" pitchFamily="49" charset="0"/>
+                <a:cs typeface="Courier New" panose="02070309020205020404" pitchFamily="49" charset="0"/>
+              </a:rPr>
+              <a:t>&lt;script type="</a:t>
             </a:r>
             <a:r>
               <a:rPr lang="en-US" b="1" dirty="0" smtClean="0">
                 <a:latin typeface="Courier New" panose="02070309020205020404" pitchFamily="49" charset="0"/>
                 <a:cs typeface="Courier New" panose="02070309020205020404" pitchFamily="49" charset="0"/>
               </a:rPr>
-              <a:t>head&gt;</a:t>
+              <a:t>text/</a:t>
+            </a:r>
+            <a:r>
+              <a:rPr lang="en-US" b="1" dirty="0" err="1" smtClean="0">
+                <a:latin typeface="Courier New" panose="02070309020205020404" pitchFamily="49" charset="0"/>
+                <a:cs typeface="Courier New" panose="02070309020205020404" pitchFamily="49" charset="0"/>
+              </a:rPr>
+              <a:t>javascript</a:t>
+            </a:r>
+            <a:r>
+              <a:rPr lang="en-US" b="1" dirty="0" smtClean="0">
+                <a:latin typeface="Courier New" panose="02070309020205020404" pitchFamily="49" charset="0"/>
+                <a:cs typeface="Courier New" panose="02070309020205020404" pitchFamily="49" charset="0"/>
+              </a:rPr>
+              <a:t>"&gt;</a:t>
+            </a:r>
+          </a:p>
+          <a:p>
+            <a:pPr marL="0" indent="0">
+              <a:buNone/>
+            </a:pPr>
+            <a:r>
+              <a:rPr lang="en-US" b="1" dirty="0" err="1" smtClean="0">
+                <a:latin typeface="Courier New" panose="02070309020205020404" pitchFamily="49" charset="0"/>
+                <a:cs typeface="Courier New" panose="02070309020205020404" pitchFamily="49" charset="0"/>
+              </a:rPr>
+              <a:t>document.write</a:t>
+            </a:r>
+            <a:r>
+              <a:rPr lang="en-US" b="1" dirty="0">
+                <a:latin typeface="Courier New" panose="02070309020205020404" pitchFamily="49" charset="0"/>
+                <a:cs typeface="Courier New" panose="02070309020205020404" pitchFamily="49" charset="0"/>
+              </a:rPr>
+              <a:t>("Hello World</a:t>
+            </a:r>
+            <a:r>
+              <a:rPr lang="en-US" b="1" dirty="0" smtClean="0">
+                <a:latin typeface="Courier New" panose="02070309020205020404" pitchFamily="49" charset="0"/>
+                <a:cs typeface="Courier New" panose="02070309020205020404" pitchFamily="49" charset="0"/>
+              </a:rPr>
+              <a:t>");</a:t>
+            </a:r>
+          </a:p>
+          <a:p>
+            <a:pPr marL="0" indent="0">
+              <a:buNone/>
+            </a:pPr>
+            <a:r>
+              <a:rPr lang="en-US" b="1" dirty="0" smtClean="0">
+                <a:latin typeface="Courier New" panose="02070309020205020404" pitchFamily="49" charset="0"/>
+                <a:cs typeface="Courier New" panose="02070309020205020404" pitchFamily="49" charset="0"/>
+              </a:rPr>
+              <a:t>alert("It worked!");</a:t>
+            </a:r>
+          </a:p>
+          <a:p>
+            <a:pPr marL="0" indent="0">
+              <a:buNone/>
+            </a:pPr>
+            <a:r>
+              <a:rPr lang="en-US" b="1" dirty="0" smtClean="0">
+                <a:latin typeface="Courier New" panose="02070309020205020404" pitchFamily="49" charset="0"/>
+                <a:cs typeface="Courier New" panose="02070309020205020404" pitchFamily="49" charset="0"/>
+              </a:rPr>
+              <a:t>&lt;/</a:t>
+            </a:r>
+            <a:r>
+              <a:rPr lang="en-US" b="1" dirty="0">
+                <a:latin typeface="Courier New" panose="02070309020205020404" pitchFamily="49" charset="0"/>
+                <a:cs typeface="Courier New" panose="02070309020205020404" pitchFamily="49" charset="0"/>
+              </a:rPr>
+              <a:t>script</a:t>
+            </a:r>
+            <a:r>
+              <a:rPr lang="en-US" b="1" dirty="0" smtClean="0">
+                <a:latin typeface="Courier New" panose="02070309020205020404" pitchFamily="49" charset="0"/>
+                <a:cs typeface="Courier New" panose="02070309020205020404" pitchFamily="49" charset="0"/>
+              </a:rPr>
+              <a:t>&gt;</a:t>
             </a:r>
           </a:p>
           <a:p>
@@ -5881,144 +5942,8 @@
                 <a:latin typeface="Courier New" panose="02070309020205020404" pitchFamily="49" charset="0"/>
                 <a:cs typeface="Courier New" panose="02070309020205020404" pitchFamily="49" charset="0"/>
               </a:rPr>
-              <a:t>&lt;body</a:t>
-            </a:r>
-            <a:r>
-              <a:rPr lang="en-US" dirty="0" smtClean="0">
-                <a:latin typeface="Courier New" panose="02070309020205020404" pitchFamily="49" charset="0"/>
-                <a:cs typeface="Courier New" panose="02070309020205020404" pitchFamily="49" charset="0"/>
-              </a:rPr>
-              <a:t>&gt;</a:t>
-            </a:r>
-          </a:p>
-          <a:p>
-            <a:pPr marL="0" indent="0">
-              <a:buNone/>
-            </a:pPr>
-            <a:r>
-              <a:rPr lang="en-US" dirty="0" smtClean="0">
-                <a:latin typeface="Courier New" panose="02070309020205020404" pitchFamily="49" charset="0"/>
-                <a:cs typeface="Courier New" panose="02070309020205020404" pitchFamily="49" charset="0"/>
-              </a:rPr>
-              <a:t>&lt;h1&gt;</a:t>
-            </a:r>
-            <a:endParaRPr lang="en-US" dirty="0" smtClean="0">
-              <a:latin typeface="Courier New" panose="02070309020205020404" pitchFamily="49" charset="0"/>
-              <a:cs typeface="Courier New" panose="02070309020205020404" pitchFamily="49" charset="0"/>
-            </a:endParaRPr>
-          </a:p>
-          <a:p>
-            <a:pPr marL="0" indent="0">
-              <a:buNone/>
-            </a:pPr>
-            <a:r>
-              <a:rPr lang="en-US" b="1" dirty="0">
-                <a:latin typeface="Courier New" panose="02070309020205020404" pitchFamily="49" charset="0"/>
-                <a:cs typeface="Courier New" panose="02070309020205020404" pitchFamily="49" charset="0"/>
-              </a:rPr>
-              <a:t>&lt;script type="</a:t>
-            </a:r>
-            <a:r>
-              <a:rPr lang="en-US" b="1" dirty="0" smtClean="0">
-                <a:latin typeface="Courier New" panose="02070309020205020404" pitchFamily="49" charset="0"/>
-                <a:cs typeface="Courier New" panose="02070309020205020404" pitchFamily="49" charset="0"/>
-              </a:rPr>
-              <a:t>text/</a:t>
-            </a:r>
-            <a:r>
-              <a:rPr lang="en-US" b="1" dirty="0" err="1" smtClean="0">
-                <a:latin typeface="Courier New" panose="02070309020205020404" pitchFamily="49" charset="0"/>
-                <a:cs typeface="Courier New" panose="02070309020205020404" pitchFamily="49" charset="0"/>
-              </a:rPr>
-              <a:t>javascript</a:t>
-            </a:r>
-            <a:r>
-              <a:rPr lang="en-US" b="1" dirty="0" smtClean="0">
-                <a:latin typeface="Courier New" panose="02070309020205020404" pitchFamily="49" charset="0"/>
-                <a:cs typeface="Courier New" panose="02070309020205020404" pitchFamily="49" charset="0"/>
-              </a:rPr>
-              <a:t>"&gt;</a:t>
-            </a:r>
-          </a:p>
-          <a:p>
-            <a:pPr marL="0" indent="0">
-              <a:buNone/>
-            </a:pPr>
-            <a:r>
-              <a:rPr lang="en-US" b="1" dirty="0" err="1" smtClean="0">
-                <a:latin typeface="Courier New" panose="02070309020205020404" pitchFamily="49" charset="0"/>
-                <a:cs typeface="Courier New" panose="02070309020205020404" pitchFamily="49" charset="0"/>
-              </a:rPr>
-              <a:t>document.write</a:t>
-            </a:r>
-            <a:r>
-              <a:rPr lang="en-US" b="1" dirty="0">
-                <a:latin typeface="Courier New" panose="02070309020205020404" pitchFamily="49" charset="0"/>
-                <a:cs typeface="Courier New" panose="02070309020205020404" pitchFamily="49" charset="0"/>
-              </a:rPr>
-              <a:t>("Hello World</a:t>
-            </a:r>
-            <a:r>
-              <a:rPr lang="en-US" b="1" dirty="0" smtClean="0">
-                <a:latin typeface="Courier New" panose="02070309020205020404" pitchFamily="49" charset="0"/>
-                <a:cs typeface="Courier New" panose="02070309020205020404" pitchFamily="49" charset="0"/>
-              </a:rPr>
-              <a:t>");</a:t>
-            </a:r>
-          </a:p>
-          <a:p>
-            <a:pPr marL="0" indent="0">
-              <a:buNone/>
-            </a:pPr>
-            <a:r>
-              <a:rPr lang="en-US" b="1" dirty="0" smtClean="0">
-                <a:latin typeface="Courier New" panose="02070309020205020404" pitchFamily="49" charset="0"/>
-                <a:cs typeface="Courier New" panose="02070309020205020404" pitchFamily="49" charset="0"/>
-              </a:rPr>
-              <a:t>alert("It worked!");</a:t>
-            </a:r>
-          </a:p>
-          <a:p>
-            <a:pPr marL="0" indent="0">
-              <a:buNone/>
-            </a:pPr>
-            <a:r>
-              <a:rPr lang="en-US" b="1" dirty="0" smtClean="0">
-                <a:latin typeface="Courier New" panose="02070309020205020404" pitchFamily="49" charset="0"/>
-                <a:cs typeface="Courier New" panose="02070309020205020404" pitchFamily="49" charset="0"/>
-              </a:rPr>
-              <a:t>&lt;/</a:t>
-            </a:r>
-            <a:r>
-              <a:rPr lang="en-US" b="1" dirty="0">
-                <a:latin typeface="Courier New" panose="02070309020205020404" pitchFamily="49" charset="0"/>
-                <a:cs typeface="Courier New" panose="02070309020205020404" pitchFamily="49" charset="0"/>
-              </a:rPr>
-              <a:t>script</a:t>
-            </a:r>
-            <a:r>
-              <a:rPr lang="en-US" b="1" dirty="0" smtClean="0">
-                <a:latin typeface="Courier New" panose="02070309020205020404" pitchFamily="49" charset="0"/>
-                <a:cs typeface="Courier New" panose="02070309020205020404" pitchFamily="49" charset="0"/>
-              </a:rPr>
-              <a:t>&gt;</a:t>
-            </a:r>
-          </a:p>
-          <a:p>
-            <a:pPr marL="0" indent="0">
-              <a:buNone/>
-            </a:pPr>
-            <a:r>
-              <a:rPr lang="en-US" dirty="0" smtClean="0">
-                <a:latin typeface="Courier New" panose="02070309020205020404" pitchFamily="49" charset="0"/>
-                <a:cs typeface="Courier New" panose="02070309020205020404" pitchFamily="49" charset="0"/>
-              </a:rPr>
               <a:t>&lt;/h1&gt;</a:t>
             </a:r>
-            <a:endParaRPr lang="en-US" dirty="0" smtClean="0">
-              <a:latin typeface="Courier New" panose="02070309020205020404" pitchFamily="49" charset="0"/>
-              <a:cs typeface="Courier New" panose="02070309020205020404" pitchFamily="49" charset="0"/>
-            </a:endParaRPr>
           </a:p>
           <a:p>
             <a:pPr marL="0" indent="0">

--- a/webdevmojo.pptx
+++ b/webdevmojo.pptx
@@ -4,6 +4,9 @@
   <p:sldMasterIdLst>
     <p:sldMasterId id="2147483648" r:id="rId1"/>
   </p:sldMasterIdLst>
+  <p:handoutMasterIdLst>
+    <p:handoutMasterId r:id="rId24"/>
+  </p:handoutMasterIdLst>
   <p:sldIdLst>
     <p:sldId id="256" r:id="rId2"/>
     <p:sldId id="257" r:id="rId3"/>
@@ -144,6 +147,171 @@
 </p:presentation>
 </file>
 
+<file path=ppt/handoutMasters/handoutMaster1.xml><?xml version="1.0" encoding="utf-8"?>
+<p:handoutMaster xmlns:a="http://schemas.openxmlformats.org/drawingml/2006/main" xmlns:r="http://schemas.openxmlformats.org/officeDocument/2006/relationships" xmlns:p="http://schemas.openxmlformats.org/presentationml/2006/main">
+  <p:cSld>
+    <p:bg>
+      <p:bgRef idx="1001">
+        <a:schemeClr val="bg1"/>
+      </p:bgRef>
+    </p:bg>
+    <p:spTree>
+      <p:nvGrpSpPr>
+        <p:cNvPr id="1" name=""/>
+        <p:cNvGrpSpPr/>
+        <p:nvPr/>
+      </p:nvGrpSpPr>
+      <p:grpSpPr>
+        <a:xfrm>
+          <a:off x="0" y="0"/>
+          <a:ext cx="0" cy="0"/>
+          <a:chOff x="0" y="0"/>
+          <a:chExt cx="0" cy="0"/>
+        </a:xfrm>
+      </p:grpSpPr>
+      <p:sp>
+        <p:nvSpPr>
+          <p:cNvPr id="2" name="Header Placeholder 1"/>
+          <p:cNvSpPr>
+            <a:spLocks noGrp="1"/>
+          </p:cNvSpPr>
+          <p:nvPr>
+            <p:ph type="hdr" sz="quarter"/>
+          </p:nvPr>
+        </p:nvSpPr>
+        <p:spPr>
+          <a:xfrm>
+            <a:off x="0" y="1"/>
+            <a:ext cx="2971800" cy="458788"/>
+          </a:xfrm>
+          <a:prstGeom prst="rect">
+            <a:avLst/>
+          </a:prstGeom>
+        </p:spPr>
+        <p:txBody>
+          <a:bodyPr vert="horz" lIns="91440" tIns="45720" rIns="91440" bIns="45720" rtlCol="0"/>
+          <a:lstStyle>
+            <a:lvl1pPr algn="l">
+              <a:defRPr sz="1200"/>
+            </a:lvl1pPr>
+          </a:lstStyle>
+          <a:p>
+            <a:endParaRPr lang="en-US"/>
+          </a:p>
+        </p:txBody>
+      </p:sp>
+      <p:sp>
+        <p:nvSpPr>
+          <p:cNvPr id="3" name="Date Placeholder 2"/>
+          <p:cNvSpPr>
+            <a:spLocks noGrp="1"/>
+          </p:cNvSpPr>
+          <p:nvPr>
+            <p:ph type="dt" sz="quarter" idx="1"/>
+          </p:nvPr>
+        </p:nvSpPr>
+        <p:spPr>
+          <a:xfrm>
+            <a:off x="3884613" y="1"/>
+            <a:ext cx="2971800" cy="458788"/>
+          </a:xfrm>
+          <a:prstGeom prst="rect">
+            <a:avLst/>
+          </a:prstGeom>
+        </p:spPr>
+        <p:txBody>
+          <a:bodyPr vert="horz" lIns="91440" tIns="45720" rIns="91440" bIns="45720" rtlCol="0"/>
+          <a:lstStyle>
+            <a:lvl1pPr algn="r">
+              <a:defRPr sz="1200"/>
+            </a:lvl1pPr>
+          </a:lstStyle>
+          <a:p>
+            <a:fld id="{DA0F6F46-4091-4587-9840-355DF5CA2AA4}" type="datetimeFigureOut">
+              <a:rPr lang="en-US" smtClean="0"/>
+              <a:t>11/19/2014</a:t>
+            </a:fld>
+            <a:endParaRPr lang="en-US"/>
+          </a:p>
+        </p:txBody>
+      </p:sp>
+      <p:sp>
+        <p:nvSpPr>
+          <p:cNvPr id="4" name="Footer Placeholder 3"/>
+          <p:cNvSpPr>
+            <a:spLocks noGrp="1"/>
+          </p:cNvSpPr>
+          <p:nvPr>
+            <p:ph type="ftr" sz="quarter" idx="2"/>
+          </p:nvPr>
+        </p:nvSpPr>
+        <p:spPr>
+          <a:xfrm>
+            <a:off x="0" y="8685213"/>
+            <a:ext cx="2971800" cy="458787"/>
+          </a:xfrm>
+          <a:prstGeom prst="rect">
+            <a:avLst/>
+          </a:prstGeom>
+        </p:spPr>
+        <p:txBody>
+          <a:bodyPr vert="horz" lIns="91440" tIns="45720" rIns="91440" bIns="45720" rtlCol="0" anchor="b"/>
+          <a:lstStyle>
+            <a:lvl1pPr algn="l">
+              <a:defRPr sz="1200"/>
+            </a:lvl1pPr>
+          </a:lstStyle>
+          <a:p>
+            <a:endParaRPr lang="en-US"/>
+          </a:p>
+        </p:txBody>
+      </p:sp>
+      <p:sp>
+        <p:nvSpPr>
+          <p:cNvPr id="5" name="Slide Number Placeholder 4"/>
+          <p:cNvSpPr>
+            <a:spLocks noGrp="1"/>
+          </p:cNvSpPr>
+          <p:nvPr>
+            <p:ph type="sldNum" sz="quarter" idx="3"/>
+          </p:nvPr>
+        </p:nvSpPr>
+        <p:spPr>
+          <a:xfrm>
+            <a:off x="3884613" y="8685213"/>
+            <a:ext cx="2971800" cy="458787"/>
+          </a:xfrm>
+          <a:prstGeom prst="rect">
+            <a:avLst/>
+          </a:prstGeom>
+        </p:spPr>
+        <p:txBody>
+          <a:bodyPr vert="horz" lIns="91440" tIns="45720" rIns="91440" bIns="45720" rtlCol="0" anchor="b"/>
+          <a:lstStyle>
+            <a:lvl1pPr algn="r">
+              <a:defRPr sz="1200"/>
+            </a:lvl1pPr>
+          </a:lstStyle>
+          <a:p>
+            <a:fld id="{AB193817-8C02-4FCD-A94E-8973CAECD756}" type="slidenum">
+              <a:rPr lang="en-US" smtClean="0"/>
+              <a:t>‹#›</a:t>
+            </a:fld>
+            <a:endParaRPr lang="en-US"/>
+          </a:p>
+        </p:txBody>
+      </p:sp>
+    </p:spTree>
+    <p:extLst>
+      <p:ext uri="{BB962C8B-B14F-4D97-AF65-F5344CB8AC3E}">
+        <p14:creationId xmlns:p14="http://schemas.microsoft.com/office/powerpoint/2010/main" val="2521189732"/>
+      </p:ext>
+    </p:extLst>
+  </p:cSld>
+  <p:clrMap bg1="lt1" tx1="dk1" bg2="lt2" tx2="dk2" accent1="accent1" accent2="accent2" accent3="accent3" accent4="accent4" accent5="accent5" accent6="accent6" hlink="hlink" folHlink="folHlink"/>
+</p:handoutMaster>
+</file>
+
 <file path=ppt/slideLayouts/slideLayout1.xml><?xml version="1.0" encoding="utf-8"?>
 <p:sldLayout xmlns:a="http://schemas.openxmlformats.org/drawingml/2006/main" xmlns:r="http://schemas.openxmlformats.org/officeDocument/2006/relationships" xmlns:p="http://schemas.openxmlformats.org/presentationml/2006/main" type="title" preserve="1">
   <p:cSld name="Title Slide">
@@ -326,7 +494,7 @@
             <a:fld id="{1D8BD707-D9CF-40AE-B4C6-C98DA3205C09}" type="datetimeFigureOut">
               <a:rPr lang="en-US" smtClean="0"/>
               <a:pPr/>
-              <a:t>11/18/2014</a:t>
+              <a:t>11/19/2014</a:t>
             </a:fld>
             <a:endParaRPr lang="en-US"/>
           </a:p>
@@ -493,7 +661,7 @@
             <a:fld id="{1D8BD707-D9CF-40AE-B4C6-C98DA3205C09}" type="datetimeFigureOut">
               <a:rPr lang="en-US" smtClean="0"/>
               <a:pPr/>
-              <a:t>11/18/2014</a:t>
+              <a:t>11/19/2014</a:t>
             </a:fld>
             <a:endParaRPr lang="en-US"/>
           </a:p>
@@ -670,7 +838,7 @@
             <a:fld id="{1D8BD707-D9CF-40AE-B4C6-C98DA3205C09}" type="datetimeFigureOut">
               <a:rPr lang="en-US" smtClean="0"/>
               <a:pPr/>
-              <a:t>11/18/2014</a:t>
+              <a:t>11/19/2014</a:t>
             </a:fld>
             <a:endParaRPr lang="en-US"/>
           </a:p>
@@ -837,7 +1005,7 @@
             <a:fld id="{1D8BD707-D9CF-40AE-B4C6-C98DA3205C09}" type="datetimeFigureOut">
               <a:rPr lang="en-US" smtClean="0"/>
               <a:pPr/>
-              <a:t>11/18/2014</a:t>
+              <a:t>11/19/2014</a:t>
             </a:fld>
             <a:endParaRPr lang="en-US"/>
           </a:p>
@@ -1080,7 +1248,7 @@
             <a:fld id="{1D8BD707-D9CF-40AE-B4C6-C98DA3205C09}" type="datetimeFigureOut">
               <a:rPr lang="en-US" smtClean="0"/>
               <a:pPr/>
-              <a:t>11/18/2014</a:t>
+              <a:t>11/19/2014</a:t>
             </a:fld>
             <a:endParaRPr lang="en-US"/>
           </a:p>
@@ -1365,7 +1533,7 @@
             <a:fld id="{1D8BD707-D9CF-40AE-B4C6-C98DA3205C09}" type="datetimeFigureOut">
               <a:rPr lang="en-US" smtClean="0"/>
               <a:pPr/>
-              <a:t>11/18/2014</a:t>
+              <a:t>11/19/2014</a:t>
             </a:fld>
             <a:endParaRPr lang="en-US"/>
           </a:p>
@@ -1784,7 +1952,7 @@
             <a:fld id="{1D8BD707-D9CF-40AE-B4C6-C98DA3205C09}" type="datetimeFigureOut">
               <a:rPr lang="en-US" smtClean="0"/>
               <a:pPr/>
-              <a:t>11/18/2014</a:t>
+              <a:t>11/19/2014</a:t>
             </a:fld>
             <a:endParaRPr lang="en-US"/>
           </a:p>
@@ -1899,7 +2067,7 @@
             <a:fld id="{1D8BD707-D9CF-40AE-B4C6-C98DA3205C09}" type="datetimeFigureOut">
               <a:rPr lang="en-US" smtClean="0"/>
               <a:pPr/>
-              <a:t>11/18/2014</a:t>
+              <a:t>11/19/2014</a:t>
             </a:fld>
             <a:endParaRPr lang="en-US"/>
           </a:p>
@@ -1991,7 +2159,7 @@
             <a:fld id="{1D8BD707-D9CF-40AE-B4C6-C98DA3205C09}" type="datetimeFigureOut">
               <a:rPr lang="en-US" smtClean="0"/>
               <a:pPr/>
-              <a:t>11/18/2014</a:t>
+              <a:t>11/19/2014</a:t>
             </a:fld>
             <a:endParaRPr lang="en-US"/>
           </a:p>
@@ -2265,7 +2433,7 @@
             <a:fld id="{1D8BD707-D9CF-40AE-B4C6-C98DA3205C09}" type="datetimeFigureOut">
               <a:rPr lang="en-US" smtClean="0"/>
               <a:pPr/>
-              <a:t>11/18/2014</a:t>
+              <a:t>11/19/2014</a:t>
             </a:fld>
             <a:endParaRPr lang="en-US"/>
           </a:p>
@@ -2515,7 +2683,7 @@
             <a:fld id="{1D8BD707-D9CF-40AE-B4C6-C98DA3205C09}" type="datetimeFigureOut">
               <a:rPr lang="en-US" smtClean="0"/>
               <a:pPr/>
-              <a:t>11/18/2014</a:t>
+              <a:t>11/19/2014</a:t>
             </a:fld>
             <a:endParaRPr lang="en-US"/>
           </a:p>
@@ -2725,7 +2893,7 @@
             <a:fld id="{1D8BD707-D9CF-40AE-B4C6-C98DA3205C09}" type="datetimeFigureOut">
               <a:rPr lang="en-US" smtClean="0"/>
               <a:pPr/>
-              <a:t>11/18/2014</a:t>
+              <a:t>11/19/2014</a:t>
             </a:fld>
             <a:endParaRPr lang="en-US"/>
           </a:p>
@@ -3905,7 +4073,6 @@
               <a:rPr lang="en-US" dirty="0" smtClean="0"/>
               <a:t> </a:t>
             </a:r>
-            <a:endParaRPr lang="en-US" dirty="0" smtClean="0"/>
           </a:p>
           <a:p>
             <a:r>
@@ -4845,6 +5012,155 @@
           </a:p>
         </p:txBody>
       </p:sp>
+      <p:sp>
+        <p:nvSpPr>
+          <p:cNvPr id="3" name="Content Placeholder 2"/>
+          <p:cNvSpPr>
+            <a:spLocks noGrp="1"/>
+          </p:cNvSpPr>
+          <p:nvPr>
+            <p:ph idx="1"/>
+          </p:nvPr>
+        </p:nvSpPr>
+        <p:spPr/>
+        <p:txBody>
+          <a:bodyPr>
+            <a:normAutofit/>
+          </a:bodyPr>
+          <a:lstStyle/>
+          <a:p>
+            <a:r>
+              <a:rPr lang="en-US" dirty="0" smtClean="0"/>
+              <a:t>Change page design</a:t>
+            </a:r>
+            <a:r>
+              <a:rPr lang="en-US" dirty="0"/>
+              <a:t/>
+            </a:r>
+            <a:br>
+              <a:rPr lang="en-US" dirty="0"/>
+            </a:br>
+            <a:r>
+              <a:rPr lang="en-US" sz="2000" dirty="0">
+                <a:hlinkClick r:id="rId2"/>
+              </a:rPr>
+              <a:t>http://</a:t>
+            </a:r>
+            <a:r>
+              <a:rPr lang="en-US" sz="2000" dirty="0" smtClean="0">
+                <a:hlinkClick r:id="rId2"/>
+              </a:rPr>
+              <a:t>www.anokacounty.us/2092/Charitable-Giving-Campaign</a:t>
+            </a:r>
+            <a:r>
+              <a:rPr lang="en-US" sz="2000" dirty="0" smtClean="0"/>
+              <a:t> </a:t>
+            </a:r>
+          </a:p>
+          <a:p>
+            <a:r>
+              <a:rPr lang="en-US" dirty="0"/>
+              <a:t>Use referrer code</a:t>
+            </a:r>
+            <a:br>
+              <a:rPr lang="en-US" dirty="0"/>
+            </a:br>
+            <a:r>
+              <a:rPr lang="en-US" sz="2000" dirty="0">
+                <a:hlinkClick r:id="rId3"/>
+              </a:rPr>
+              <a:t>http://</a:t>
+            </a:r>
+            <a:r>
+              <a:rPr lang="en-US" sz="2000" dirty="0" smtClean="0">
+                <a:hlinkClick r:id="rId3"/>
+              </a:rPr>
+              <a:t>www.anokacounty.us/list.aspx</a:t>
+            </a:r>
+            <a:endParaRPr lang="en-US" sz="2000" dirty="0" smtClean="0"/>
+          </a:p>
+          <a:p>
+            <a:r>
+              <a:rPr lang="en-US" dirty="0" smtClean="0"/>
+              <a:t>Use a data document</a:t>
+            </a:r>
+            <a:r>
+              <a:rPr lang="en-US" dirty="0"/>
+              <a:t/>
+            </a:r>
+            <a:br>
+              <a:rPr lang="en-US" dirty="0"/>
+            </a:br>
+            <a:r>
+              <a:rPr lang="en-US" sz="2000" dirty="0">
+                <a:hlinkClick r:id="rId4"/>
+              </a:rPr>
+              <a:t>http://</a:t>
+            </a:r>
+            <a:r>
+              <a:rPr lang="en-US" sz="2000" dirty="0" smtClean="0">
+                <a:hlinkClick r:id="rId4"/>
+              </a:rPr>
+              <a:t>www.anokacounty.us/278/Estimated-Tax-Calculator</a:t>
+            </a:r>
+            <a:endParaRPr lang="en-US" sz="2000" dirty="0" smtClean="0"/>
+          </a:p>
+          <a:p>
+            <a:r>
+              <a:rPr lang="en-US" dirty="0" smtClean="0"/>
+              <a:t>Display data from another system</a:t>
+            </a:r>
+            <a:r>
+              <a:rPr lang="en-US" dirty="0"/>
+              <a:t/>
+            </a:r>
+            <a:br>
+              <a:rPr lang="en-US" dirty="0"/>
+            </a:br>
+            <a:r>
+              <a:rPr lang="en-US" sz="2000" dirty="0">
+                <a:hlinkClick r:id="rId5"/>
+              </a:rPr>
+              <a:t>http://</a:t>
+            </a:r>
+            <a:r>
+              <a:rPr lang="en-US" sz="2000" dirty="0" smtClean="0">
+                <a:hlinkClick r:id="rId5"/>
+              </a:rPr>
+              <a:t>www.anokacounty.us/1405/Adult-Trial-Updates</a:t>
+            </a:r>
+            <a:r>
+              <a:rPr lang="en-US" sz="2000" dirty="0" smtClean="0"/>
+              <a:t/>
+            </a:r>
+            <a:br>
+              <a:rPr lang="en-US" sz="2000" dirty="0" smtClean="0"/>
+            </a:br>
+            <a:r>
+              <a:rPr lang="en-US" sz="2000" dirty="0" smtClean="0">
+                <a:hlinkClick r:id="rId6"/>
+              </a:rPr>
+              <a:t>http</a:t>
+            </a:r>
+            <a:r>
+              <a:rPr lang="en-US" sz="2000" dirty="0">
+                <a:hlinkClick r:id="rId6"/>
+              </a:rPr>
+              <a:t>://</a:t>
+            </a:r>
+            <a:r>
+              <a:rPr lang="en-US" sz="2000" dirty="0" smtClean="0">
+                <a:hlinkClick r:id="rId6"/>
+              </a:rPr>
+              <a:t>www.anokacounty.us/727/Inmate-Locator</a:t>
+            </a:r>
+            <a:r>
+              <a:rPr lang="en-US" sz="2000" dirty="0" smtClean="0"/>
+              <a:t> </a:t>
+            </a:r>
+          </a:p>
+        </p:txBody>
+      </p:sp>
     </p:spTree>
     <p:extLst>
       <p:ext uri="{BB962C8B-B14F-4D97-AF65-F5344CB8AC3E}">
@@ -4905,6 +5221,87 @@
           </a:p>
         </p:txBody>
       </p:sp>
+      <p:sp>
+        <p:nvSpPr>
+          <p:cNvPr id="3" name="Content Placeholder 2"/>
+          <p:cNvSpPr>
+            <a:spLocks noGrp="1"/>
+          </p:cNvSpPr>
+          <p:nvPr>
+            <p:ph idx="1"/>
+          </p:nvPr>
+        </p:nvSpPr>
+        <p:spPr/>
+        <p:txBody>
+          <a:bodyPr/>
+          <a:lstStyle/>
+          <a:p>
+            <a:r>
+              <a:rPr lang="en-US" dirty="0" smtClean="0"/>
+              <a:t>Cognitive – simple and straightforward</a:t>
+            </a:r>
+          </a:p>
+          <a:p>
+            <a:r>
+              <a:rPr lang="en-US" dirty="0" smtClean="0"/>
+              <a:t>Physical – mouse and keyboard interface, touch friendly</a:t>
+            </a:r>
+          </a:p>
+          <a:p>
+            <a:r>
+              <a:rPr lang="en-US" dirty="0" smtClean="0"/>
+              <a:t>Vision – </a:t>
+            </a:r>
+            <a:r>
+              <a:rPr lang="en-US" dirty="0"/>
+              <a:t>dynamic content</a:t>
+            </a:r>
+            <a:br>
+              <a:rPr lang="en-US" dirty="0"/>
+            </a:br>
+            <a:r>
+              <a:rPr lang="en-US" sz="2000" dirty="0">
+                <a:hlinkClick r:id="rId2"/>
+              </a:rPr>
+              <a:t>http://</a:t>
+            </a:r>
+            <a:r>
+              <a:rPr lang="en-US" sz="2000" dirty="0" smtClean="0">
+                <a:hlinkClick r:id="rId2"/>
+              </a:rPr>
+              <a:t>www.w3.org/WAI/intro/aria.php</a:t>
+            </a:r>
+            <a:r>
+              <a:rPr lang="en-US" sz="2000" dirty="0" smtClean="0"/>
+              <a:t> </a:t>
+            </a:r>
+            <a:r>
+              <a:rPr lang="en-US" dirty="0" smtClean="0"/>
+              <a:t/>
+            </a:r>
+            <a:br>
+              <a:rPr lang="en-US" dirty="0" smtClean="0"/>
+            </a:br>
+            <a:r>
+              <a:rPr lang="en-US" sz="2000" dirty="0">
+                <a:hlinkClick r:id="rId3"/>
+              </a:rPr>
+              <a:t>http://speckyboy.com/2013/02/04/myths-about-how-blind-people-use-the-internet</a:t>
+            </a:r>
+            <a:r>
+              <a:rPr lang="en-US" sz="2000" dirty="0" smtClean="0">
+                <a:hlinkClick r:id="rId3"/>
+              </a:rPr>
+              <a:t>/</a:t>
+            </a:r>
+            <a:r>
+              <a:rPr lang="en-US" sz="2000" dirty="0" smtClean="0"/>
+              <a:t> </a:t>
+            </a:r>
+            <a:endParaRPr lang="en-US" sz="2000" dirty="0"/>
+          </a:p>
+        </p:txBody>
+      </p:sp>
     </p:spTree>
     <p:extLst>
       <p:ext uri="{BB962C8B-B14F-4D97-AF65-F5344CB8AC3E}">
@@ -5007,7 +5404,17 @@
             </a:r>
             <a:r>
               <a:rPr lang="en-US" dirty="0" smtClean="0"/>
-              <a:t> (github.com or bitbucket.com) or other VCS</a:t>
+              <a:t> (github.com or bitbucket.com) or other </a:t>
+            </a:r>
+            <a:r>
+              <a:rPr lang="en-US" dirty="0" smtClean="0"/>
+              <a:t>VCS</a:t>
+            </a:r>
+          </a:p>
+          <a:p>
+            <a:r>
+              <a:rPr lang="en-US" dirty="0" smtClean="0"/>
+              <a:t>Tracking – keep a list of pages with JavaScript</a:t>
             </a:r>
             <a:endParaRPr lang="en-US" dirty="0"/>
           </a:p>
@@ -6419,4 +6826,265 @@
   <a:objectDefaults/>
   <a:extraClrSchemeLst/>
 </a:theme>
+</file>
+
+<file path=ppt/theme/theme2.xml><?xml version="1.0" encoding="utf-8"?>
+<a:theme xmlns:a="http://schemas.openxmlformats.org/drawingml/2006/main" name="Office Theme">
+  <a:themeElements>
+    <a:clrScheme name="Office">
+      <a:dk1>
+        <a:sysClr val="windowText" lastClr="000000"/>
+      </a:dk1>
+      <a:lt1>
+        <a:sysClr val="window" lastClr="FFFFFF"/>
+      </a:lt1>
+      <a:dk2>
+        <a:srgbClr val="44546A"/>
+      </a:dk2>
+      <a:lt2>
+        <a:srgbClr val="E7E6E6"/>
+      </a:lt2>
+      <a:accent1>
+        <a:srgbClr val="5B9BD5"/>
+      </a:accent1>
+      <a:accent2>
+        <a:srgbClr val="ED7D31"/>
+      </a:accent2>
+      <a:accent3>
+        <a:srgbClr val="A5A5A5"/>
+      </a:accent3>
+      <a:accent4>
+        <a:srgbClr val="FFC000"/>
+      </a:accent4>
+      <a:accent5>
+        <a:srgbClr val="4472C4"/>
+      </a:accent5>
+      <a:accent6>
+        <a:srgbClr val="70AD47"/>
+      </a:accent6>
+      <a:hlink>
+        <a:srgbClr val="0563C1"/>
+      </a:hlink>
+      <a:folHlink>
+        <a:srgbClr val="954F72"/>
+      </a:folHlink>
+    </a:clrScheme>
+    <a:fontScheme name="Office">
+      <a:majorFont>
+        <a:latin typeface="Calibri Light" panose="020F0302020204030204"/>
+        <a:ea typeface=""/>
+        <a:cs typeface=""/>
+        <a:font script="Jpan" typeface="ＭＳ Ｐゴシック"/>
+        <a:font script="Hang" typeface="맑은 고딕"/>
+        <a:font script="Hans" typeface="宋体"/>
+        <a:font script="Hant" typeface="新細明體"/>
+        <a:font script="Arab" typeface="Times New Roman"/>
+        <a:font script="Hebr" typeface="Times New Roman"/>
+        <a:font script="Thai" typeface="Angsana New"/>
+        <a:font script="Ethi" typeface="Nyala"/>
+        <a:font script="Beng" typeface="Vrinda"/>
+        <a:font script="Gujr" typeface="Shruti"/>
+        <a:font script="Khmr" typeface="MoolBoran"/>
+        <a:font script="Knda" typeface="Tunga"/>
+        <a:font script="Guru" typeface="Raavi"/>
+        <a:font script="Cans" typeface="Euphemia"/>
+        <a:font script="Cher" typeface="Plantagenet Cherokee"/>
+        <a:font script="Yiii" typeface="Microsoft Yi Baiti"/>
+        <a:font script="Tibt" typeface="Microsoft Himalaya"/>
+        <a:font script="Thaa" typeface="MV Boli"/>
+        <a:font script="Deva" typeface="Mangal"/>
+        <a:font script="Telu" typeface="Gautami"/>
+        <a:font script="Taml" typeface="Latha"/>
+        <a:font script="Syrc" typeface="Estrangelo Edessa"/>
+        <a:font script="Orya" typeface="Kalinga"/>
+        <a:font script="Mlym" typeface="Kartika"/>
+        <a:font script="Laoo" typeface="DokChampa"/>
+        <a:font script="Sinh" typeface="Iskoola Pota"/>
+        <a:font script="Mong" typeface="Mongolian Baiti"/>
+        <a:font script="Viet" typeface="Times New Roman"/>
+        <a:font script="Uigh" typeface="Microsoft Uighur"/>
+        <a:font script="Geor" typeface="Sylfaen"/>
+      </a:majorFont>
+      <a:minorFont>
+        <a:latin typeface="Calibri" panose="020F0502020204030204"/>
+        <a:ea typeface=""/>
+        <a:cs typeface=""/>
+        <a:font script="Jpan" typeface="ＭＳ Ｐゴシック"/>
+        <a:font script="Hang" typeface="맑은 고딕"/>
+        <a:font script="Hans" typeface="宋体"/>
+        <a:font script="Hant" typeface="新細明體"/>
+        <a:font script="Arab" typeface="Arial"/>
+        <a:font script="Hebr" typeface="Arial"/>
+        <a:font script="Thai" typeface="Cordia New"/>
+        <a:font script="Ethi" typeface="Nyala"/>
+        <a:font script="Beng" typeface="Vrinda"/>
+        <a:font script="Gujr" typeface="Shruti"/>
+        <a:font script="Khmr" typeface="DaunPenh"/>
+        <a:font script="Knda" typeface="Tunga"/>
+        <a:font script="Guru" typeface="Raavi"/>
+        <a:font script="Cans" typeface="Euphemia"/>
+        <a:font script="Cher" typeface="Plantagenet Cherokee"/>
+        <a:font script="Yiii" typeface="Microsoft Yi Baiti"/>
+        <a:font script="Tibt" typeface="Microsoft Himalaya"/>
+        <a:font script="Thaa" typeface="MV Boli"/>
+        <a:font script="Deva" typeface="Mangal"/>
+        <a:font script="Telu" typeface="Gautami"/>
+        <a:font script="Taml" typeface="Latha"/>
+        <a:font script="Syrc" typeface="Estrangelo Edessa"/>
+        <a:font script="Orya" typeface="Kalinga"/>
+        <a:font script="Mlym" typeface="Kartika"/>
+        <a:font script="Laoo" typeface="DokChampa"/>
+        <a:font script="Sinh" typeface="Iskoola Pota"/>
+        <a:font script="Mong" typeface="Mongolian Baiti"/>
+        <a:font script="Viet" typeface="Arial"/>
+        <a:font script="Uigh" typeface="Microsoft Uighur"/>
+        <a:font script="Geor" typeface="Sylfaen"/>
+      </a:minorFont>
+    </a:fontScheme>
+    <a:fmtScheme name="Office">
+      <a:fillStyleLst>
+        <a:solidFill>
+          <a:schemeClr val="phClr"/>
+        </a:solidFill>
+        <a:gradFill rotWithShape="1">
+          <a:gsLst>
+            <a:gs pos="0">
+              <a:schemeClr val="phClr">
+                <a:lumMod val="110000"/>
+                <a:satMod val="105000"/>
+                <a:tint val="67000"/>
+              </a:schemeClr>
+            </a:gs>
+            <a:gs pos="50000">
+              <a:schemeClr val="phClr">
+                <a:lumMod val="105000"/>
+                <a:satMod val="103000"/>
+                <a:tint val="73000"/>
+              </a:schemeClr>
+            </a:gs>
+            <a:gs pos="100000">
+              <a:schemeClr val="phClr">
+                <a:lumMod val="105000"/>
+                <a:satMod val="109000"/>
+                <a:tint val="81000"/>
+              </a:schemeClr>
+            </a:gs>
+          </a:gsLst>
+          <a:lin ang="5400000" scaled="0"/>
+        </a:gradFill>
+        <a:gradFill rotWithShape="1">
+          <a:gsLst>
+            <a:gs pos="0">
+              <a:schemeClr val="phClr">
+                <a:satMod val="103000"/>
+                <a:lumMod val="102000"/>
+                <a:tint val="94000"/>
+              </a:schemeClr>
+            </a:gs>
+            <a:gs pos="50000">
+              <a:schemeClr val="phClr">
+                <a:satMod val="110000"/>
+                <a:lumMod val="100000"/>
+                <a:shade val="100000"/>
+              </a:schemeClr>
+            </a:gs>
+            <a:gs pos="100000">
+              <a:schemeClr val="phClr">
+                <a:lumMod val="99000"/>
+                <a:satMod val="120000"/>
+                <a:shade val="78000"/>
+              </a:schemeClr>
+            </a:gs>
+          </a:gsLst>
+          <a:lin ang="5400000" scaled="0"/>
+        </a:gradFill>
+      </a:fillStyleLst>
+      <a:lnStyleLst>
+        <a:ln w="6350" cap="flat" cmpd="sng" algn="ctr">
+          <a:solidFill>
+            <a:schemeClr val="phClr"/>
+          </a:solidFill>
+          <a:prstDash val="solid"/>
+          <a:miter lim="800000"/>
+        </a:ln>
+        <a:ln w="12700" cap="flat" cmpd="sng" algn="ctr">
+          <a:solidFill>
+            <a:schemeClr val="phClr"/>
+          </a:solidFill>
+          <a:prstDash val="solid"/>
+          <a:miter lim="800000"/>
+        </a:ln>
+        <a:ln w="19050" cap="flat" cmpd="sng" algn="ctr">
+          <a:solidFill>
+            <a:schemeClr val="phClr"/>
+          </a:solidFill>
+          <a:prstDash val="solid"/>
+          <a:miter lim="800000"/>
+        </a:ln>
+      </a:lnStyleLst>
+      <a:effectStyleLst>
+        <a:effectStyle>
+          <a:effectLst/>
+        </a:effectStyle>
+        <a:effectStyle>
+          <a:effectLst/>
+        </a:effectStyle>
+        <a:effectStyle>
+          <a:effectLst>
+            <a:outerShdw blurRad="57150" dist="19050" dir="5400000" algn="ctr" rotWithShape="0">
+              <a:srgbClr val="000000">
+                <a:alpha val="63000"/>
+              </a:srgbClr>
+            </a:outerShdw>
+          </a:effectLst>
+        </a:effectStyle>
+      </a:effectStyleLst>
+      <a:bgFillStyleLst>
+        <a:solidFill>
+          <a:schemeClr val="phClr"/>
+        </a:solidFill>
+        <a:solidFill>
+          <a:schemeClr val="phClr">
+            <a:tint val="95000"/>
+            <a:satMod val="170000"/>
+          </a:schemeClr>
+        </a:solidFill>
+        <a:gradFill rotWithShape="1">
+          <a:gsLst>
+            <a:gs pos="0">
+              <a:schemeClr val="phClr">
+                <a:tint val="93000"/>
+                <a:satMod val="150000"/>
+                <a:shade val="98000"/>
+                <a:lumMod val="102000"/>
+              </a:schemeClr>
+            </a:gs>
+            <a:gs pos="50000">
+              <a:schemeClr val="phClr">
+                <a:tint val="98000"/>
+                <a:satMod val="130000"/>
+                <a:shade val="90000"/>
+                <a:lumMod val="103000"/>
+              </a:schemeClr>
+            </a:gs>
+            <a:gs pos="100000">
+              <a:schemeClr val="phClr">
+                <a:shade val="63000"/>
+                <a:satMod val="120000"/>
+              </a:schemeClr>
+            </a:gs>
+          </a:gsLst>
+          <a:lin ang="5400000" scaled="0"/>
+        </a:gradFill>
+      </a:bgFillStyleLst>
+    </a:fmtScheme>
+  </a:themeElements>
+  <a:objectDefaults/>
+  <a:extraClrSchemeLst/>
+  <a:extLst>
+    <a:ext uri="{05A4C25C-085E-4340-85A3-A5531E510DB2}">
+      <thm15:themeFamily xmlns:thm15="http://schemas.microsoft.com/office/thememl/2012/main" name="Office Theme" id="{62F939B6-93AF-4DB8-9C6B-D6C7DFDC589F}" vid="{4A3C46E8-61CC-4603-A589-7422A47A8E4A}"/>
+    </a:ext>
+  </a:extLst>
+</a:theme>
 </file>
--- a/webdevmojo.pptx
+++ b/webdevmojo.pptx
@@ -4,8 +4,11 @@
   <p:sldMasterIdLst>
     <p:sldMasterId id="2147483648" r:id="rId1"/>
   </p:sldMasterIdLst>
+  <p:notesMasterIdLst>
+    <p:notesMasterId r:id="rId25"/>
+  </p:notesMasterIdLst>
   <p:handoutMasterIdLst>
-    <p:handoutMasterId r:id="rId24"/>
+    <p:handoutMasterId r:id="rId26"/>
   </p:handoutMasterIdLst>
   <p:sldIdLst>
     <p:sldId id="256" r:id="rId2"/>
@@ -30,9 +33,10 @@
     <p:sldId id="267" r:id="rId21"/>
     <p:sldId id="265" r:id="rId22"/>
     <p:sldId id="266" r:id="rId23"/>
+    <p:sldId id="278" r:id="rId24"/>
   </p:sldIdLst>
   <p:sldSz cx="9144000" cy="6858000" type="screen4x3"/>
-  <p:notesSz cx="6858000" cy="9144000"/>
+  <p:notesSz cx="7315200" cy="9601200"/>
   <p:defaultTextStyle>
     <a:defPPr>
       <a:defRPr lang="en-US"/>
@@ -130,7 +134,7 @@
   </p:defaultTextStyle>
   <p:extLst>
     <p:ext uri="{EFAFB233-063F-42B5-8137-9DF3F51BA10A}">
-      <p15:sldGuideLst xmlns:p15="http://schemas.microsoft.com/office/powerpoint/2012/main">
+      <p15:sldGuideLst xmlns:p15="http://schemas.microsoft.com/office/powerpoint/2012/main" xmlns="">
         <p15:guide id="1" orient="horz" pos="2160">
           <p15:clr>
             <a:srgbClr val="A4A3A4"/>
@@ -182,17 +186,17 @@
         <p:spPr>
           <a:xfrm>
             <a:off x="0" y="1"/>
-            <a:ext cx="2971800" cy="458788"/>
+            <a:ext cx="3169920" cy="481727"/>
           </a:xfrm>
           <a:prstGeom prst="rect">
             <a:avLst/>
           </a:prstGeom>
         </p:spPr>
         <p:txBody>
-          <a:bodyPr vert="horz" lIns="91440" tIns="45720" rIns="91440" bIns="45720" rtlCol="0"/>
+          <a:bodyPr vert="horz" lIns="96661" tIns="48331" rIns="96661" bIns="48331" rtlCol="0"/>
           <a:lstStyle>
             <a:lvl1pPr algn="l">
-              <a:defRPr sz="1200"/>
+              <a:defRPr sz="1300"/>
             </a:lvl1pPr>
           </a:lstStyle>
           <a:p>
@@ -212,18 +216,18 @@
         </p:nvSpPr>
         <p:spPr>
           <a:xfrm>
-            <a:off x="3884613" y="1"/>
-            <a:ext cx="2971800" cy="458788"/>
+            <a:off x="4143587" y="1"/>
+            <a:ext cx="3169920" cy="481727"/>
           </a:xfrm>
           <a:prstGeom prst="rect">
             <a:avLst/>
           </a:prstGeom>
         </p:spPr>
         <p:txBody>
-          <a:bodyPr vert="horz" lIns="91440" tIns="45720" rIns="91440" bIns="45720" rtlCol="0"/>
+          <a:bodyPr vert="horz" lIns="96661" tIns="48331" rIns="96661" bIns="48331" rtlCol="0"/>
           <a:lstStyle>
             <a:lvl1pPr algn="r">
-              <a:defRPr sz="1200"/>
+              <a:defRPr sz="1300"/>
             </a:lvl1pPr>
           </a:lstStyle>
           <a:p>
@@ -247,21 +251,25 @@
         </p:nvSpPr>
         <p:spPr>
           <a:xfrm>
-            <a:off x="0" y="8685213"/>
-            <a:ext cx="2971800" cy="458787"/>
+            <a:off x="0" y="9119474"/>
+            <a:ext cx="3169920" cy="481726"/>
           </a:xfrm>
           <a:prstGeom prst="rect">
             <a:avLst/>
           </a:prstGeom>
         </p:spPr>
         <p:txBody>
-          <a:bodyPr vert="horz" lIns="91440" tIns="45720" rIns="91440" bIns="45720" rtlCol="0" anchor="b"/>
+          <a:bodyPr vert="horz" lIns="96661" tIns="48331" rIns="96661" bIns="48331" rtlCol="0" anchor="b"/>
           <a:lstStyle>
             <a:lvl1pPr algn="l">
-              <a:defRPr sz="1200"/>
+              <a:defRPr sz="1300"/>
             </a:lvl1pPr>
           </a:lstStyle>
           <a:p>
+            <a:r>
+              <a:rPr lang="en-US" smtClean="0"/>
+              <a:t>Got a CMS? Get Your Webdevmojo Back with JavaScript!  Paul Burtness, Dec 2014</a:t>
+            </a:r>
             <a:endParaRPr lang="en-US"/>
           </a:p>
         </p:txBody>
@@ -278,18 +286,18 @@
         </p:nvSpPr>
         <p:spPr>
           <a:xfrm>
-            <a:off x="3884613" y="8685213"/>
-            <a:ext cx="2971800" cy="458787"/>
+            <a:off x="4143587" y="9119474"/>
+            <a:ext cx="3169920" cy="481726"/>
           </a:xfrm>
           <a:prstGeom prst="rect">
             <a:avLst/>
           </a:prstGeom>
         </p:spPr>
         <p:txBody>
-          <a:bodyPr vert="horz" lIns="91440" tIns="45720" rIns="91440" bIns="45720" rtlCol="0" anchor="b"/>
+          <a:bodyPr vert="horz" lIns="96661" tIns="48331" rIns="96661" bIns="48331" rtlCol="0" anchor="b"/>
           <a:lstStyle>
             <a:lvl1pPr algn="r">
-              <a:defRPr sz="1200"/>
+              <a:defRPr sz="1300"/>
             </a:lvl1pPr>
           </a:lstStyle>
           <a:p>
@@ -309,7 +317,2717 @@
     </p:extLst>
   </p:cSld>
   <p:clrMap bg1="lt1" tx1="dk1" bg2="lt2" tx2="dk2" accent1="accent1" accent2="accent2" accent3="accent3" accent4="accent4" accent5="accent5" accent6="accent6" hlink="hlink" folHlink="folHlink"/>
+  <p:hf hdr="0" dt="0"/>
 </p:handoutMaster>
+</file>
+
+<file path=ppt/notesMasters/notesMaster1.xml><?xml version="1.0" encoding="utf-8"?>
+<p:notesMaster xmlns:a="http://schemas.openxmlformats.org/drawingml/2006/main" xmlns:r="http://schemas.openxmlformats.org/officeDocument/2006/relationships" xmlns:p="http://schemas.openxmlformats.org/presentationml/2006/main">
+  <p:cSld>
+    <p:bg>
+      <p:bgRef idx="1001">
+        <a:schemeClr val="bg1"/>
+      </p:bgRef>
+    </p:bg>
+    <p:spTree>
+      <p:nvGrpSpPr>
+        <p:cNvPr id="1" name=""/>
+        <p:cNvGrpSpPr/>
+        <p:nvPr/>
+      </p:nvGrpSpPr>
+      <p:grpSpPr>
+        <a:xfrm>
+          <a:off x="0" y="0"/>
+          <a:ext cx="0" cy="0"/>
+          <a:chOff x="0" y="0"/>
+          <a:chExt cx="0" cy="0"/>
+        </a:xfrm>
+      </p:grpSpPr>
+      <p:sp>
+        <p:nvSpPr>
+          <p:cNvPr id="2" name="Header Placeholder 1"/>
+          <p:cNvSpPr>
+            <a:spLocks noGrp="1"/>
+          </p:cNvSpPr>
+          <p:nvPr>
+            <p:ph type="hdr" sz="quarter"/>
+          </p:nvPr>
+        </p:nvSpPr>
+        <p:spPr>
+          <a:xfrm>
+            <a:off x="0" y="0"/>
+            <a:ext cx="3170238" cy="479425"/>
+          </a:xfrm>
+          <a:prstGeom prst="rect">
+            <a:avLst/>
+          </a:prstGeom>
+        </p:spPr>
+        <p:txBody>
+          <a:bodyPr vert="horz" lIns="91440" tIns="45720" rIns="91440" bIns="45720" rtlCol="0"/>
+          <a:lstStyle>
+            <a:lvl1pPr algn="l">
+              <a:defRPr sz="1200"/>
+            </a:lvl1pPr>
+          </a:lstStyle>
+          <a:p>
+            <a:endParaRPr lang="en-US"/>
+          </a:p>
+        </p:txBody>
+      </p:sp>
+      <p:sp>
+        <p:nvSpPr>
+          <p:cNvPr id="3" name="Date Placeholder 2"/>
+          <p:cNvSpPr>
+            <a:spLocks noGrp="1"/>
+          </p:cNvSpPr>
+          <p:nvPr>
+            <p:ph type="dt" idx="1"/>
+          </p:nvPr>
+        </p:nvSpPr>
+        <p:spPr>
+          <a:xfrm>
+            <a:off x="4143375" y="0"/>
+            <a:ext cx="3170238" cy="479425"/>
+          </a:xfrm>
+          <a:prstGeom prst="rect">
+            <a:avLst/>
+          </a:prstGeom>
+        </p:spPr>
+        <p:txBody>
+          <a:bodyPr vert="horz" lIns="91440" tIns="45720" rIns="91440" bIns="45720" rtlCol="0"/>
+          <a:lstStyle>
+            <a:lvl1pPr algn="r">
+              <a:defRPr sz="1200"/>
+            </a:lvl1pPr>
+          </a:lstStyle>
+          <a:p>
+            <a:fld id="{B7B05F81-0C43-4215-BB6D-20A8EF1EDAB7}" type="datetimeFigureOut">
+              <a:rPr lang="en-US" smtClean="0"/>
+              <a:t>11/19/2014</a:t>
+            </a:fld>
+            <a:endParaRPr lang="en-US"/>
+          </a:p>
+        </p:txBody>
+      </p:sp>
+      <p:sp>
+        <p:nvSpPr>
+          <p:cNvPr id="4" name="Slide Image Placeholder 3"/>
+          <p:cNvSpPr>
+            <a:spLocks noGrp="1" noRot="1" noChangeAspect="1"/>
+          </p:cNvSpPr>
+          <p:nvPr>
+            <p:ph type="sldImg" idx="2"/>
+          </p:nvPr>
+        </p:nvSpPr>
+        <p:spPr>
+          <a:xfrm>
+            <a:off x="1257300" y="720725"/>
+            <a:ext cx="4800600" cy="3600450"/>
+          </a:xfrm>
+          <a:prstGeom prst="rect">
+            <a:avLst/>
+          </a:prstGeom>
+          <a:noFill/>
+          <a:ln w="12700">
+            <a:solidFill>
+              <a:prstClr val="black"/>
+            </a:solidFill>
+          </a:ln>
+        </p:spPr>
+        <p:txBody>
+          <a:bodyPr vert="horz" lIns="91440" tIns="45720" rIns="91440" bIns="45720" rtlCol="0" anchor="ctr"/>
+          <a:lstStyle/>
+          <a:p>
+            <a:endParaRPr lang="en-US"/>
+          </a:p>
+        </p:txBody>
+      </p:sp>
+      <p:sp>
+        <p:nvSpPr>
+          <p:cNvPr id="5" name="Notes Placeholder 4"/>
+          <p:cNvSpPr>
+            <a:spLocks noGrp="1"/>
+          </p:cNvSpPr>
+          <p:nvPr>
+            <p:ph type="body" sz="quarter" idx="3"/>
+          </p:nvPr>
+        </p:nvSpPr>
+        <p:spPr>
+          <a:xfrm>
+            <a:off x="731838" y="4560888"/>
+            <a:ext cx="5851525" cy="4319587"/>
+          </a:xfrm>
+          <a:prstGeom prst="rect">
+            <a:avLst/>
+          </a:prstGeom>
+        </p:spPr>
+        <p:txBody>
+          <a:bodyPr vert="horz" lIns="91440" tIns="45720" rIns="91440" bIns="45720" rtlCol="0"/>
+          <a:lstStyle/>
+          <a:p>
+            <a:pPr lvl="0"/>
+            <a:r>
+              <a:rPr lang="en-US" smtClean="0"/>
+              <a:t>Click to edit Master text styles</a:t>
+            </a:r>
+          </a:p>
+          <a:p>
+            <a:pPr lvl="1"/>
+            <a:r>
+              <a:rPr lang="en-US" smtClean="0"/>
+              <a:t>Second level</a:t>
+            </a:r>
+          </a:p>
+          <a:p>
+            <a:pPr lvl="2"/>
+            <a:r>
+              <a:rPr lang="en-US" smtClean="0"/>
+              <a:t>Third level</a:t>
+            </a:r>
+          </a:p>
+          <a:p>
+            <a:pPr lvl="3"/>
+            <a:r>
+              <a:rPr lang="en-US" smtClean="0"/>
+              <a:t>Fourth level</a:t>
+            </a:r>
+          </a:p>
+          <a:p>
+            <a:pPr lvl="4"/>
+            <a:r>
+              <a:rPr lang="en-US" smtClean="0"/>
+              <a:t>Fifth level</a:t>
+            </a:r>
+            <a:endParaRPr lang="en-US"/>
+          </a:p>
+        </p:txBody>
+      </p:sp>
+      <p:sp>
+        <p:nvSpPr>
+          <p:cNvPr id="6" name="Footer Placeholder 5"/>
+          <p:cNvSpPr>
+            <a:spLocks noGrp="1"/>
+          </p:cNvSpPr>
+          <p:nvPr>
+            <p:ph type="ftr" sz="quarter" idx="4"/>
+          </p:nvPr>
+        </p:nvSpPr>
+        <p:spPr>
+          <a:xfrm>
+            <a:off x="0" y="9120188"/>
+            <a:ext cx="3170238" cy="479425"/>
+          </a:xfrm>
+          <a:prstGeom prst="rect">
+            <a:avLst/>
+          </a:prstGeom>
+        </p:spPr>
+        <p:txBody>
+          <a:bodyPr vert="horz" lIns="91440" tIns="45720" rIns="91440" bIns="45720" rtlCol="0" anchor="b"/>
+          <a:lstStyle>
+            <a:lvl1pPr algn="l">
+              <a:defRPr sz="1200"/>
+            </a:lvl1pPr>
+          </a:lstStyle>
+          <a:p>
+            <a:r>
+              <a:rPr lang="en-US" smtClean="0"/>
+              <a:t>Got a CMS? Get Your Webdevmojo Back with JavaScript!  Paul Burtness, Dec 2014</a:t>
+            </a:r>
+            <a:endParaRPr lang="en-US"/>
+          </a:p>
+        </p:txBody>
+      </p:sp>
+      <p:sp>
+        <p:nvSpPr>
+          <p:cNvPr id="7" name="Slide Number Placeholder 6"/>
+          <p:cNvSpPr>
+            <a:spLocks noGrp="1"/>
+          </p:cNvSpPr>
+          <p:nvPr>
+            <p:ph type="sldNum" sz="quarter" idx="5"/>
+          </p:nvPr>
+        </p:nvSpPr>
+        <p:spPr>
+          <a:xfrm>
+            <a:off x="4143375" y="9120188"/>
+            <a:ext cx="3170238" cy="479425"/>
+          </a:xfrm>
+          <a:prstGeom prst="rect">
+            <a:avLst/>
+          </a:prstGeom>
+        </p:spPr>
+        <p:txBody>
+          <a:bodyPr vert="horz" lIns="91440" tIns="45720" rIns="91440" bIns="45720" rtlCol="0" anchor="b"/>
+          <a:lstStyle>
+            <a:lvl1pPr algn="r">
+              <a:defRPr sz="1200"/>
+            </a:lvl1pPr>
+          </a:lstStyle>
+          <a:p>
+            <a:fld id="{D45E396F-F525-47EE-BEC4-859D995F5654}" type="slidenum">
+              <a:rPr lang="en-US" smtClean="0"/>
+              <a:t>‹#›</a:t>
+            </a:fld>
+            <a:endParaRPr lang="en-US"/>
+          </a:p>
+        </p:txBody>
+      </p:sp>
+    </p:spTree>
+    <p:extLst>
+      <p:ext uri="{BB962C8B-B14F-4D97-AF65-F5344CB8AC3E}">
+        <p14:creationId xmlns:p14="http://schemas.microsoft.com/office/powerpoint/2010/main" val="3915337541"/>
+      </p:ext>
+    </p:extLst>
+  </p:cSld>
+  <p:clrMap bg1="lt1" tx1="dk1" bg2="lt2" tx2="dk2" accent1="accent1" accent2="accent2" accent3="accent3" accent4="accent4" accent5="accent5" accent6="accent6" hlink="hlink" folHlink="folHlink"/>
+  <p:hf hdr="0" dt="0"/>
+  <p:notesStyle>
+    <a:lvl1pPr marL="0" algn="l" defTabSz="914400" rtl="0" eaLnBrk="1" latinLnBrk="0" hangingPunct="1">
+      <a:defRPr sz="1200" kern="1200">
+        <a:solidFill>
+          <a:schemeClr val="tx1"/>
+        </a:solidFill>
+        <a:latin typeface="+mn-lt"/>
+        <a:ea typeface="+mn-ea"/>
+        <a:cs typeface="+mn-cs"/>
+      </a:defRPr>
+    </a:lvl1pPr>
+    <a:lvl2pPr marL="457200" algn="l" defTabSz="914400" rtl="0" eaLnBrk="1" latinLnBrk="0" hangingPunct="1">
+      <a:defRPr sz="1200" kern="1200">
+        <a:solidFill>
+          <a:schemeClr val="tx1"/>
+        </a:solidFill>
+        <a:latin typeface="+mn-lt"/>
+        <a:ea typeface="+mn-ea"/>
+        <a:cs typeface="+mn-cs"/>
+      </a:defRPr>
+    </a:lvl2pPr>
+    <a:lvl3pPr marL="914400" algn="l" defTabSz="914400" rtl="0" eaLnBrk="1" latinLnBrk="0" hangingPunct="1">
+      <a:defRPr sz="1200" kern="1200">
+        <a:solidFill>
+          <a:schemeClr val="tx1"/>
+        </a:solidFill>
+        <a:latin typeface="+mn-lt"/>
+        <a:ea typeface="+mn-ea"/>
+        <a:cs typeface="+mn-cs"/>
+      </a:defRPr>
+    </a:lvl3pPr>
+    <a:lvl4pPr marL="1371600" algn="l" defTabSz="914400" rtl="0" eaLnBrk="1" latinLnBrk="0" hangingPunct="1">
+      <a:defRPr sz="1200" kern="1200">
+        <a:solidFill>
+          <a:schemeClr val="tx1"/>
+        </a:solidFill>
+        <a:latin typeface="+mn-lt"/>
+        <a:ea typeface="+mn-ea"/>
+        <a:cs typeface="+mn-cs"/>
+      </a:defRPr>
+    </a:lvl4pPr>
+    <a:lvl5pPr marL="1828800" algn="l" defTabSz="914400" rtl="0" eaLnBrk="1" latinLnBrk="0" hangingPunct="1">
+      <a:defRPr sz="1200" kern="1200">
+        <a:solidFill>
+          <a:schemeClr val="tx1"/>
+        </a:solidFill>
+        <a:latin typeface="+mn-lt"/>
+        <a:ea typeface="+mn-ea"/>
+        <a:cs typeface="+mn-cs"/>
+      </a:defRPr>
+    </a:lvl5pPr>
+    <a:lvl6pPr marL="2286000" algn="l" defTabSz="914400" rtl="0" eaLnBrk="1" latinLnBrk="0" hangingPunct="1">
+      <a:defRPr sz="1200" kern="1200">
+        <a:solidFill>
+          <a:schemeClr val="tx1"/>
+        </a:solidFill>
+        <a:latin typeface="+mn-lt"/>
+        <a:ea typeface="+mn-ea"/>
+        <a:cs typeface="+mn-cs"/>
+      </a:defRPr>
+    </a:lvl6pPr>
+    <a:lvl7pPr marL="2743200" algn="l" defTabSz="914400" rtl="0" eaLnBrk="1" latinLnBrk="0" hangingPunct="1">
+      <a:defRPr sz="1200" kern="1200">
+        <a:solidFill>
+          <a:schemeClr val="tx1"/>
+        </a:solidFill>
+        <a:latin typeface="+mn-lt"/>
+        <a:ea typeface="+mn-ea"/>
+        <a:cs typeface="+mn-cs"/>
+      </a:defRPr>
+    </a:lvl7pPr>
+    <a:lvl8pPr marL="3200400" algn="l" defTabSz="914400" rtl="0" eaLnBrk="1" latinLnBrk="0" hangingPunct="1">
+      <a:defRPr sz="1200" kern="1200">
+        <a:solidFill>
+          <a:schemeClr val="tx1"/>
+        </a:solidFill>
+        <a:latin typeface="+mn-lt"/>
+        <a:ea typeface="+mn-ea"/>
+        <a:cs typeface="+mn-cs"/>
+      </a:defRPr>
+    </a:lvl8pPr>
+    <a:lvl9pPr marL="3657600" algn="l" defTabSz="914400" rtl="0" eaLnBrk="1" latinLnBrk="0" hangingPunct="1">
+      <a:defRPr sz="1200" kern="1200">
+        <a:solidFill>
+          <a:schemeClr val="tx1"/>
+        </a:solidFill>
+        <a:latin typeface="+mn-lt"/>
+        <a:ea typeface="+mn-ea"/>
+        <a:cs typeface="+mn-cs"/>
+      </a:defRPr>
+    </a:lvl9pPr>
+  </p:notesStyle>
+</p:notesMaster>
+</file>
+
+<file path=ppt/notesSlides/notesSlide1.xml><?xml version="1.0" encoding="utf-8"?>
+<p:notes xmlns:a="http://schemas.openxmlformats.org/drawingml/2006/main" xmlns:r="http://schemas.openxmlformats.org/officeDocument/2006/relationships" xmlns:p="http://schemas.openxmlformats.org/presentationml/2006/main">
+  <p:cSld>
+    <p:spTree>
+      <p:nvGrpSpPr>
+        <p:cNvPr id="1" name=""/>
+        <p:cNvGrpSpPr/>
+        <p:nvPr/>
+      </p:nvGrpSpPr>
+      <p:grpSpPr>
+        <a:xfrm>
+          <a:off x="0" y="0"/>
+          <a:ext cx="0" cy="0"/>
+          <a:chOff x="0" y="0"/>
+          <a:chExt cx="0" cy="0"/>
+        </a:xfrm>
+      </p:grpSpPr>
+      <p:sp>
+        <p:nvSpPr>
+          <p:cNvPr id="2" name="Slide Image Placeholder 1"/>
+          <p:cNvSpPr>
+            <a:spLocks noGrp="1" noRot="1" noChangeAspect="1"/>
+          </p:cNvSpPr>
+          <p:nvPr>
+            <p:ph type="sldImg"/>
+          </p:nvPr>
+        </p:nvSpPr>
+        <p:spPr/>
+      </p:sp>
+      <p:sp>
+        <p:nvSpPr>
+          <p:cNvPr id="3" name="Notes Placeholder 2"/>
+          <p:cNvSpPr>
+            <a:spLocks noGrp="1"/>
+          </p:cNvSpPr>
+          <p:nvPr>
+            <p:ph type="body" idx="1"/>
+          </p:nvPr>
+        </p:nvSpPr>
+        <p:spPr/>
+        <p:txBody>
+          <a:bodyPr/>
+          <a:lstStyle/>
+          <a:p>
+            <a:endParaRPr lang="en-US"/>
+          </a:p>
+        </p:txBody>
+      </p:sp>
+      <p:sp>
+        <p:nvSpPr>
+          <p:cNvPr id="4" name="Slide Number Placeholder 3"/>
+          <p:cNvSpPr>
+            <a:spLocks noGrp="1"/>
+          </p:cNvSpPr>
+          <p:nvPr>
+            <p:ph type="sldNum" sz="quarter" idx="10"/>
+          </p:nvPr>
+        </p:nvSpPr>
+        <p:spPr/>
+        <p:txBody>
+          <a:bodyPr/>
+          <a:lstStyle/>
+          <a:p>
+            <a:fld id="{D45E396F-F525-47EE-BEC4-859D995F5654}" type="slidenum">
+              <a:rPr lang="en-US" smtClean="0"/>
+              <a:t>1</a:t>
+            </a:fld>
+            <a:endParaRPr lang="en-US"/>
+          </a:p>
+        </p:txBody>
+      </p:sp>
+      <p:sp>
+        <p:nvSpPr>
+          <p:cNvPr id="5" name="Footer Placeholder 4"/>
+          <p:cNvSpPr>
+            <a:spLocks noGrp="1"/>
+          </p:cNvSpPr>
+          <p:nvPr>
+            <p:ph type="ftr" sz="quarter" idx="11"/>
+          </p:nvPr>
+        </p:nvSpPr>
+        <p:spPr/>
+        <p:txBody>
+          <a:bodyPr/>
+          <a:lstStyle/>
+          <a:p>
+            <a:r>
+              <a:rPr lang="en-US" smtClean="0"/>
+              <a:t>Got a CMS? Get Your Webdevmojo Back with JavaScript!  Paul Burtness, Dec 2014</a:t>
+            </a:r>
+            <a:endParaRPr lang="en-US"/>
+          </a:p>
+        </p:txBody>
+      </p:sp>
+    </p:spTree>
+    <p:extLst>
+      <p:ext uri="{BB962C8B-B14F-4D97-AF65-F5344CB8AC3E}">
+        <p14:creationId xmlns:p14="http://schemas.microsoft.com/office/powerpoint/2010/main" val="2420358597"/>
+      </p:ext>
+    </p:extLst>
+  </p:cSld>
+  <p:clrMapOvr>
+    <a:masterClrMapping/>
+  </p:clrMapOvr>
+</p:notes>
+</file>
+
+<file path=ppt/notesSlides/notesSlide10.xml><?xml version="1.0" encoding="utf-8"?>
+<p:notes xmlns:a="http://schemas.openxmlformats.org/drawingml/2006/main" xmlns:r="http://schemas.openxmlformats.org/officeDocument/2006/relationships" xmlns:p="http://schemas.openxmlformats.org/presentationml/2006/main">
+  <p:cSld>
+    <p:spTree>
+      <p:nvGrpSpPr>
+        <p:cNvPr id="1" name=""/>
+        <p:cNvGrpSpPr/>
+        <p:nvPr/>
+      </p:nvGrpSpPr>
+      <p:grpSpPr>
+        <a:xfrm>
+          <a:off x="0" y="0"/>
+          <a:ext cx="0" cy="0"/>
+          <a:chOff x="0" y="0"/>
+          <a:chExt cx="0" cy="0"/>
+        </a:xfrm>
+      </p:grpSpPr>
+      <p:sp>
+        <p:nvSpPr>
+          <p:cNvPr id="2" name="Slide Image Placeholder 1"/>
+          <p:cNvSpPr>
+            <a:spLocks noGrp="1" noRot="1" noChangeAspect="1"/>
+          </p:cNvSpPr>
+          <p:nvPr>
+            <p:ph type="sldImg"/>
+          </p:nvPr>
+        </p:nvSpPr>
+        <p:spPr/>
+      </p:sp>
+      <p:sp>
+        <p:nvSpPr>
+          <p:cNvPr id="3" name="Notes Placeholder 2"/>
+          <p:cNvSpPr>
+            <a:spLocks noGrp="1"/>
+          </p:cNvSpPr>
+          <p:nvPr>
+            <p:ph type="body" idx="1"/>
+          </p:nvPr>
+        </p:nvSpPr>
+        <p:spPr/>
+        <p:txBody>
+          <a:bodyPr/>
+          <a:lstStyle/>
+          <a:p>
+            <a:endParaRPr lang="en-US"/>
+          </a:p>
+        </p:txBody>
+      </p:sp>
+      <p:sp>
+        <p:nvSpPr>
+          <p:cNvPr id="4" name="Slide Number Placeholder 3"/>
+          <p:cNvSpPr>
+            <a:spLocks noGrp="1"/>
+          </p:cNvSpPr>
+          <p:nvPr>
+            <p:ph type="sldNum" sz="quarter" idx="10"/>
+          </p:nvPr>
+        </p:nvSpPr>
+        <p:spPr/>
+        <p:txBody>
+          <a:bodyPr/>
+          <a:lstStyle/>
+          <a:p>
+            <a:fld id="{D45E396F-F525-47EE-BEC4-859D995F5654}" type="slidenum">
+              <a:rPr lang="en-US" smtClean="0"/>
+              <a:t>10</a:t>
+            </a:fld>
+            <a:endParaRPr lang="en-US"/>
+          </a:p>
+        </p:txBody>
+      </p:sp>
+      <p:sp>
+        <p:nvSpPr>
+          <p:cNvPr id="5" name="Footer Placeholder 4"/>
+          <p:cNvSpPr>
+            <a:spLocks noGrp="1"/>
+          </p:cNvSpPr>
+          <p:nvPr>
+            <p:ph type="ftr" sz="quarter" idx="11"/>
+          </p:nvPr>
+        </p:nvSpPr>
+        <p:spPr/>
+        <p:txBody>
+          <a:bodyPr/>
+          <a:lstStyle/>
+          <a:p>
+            <a:r>
+              <a:rPr lang="en-US" smtClean="0"/>
+              <a:t>Got a CMS? Get Your Webdevmojo Back with JavaScript!  Paul Burtness, Dec 2014</a:t>
+            </a:r>
+            <a:endParaRPr lang="en-US"/>
+          </a:p>
+        </p:txBody>
+      </p:sp>
+    </p:spTree>
+    <p:extLst>
+      <p:ext uri="{BB962C8B-B14F-4D97-AF65-F5344CB8AC3E}">
+        <p14:creationId xmlns:p14="http://schemas.microsoft.com/office/powerpoint/2010/main" val="2575523530"/>
+      </p:ext>
+    </p:extLst>
+  </p:cSld>
+  <p:clrMapOvr>
+    <a:masterClrMapping/>
+  </p:clrMapOvr>
+</p:notes>
+</file>
+
+<file path=ppt/notesSlides/notesSlide11.xml><?xml version="1.0" encoding="utf-8"?>
+<p:notes xmlns:a="http://schemas.openxmlformats.org/drawingml/2006/main" xmlns:r="http://schemas.openxmlformats.org/officeDocument/2006/relationships" xmlns:p="http://schemas.openxmlformats.org/presentationml/2006/main">
+  <p:cSld>
+    <p:spTree>
+      <p:nvGrpSpPr>
+        <p:cNvPr id="1" name=""/>
+        <p:cNvGrpSpPr/>
+        <p:nvPr/>
+      </p:nvGrpSpPr>
+      <p:grpSpPr>
+        <a:xfrm>
+          <a:off x="0" y="0"/>
+          <a:ext cx="0" cy="0"/>
+          <a:chOff x="0" y="0"/>
+          <a:chExt cx="0" cy="0"/>
+        </a:xfrm>
+      </p:grpSpPr>
+      <p:sp>
+        <p:nvSpPr>
+          <p:cNvPr id="2" name="Slide Image Placeholder 1"/>
+          <p:cNvSpPr>
+            <a:spLocks noGrp="1" noRot="1" noChangeAspect="1"/>
+          </p:cNvSpPr>
+          <p:nvPr>
+            <p:ph type="sldImg"/>
+          </p:nvPr>
+        </p:nvSpPr>
+        <p:spPr/>
+      </p:sp>
+      <p:sp>
+        <p:nvSpPr>
+          <p:cNvPr id="3" name="Notes Placeholder 2"/>
+          <p:cNvSpPr>
+            <a:spLocks noGrp="1"/>
+          </p:cNvSpPr>
+          <p:nvPr>
+            <p:ph type="body" idx="1"/>
+          </p:nvPr>
+        </p:nvSpPr>
+        <p:spPr/>
+        <p:txBody>
+          <a:bodyPr/>
+          <a:lstStyle/>
+          <a:p>
+            <a:endParaRPr lang="en-US"/>
+          </a:p>
+        </p:txBody>
+      </p:sp>
+      <p:sp>
+        <p:nvSpPr>
+          <p:cNvPr id="4" name="Slide Number Placeholder 3"/>
+          <p:cNvSpPr>
+            <a:spLocks noGrp="1"/>
+          </p:cNvSpPr>
+          <p:nvPr>
+            <p:ph type="sldNum" sz="quarter" idx="10"/>
+          </p:nvPr>
+        </p:nvSpPr>
+        <p:spPr/>
+        <p:txBody>
+          <a:bodyPr/>
+          <a:lstStyle/>
+          <a:p>
+            <a:fld id="{D45E396F-F525-47EE-BEC4-859D995F5654}" type="slidenum">
+              <a:rPr lang="en-US" smtClean="0"/>
+              <a:t>11</a:t>
+            </a:fld>
+            <a:endParaRPr lang="en-US"/>
+          </a:p>
+        </p:txBody>
+      </p:sp>
+      <p:sp>
+        <p:nvSpPr>
+          <p:cNvPr id="5" name="Footer Placeholder 4"/>
+          <p:cNvSpPr>
+            <a:spLocks noGrp="1"/>
+          </p:cNvSpPr>
+          <p:nvPr>
+            <p:ph type="ftr" sz="quarter" idx="11"/>
+          </p:nvPr>
+        </p:nvSpPr>
+        <p:spPr/>
+        <p:txBody>
+          <a:bodyPr/>
+          <a:lstStyle/>
+          <a:p>
+            <a:r>
+              <a:rPr lang="en-US" smtClean="0"/>
+              <a:t>Got a CMS? Get Your Webdevmojo Back with JavaScript!  Paul Burtness, Dec 2014</a:t>
+            </a:r>
+            <a:endParaRPr lang="en-US"/>
+          </a:p>
+        </p:txBody>
+      </p:sp>
+    </p:spTree>
+    <p:extLst>
+      <p:ext uri="{BB962C8B-B14F-4D97-AF65-F5344CB8AC3E}">
+        <p14:creationId xmlns:p14="http://schemas.microsoft.com/office/powerpoint/2010/main" val="2034356316"/>
+      </p:ext>
+    </p:extLst>
+  </p:cSld>
+  <p:clrMapOvr>
+    <a:masterClrMapping/>
+  </p:clrMapOvr>
+</p:notes>
+</file>
+
+<file path=ppt/notesSlides/notesSlide12.xml><?xml version="1.0" encoding="utf-8"?>
+<p:notes xmlns:a="http://schemas.openxmlformats.org/drawingml/2006/main" xmlns:r="http://schemas.openxmlformats.org/officeDocument/2006/relationships" xmlns:p="http://schemas.openxmlformats.org/presentationml/2006/main">
+  <p:cSld>
+    <p:spTree>
+      <p:nvGrpSpPr>
+        <p:cNvPr id="1" name=""/>
+        <p:cNvGrpSpPr/>
+        <p:nvPr/>
+      </p:nvGrpSpPr>
+      <p:grpSpPr>
+        <a:xfrm>
+          <a:off x="0" y="0"/>
+          <a:ext cx="0" cy="0"/>
+          <a:chOff x="0" y="0"/>
+          <a:chExt cx="0" cy="0"/>
+        </a:xfrm>
+      </p:grpSpPr>
+      <p:sp>
+        <p:nvSpPr>
+          <p:cNvPr id="2" name="Slide Image Placeholder 1"/>
+          <p:cNvSpPr>
+            <a:spLocks noGrp="1" noRot="1" noChangeAspect="1"/>
+          </p:cNvSpPr>
+          <p:nvPr>
+            <p:ph type="sldImg"/>
+          </p:nvPr>
+        </p:nvSpPr>
+        <p:spPr/>
+      </p:sp>
+      <p:sp>
+        <p:nvSpPr>
+          <p:cNvPr id="3" name="Notes Placeholder 2"/>
+          <p:cNvSpPr>
+            <a:spLocks noGrp="1"/>
+          </p:cNvSpPr>
+          <p:nvPr>
+            <p:ph type="body" idx="1"/>
+          </p:nvPr>
+        </p:nvSpPr>
+        <p:spPr/>
+        <p:txBody>
+          <a:bodyPr/>
+          <a:lstStyle/>
+          <a:p>
+            <a:endParaRPr lang="en-US"/>
+          </a:p>
+        </p:txBody>
+      </p:sp>
+      <p:sp>
+        <p:nvSpPr>
+          <p:cNvPr id="4" name="Slide Number Placeholder 3"/>
+          <p:cNvSpPr>
+            <a:spLocks noGrp="1"/>
+          </p:cNvSpPr>
+          <p:nvPr>
+            <p:ph type="sldNum" sz="quarter" idx="10"/>
+          </p:nvPr>
+        </p:nvSpPr>
+        <p:spPr/>
+        <p:txBody>
+          <a:bodyPr/>
+          <a:lstStyle/>
+          <a:p>
+            <a:fld id="{D45E396F-F525-47EE-BEC4-859D995F5654}" type="slidenum">
+              <a:rPr lang="en-US" smtClean="0"/>
+              <a:t>12</a:t>
+            </a:fld>
+            <a:endParaRPr lang="en-US"/>
+          </a:p>
+        </p:txBody>
+      </p:sp>
+      <p:sp>
+        <p:nvSpPr>
+          <p:cNvPr id="5" name="Footer Placeholder 4"/>
+          <p:cNvSpPr>
+            <a:spLocks noGrp="1"/>
+          </p:cNvSpPr>
+          <p:nvPr>
+            <p:ph type="ftr" sz="quarter" idx="11"/>
+          </p:nvPr>
+        </p:nvSpPr>
+        <p:spPr/>
+        <p:txBody>
+          <a:bodyPr/>
+          <a:lstStyle/>
+          <a:p>
+            <a:r>
+              <a:rPr lang="en-US" smtClean="0"/>
+              <a:t>Got a CMS? Get Your Webdevmojo Back with JavaScript!  Paul Burtness, Dec 2014</a:t>
+            </a:r>
+            <a:endParaRPr lang="en-US"/>
+          </a:p>
+        </p:txBody>
+      </p:sp>
+    </p:spTree>
+    <p:extLst>
+      <p:ext uri="{BB962C8B-B14F-4D97-AF65-F5344CB8AC3E}">
+        <p14:creationId xmlns:p14="http://schemas.microsoft.com/office/powerpoint/2010/main" val="1828309136"/>
+      </p:ext>
+    </p:extLst>
+  </p:cSld>
+  <p:clrMapOvr>
+    <a:masterClrMapping/>
+  </p:clrMapOvr>
+</p:notes>
+</file>
+
+<file path=ppt/notesSlides/notesSlide13.xml><?xml version="1.0" encoding="utf-8"?>
+<p:notes xmlns:a="http://schemas.openxmlformats.org/drawingml/2006/main" xmlns:r="http://schemas.openxmlformats.org/officeDocument/2006/relationships" xmlns:p="http://schemas.openxmlformats.org/presentationml/2006/main">
+  <p:cSld>
+    <p:spTree>
+      <p:nvGrpSpPr>
+        <p:cNvPr id="1" name=""/>
+        <p:cNvGrpSpPr/>
+        <p:nvPr/>
+      </p:nvGrpSpPr>
+      <p:grpSpPr>
+        <a:xfrm>
+          <a:off x="0" y="0"/>
+          <a:ext cx="0" cy="0"/>
+          <a:chOff x="0" y="0"/>
+          <a:chExt cx="0" cy="0"/>
+        </a:xfrm>
+      </p:grpSpPr>
+      <p:sp>
+        <p:nvSpPr>
+          <p:cNvPr id="2" name="Slide Image Placeholder 1"/>
+          <p:cNvSpPr>
+            <a:spLocks noGrp="1" noRot="1" noChangeAspect="1"/>
+          </p:cNvSpPr>
+          <p:nvPr>
+            <p:ph type="sldImg"/>
+          </p:nvPr>
+        </p:nvSpPr>
+        <p:spPr/>
+      </p:sp>
+      <p:sp>
+        <p:nvSpPr>
+          <p:cNvPr id="3" name="Notes Placeholder 2"/>
+          <p:cNvSpPr>
+            <a:spLocks noGrp="1"/>
+          </p:cNvSpPr>
+          <p:nvPr>
+            <p:ph type="body" idx="1"/>
+          </p:nvPr>
+        </p:nvSpPr>
+        <p:spPr/>
+        <p:txBody>
+          <a:bodyPr/>
+          <a:lstStyle/>
+          <a:p>
+            <a:endParaRPr lang="en-US"/>
+          </a:p>
+        </p:txBody>
+      </p:sp>
+      <p:sp>
+        <p:nvSpPr>
+          <p:cNvPr id="4" name="Slide Number Placeholder 3"/>
+          <p:cNvSpPr>
+            <a:spLocks noGrp="1"/>
+          </p:cNvSpPr>
+          <p:nvPr>
+            <p:ph type="sldNum" sz="quarter" idx="10"/>
+          </p:nvPr>
+        </p:nvSpPr>
+        <p:spPr/>
+        <p:txBody>
+          <a:bodyPr/>
+          <a:lstStyle/>
+          <a:p>
+            <a:fld id="{D45E396F-F525-47EE-BEC4-859D995F5654}" type="slidenum">
+              <a:rPr lang="en-US" smtClean="0"/>
+              <a:t>13</a:t>
+            </a:fld>
+            <a:endParaRPr lang="en-US"/>
+          </a:p>
+        </p:txBody>
+      </p:sp>
+      <p:sp>
+        <p:nvSpPr>
+          <p:cNvPr id="5" name="Footer Placeholder 4"/>
+          <p:cNvSpPr>
+            <a:spLocks noGrp="1"/>
+          </p:cNvSpPr>
+          <p:nvPr>
+            <p:ph type="ftr" sz="quarter" idx="11"/>
+          </p:nvPr>
+        </p:nvSpPr>
+        <p:spPr/>
+        <p:txBody>
+          <a:bodyPr/>
+          <a:lstStyle/>
+          <a:p>
+            <a:r>
+              <a:rPr lang="en-US" smtClean="0"/>
+              <a:t>Got a CMS? Get Your Webdevmojo Back with JavaScript!  Paul Burtness, Dec 2014</a:t>
+            </a:r>
+            <a:endParaRPr lang="en-US"/>
+          </a:p>
+        </p:txBody>
+      </p:sp>
+    </p:spTree>
+    <p:extLst>
+      <p:ext uri="{BB962C8B-B14F-4D97-AF65-F5344CB8AC3E}">
+        <p14:creationId xmlns:p14="http://schemas.microsoft.com/office/powerpoint/2010/main" val="428922601"/>
+      </p:ext>
+    </p:extLst>
+  </p:cSld>
+  <p:clrMapOvr>
+    <a:masterClrMapping/>
+  </p:clrMapOvr>
+</p:notes>
+</file>
+
+<file path=ppt/notesSlides/notesSlide14.xml><?xml version="1.0" encoding="utf-8"?>
+<p:notes xmlns:a="http://schemas.openxmlformats.org/drawingml/2006/main" xmlns:r="http://schemas.openxmlformats.org/officeDocument/2006/relationships" xmlns:p="http://schemas.openxmlformats.org/presentationml/2006/main">
+  <p:cSld>
+    <p:spTree>
+      <p:nvGrpSpPr>
+        <p:cNvPr id="1" name=""/>
+        <p:cNvGrpSpPr/>
+        <p:nvPr/>
+      </p:nvGrpSpPr>
+      <p:grpSpPr>
+        <a:xfrm>
+          <a:off x="0" y="0"/>
+          <a:ext cx="0" cy="0"/>
+          <a:chOff x="0" y="0"/>
+          <a:chExt cx="0" cy="0"/>
+        </a:xfrm>
+      </p:grpSpPr>
+      <p:sp>
+        <p:nvSpPr>
+          <p:cNvPr id="2" name="Slide Image Placeholder 1"/>
+          <p:cNvSpPr>
+            <a:spLocks noGrp="1" noRot="1" noChangeAspect="1"/>
+          </p:cNvSpPr>
+          <p:nvPr>
+            <p:ph type="sldImg"/>
+          </p:nvPr>
+        </p:nvSpPr>
+        <p:spPr/>
+      </p:sp>
+      <p:sp>
+        <p:nvSpPr>
+          <p:cNvPr id="3" name="Notes Placeholder 2"/>
+          <p:cNvSpPr>
+            <a:spLocks noGrp="1"/>
+          </p:cNvSpPr>
+          <p:nvPr>
+            <p:ph type="body" idx="1"/>
+          </p:nvPr>
+        </p:nvSpPr>
+        <p:spPr/>
+        <p:txBody>
+          <a:bodyPr/>
+          <a:lstStyle/>
+          <a:p>
+            <a:endParaRPr lang="en-US"/>
+          </a:p>
+        </p:txBody>
+      </p:sp>
+      <p:sp>
+        <p:nvSpPr>
+          <p:cNvPr id="4" name="Slide Number Placeholder 3"/>
+          <p:cNvSpPr>
+            <a:spLocks noGrp="1"/>
+          </p:cNvSpPr>
+          <p:nvPr>
+            <p:ph type="sldNum" sz="quarter" idx="10"/>
+          </p:nvPr>
+        </p:nvSpPr>
+        <p:spPr/>
+        <p:txBody>
+          <a:bodyPr/>
+          <a:lstStyle/>
+          <a:p>
+            <a:fld id="{D45E396F-F525-47EE-BEC4-859D995F5654}" type="slidenum">
+              <a:rPr lang="en-US" smtClean="0"/>
+              <a:t>14</a:t>
+            </a:fld>
+            <a:endParaRPr lang="en-US"/>
+          </a:p>
+        </p:txBody>
+      </p:sp>
+      <p:sp>
+        <p:nvSpPr>
+          <p:cNvPr id="5" name="Footer Placeholder 4"/>
+          <p:cNvSpPr>
+            <a:spLocks noGrp="1"/>
+          </p:cNvSpPr>
+          <p:nvPr>
+            <p:ph type="ftr" sz="quarter" idx="11"/>
+          </p:nvPr>
+        </p:nvSpPr>
+        <p:spPr/>
+        <p:txBody>
+          <a:bodyPr/>
+          <a:lstStyle/>
+          <a:p>
+            <a:r>
+              <a:rPr lang="en-US" smtClean="0"/>
+              <a:t>Got a CMS? Get Your Webdevmojo Back with JavaScript!  Paul Burtness, Dec 2014</a:t>
+            </a:r>
+            <a:endParaRPr lang="en-US"/>
+          </a:p>
+        </p:txBody>
+      </p:sp>
+    </p:spTree>
+    <p:extLst>
+      <p:ext uri="{BB962C8B-B14F-4D97-AF65-F5344CB8AC3E}">
+        <p14:creationId xmlns:p14="http://schemas.microsoft.com/office/powerpoint/2010/main" val="20029198"/>
+      </p:ext>
+    </p:extLst>
+  </p:cSld>
+  <p:clrMapOvr>
+    <a:masterClrMapping/>
+  </p:clrMapOvr>
+</p:notes>
+</file>
+
+<file path=ppt/notesSlides/notesSlide15.xml><?xml version="1.0" encoding="utf-8"?>
+<p:notes xmlns:a="http://schemas.openxmlformats.org/drawingml/2006/main" xmlns:r="http://schemas.openxmlformats.org/officeDocument/2006/relationships" xmlns:p="http://schemas.openxmlformats.org/presentationml/2006/main">
+  <p:cSld>
+    <p:spTree>
+      <p:nvGrpSpPr>
+        <p:cNvPr id="1" name=""/>
+        <p:cNvGrpSpPr/>
+        <p:nvPr/>
+      </p:nvGrpSpPr>
+      <p:grpSpPr>
+        <a:xfrm>
+          <a:off x="0" y="0"/>
+          <a:ext cx="0" cy="0"/>
+          <a:chOff x="0" y="0"/>
+          <a:chExt cx="0" cy="0"/>
+        </a:xfrm>
+      </p:grpSpPr>
+      <p:sp>
+        <p:nvSpPr>
+          <p:cNvPr id="2" name="Slide Image Placeholder 1"/>
+          <p:cNvSpPr>
+            <a:spLocks noGrp="1" noRot="1" noChangeAspect="1"/>
+          </p:cNvSpPr>
+          <p:nvPr>
+            <p:ph type="sldImg"/>
+          </p:nvPr>
+        </p:nvSpPr>
+        <p:spPr/>
+      </p:sp>
+      <p:sp>
+        <p:nvSpPr>
+          <p:cNvPr id="3" name="Notes Placeholder 2"/>
+          <p:cNvSpPr>
+            <a:spLocks noGrp="1"/>
+          </p:cNvSpPr>
+          <p:nvPr>
+            <p:ph type="body" idx="1"/>
+          </p:nvPr>
+        </p:nvSpPr>
+        <p:spPr/>
+        <p:txBody>
+          <a:bodyPr/>
+          <a:lstStyle/>
+          <a:p>
+            <a:endParaRPr lang="en-US"/>
+          </a:p>
+        </p:txBody>
+      </p:sp>
+      <p:sp>
+        <p:nvSpPr>
+          <p:cNvPr id="4" name="Slide Number Placeholder 3"/>
+          <p:cNvSpPr>
+            <a:spLocks noGrp="1"/>
+          </p:cNvSpPr>
+          <p:nvPr>
+            <p:ph type="sldNum" sz="quarter" idx="10"/>
+          </p:nvPr>
+        </p:nvSpPr>
+        <p:spPr/>
+        <p:txBody>
+          <a:bodyPr/>
+          <a:lstStyle/>
+          <a:p>
+            <a:fld id="{D45E396F-F525-47EE-BEC4-859D995F5654}" type="slidenum">
+              <a:rPr lang="en-US" smtClean="0"/>
+              <a:t>15</a:t>
+            </a:fld>
+            <a:endParaRPr lang="en-US"/>
+          </a:p>
+        </p:txBody>
+      </p:sp>
+      <p:sp>
+        <p:nvSpPr>
+          <p:cNvPr id="5" name="Footer Placeholder 4"/>
+          <p:cNvSpPr>
+            <a:spLocks noGrp="1"/>
+          </p:cNvSpPr>
+          <p:nvPr>
+            <p:ph type="ftr" sz="quarter" idx="11"/>
+          </p:nvPr>
+        </p:nvSpPr>
+        <p:spPr/>
+        <p:txBody>
+          <a:bodyPr/>
+          <a:lstStyle/>
+          <a:p>
+            <a:r>
+              <a:rPr lang="en-US" smtClean="0"/>
+              <a:t>Got a CMS? Get Your Webdevmojo Back with JavaScript!  Paul Burtness, Dec 2014</a:t>
+            </a:r>
+            <a:endParaRPr lang="en-US"/>
+          </a:p>
+        </p:txBody>
+      </p:sp>
+    </p:spTree>
+    <p:extLst>
+      <p:ext uri="{BB962C8B-B14F-4D97-AF65-F5344CB8AC3E}">
+        <p14:creationId xmlns:p14="http://schemas.microsoft.com/office/powerpoint/2010/main" val="2339739474"/>
+      </p:ext>
+    </p:extLst>
+  </p:cSld>
+  <p:clrMapOvr>
+    <a:masterClrMapping/>
+  </p:clrMapOvr>
+</p:notes>
+</file>
+
+<file path=ppt/notesSlides/notesSlide16.xml><?xml version="1.0" encoding="utf-8"?>
+<p:notes xmlns:a="http://schemas.openxmlformats.org/drawingml/2006/main" xmlns:r="http://schemas.openxmlformats.org/officeDocument/2006/relationships" xmlns:p="http://schemas.openxmlformats.org/presentationml/2006/main">
+  <p:cSld>
+    <p:spTree>
+      <p:nvGrpSpPr>
+        <p:cNvPr id="1" name=""/>
+        <p:cNvGrpSpPr/>
+        <p:nvPr/>
+      </p:nvGrpSpPr>
+      <p:grpSpPr>
+        <a:xfrm>
+          <a:off x="0" y="0"/>
+          <a:ext cx="0" cy="0"/>
+          <a:chOff x="0" y="0"/>
+          <a:chExt cx="0" cy="0"/>
+        </a:xfrm>
+      </p:grpSpPr>
+      <p:sp>
+        <p:nvSpPr>
+          <p:cNvPr id="2" name="Slide Image Placeholder 1"/>
+          <p:cNvSpPr>
+            <a:spLocks noGrp="1" noRot="1" noChangeAspect="1"/>
+          </p:cNvSpPr>
+          <p:nvPr>
+            <p:ph type="sldImg"/>
+          </p:nvPr>
+        </p:nvSpPr>
+        <p:spPr/>
+      </p:sp>
+      <p:sp>
+        <p:nvSpPr>
+          <p:cNvPr id="3" name="Notes Placeholder 2"/>
+          <p:cNvSpPr>
+            <a:spLocks noGrp="1"/>
+          </p:cNvSpPr>
+          <p:nvPr>
+            <p:ph type="body" idx="1"/>
+          </p:nvPr>
+        </p:nvSpPr>
+        <p:spPr/>
+        <p:txBody>
+          <a:bodyPr/>
+          <a:lstStyle/>
+          <a:p>
+            <a:endParaRPr lang="en-US"/>
+          </a:p>
+        </p:txBody>
+      </p:sp>
+      <p:sp>
+        <p:nvSpPr>
+          <p:cNvPr id="4" name="Slide Number Placeholder 3"/>
+          <p:cNvSpPr>
+            <a:spLocks noGrp="1"/>
+          </p:cNvSpPr>
+          <p:nvPr>
+            <p:ph type="sldNum" sz="quarter" idx="10"/>
+          </p:nvPr>
+        </p:nvSpPr>
+        <p:spPr/>
+        <p:txBody>
+          <a:bodyPr/>
+          <a:lstStyle/>
+          <a:p>
+            <a:fld id="{D45E396F-F525-47EE-BEC4-859D995F5654}" type="slidenum">
+              <a:rPr lang="en-US" smtClean="0"/>
+              <a:t>16</a:t>
+            </a:fld>
+            <a:endParaRPr lang="en-US"/>
+          </a:p>
+        </p:txBody>
+      </p:sp>
+      <p:sp>
+        <p:nvSpPr>
+          <p:cNvPr id="5" name="Footer Placeholder 4"/>
+          <p:cNvSpPr>
+            <a:spLocks noGrp="1"/>
+          </p:cNvSpPr>
+          <p:nvPr>
+            <p:ph type="ftr" sz="quarter" idx="11"/>
+          </p:nvPr>
+        </p:nvSpPr>
+        <p:spPr/>
+        <p:txBody>
+          <a:bodyPr/>
+          <a:lstStyle/>
+          <a:p>
+            <a:r>
+              <a:rPr lang="en-US" smtClean="0"/>
+              <a:t>Got a CMS? Get Your Webdevmojo Back with JavaScript!  Paul Burtness, Dec 2014</a:t>
+            </a:r>
+            <a:endParaRPr lang="en-US"/>
+          </a:p>
+        </p:txBody>
+      </p:sp>
+    </p:spTree>
+    <p:extLst>
+      <p:ext uri="{BB962C8B-B14F-4D97-AF65-F5344CB8AC3E}">
+        <p14:creationId xmlns:p14="http://schemas.microsoft.com/office/powerpoint/2010/main" val="4165058513"/>
+      </p:ext>
+    </p:extLst>
+  </p:cSld>
+  <p:clrMapOvr>
+    <a:masterClrMapping/>
+  </p:clrMapOvr>
+</p:notes>
+</file>
+
+<file path=ppt/notesSlides/notesSlide17.xml><?xml version="1.0" encoding="utf-8"?>
+<p:notes xmlns:a="http://schemas.openxmlformats.org/drawingml/2006/main" xmlns:r="http://schemas.openxmlformats.org/officeDocument/2006/relationships" xmlns:p="http://schemas.openxmlformats.org/presentationml/2006/main">
+  <p:cSld>
+    <p:spTree>
+      <p:nvGrpSpPr>
+        <p:cNvPr id="1" name=""/>
+        <p:cNvGrpSpPr/>
+        <p:nvPr/>
+      </p:nvGrpSpPr>
+      <p:grpSpPr>
+        <a:xfrm>
+          <a:off x="0" y="0"/>
+          <a:ext cx="0" cy="0"/>
+          <a:chOff x="0" y="0"/>
+          <a:chExt cx="0" cy="0"/>
+        </a:xfrm>
+      </p:grpSpPr>
+      <p:sp>
+        <p:nvSpPr>
+          <p:cNvPr id="2" name="Slide Image Placeholder 1"/>
+          <p:cNvSpPr>
+            <a:spLocks noGrp="1" noRot="1" noChangeAspect="1"/>
+          </p:cNvSpPr>
+          <p:nvPr>
+            <p:ph type="sldImg"/>
+          </p:nvPr>
+        </p:nvSpPr>
+        <p:spPr/>
+      </p:sp>
+      <p:sp>
+        <p:nvSpPr>
+          <p:cNvPr id="3" name="Notes Placeholder 2"/>
+          <p:cNvSpPr>
+            <a:spLocks noGrp="1"/>
+          </p:cNvSpPr>
+          <p:nvPr>
+            <p:ph type="body" idx="1"/>
+          </p:nvPr>
+        </p:nvSpPr>
+        <p:spPr/>
+        <p:txBody>
+          <a:bodyPr/>
+          <a:lstStyle/>
+          <a:p>
+            <a:endParaRPr lang="en-US"/>
+          </a:p>
+        </p:txBody>
+      </p:sp>
+      <p:sp>
+        <p:nvSpPr>
+          <p:cNvPr id="4" name="Slide Number Placeholder 3"/>
+          <p:cNvSpPr>
+            <a:spLocks noGrp="1"/>
+          </p:cNvSpPr>
+          <p:nvPr>
+            <p:ph type="sldNum" sz="quarter" idx="10"/>
+          </p:nvPr>
+        </p:nvSpPr>
+        <p:spPr/>
+        <p:txBody>
+          <a:bodyPr/>
+          <a:lstStyle/>
+          <a:p>
+            <a:fld id="{D45E396F-F525-47EE-BEC4-859D995F5654}" type="slidenum">
+              <a:rPr lang="en-US" smtClean="0"/>
+              <a:t>17</a:t>
+            </a:fld>
+            <a:endParaRPr lang="en-US"/>
+          </a:p>
+        </p:txBody>
+      </p:sp>
+      <p:sp>
+        <p:nvSpPr>
+          <p:cNvPr id="5" name="Footer Placeholder 4"/>
+          <p:cNvSpPr>
+            <a:spLocks noGrp="1"/>
+          </p:cNvSpPr>
+          <p:nvPr>
+            <p:ph type="ftr" sz="quarter" idx="11"/>
+          </p:nvPr>
+        </p:nvSpPr>
+        <p:spPr/>
+        <p:txBody>
+          <a:bodyPr/>
+          <a:lstStyle/>
+          <a:p>
+            <a:r>
+              <a:rPr lang="en-US" smtClean="0"/>
+              <a:t>Got a CMS? Get Your Webdevmojo Back with JavaScript!  Paul Burtness, Dec 2014</a:t>
+            </a:r>
+            <a:endParaRPr lang="en-US"/>
+          </a:p>
+        </p:txBody>
+      </p:sp>
+    </p:spTree>
+    <p:extLst>
+      <p:ext uri="{BB962C8B-B14F-4D97-AF65-F5344CB8AC3E}">
+        <p14:creationId xmlns:p14="http://schemas.microsoft.com/office/powerpoint/2010/main" val="831194491"/>
+      </p:ext>
+    </p:extLst>
+  </p:cSld>
+  <p:clrMapOvr>
+    <a:masterClrMapping/>
+  </p:clrMapOvr>
+</p:notes>
+</file>
+
+<file path=ppt/notesSlides/notesSlide18.xml><?xml version="1.0" encoding="utf-8"?>
+<p:notes xmlns:a="http://schemas.openxmlformats.org/drawingml/2006/main" xmlns:r="http://schemas.openxmlformats.org/officeDocument/2006/relationships" xmlns:p="http://schemas.openxmlformats.org/presentationml/2006/main">
+  <p:cSld>
+    <p:spTree>
+      <p:nvGrpSpPr>
+        <p:cNvPr id="1" name=""/>
+        <p:cNvGrpSpPr/>
+        <p:nvPr/>
+      </p:nvGrpSpPr>
+      <p:grpSpPr>
+        <a:xfrm>
+          <a:off x="0" y="0"/>
+          <a:ext cx="0" cy="0"/>
+          <a:chOff x="0" y="0"/>
+          <a:chExt cx="0" cy="0"/>
+        </a:xfrm>
+      </p:grpSpPr>
+      <p:sp>
+        <p:nvSpPr>
+          <p:cNvPr id="2" name="Slide Image Placeholder 1"/>
+          <p:cNvSpPr>
+            <a:spLocks noGrp="1" noRot="1" noChangeAspect="1"/>
+          </p:cNvSpPr>
+          <p:nvPr>
+            <p:ph type="sldImg"/>
+          </p:nvPr>
+        </p:nvSpPr>
+        <p:spPr/>
+      </p:sp>
+      <p:sp>
+        <p:nvSpPr>
+          <p:cNvPr id="3" name="Notes Placeholder 2"/>
+          <p:cNvSpPr>
+            <a:spLocks noGrp="1"/>
+          </p:cNvSpPr>
+          <p:nvPr>
+            <p:ph type="body" idx="1"/>
+          </p:nvPr>
+        </p:nvSpPr>
+        <p:spPr/>
+        <p:txBody>
+          <a:bodyPr/>
+          <a:lstStyle/>
+          <a:p>
+            <a:endParaRPr lang="en-US"/>
+          </a:p>
+        </p:txBody>
+      </p:sp>
+      <p:sp>
+        <p:nvSpPr>
+          <p:cNvPr id="4" name="Slide Number Placeholder 3"/>
+          <p:cNvSpPr>
+            <a:spLocks noGrp="1"/>
+          </p:cNvSpPr>
+          <p:nvPr>
+            <p:ph type="sldNum" sz="quarter" idx="10"/>
+          </p:nvPr>
+        </p:nvSpPr>
+        <p:spPr/>
+        <p:txBody>
+          <a:bodyPr/>
+          <a:lstStyle/>
+          <a:p>
+            <a:fld id="{D45E396F-F525-47EE-BEC4-859D995F5654}" type="slidenum">
+              <a:rPr lang="en-US" smtClean="0"/>
+              <a:t>18</a:t>
+            </a:fld>
+            <a:endParaRPr lang="en-US"/>
+          </a:p>
+        </p:txBody>
+      </p:sp>
+      <p:sp>
+        <p:nvSpPr>
+          <p:cNvPr id="5" name="Footer Placeholder 4"/>
+          <p:cNvSpPr>
+            <a:spLocks noGrp="1"/>
+          </p:cNvSpPr>
+          <p:nvPr>
+            <p:ph type="ftr" sz="quarter" idx="11"/>
+          </p:nvPr>
+        </p:nvSpPr>
+        <p:spPr/>
+        <p:txBody>
+          <a:bodyPr/>
+          <a:lstStyle/>
+          <a:p>
+            <a:r>
+              <a:rPr lang="en-US" smtClean="0"/>
+              <a:t>Got a CMS? Get Your Webdevmojo Back with JavaScript!  Paul Burtness, Dec 2014</a:t>
+            </a:r>
+            <a:endParaRPr lang="en-US"/>
+          </a:p>
+        </p:txBody>
+      </p:sp>
+    </p:spTree>
+    <p:extLst>
+      <p:ext uri="{BB962C8B-B14F-4D97-AF65-F5344CB8AC3E}">
+        <p14:creationId xmlns:p14="http://schemas.microsoft.com/office/powerpoint/2010/main" val="4184791405"/>
+      </p:ext>
+    </p:extLst>
+  </p:cSld>
+  <p:clrMapOvr>
+    <a:masterClrMapping/>
+  </p:clrMapOvr>
+</p:notes>
+</file>
+
+<file path=ppt/notesSlides/notesSlide19.xml><?xml version="1.0" encoding="utf-8"?>
+<p:notes xmlns:a="http://schemas.openxmlformats.org/drawingml/2006/main" xmlns:r="http://schemas.openxmlformats.org/officeDocument/2006/relationships" xmlns:p="http://schemas.openxmlformats.org/presentationml/2006/main">
+  <p:cSld>
+    <p:spTree>
+      <p:nvGrpSpPr>
+        <p:cNvPr id="1" name=""/>
+        <p:cNvGrpSpPr/>
+        <p:nvPr/>
+      </p:nvGrpSpPr>
+      <p:grpSpPr>
+        <a:xfrm>
+          <a:off x="0" y="0"/>
+          <a:ext cx="0" cy="0"/>
+          <a:chOff x="0" y="0"/>
+          <a:chExt cx="0" cy="0"/>
+        </a:xfrm>
+      </p:grpSpPr>
+      <p:sp>
+        <p:nvSpPr>
+          <p:cNvPr id="2" name="Slide Image Placeholder 1"/>
+          <p:cNvSpPr>
+            <a:spLocks noGrp="1" noRot="1" noChangeAspect="1"/>
+          </p:cNvSpPr>
+          <p:nvPr>
+            <p:ph type="sldImg"/>
+          </p:nvPr>
+        </p:nvSpPr>
+        <p:spPr/>
+      </p:sp>
+      <p:sp>
+        <p:nvSpPr>
+          <p:cNvPr id="3" name="Notes Placeholder 2"/>
+          <p:cNvSpPr>
+            <a:spLocks noGrp="1"/>
+          </p:cNvSpPr>
+          <p:nvPr>
+            <p:ph type="body" idx="1"/>
+          </p:nvPr>
+        </p:nvSpPr>
+        <p:spPr/>
+        <p:txBody>
+          <a:bodyPr/>
+          <a:lstStyle/>
+          <a:p>
+            <a:endParaRPr lang="en-US"/>
+          </a:p>
+        </p:txBody>
+      </p:sp>
+      <p:sp>
+        <p:nvSpPr>
+          <p:cNvPr id="4" name="Slide Number Placeholder 3"/>
+          <p:cNvSpPr>
+            <a:spLocks noGrp="1"/>
+          </p:cNvSpPr>
+          <p:nvPr>
+            <p:ph type="sldNum" sz="quarter" idx="10"/>
+          </p:nvPr>
+        </p:nvSpPr>
+        <p:spPr/>
+        <p:txBody>
+          <a:bodyPr/>
+          <a:lstStyle/>
+          <a:p>
+            <a:fld id="{D45E396F-F525-47EE-BEC4-859D995F5654}" type="slidenum">
+              <a:rPr lang="en-US" smtClean="0"/>
+              <a:t>19</a:t>
+            </a:fld>
+            <a:endParaRPr lang="en-US"/>
+          </a:p>
+        </p:txBody>
+      </p:sp>
+      <p:sp>
+        <p:nvSpPr>
+          <p:cNvPr id="5" name="Footer Placeholder 4"/>
+          <p:cNvSpPr>
+            <a:spLocks noGrp="1"/>
+          </p:cNvSpPr>
+          <p:nvPr>
+            <p:ph type="ftr" sz="quarter" idx="11"/>
+          </p:nvPr>
+        </p:nvSpPr>
+        <p:spPr/>
+        <p:txBody>
+          <a:bodyPr/>
+          <a:lstStyle/>
+          <a:p>
+            <a:r>
+              <a:rPr lang="en-US" smtClean="0"/>
+              <a:t>Got a CMS? Get Your Webdevmojo Back with JavaScript!  Paul Burtness, Dec 2014</a:t>
+            </a:r>
+            <a:endParaRPr lang="en-US"/>
+          </a:p>
+        </p:txBody>
+      </p:sp>
+    </p:spTree>
+    <p:extLst>
+      <p:ext uri="{BB962C8B-B14F-4D97-AF65-F5344CB8AC3E}">
+        <p14:creationId xmlns:p14="http://schemas.microsoft.com/office/powerpoint/2010/main" val="187956481"/>
+      </p:ext>
+    </p:extLst>
+  </p:cSld>
+  <p:clrMapOvr>
+    <a:masterClrMapping/>
+  </p:clrMapOvr>
+</p:notes>
+</file>
+
+<file path=ppt/notesSlides/notesSlide2.xml><?xml version="1.0" encoding="utf-8"?>
+<p:notes xmlns:a="http://schemas.openxmlformats.org/drawingml/2006/main" xmlns:r="http://schemas.openxmlformats.org/officeDocument/2006/relationships" xmlns:p="http://schemas.openxmlformats.org/presentationml/2006/main">
+  <p:cSld>
+    <p:spTree>
+      <p:nvGrpSpPr>
+        <p:cNvPr id="1" name=""/>
+        <p:cNvGrpSpPr/>
+        <p:nvPr/>
+      </p:nvGrpSpPr>
+      <p:grpSpPr>
+        <a:xfrm>
+          <a:off x="0" y="0"/>
+          <a:ext cx="0" cy="0"/>
+          <a:chOff x="0" y="0"/>
+          <a:chExt cx="0" cy="0"/>
+        </a:xfrm>
+      </p:grpSpPr>
+      <p:sp>
+        <p:nvSpPr>
+          <p:cNvPr id="2" name="Slide Image Placeholder 1"/>
+          <p:cNvSpPr>
+            <a:spLocks noGrp="1" noRot="1" noChangeAspect="1"/>
+          </p:cNvSpPr>
+          <p:nvPr>
+            <p:ph type="sldImg"/>
+          </p:nvPr>
+        </p:nvSpPr>
+        <p:spPr/>
+      </p:sp>
+      <p:sp>
+        <p:nvSpPr>
+          <p:cNvPr id="3" name="Notes Placeholder 2"/>
+          <p:cNvSpPr>
+            <a:spLocks noGrp="1"/>
+          </p:cNvSpPr>
+          <p:nvPr>
+            <p:ph type="body" idx="1"/>
+          </p:nvPr>
+        </p:nvSpPr>
+        <p:spPr/>
+        <p:txBody>
+          <a:bodyPr/>
+          <a:lstStyle/>
+          <a:p>
+            <a:endParaRPr lang="en-US"/>
+          </a:p>
+        </p:txBody>
+      </p:sp>
+      <p:sp>
+        <p:nvSpPr>
+          <p:cNvPr id="4" name="Slide Number Placeholder 3"/>
+          <p:cNvSpPr>
+            <a:spLocks noGrp="1"/>
+          </p:cNvSpPr>
+          <p:nvPr>
+            <p:ph type="sldNum" sz="quarter" idx="10"/>
+          </p:nvPr>
+        </p:nvSpPr>
+        <p:spPr/>
+        <p:txBody>
+          <a:bodyPr/>
+          <a:lstStyle/>
+          <a:p>
+            <a:fld id="{D45E396F-F525-47EE-BEC4-859D995F5654}" type="slidenum">
+              <a:rPr lang="en-US" smtClean="0"/>
+              <a:t>2</a:t>
+            </a:fld>
+            <a:endParaRPr lang="en-US"/>
+          </a:p>
+        </p:txBody>
+      </p:sp>
+      <p:sp>
+        <p:nvSpPr>
+          <p:cNvPr id="5" name="Footer Placeholder 4"/>
+          <p:cNvSpPr>
+            <a:spLocks noGrp="1"/>
+          </p:cNvSpPr>
+          <p:nvPr>
+            <p:ph type="ftr" sz="quarter" idx="11"/>
+          </p:nvPr>
+        </p:nvSpPr>
+        <p:spPr/>
+        <p:txBody>
+          <a:bodyPr/>
+          <a:lstStyle/>
+          <a:p>
+            <a:r>
+              <a:rPr lang="en-US" smtClean="0"/>
+              <a:t>Got a CMS? Get Your Webdevmojo Back with JavaScript!  Paul Burtness, Dec 2014</a:t>
+            </a:r>
+            <a:endParaRPr lang="en-US"/>
+          </a:p>
+        </p:txBody>
+      </p:sp>
+    </p:spTree>
+    <p:extLst>
+      <p:ext uri="{BB962C8B-B14F-4D97-AF65-F5344CB8AC3E}">
+        <p14:creationId xmlns:p14="http://schemas.microsoft.com/office/powerpoint/2010/main" val="201314049"/>
+      </p:ext>
+    </p:extLst>
+  </p:cSld>
+  <p:clrMapOvr>
+    <a:masterClrMapping/>
+  </p:clrMapOvr>
+</p:notes>
+</file>
+
+<file path=ppt/notesSlides/notesSlide20.xml><?xml version="1.0" encoding="utf-8"?>
+<p:notes xmlns:a="http://schemas.openxmlformats.org/drawingml/2006/main" xmlns:r="http://schemas.openxmlformats.org/officeDocument/2006/relationships" xmlns:p="http://schemas.openxmlformats.org/presentationml/2006/main">
+  <p:cSld>
+    <p:spTree>
+      <p:nvGrpSpPr>
+        <p:cNvPr id="1" name=""/>
+        <p:cNvGrpSpPr/>
+        <p:nvPr/>
+      </p:nvGrpSpPr>
+      <p:grpSpPr>
+        <a:xfrm>
+          <a:off x="0" y="0"/>
+          <a:ext cx="0" cy="0"/>
+          <a:chOff x="0" y="0"/>
+          <a:chExt cx="0" cy="0"/>
+        </a:xfrm>
+      </p:grpSpPr>
+      <p:sp>
+        <p:nvSpPr>
+          <p:cNvPr id="2" name="Slide Image Placeholder 1"/>
+          <p:cNvSpPr>
+            <a:spLocks noGrp="1" noRot="1" noChangeAspect="1"/>
+          </p:cNvSpPr>
+          <p:nvPr>
+            <p:ph type="sldImg"/>
+          </p:nvPr>
+        </p:nvSpPr>
+        <p:spPr/>
+      </p:sp>
+      <p:sp>
+        <p:nvSpPr>
+          <p:cNvPr id="3" name="Notes Placeholder 2"/>
+          <p:cNvSpPr>
+            <a:spLocks noGrp="1"/>
+          </p:cNvSpPr>
+          <p:nvPr>
+            <p:ph type="body" idx="1"/>
+          </p:nvPr>
+        </p:nvSpPr>
+        <p:spPr/>
+        <p:txBody>
+          <a:bodyPr/>
+          <a:lstStyle/>
+          <a:p>
+            <a:endParaRPr lang="en-US"/>
+          </a:p>
+        </p:txBody>
+      </p:sp>
+      <p:sp>
+        <p:nvSpPr>
+          <p:cNvPr id="4" name="Slide Number Placeholder 3"/>
+          <p:cNvSpPr>
+            <a:spLocks noGrp="1"/>
+          </p:cNvSpPr>
+          <p:nvPr>
+            <p:ph type="sldNum" sz="quarter" idx="10"/>
+          </p:nvPr>
+        </p:nvSpPr>
+        <p:spPr/>
+        <p:txBody>
+          <a:bodyPr/>
+          <a:lstStyle/>
+          <a:p>
+            <a:fld id="{D45E396F-F525-47EE-BEC4-859D995F5654}" type="slidenum">
+              <a:rPr lang="en-US" smtClean="0"/>
+              <a:t>20</a:t>
+            </a:fld>
+            <a:endParaRPr lang="en-US"/>
+          </a:p>
+        </p:txBody>
+      </p:sp>
+      <p:sp>
+        <p:nvSpPr>
+          <p:cNvPr id="5" name="Footer Placeholder 4"/>
+          <p:cNvSpPr>
+            <a:spLocks noGrp="1"/>
+          </p:cNvSpPr>
+          <p:nvPr>
+            <p:ph type="ftr" sz="quarter" idx="11"/>
+          </p:nvPr>
+        </p:nvSpPr>
+        <p:spPr/>
+        <p:txBody>
+          <a:bodyPr/>
+          <a:lstStyle/>
+          <a:p>
+            <a:r>
+              <a:rPr lang="en-US" smtClean="0"/>
+              <a:t>Got a CMS? Get Your Webdevmojo Back with JavaScript!  Paul Burtness, Dec 2014</a:t>
+            </a:r>
+            <a:endParaRPr lang="en-US"/>
+          </a:p>
+        </p:txBody>
+      </p:sp>
+    </p:spTree>
+    <p:extLst>
+      <p:ext uri="{BB962C8B-B14F-4D97-AF65-F5344CB8AC3E}">
+        <p14:creationId xmlns:p14="http://schemas.microsoft.com/office/powerpoint/2010/main" val="4256229866"/>
+      </p:ext>
+    </p:extLst>
+  </p:cSld>
+  <p:clrMapOvr>
+    <a:masterClrMapping/>
+  </p:clrMapOvr>
+</p:notes>
+</file>
+
+<file path=ppt/notesSlides/notesSlide21.xml><?xml version="1.0" encoding="utf-8"?>
+<p:notes xmlns:a="http://schemas.openxmlformats.org/drawingml/2006/main" xmlns:r="http://schemas.openxmlformats.org/officeDocument/2006/relationships" xmlns:p="http://schemas.openxmlformats.org/presentationml/2006/main">
+  <p:cSld>
+    <p:spTree>
+      <p:nvGrpSpPr>
+        <p:cNvPr id="1" name=""/>
+        <p:cNvGrpSpPr/>
+        <p:nvPr/>
+      </p:nvGrpSpPr>
+      <p:grpSpPr>
+        <a:xfrm>
+          <a:off x="0" y="0"/>
+          <a:ext cx="0" cy="0"/>
+          <a:chOff x="0" y="0"/>
+          <a:chExt cx="0" cy="0"/>
+        </a:xfrm>
+      </p:grpSpPr>
+      <p:sp>
+        <p:nvSpPr>
+          <p:cNvPr id="2" name="Slide Image Placeholder 1"/>
+          <p:cNvSpPr>
+            <a:spLocks noGrp="1" noRot="1" noChangeAspect="1"/>
+          </p:cNvSpPr>
+          <p:nvPr>
+            <p:ph type="sldImg"/>
+          </p:nvPr>
+        </p:nvSpPr>
+        <p:spPr/>
+      </p:sp>
+      <p:sp>
+        <p:nvSpPr>
+          <p:cNvPr id="3" name="Notes Placeholder 2"/>
+          <p:cNvSpPr>
+            <a:spLocks noGrp="1"/>
+          </p:cNvSpPr>
+          <p:nvPr>
+            <p:ph type="body" idx="1"/>
+          </p:nvPr>
+        </p:nvSpPr>
+        <p:spPr/>
+        <p:txBody>
+          <a:bodyPr/>
+          <a:lstStyle/>
+          <a:p>
+            <a:endParaRPr lang="en-US"/>
+          </a:p>
+        </p:txBody>
+      </p:sp>
+      <p:sp>
+        <p:nvSpPr>
+          <p:cNvPr id="4" name="Slide Number Placeholder 3"/>
+          <p:cNvSpPr>
+            <a:spLocks noGrp="1"/>
+          </p:cNvSpPr>
+          <p:nvPr>
+            <p:ph type="sldNum" sz="quarter" idx="10"/>
+          </p:nvPr>
+        </p:nvSpPr>
+        <p:spPr/>
+        <p:txBody>
+          <a:bodyPr/>
+          <a:lstStyle/>
+          <a:p>
+            <a:fld id="{D45E396F-F525-47EE-BEC4-859D995F5654}" type="slidenum">
+              <a:rPr lang="en-US" smtClean="0"/>
+              <a:t>21</a:t>
+            </a:fld>
+            <a:endParaRPr lang="en-US"/>
+          </a:p>
+        </p:txBody>
+      </p:sp>
+      <p:sp>
+        <p:nvSpPr>
+          <p:cNvPr id="5" name="Footer Placeholder 4"/>
+          <p:cNvSpPr>
+            <a:spLocks noGrp="1"/>
+          </p:cNvSpPr>
+          <p:nvPr>
+            <p:ph type="ftr" sz="quarter" idx="11"/>
+          </p:nvPr>
+        </p:nvSpPr>
+        <p:spPr/>
+        <p:txBody>
+          <a:bodyPr/>
+          <a:lstStyle/>
+          <a:p>
+            <a:r>
+              <a:rPr lang="en-US" smtClean="0"/>
+              <a:t>Got a CMS? Get Your Webdevmojo Back with JavaScript!  Paul Burtness, Dec 2014</a:t>
+            </a:r>
+            <a:endParaRPr lang="en-US"/>
+          </a:p>
+        </p:txBody>
+      </p:sp>
+    </p:spTree>
+    <p:extLst>
+      <p:ext uri="{BB962C8B-B14F-4D97-AF65-F5344CB8AC3E}">
+        <p14:creationId xmlns:p14="http://schemas.microsoft.com/office/powerpoint/2010/main" val="2824955912"/>
+      </p:ext>
+    </p:extLst>
+  </p:cSld>
+  <p:clrMapOvr>
+    <a:masterClrMapping/>
+  </p:clrMapOvr>
+</p:notes>
+</file>
+
+<file path=ppt/notesSlides/notesSlide22.xml><?xml version="1.0" encoding="utf-8"?>
+<p:notes xmlns:a="http://schemas.openxmlformats.org/drawingml/2006/main" xmlns:r="http://schemas.openxmlformats.org/officeDocument/2006/relationships" xmlns:p="http://schemas.openxmlformats.org/presentationml/2006/main">
+  <p:cSld>
+    <p:spTree>
+      <p:nvGrpSpPr>
+        <p:cNvPr id="1" name=""/>
+        <p:cNvGrpSpPr/>
+        <p:nvPr/>
+      </p:nvGrpSpPr>
+      <p:grpSpPr>
+        <a:xfrm>
+          <a:off x="0" y="0"/>
+          <a:ext cx="0" cy="0"/>
+          <a:chOff x="0" y="0"/>
+          <a:chExt cx="0" cy="0"/>
+        </a:xfrm>
+      </p:grpSpPr>
+      <p:sp>
+        <p:nvSpPr>
+          <p:cNvPr id="2" name="Slide Image Placeholder 1"/>
+          <p:cNvSpPr>
+            <a:spLocks noGrp="1" noRot="1" noChangeAspect="1"/>
+          </p:cNvSpPr>
+          <p:nvPr>
+            <p:ph type="sldImg"/>
+          </p:nvPr>
+        </p:nvSpPr>
+        <p:spPr/>
+      </p:sp>
+      <p:sp>
+        <p:nvSpPr>
+          <p:cNvPr id="3" name="Notes Placeholder 2"/>
+          <p:cNvSpPr>
+            <a:spLocks noGrp="1"/>
+          </p:cNvSpPr>
+          <p:nvPr>
+            <p:ph type="body" idx="1"/>
+          </p:nvPr>
+        </p:nvSpPr>
+        <p:spPr/>
+        <p:txBody>
+          <a:bodyPr/>
+          <a:lstStyle/>
+          <a:p>
+            <a:endParaRPr lang="en-US"/>
+          </a:p>
+        </p:txBody>
+      </p:sp>
+      <p:sp>
+        <p:nvSpPr>
+          <p:cNvPr id="4" name="Slide Number Placeholder 3"/>
+          <p:cNvSpPr>
+            <a:spLocks noGrp="1"/>
+          </p:cNvSpPr>
+          <p:nvPr>
+            <p:ph type="sldNum" sz="quarter" idx="10"/>
+          </p:nvPr>
+        </p:nvSpPr>
+        <p:spPr/>
+        <p:txBody>
+          <a:bodyPr/>
+          <a:lstStyle/>
+          <a:p>
+            <a:fld id="{D45E396F-F525-47EE-BEC4-859D995F5654}" type="slidenum">
+              <a:rPr lang="en-US" smtClean="0"/>
+              <a:t>22</a:t>
+            </a:fld>
+            <a:endParaRPr lang="en-US"/>
+          </a:p>
+        </p:txBody>
+      </p:sp>
+      <p:sp>
+        <p:nvSpPr>
+          <p:cNvPr id="5" name="Footer Placeholder 4"/>
+          <p:cNvSpPr>
+            <a:spLocks noGrp="1"/>
+          </p:cNvSpPr>
+          <p:nvPr>
+            <p:ph type="ftr" sz="quarter" idx="11"/>
+          </p:nvPr>
+        </p:nvSpPr>
+        <p:spPr/>
+        <p:txBody>
+          <a:bodyPr/>
+          <a:lstStyle/>
+          <a:p>
+            <a:r>
+              <a:rPr lang="en-US" smtClean="0"/>
+              <a:t>Got a CMS? Get Your Webdevmojo Back with JavaScript!  Paul Burtness, Dec 2014</a:t>
+            </a:r>
+            <a:endParaRPr lang="en-US"/>
+          </a:p>
+        </p:txBody>
+      </p:sp>
+    </p:spTree>
+    <p:extLst>
+      <p:ext uri="{BB962C8B-B14F-4D97-AF65-F5344CB8AC3E}">
+        <p14:creationId xmlns:p14="http://schemas.microsoft.com/office/powerpoint/2010/main" val="1928190122"/>
+      </p:ext>
+    </p:extLst>
+  </p:cSld>
+  <p:clrMapOvr>
+    <a:masterClrMapping/>
+  </p:clrMapOvr>
+</p:notes>
+</file>
+
+<file path=ppt/notesSlides/notesSlide3.xml><?xml version="1.0" encoding="utf-8"?>
+<p:notes xmlns:a="http://schemas.openxmlformats.org/drawingml/2006/main" xmlns:r="http://schemas.openxmlformats.org/officeDocument/2006/relationships" xmlns:p="http://schemas.openxmlformats.org/presentationml/2006/main">
+  <p:cSld>
+    <p:spTree>
+      <p:nvGrpSpPr>
+        <p:cNvPr id="1" name=""/>
+        <p:cNvGrpSpPr/>
+        <p:nvPr/>
+      </p:nvGrpSpPr>
+      <p:grpSpPr>
+        <a:xfrm>
+          <a:off x="0" y="0"/>
+          <a:ext cx="0" cy="0"/>
+          <a:chOff x="0" y="0"/>
+          <a:chExt cx="0" cy="0"/>
+        </a:xfrm>
+      </p:grpSpPr>
+      <p:sp>
+        <p:nvSpPr>
+          <p:cNvPr id="2" name="Slide Image Placeholder 1"/>
+          <p:cNvSpPr>
+            <a:spLocks noGrp="1" noRot="1" noChangeAspect="1"/>
+          </p:cNvSpPr>
+          <p:nvPr>
+            <p:ph type="sldImg"/>
+          </p:nvPr>
+        </p:nvSpPr>
+        <p:spPr/>
+      </p:sp>
+      <p:sp>
+        <p:nvSpPr>
+          <p:cNvPr id="3" name="Notes Placeholder 2"/>
+          <p:cNvSpPr>
+            <a:spLocks noGrp="1"/>
+          </p:cNvSpPr>
+          <p:nvPr>
+            <p:ph type="body" idx="1"/>
+          </p:nvPr>
+        </p:nvSpPr>
+        <p:spPr/>
+        <p:txBody>
+          <a:bodyPr/>
+          <a:lstStyle/>
+          <a:p>
+            <a:endParaRPr lang="en-US"/>
+          </a:p>
+        </p:txBody>
+      </p:sp>
+      <p:sp>
+        <p:nvSpPr>
+          <p:cNvPr id="4" name="Slide Number Placeholder 3"/>
+          <p:cNvSpPr>
+            <a:spLocks noGrp="1"/>
+          </p:cNvSpPr>
+          <p:nvPr>
+            <p:ph type="sldNum" sz="quarter" idx="10"/>
+          </p:nvPr>
+        </p:nvSpPr>
+        <p:spPr/>
+        <p:txBody>
+          <a:bodyPr/>
+          <a:lstStyle/>
+          <a:p>
+            <a:fld id="{D45E396F-F525-47EE-BEC4-859D995F5654}" type="slidenum">
+              <a:rPr lang="en-US" smtClean="0"/>
+              <a:t>3</a:t>
+            </a:fld>
+            <a:endParaRPr lang="en-US"/>
+          </a:p>
+        </p:txBody>
+      </p:sp>
+      <p:sp>
+        <p:nvSpPr>
+          <p:cNvPr id="5" name="Footer Placeholder 4"/>
+          <p:cNvSpPr>
+            <a:spLocks noGrp="1"/>
+          </p:cNvSpPr>
+          <p:nvPr>
+            <p:ph type="ftr" sz="quarter" idx="11"/>
+          </p:nvPr>
+        </p:nvSpPr>
+        <p:spPr/>
+        <p:txBody>
+          <a:bodyPr/>
+          <a:lstStyle/>
+          <a:p>
+            <a:r>
+              <a:rPr lang="en-US" smtClean="0"/>
+              <a:t>Got a CMS? Get Your Webdevmojo Back with JavaScript!  Paul Burtness, Dec 2014</a:t>
+            </a:r>
+            <a:endParaRPr lang="en-US"/>
+          </a:p>
+        </p:txBody>
+      </p:sp>
+    </p:spTree>
+    <p:extLst>
+      <p:ext uri="{BB962C8B-B14F-4D97-AF65-F5344CB8AC3E}">
+        <p14:creationId xmlns:p14="http://schemas.microsoft.com/office/powerpoint/2010/main" val="3025235741"/>
+      </p:ext>
+    </p:extLst>
+  </p:cSld>
+  <p:clrMapOvr>
+    <a:masterClrMapping/>
+  </p:clrMapOvr>
+</p:notes>
+</file>
+
+<file path=ppt/notesSlides/notesSlide4.xml><?xml version="1.0" encoding="utf-8"?>
+<p:notes xmlns:a="http://schemas.openxmlformats.org/drawingml/2006/main" xmlns:r="http://schemas.openxmlformats.org/officeDocument/2006/relationships" xmlns:p="http://schemas.openxmlformats.org/presentationml/2006/main">
+  <p:cSld>
+    <p:spTree>
+      <p:nvGrpSpPr>
+        <p:cNvPr id="1" name=""/>
+        <p:cNvGrpSpPr/>
+        <p:nvPr/>
+      </p:nvGrpSpPr>
+      <p:grpSpPr>
+        <a:xfrm>
+          <a:off x="0" y="0"/>
+          <a:ext cx="0" cy="0"/>
+          <a:chOff x="0" y="0"/>
+          <a:chExt cx="0" cy="0"/>
+        </a:xfrm>
+      </p:grpSpPr>
+      <p:sp>
+        <p:nvSpPr>
+          <p:cNvPr id="2" name="Slide Image Placeholder 1"/>
+          <p:cNvSpPr>
+            <a:spLocks noGrp="1" noRot="1" noChangeAspect="1"/>
+          </p:cNvSpPr>
+          <p:nvPr>
+            <p:ph type="sldImg"/>
+          </p:nvPr>
+        </p:nvSpPr>
+        <p:spPr/>
+      </p:sp>
+      <p:sp>
+        <p:nvSpPr>
+          <p:cNvPr id="3" name="Notes Placeholder 2"/>
+          <p:cNvSpPr>
+            <a:spLocks noGrp="1"/>
+          </p:cNvSpPr>
+          <p:nvPr>
+            <p:ph type="body" idx="1"/>
+          </p:nvPr>
+        </p:nvSpPr>
+        <p:spPr/>
+        <p:txBody>
+          <a:bodyPr/>
+          <a:lstStyle/>
+          <a:p>
+            <a:endParaRPr lang="en-US"/>
+          </a:p>
+        </p:txBody>
+      </p:sp>
+      <p:sp>
+        <p:nvSpPr>
+          <p:cNvPr id="4" name="Slide Number Placeholder 3"/>
+          <p:cNvSpPr>
+            <a:spLocks noGrp="1"/>
+          </p:cNvSpPr>
+          <p:nvPr>
+            <p:ph type="sldNum" sz="quarter" idx="10"/>
+          </p:nvPr>
+        </p:nvSpPr>
+        <p:spPr/>
+        <p:txBody>
+          <a:bodyPr/>
+          <a:lstStyle/>
+          <a:p>
+            <a:fld id="{D45E396F-F525-47EE-BEC4-859D995F5654}" type="slidenum">
+              <a:rPr lang="en-US" smtClean="0"/>
+              <a:t>4</a:t>
+            </a:fld>
+            <a:endParaRPr lang="en-US"/>
+          </a:p>
+        </p:txBody>
+      </p:sp>
+      <p:sp>
+        <p:nvSpPr>
+          <p:cNvPr id="5" name="Footer Placeholder 4"/>
+          <p:cNvSpPr>
+            <a:spLocks noGrp="1"/>
+          </p:cNvSpPr>
+          <p:nvPr>
+            <p:ph type="ftr" sz="quarter" idx="11"/>
+          </p:nvPr>
+        </p:nvSpPr>
+        <p:spPr/>
+        <p:txBody>
+          <a:bodyPr/>
+          <a:lstStyle/>
+          <a:p>
+            <a:r>
+              <a:rPr lang="en-US" smtClean="0"/>
+              <a:t>Got a CMS? Get Your Webdevmojo Back with JavaScript!  Paul Burtness, Dec 2014</a:t>
+            </a:r>
+            <a:endParaRPr lang="en-US"/>
+          </a:p>
+        </p:txBody>
+      </p:sp>
+    </p:spTree>
+    <p:extLst>
+      <p:ext uri="{BB962C8B-B14F-4D97-AF65-F5344CB8AC3E}">
+        <p14:creationId xmlns:p14="http://schemas.microsoft.com/office/powerpoint/2010/main" val="1596046112"/>
+      </p:ext>
+    </p:extLst>
+  </p:cSld>
+  <p:clrMapOvr>
+    <a:masterClrMapping/>
+  </p:clrMapOvr>
+</p:notes>
+</file>
+
+<file path=ppt/notesSlides/notesSlide5.xml><?xml version="1.0" encoding="utf-8"?>
+<p:notes xmlns:a="http://schemas.openxmlformats.org/drawingml/2006/main" xmlns:r="http://schemas.openxmlformats.org/officeDocument/2006/relationships" xmlns:p="http://schemas.openxmlformats.org/presentationml/2006/main">
+  <p:cSld>
+    <p:spTree>
+      <p:nvGrpSpPr>
+        <p:cNvPr id="1" name=""/>
+        <p:cNvGrpSpPr/>
+        <p:nvPr/>
+      </p:nvGrpSpPr>
+      <p:grpSpPr>
+        <a:xfrm>
+          <a:off x="0" y="0"/>
+          <a:ext cx="0" cy="0"/>
+          <a:chOff x="0" y="0"/>
+          <a:chExt cx="0" cy="0"/>
+        </a:xfrm>
+      </p:grpSpPr>
+      <p:sp>
+        <p:nvSpPr>
+          <p:cNvPr id="2" name="Slide Image Placeholder 1"/>
+          <p:cNvSpPr>
+            <a:spLocks noGrp="1" noRot="1" noChangeAspect="1"/>
+          </p:cNvSpPr>
+          <p:nvPr>
+            <p:ph type="sldImg"/>
+          </p:nvPr>
+        </p:nvSpPr>
+        <p:spPr/>
+      </p:sp>
+      <p:sp>
+        <p:nvSpPr>
+          <p:cNvPr id="3" name="Notes Placeholder 2"/>
+          <p:cNvSpPr>
+            <a:spLocks noGrp="1"/>
+          </p:cNvSpPr>
+          <p:nvPr>
+            <p:ph type="body" idx="1"/>
+          </p:nvPr>
+        </p:nvSpPr>
+        <p:spPr/>
+        <p:txBody>
+          <a:bodyPr/>
+          <a:lstStyle/>
+          <a:p>
+            <a:endParaRPr lang="en-US"/>
+          </a:p>
+        </p:txBody>
+      </p:sp>
+      <p:sp>
+        <p:nvSpPr>
+          <p:cNvPr id="4" name="Slide Number Placeholder 3"/>
+          <p:cNvSpPr>
+            <a:spLocks noGrp="1"/>
+          </p:cNvSpPr>
+          <p:nvPr>
+            <p:ph type="sldNum" sz="quarter" idx="10"/>
+          </p:nvPr>
+        </p:nvSpPr>
+        <p:spPr/>
+        <p:txBody>
+          <a:bodyPr/>
+          <a:lstStyle/>
+          <a:p>
+            <a:fld id="{D45E396F-F525-47EE-BEC4-859D995F5654}" type="slidenum">
+              <a:rPr lang="en-US" smtClean="0"/>
+              <a:t>5</a:t>
+            </a:fld>
+            <a:endParaRPr lang="en-US"/>
+          </a:p>
+        </p:txBody>
+      </p:sp>
+      <p:sp>
+        <p:nvSpPr>
+          <p:cNvPr id="5" name="Footer Placeholder 4"/>
+          <p:cNvSpPr>
+            <a:spLocks noGrp="1"/>
+          </p:cNvSpPr>
+          <p:nvPr>
+            <p:ph type="ftr" sz="quarter" idx="11"/>
+          </p:nvPr>
+        </p:nvSpPr>
+        <p:spPr/>
+        <p:txBody>
+          <a:bodyPr/>
+          <a:lstStyle/>
+          <a:p>
+            <a:r>
+              <a:rPr lang="en-US" smtClean="0"/>
+              <a:t>Got a CMS? Get Your Webdevmojo Back with JavaScript!  Paul Burtness, Dec 2014</a:t>
+            </a:r>
+            <a:endParaRPr lang="en-US"/>
+          </a:p>
+        </p:txBody>
+      </p:sp>
+    </p:spTree>
+    <p:extLst>
+      <p:ext uri="{BB962C8B-B14F-4D97-AF65-F5344CB8AC3E}">
+        <p14:creationId xmlns:p14="http://schemas.microsoft.com/office/powerpoint/2010/main" val="1489637086"/>
+      </p:ext>
+    </p:extLst>
+  </p:cSld>
+  <p:clrMapOvr>
+    <a:masterClrMapping/>
+  </p:clrMapOvr>
+</p:notes>
+</file>
+
+<file path=ppt/notesSlides/notesSlide6.xml><?xml version="1.0" encoding="utf-8"?>
+<p:notes xmlns:a="http://schemas.openxmlformats.org/drawingml/2006/main" xmlns:r="http://schemas.openxmlformats.org/officeDocument/2006/relationships" xmlns:p="http://schemas.openxmlformats.org/presentationml/2006/main">
+  <p:cSld>
+    <p:spTree>
+      <p:nvGrpSpPr>
+        <p:cNvPr id="1" name=""/>
+        <p:cNvGrpSpPr/>
+        <p:nvPr/>
+      </p:nvGrpSpPr>
+      <p:grpSpPr>
+        <a:xfrm>
+          <a:off x="0" y="0"/>
+          <a:ext cx="0" cy="0"/>
+          <a:chOff x="0" y="0"/>
+          <a:chExt cx="0" cy="0"/>
+        </a:xfrm>
+      </p:grpSpPr>
+      <p:sp>
+        <p:nvSpPr>
+          <p:cNvPr id="2" name="Slide Image Placeholder 1"/>
+          <p:cNvSpPr>
+            <a:spLocks noGrp="1" noRot="1" noChangeAspect="1"/>
+          </p:cNvSpPr>
+          <p:nvPr>
+            <p:ph type="sldImg"/>
+          </p:nvPr>
+        </p:nvSpPr>
+        <p:spPr/>
+      </p:sp>
+      <p:sp>
+        <p:nvSpPr>
+          <p:cNvPr id="3" name="Notes Placeholder 2"/>
+          <p:cNvSpPr>
+            <a:spLocks noGrp="1"/>
+          </p:cNvSpPr>
+          <p:nvPr>
+            <p:ph type="body" idx="1"/>
+          </p:nvPr>
+        </p:nvSpPr>
+        <p:spPr/>
+        <p:txBody>
+          <a:bodyPr/>
+          <a:lstStyle/>
+          <a:p>
+            <a:endParaRPr lang="en-US"/>
+          </a:p>
+        </p:txBody>
+      </p:sp>
+      <p:sp>
+        <p:nvSpPr>
+          <p:cNvPr id="4" name="Slide Number Placeholder 3"/>
+          <p:cNvSpPr>
+            <a:spLocks noGrp="1"/>
+          </p:cNvSpPr>
+          <p:nvPr>
+            <p:ph type="sldNum" sz="quarter" idx="10"/>
+          </p:nvPr>
+        </p:nvSpPr>
+        <p:spPr/>
+        <p:txBody>
+          <a:bodyPr/>
+          <a:lstStyle/>
+          <a:p>
+            <a:fld id="{D45E396F-F525-47EE-BEC4-859D995F5654}" type="slidenum">
+              <a:rPr lang="en-US" smtClean="0"/>
+              <a:t>6</a:t>
+            </a:fld>
+            <a:endParaRPr lang="en-US"/>
+          </a:p>
+        </p:txBody>
+      </p:sp>
+      <p:sp>
+        <p:nvSpPr>
+          <p:cNvPr id="5" name="Footer Placeholder 4"/>
+          <p:cNvSpPr>
+            <a:spLocks noGrp="1"/>
+          </p:cNvSpPr>
+          <p:nvPr>
+            <p:ph type="ftr" sz="quarter" idx="11"/>
+          </p:nvPr>
+        </p:nvSpPr>
+        <p:spPr/>
+        <p:txBody>
+          <a:bodyPr/>
+          <a:lstStyle/>
+          <a:p>
+            <a:r>
+              <a:rPr lang="en-US" smtClean="0"/>
+              <a:t>Got a CMS? Get Your Webdevmojo Back with JavaScript!  Paul Burtness, Dec 2014</a:t>
+            </a:r>
+            <a:endParaRPr lang="en-US"/>
+          </a:p>
+        </p:txBody>
+      </p:sp>
+    </p:spTree>
+    <p:extLst>
+      <p:ext uri="{BB962C8B-B14F-4D97-AF65-F5344CB8AC3E}">
+        <p14:creationId xmlns:p14="http://schemas.microsoft.com/office/powerpoint/2010/main" val="4281494231"/>
+      </p:ext>
+    </p:extLst>
+  </p:cSld>
+  <p:clrMapOvr>
+    <a:masterClrMapping/>
+  </p:clrMapOvr>
+</p:notes>
+</file>
+
+<file path=ppt/notesSlides/notesSlide7.xml><?xml version="1.0" encoding="utf-8"?>
+<p:notes xmlns:a="http://schemas.openxmlformats.org/drawingml/2006/main" xmlns:r="http://schemas.openxmlformats.org/officeDocument/2006/relationships" xmlns:p="http://schemas.openxmlformats.org/presentationml/2006/main">
+  <p:cSld>
+    <p:spTree>
+      <p:nvGrpSpPr>
+        <p:cNvPr id="1" name=""/>
+        <p:cNvGrpSpPr/>
+        <p:nvPr/>
+      </p:nvGrpSpPr>
+      <p:grpSpPr>
+        <a:xfrm>
+          <a:off x="0" y="0"/>
+          <a:ext cx="0" cy="0"/>
+          <a:chOff x="0" y="0"/>
+          <a:chExt cx="0" cy="0"/>
+        </a:xfrm>
+      </p:grpSpPr>
+      <p:sp>
+        <p:nvSpPr>
+          <p:cNvPr id="2" name="Slide Image Placeholder 1"/>
+          <p:cNvSpPr>
+            <a:spLocks noGrp="1" noRot="1" noChangeAspect="1"/>
+          </p:cNvSpPr>
+          <p:nvPr>
+            <p:ph type="sldImg"/>
+          </p:nvPr>
+        </p:nvSpPr>
+        <p:spPr/>
+      </p:sp>
+      <p:sp>
+        <p:nvSpPr>
+          <p:cNvPr id="3" name="Notes Placeholder 2"/>
+          <p:cNvSpPr>
+            <a:spLocks noGrp="1"/>
+          </p:cNvSpPr>
+          <p:nvPr>
+            <p:ph type="body" idx="1"/>
+          </p:nvPr>
+        </p:nvSpPr>
+        <p:spPr/>
+        <p:txBody>
+          <a:bodyPr/>
+          <a:lstStyle/>
+          <a:p>
+            <a:endParaRPr lang="en-US"/>
+          </a:p>
+        </p:txBody>
+      </p:sp>
+      <p:sp>
+        <p:nvSpPr>
+          <p:cNvPr id="4" name="Slide Number Placeholder 3"/>
+          <p:cNvSpPr>
+            <a:spLocks noGrp="1"/>
+          </p:cNvSpPr>
+          <p:nvPr>
+            <p:ph type="sldNum" sz="quarter" idx="10"/>
+          </p:nvPr>
+        </p:nvSpPr>
+        <p:spPr/>
+        <p:txBody>
+          <a:bodyPr/>
+          <a:lstStyle/>
+          <a:p>
+            <a:fld id="{D45E396F-F525-47EE-BEC4-859D995F5654}" type="slidenum">
+              <a:rPr lang="en-US" smtClean="0"/>
+              <a:t>7</a:t>
+            </a:fld>
+            <a:endParaRPr lang="en-US"/>
+          </a:p>
+        </p:txBody>
+      </p:sp>
+      <p:sp>
+        <p:nvSpPr>
+          <p:cNvPr id="5" name="Footer Placeholder 4"/>
+          <p:cNvSpPr>
+            <a:spLocks noGrp="1"/>
+          </p:cNvSpPr>
+          <p:nvPr>
+            <p:ph type="ftr" sz="quarter" idx="11"/>
+          </p:nvPr>
+        </p:nvSpPr>
+        <p:spPr/>
+        <p:txBody>
+          <a:bodyPr/>
+          <a:lstStyle/>
+          <a:p>
+            <a:r>
+              <a:rPr lang="en-US" smtClean="0"/>
+              <a:t>Got a CMS? Get Your Webdevmojo Back with JavaScript!  Paul Burtness, Dec 2014</a:t>
+            </a:r>
+            <a:endParaRPr lang="en-US"/>
+          </a:p>
+        </p:txBody>
+      </p:sp>
+    </p:spTree>
+    <p:extLst>
+      <p:ext uri="{BB962C8B-B14F-4D97-AF65-F5344CB8AC3E}">
+        <p14:creationId xmlns:p14="http://schemas.microsoft.com/office/powerpoint/2010/main" val="1389697286"/>
+      </p:ext>
+    </p:extLst>
+  </p:cSld>
+  <p:clrMapOvr>
+    <a:masterClrMapping/>
+  </p:clrMapOvr>
+</p:notes>
+</file>
+
+<file path=ppt/notesSlides/notesSlide8.xml><?xml version="1.0" encoding="utf-8"?>
+<p:notes xmlns:a="http://schemas.openxmlformats.org/drawingml/2006/main" xmlns:r="http://schemas.openxmlformats.org/officeDocument/2006/relationships" xmlns:p="http://schemas.openxmlformats.org/presentationml/2006/main">
+  <p:cSld>
+    <p:spTree>
+      <p:nvGrpSpPr>
+        <p:cNvPr id="1" name=""/>
+        <p:cNvGrpSpPr/>
+        <p:nvPr/>
+      </p:nvGrpSpPr>
+      <p:grpSpPr>
+        <a:xfrm>
+          <a:off x="0" y="0"/>
+          <a:ext cx="0" cy="0"/>
+          <a:chOff x="0" y="0"/>
+          <a:chExt cx="0" cy="0"/>
+        </a:xfrm>
+      </p:grpSpPr>
+      <p:sp>
+        <p:nvSpPr>
+          <p:cNvPr id="2" name="Slide Image Placeholder 1"/>
+          <p:cNvSpPr>
+            <a:spLocks noGrp="1" noRot="1" noChangeAspect="1"/>
+          </p:cNvSpPr>
+          <p:nvPr>
+            <p:ph type="sldImg"/>
+          </p:nvPr>
+        </p:nvSpPr>
+        <p:spPr/>
+      </p:sp>
+      <p:sp>
+        <p:nvSpPr>
+          <p:cNvPr id="3" name="Notes Placeholder 2"/>
+          <p:cNvSpPr>
+            <a:spLocks noGrp="1"/>
+          </p:cNvSpPr>
+          <p:nvPr>
+            <p:ph type="body" idx="1"/>
+          </p:nvPr>
+        </p:nvSpPr>
+        <p:spPr/>
+        <p:txBody>
+          <a:bodyPr/>
+          <a:lstStyle/>
+          <a:p>
+            <a:endParaRPr lang="en-US"/>
+          </a:p>
+        </p:txBody>
+      </p:sp>
+      <p:sp>
+        <p:nvSpPr>
+          <p:cNvPr id="4" name="Slide Number Placeholder 3"/>
+          <p:cNvSpPr>
+            <a:spLocks noGrp="1"/>
+          </p:cNvSpPr>
+          <p:nvPr>
+            <p:ph type="sldNum" sz="quarter" idx="10"/>
+          </p:nvPr>
+        </p:nvSpPr>
+        <p:spPr/>
+        <p:txBody>
+          <a:bodyPr/>
+          <a:lstStyle/>
+          <a:p>
+            <a:fld id="{D45E396F-F525-47EE-BEC4-859D995F5654}" type="slidenum">
+              <a:rPr lang="en-US" smtClean="0"/>
+              <a:t>8</a:t>
+            </a:fld>
+            <a:endParaRPr lang="en-US"/>
+          </a:p>
+        </p:txBody>
+      </p:sp>
+      <p:sp>
+        <p:nvSpPr>
+          <p:cNvPr id="5" name="Footer Placeholder 4"/>
+          <p:cNvSpPr>
+            <a:spLocks noGrp="1"/>
+          </p:cNvSpPr>
+          <p:nvPr>
+            <p:ph type="ftr" sz="quarter" idx="11"/>
+          </p:nvPr>
+        </p:nvSpPr>
+        <p:spPr/>
+        <p:txBody>
+          <a:bodyPr/>
+          <a:lstStyle/>
+          <a:p>
+            <a:r>
+              <a:rPr lang="en-US" smtClean="0"/>
+              <a:t>Got a CMS? Get Your Webdevmojo Back with JavaScript!  Paul Burtness, Dec 2014</a:t>
+            </a:r>
+            <a:endParaRPr lang="en-US"/>
+          </a:p>
+        </p:txBody>
+      </p:sp>
+    </p:spTree>
+    <p:extLst>
+      <p:ext uri="{BB962C8B-B14F-4D97-AF65-F5344CB8AC3E}">
+        <p14:creationId xmlns:p14="http://schemas.microsoft.com/office/powerpoint/2010/main" val="1676424505"/>
+      </p:ext>
+    </p:extLst>
+  </p:cSld>
+  <p:clrMapOvr>
+    <a:masterClrMapping/>
+  </p:clrMapOvr>
+</p:notes>
+</file>
+
+<file path=ppt/notesSlides/notesSlide9.xml><?xml version="1.0" encoding="utf-8"?>
+<p:notes xmlns:a="http://schemas.openxmlformats.org/drawingml/2006/main" xmlns:r="http://schemas.openxmlformats.org/officeDocument/2006/relationships" xmlns:p="http://schemas.openxmlformats.org/presentationml/2006/main">
+  <p:cSld>
+    <p:spTree>
+      <p:nvGrpSpPr>
+        <p:cNvPr id="1" name=""/>
+        <p:cNvGrpSpPr/>
+        <p:nvPr/>
+      </p:nvGrpSpPr>
+      <p:grpSpPr>
+        <a:xfrm>
+          <a:off x="0" y="0"/>
+          <a:ext cx="0" cy="0"/>
+          <a:chOff x="0" y="0"/>
+          <a:chExt cx="0" cy="0"/>
+        </a:xfrm>
+      </p:grpSpPr>
+      <p:sp>
+        <p:nvSpPr>
+          <p:cNvPr id="2" name="Slide Image Placeholder 1"/>
+          <p:cNvSpPr>
+            <a:spLocks noGrp="1" noRot="1" noChangeAspect="1"/>
+          </p:cNvSpPr>
+          <p:nvPr>
+            <p:ph type="sldImg"/>
+          </p:nvPr>
+        </p:nvSpPr>
+        <p:spPr/>
+      </p:sp>
+      <p:sp>
+        <p:nvSpPr>
+          <p:cNvPr id="3" name="Notes Placeholder 2"/>
+          <p:cNvSpPr>
+            <a:spLocks noGrp="1"/>
+          </p:cNvSpPr>
+          <p:nvPr>
+            <p:ph type="body" idx="1"/>
+          </p:nvPr>
+        </p:nvSpPr>
+        <p:spPr/>
+        <p:txBody>
+          <a:bodyPr/>
+          <a:lstStyle/>
+          <a:p>
+            <a:endParaRPr lang="en-US"/>
+          </a:p>
+        </p:txBody>
+      </p:sp>
+      <p:sp>
+        <p:nvSpPr>
+          <p:cNvPr id="4" name="Slide Number Placeholder 3"/>
+          <p:cNvSpPr>
+            <a:spLocks noGrp="1"/>
+          </p:cNvSpPr>
+          <p:nvPr>
+            <p:ph type="sldNum" sz="quarter" idx="10"/>
+          </p:nvPr>
+        </p:nvSpPr>
+        <p:spPr/>
+        <p:txBody>
+          <a:bodyPr/>
+          <a:lstStyle/>
+          <a:p>
+            <a:fld id="{D45E396F-F525-47EE-BEC4-859D995F5654}" type="slidenum">
+              <a:rPr lang="en-US" smtClean="0"/>
+              <a:t>9</a:t>
+            </a:fld>
+            <a:endParaRPr lang="en-US"/>
+          </a:p>
+        </p:txBody>
+      </p:sp>
+      <p:sp>
+        <p:nvSpPr>
+          <p:cNvPr id="5" name="Footer Placeholder 4"/>
+          <p:cNvSpPr>
+            <a:spLocks noGrp="1"/>
+          </p:cNvSpPr>
+          <p:nvPr>
+            <p:ph type="ftr" sz="quarter" idx="11"/>
+          </p:nvPr>
+        </p:nvSpPr>
+        <p:spPr/>
+        <p:txBody>
+          <a:bodyPr/>
+          <a:lstStyle/>
+          <a:p>
+            <a:r>
+              <a:rPr lang="en-US" smtClean="0"/>
+              <a:t>Got a CMS? Get Your Webdevmojo Back with JavaScript!  Paul Burtness, Dec 2014</a:t>
+            </a:r>
+            <a:endParaRPr lang="en-US"/>
+          </a:p>
+        </p:txBody>
+      </p:sp>
+    </p:spTree>
+    <p:extLst>
+      <p:ext uri="{BB962C8B-B14F-4D97-AF65-F5344CB8AC3E}">
+        <p14:creationId xmlns:p14="http://schemas.microsoft.com/office/powerpoint/2010/main" val="3235422568"/>
+      </p:ext>
+    </p:extLst>
+  </p:cSld>
+  <p:clrMapOvr>
+    <a:masterClrMapping/>
+  </p:clrMapOvr>
+</p:notes>
 </file>
 
 <file path=ppt/slideLayouts/slideLayout1.xml><?xml version="1.0" encoding="utf-8"?>
@@ -3324,7 +6042,7 @@
             </a:r>
             <a:r>
               <a:rPr lang="en-US" u="sng" dirty="0">
-                <a:hlinkClick r:id="rId2"/>
+                <a:hlinkClick r:id="rId3"/>
               </a:rPr>
               <a:t>www.mngts.org/itsym</a:t>
             </a:r>
@@ -3449,13 +6167,13 @@
             <a:pPr algn="ctr"/>
             <a:r>
               <a:rPr lang="en-US" dirty="0">
-                <a:hlinkClick r:id="rId3"/>
+                <a:hlinkClick r:id="rId4"/>
               </a:rPr>
               <a:t>http://paul-burtness.github.io/webdevmojo</a:t>
             </a:r>
             <a:r>
               <a:rPr lang="en-US" dirty="0" smtClean="0">
-                <a:hlinkClick r:id="rId3"/>
+                <a:hlinkClick r:id="rId4"/>
               </a:rPr>
               <a:t>/</a:t>
             </a:r>
@@ -3812,7 +6530,7 @@
             </a:r>
             <a:r>
               <a:rPr lang="en-US" sz="2000" dirty="0" smtClean="0">
-                <a:hlinkClick r:id="rId2"/>
+                <a:hlinkClick r:id="rId3"/>
               </a:rPr>
               <a:t>http://www.anokcounty.us/tryjquery</a:t>
             </a:r>
@@ -3928,7 +6646,7 @@
             </a:r>
             <a:r>
               <a:rPr lang="en-US" sz="2000" dirty="0" smtClean="0">
-                <a:hlinkClick r:id="rId2"/>
+                <a:hlinkClick r:id="rId3"/>
               </a:rPr>
               <a:t>http://www.anokacounty.us/youbrokeit</a:t>
             </a:r>
@@ -4059,13 +6777,13 @@
             </a:r>
             <a:r>
               <a:rPr lang="en-US" dirty="0">
-                <a:hlinkClick r:id="rId2"/>
+                <a:hlinkClick r:id="rId3"/>
               </a:rPr>
               <a:t>http://www.kenneth-truyers.net/2013/04/27/javascript-namespaces-and-modules</a:t>
             </a:r>
             <a:r>
               <a:rPr lang="en-US" dirty="0" smtClean="0">
-                <a:hlinkClick r:id="rId2"/>
+                <a:hlinkClick r:id="rId3"/>
               </a:rPr>
               <a:t>/</a:t>
             </a:r>
@@ -4129,7 +6847,7 @@
           <p:nvPr/>
         </p:nvPicPr>
         <p:blipFill>
-          <a:blip r:embed="rId2">
+          <a:blip r:embed="rId3">
             <a:extLst>
               <a:ext uri="{28A0092B-C50C-407E-A947-70E740481C1C}">
                 <a14:useLocalDpi xmlns:a14="http://schemas.microsoft.com/office/drawing/2010/main" val="0"/>
@@ -4228,7 +6946,7 @@
           <p:nvPr/>
         </p:nvPicPr>
         <p:blipFill>
-          <a:blip r:embed="rId2">
+          <a:blip r:embed="rId3">
             <a:extLst>
               <a:ext uri="{28A0092B-C50C-407E-A947-70E740481C1C}">
                 <a14:useLocalDpi xmlns:a14="http://schemas.microsoft.com/office/drawing/2010/main" val="0"/>
@@ -4582,7 +7300,7 @@
           <p:nvPr/>
         </p:nvPicPr>
         <p:blipFill>
-          <a:blip r:embed="rId2">
+          <a:blip r:embed="rId3">
             <a:extLst>
               <a:ext uri="{28A0092B-C50C-407E-A947-70E740481C1C}">
                 <a14:useLocalDpi xmlns:a14="http://schemas.microsoft.com/office/drawing/2010/main" val="0"/>
@@ -4785,7 +7503,7 @@
             </a:pPr>
             <a:r>
               <a:rPr lang="en-US" dirty="0" smtClean="0">
-                <a:hlinkClick r:id="rId2"/>
+                <a:hlinkClick r:id="rId3"/>
               </a:rPr>
               <a:t>http://www.kenneth-truyers.net/2013/04/27/javascript-namespaces-and-modules/</a:t>
             </a:r>
@@ -4798,19 +7516,19 @@
             </a:pPr>
             <a:r>
               <a:rPr lang="en-US" dirty="0" smtClean="0">
-                <a:hlinkClick r:id="rId3"/>
+                <a:hlinkClick r:id="rId4"/>
               </a:rPr>
               <a:t>http</a:t>
             </a:r>
             <a:r>
               <a:rPr lang="en-US" dirty="0">
-                <a:hlinkClick r:id="rId3"/>
+                <a:hlinkClick r:id="rId4"/>
               </a:rPr>
               <a:t>://appendto.com/2010/10/how-good-c-habits-can-encourage-bad-javascript-habits-part-1</a:t>
             </a:r>
             <a:r>
               <a:rPr lang="en-US" dirty="0" smtClean="0">
-                <a:hlinkClick r:id="rId3"/>
+                <a:hlinkClick r:id="rId4"/>
               </a:rPr>
               <a:t>/</a:t>
             </a:r>
@@ -4914,7 +7632,7 @@
           </p:nvPr>
         </p:nvPicPr>
         <p:blipFill>
-          <a:blip r:embed="rId3"/>
+          <a:blip r:embed="rId4"/>
           <a:stretch>
             <a:fillRect/>
           </a:stretch>
@@ -5042,31 +7760,6 @@
             </a:br>
             <a:r>
               <a:rPr lang="en-US" sz="2000" dirty="0">
-                <a:hlinkClick r:id="rId2"/>
-              </a:rPr>
-              <a:t>http://</a:t>
-            </a:r>
-            <a:r>
-              <a:rPr lang="en-US" sz="2000" dirty="0" smtClean="0">
-                <a:hlinkClick r:id="rId2"/>
-              </a:rPr>
-              <a:t>www.anokacounty.us/2092/Charitable-Giving-Campaign</a:t>
-            </a:r>
-            <a:r>
-              <a:rPr lang="en-US" sz="2000" dirty="0" smtClean="0"/>
-              <a:t> </a:t>
-            </a:r>
-          </a:p>
-          <a:p>
-            <a:r>
-              <a:rPr lang="en-US" dirty="0"/>
-              <a:t>Use referrer code</a:t>
-            </a:r>
-            <a:br>
-              <a:rPr lang="en-US" dirty="0"/>
-            </a:br>
-            <a:r>
-              <a:rPr lang="en-US" sz="2000" dirty="0">
                 <a:hlinkClick r:id="rId3"/>
               </a:rPr>
               <a:t>http://</a:t>
@@ -5075,18 +7768,17 @@
               <a:rPr lang="en-US" sz="2000" dirty="0" smtClean="0">
                 <a:hlinkClick r:id="rId3"/>
               </a:rPr>
-              <a:t>www.anokacounty.us/list.aspx</a:t>
-            </a:r>
-            <a:endParaRPr lang="en-US" sz="2000" dirty="0" smtClean="0"/>
-          </a:p>
-          <a:p>
-            <a:r>
-              <a:rPr lang="en-US" dirty="0" smtClean="0"/>
-              <a:t>Use a data document</a:t>
-            </a:r>
+              <a:t>www.anokacounty.us/2092/Charitable-Giving-Campaign</a:t>
+            </a:r>
+            <a:r>
+              <a:rPr lang="en-US" sz="2000" dirty="0" smtClean="0"/>
+              <a:t> </a:t>
+            </a:r>
+          </a:p>
+          <a:p>
             <a:r>
               <a:rPr lang="en-US" dirty="0"/>
-              <a:t/>
+              <a:t>Use referrer code</a:t>
             </a:r>
             <a:br>
               <a:rPr lang="en-US" dirty="0"/>
@@ -5101,14 +7793,14 @@
               <a:rPr lang="en-US" sz="2000" dirty="0" smtClean="0">
                 <a:hlinkClick r:id="rId4"/>
               </a:rPr>
-              <a:t>www.anokacounty.us/278/Estimated-Tax-Calculator</a:t>
+              <a:t>www.anokacounty.us/list.aspx</a:t>
             </a:r>
             <a:endParaRPr lang="en-US" sz="2000" dirty="0" smtClean="0"/>
           </a:p>
           <a:p>
             <a:r>
               <a:rPr lang="en-US" dirty="0" smtClean="0"/>
-              <a:t>Display data from another system</a:t>
+              <a:t>Use a data document</a:t>
             </a:r>
             <a:r>
               <a:rPr lang="en-US" dirty="0"/>
@@ -5127,6 +7819,32 @@
               <a:rPr lang="en-US" sz="2000" dirty="0" smtClean="0">
                 <a:hlinkClick r:id="rId5"/>
               </a:rPr>
+              <a:t>www.anokacounty.us/278/Estimated-Tax-Calculator</a:t>
+            </a:r>
+            <a:endParaRPr lang="en-US" sz="2000" dirty="0" smtClean="0"/>
+          </a:p>
+          <a:p>
+            <a:r>
+              <a:rPr lang="en-US" dirty="0" smtClean="0"/>
+              <a:t>Display data from another system</a:t>
+            </a:r>
+            <a:r>
+              <a:rPr lang="en-US" dirty="0"/>
+              <a:t/>
+            </a:r>
+            <a:br>
+              <a:rPr lang="en-US" dirty="0"/>
+            </a:br>
+            <a:r>
+              <a:rPr lang="en-US" sz="2000" dirty="0">
+                <a:hlinkClick r:id="rId6"/>
+              </a:rPr>
+              <a:t>http://</a:t>
+            </a:r>
+            <a:r>
+              <a:rPr lang="en-US" sz="2000" dirty="0" smtClean="0">
+                <a:hlinkClick r:id="rId6"/>
+              </a:rPr>
               <a:t>www.anokacounty.us/1405/Adult-Trial-Updates</a:t>
             </a:r>
             <a:r>
@@ -5138,19 +7856,19 @@
             </a:br>
             <a:r>
               <a:rPr lang="en-US" sz="2000" dirty="0" smtClean="0">
-                <a:hlinkClick r:id="rId6"/>
+                <a:hlinkClick r:id="rId7"/>
               </a:rPr>
               <a:t>http</a:t>
             </a:r>
             <a:r>
               <a:rPr lang="en-US" sz="2000" dirty="0">
-                <a:hlinkClick r:id="rId6"/>
+                <a:hlinkClick r:id="rId7"/>
               </a:rPr>
               <a:t>://</a:t>
             </a:r>
             <a:r>
               <a:rPr lang="en-US" sz="2000" dirty="0" smtClean="0">
-                <a:hlinkClick r:id="rId6"/>
+                <a:hlinkClick r:id="rId7"/>
               </a:rPr>
               <a:t>www.anokacounty.us/727/Inmate-Locator</a:t>
             </a:r>
@@ -5261,13 +7979,13 @@
             </a:br>
             <a:r>
               <a:rPr lang="en-US" sz="2000" dirty="0">
-                <a:hlinkClick r:id="rId2"/>
+                <a:hlinkClick r:id="rId3"/>
               </a:rPr>
               <a:t>http://</a:t>
             </a:r>
             <a:r>
               <a:rPr lang="en-US" sz="2000" dirty="0" smtClean="0">
-                <a:hlinkClick r:id="rId2"/>
+                <a:hlinkClick r:id="rId3"/>
               </a:rPr>
               <a:t>www.w3.org/WAI/intro/aria.php</a:t>
             </a:r>
@@ -5284,13 +8002,13 @@
             </a:br>
             <a:r>
               <a:rPr lang="en-US" sz="2000" dirty="0">
-                <a:hlinkClick r:id="rId3"/>
+                <a:hlinkClick r:id="rId4"/>
               </a:rPr>
               <a:t>http://speckyboy.com/2013/02/04/myths-about-how-blind-people-use-the-internet</a:t>
             </a:r>
             <a:r>
               <a:rPr lang="en-US" sz="2000" dirty="0" smtClean="0">
-                <a:hlinkClick r:id="rId3"/>
+                <a:hlinkClick r:id="rId4"/>
               </a:rPr>
               <a:t>/</a:t>
             </a:r>
@@ -5404,11 +8122,7 @@
             </a:r>
             <a:r>
               <a:rPr lang="en-US" dirty="0" smtClean="0"/>
-              <a:t> (github.com or bitbucket.com) or other </a:t>
-            </a:r>
-            <a:r>
-              <a:rPr lang="en-US" dirty="0" smtClean="0"/>
-              <a:t>VCS</a:t>
+              <a:t> (github.com or bitbucket.com) or other VCS</a:t>
             </a:r>
           </a:p>
           <a:p>
@@ -5430,6 +8144,174 @@
   <p:clrMapOvr>
     <a:masterClrMapping/>
   </p:clrMapOvr>
+  <p:timing>
+    <p:tnLst>
+      <p:par>
+        <p:cTn id="1" dur="indefinite" restart="never" nodeType="tmRoot"/>
+      </p:par>
+    </p:tnLst>
+  </p:timing>
+</p:sld>
+</file>
+
+<file path=ppt/slides/slide23.xml><?xml version="1.0" encoding="utf-8"?>
+<p:sld xmlns:a="http://schemas.openxmlformats.org/drawingml/2006/main" xmlns:r="http://schemas.openxmlformats.org/officeDocument/2006/relationships" xmlns:p="http://schemas.openxmlformats.org/presentationml/2006/main">
+  <p:cSld>
+    <p:spTree>
+      <p:nvGrpSpPr>
+        <p:cNvPr id="1" name=""/>
+        <p:cNvGrpSpPr/>
+        <p:nvPr/>
+      </p:nvGrpSpPr>
+      <p:grpSpPr>
+        <a:xfrm>
+          <a:off x="0" y="0"/>
+          <a:ext cx="0" cy="0"/>
+          <a:chOff x="0" y="0"/>
+          <a:chExt cx="0" cy="0"/>
+        </a:xfrm>
+      </p:grpSpPr>
+      <p:sp>
+        <p:nvSpPr>
+          <p:cNvPr id="2" name="Title 1"/>
+          <p:cNvSpPr>
+            <a:spLocks noGrp="1"/>
+          </p:cNvSpPr>
+          <p:nvPr>
+            <p:ph type="title"/>
+          </p:nvPr>
+        </p:nvSpPr>
+        <p:spPr/>
+        <p:txBody>
+          <a:bodyPr/>
+          <a:lstStyle/>
+          <a:p>
+            <a:r>
+              <a:rPr lang="en-US" dirty="0" smtClean="0"/>
+              <a:t>Thank You!</a:t>
+            </a:r>
+            <a:endParaRPr lang="en-US" dirty="0"/>
+          </a:p>
+        </p:txBody>
+      </p:sp>
+      <p:sp>
+        <p:nvSpPr>
+          <p:cNvPr id="3" name="Content Placeholder 2"/>
+          <p:cNvSpPr>
+            <a:spLocks noGrp="1"/>
+          </p:cNvSpPr>
+          <p:nvPr>
+            <p:ph idx="1"/>
+          </p:nvPr>
+        </p:nvSpPr>
+        <p:spPr/>
+        <p:txBody>
+          <a:bodyPr/>
+          <a:lstStyle/>
+          <a:p>
+            <a:pPr marL="0" indent="0">
+              <a:buNone/>
+            </a:pPr>
+            <a:r>
+              <a:rPr lang="en-US" dirty="0" smtClean="0"/>
+              <a:t>Paul Burtness</a:t>
+            </a:r>
+            <a:br>
+              <a:rPr lang="en-US" dirty="0" smtClean="0"/>
+            </a:br>
+            <a:r>
+              <a:rPr lang="en-US" dirty="0" smtClean="0"/>
+              <a:t>Anoka County Website Coordinator</a:t>
+            </a:r>
+            <a:br>
+              <a:rPr lang="en-US" dirty="0" smtClean="0"/>
+            </a:br>
+            <a:r>
+              <a:rPr lang="en-US" dirty="0" smtClean="0">
+                <a:hlinkClick r:id="rId2"/>
+              </a:rPr>
+              <a:t>Paul.Burtness@co.anoka.mn.us</a:t>
+            </a:r>
+            <a:r>
+              <a:rPr lang="en-US" dirty="0" smtClean="0"/>
+              <a:t/>
+            </a:r>
+            <a:br>
+              <a:rPr lang="en-US" dirty="0" smtClean="0"/>
+            </a:br>
+            <a:r>
+              <a:rPr lang="en-US" dirty="0" smtClean="0"/>
+              <a:t>763-323-5732</a:t>
+            </a:r>
+            <a:br>
+              <a:rPr lang="en-US" dirty="0" smtClean="0"/>
+            </a:br>
+            <a:r>
+              <a:rPr lang="en-US" dirty="0" smtClean="0">
+                <a:hlinkClick r:id="rId3"/>
+              </a:rPr>
+              <a:t>www.anokacounty.us</a:t>
+            </a:r>
+            <a:r>
+              <a:rPr lang="en-US" dirty="0" smtClean="0"/>
+              <a:t/>
+            </a:r>
+            <a:br>
+              <a:rPr lang="en-US" dirty="0" smtClean="0"/>
+            </a:br>
+            <a:r>
+              <a:rPr lang="en-US" dirty="0" smtClean="0"/>
+              <a:t>Presentation and code samples </a:t>
+            </a:r>
+            <a:r>
+              <a:rPr lang="en-US" smtClean="0"/>
+              <a:t>at:</a:t>
+            </a:r>
+            <a:br>
+              <a:rPr lang="en-US" smtClean="0"/>
+            </a:br>
+            <a:r>
+              <a:rPr lang="en-US" smtClean="0">
+                <a:hlinkClick r:id="rId4"/>
+              </a:rPr>
+              <a:t>http</a:t>
+            </a:r>
+            <a:r>
+              <a:rPr lang="en-US" dirty="0" smtClean="0">
+                <a:hlinkClick r:id="rId4"/>
+              </a:rPr>
+              <a:t>://paul-burtness.github.io/</a:t>
+            </a:r>
+            <a:r>
+              <a:rPr lang="en-US" dirty="0" err="1" smtClean="0">
+                <a:hlinkClick r:id="rId4"/>
+              </a:rPr>
+              <a:t>webdevmojo</a:t>
+            </a:r>
+            <a:r>
+              <a:rPr lang="en-US" dirty="0" smtClean="0"/>
+              <a:t> </a:t>
+            </a:r>
+          </a:p>
+        </p:txBody>
+      </p:sp>
+    </p:spTree>
+    <p:extLst>
+      <p:ext uri="{BB962C8B-B14F-4D97-AF65-F5344CB8AC3E}">
+        <p14:creationId xmlns:p14="http://schemas.microsoft.com/office/powerpoint/2010/main" val="1593137667"/>
+      </p:ext>
+    </p:extLst>
+  </p:cSld>
+  <p:clrMapOvr>
+    <a:masterClrMapping/>
+  </p:clrMapOvr>
+  <p:timing>
+    <p:tnLst>
+      <p:par>
+        <p:cTn id="1" dur="indefinite" restart="never" nodeType="tmRoot"/>
+      </p:par>
+    </p:tnLst>
+  </p:timing>
 </p:sld>
 </file>
 
@@ -5498,13 +8380,13 @@
             </a:r>
             <a:r>
               <a:rPr lang="en-US" sz="1600" dirty="0">
-                <a:hlinkClick r:id="rId2"/>
+                <a:hlinkClick r:id="rId3"/>
               </a:rPr>
               <a:t>http://</a:t>
             </a:r>
             <a:r>
               <a:rPr lang="en-US" sz="1600" dirty="0" smtClean="0">
-                <a:hlinkClick r:id="rId2"/>
+                <a:hlinkClick r:id="rId3"/>
               </a:rPr>
               <a:t>www.merriam-webster.com/dictionary/mojo</a:t>
             </a:r>
@@ -5609,13 +8491,13 @@
           <a:p>
             <a:r>
               <a:rPr lang="en-US" dirty="0">
-                <a:hlinkClick r:id="rId2"/>
+                <a:hlinkClick r:id="rId3"/>
               </a:rPr>
               <a:t>http://</a:t>
             </a:r>
             <a:r>
               <a:rPr lang="en-US" dirty="0" smtClean="0">
-                <a:hlinkClick r:id="rId2"/>
+                <a:hlinkClick r:id="rId3"/>
               </a:rPr>
               <a:t>www.merriam-webster.com/dictionary/mojo</a:t>
             </a:r>
@@ -5641,7 +8523,7 @@
           <p:nvPr/>
         </p:nvPicPr>
         <p:blipFill>
-          <a:blip r:embed="rId3">
+          <a:blip r:embed="rId4">
             <a:extLst>
               <a:ext uri="{28A0092B-C50C-407E-A947-70E740481C1C}">
                 <a14:useLocalDpi xmlns:a14="http://schemas.microsoft.com/office/drawing/2010/main" val="0"/>
@@ -5932,7 +8814,7 @@
             </a:r>
             <a:r>
               <a:rPr lang="en-US" sz="2000" dirty="0" smtClean="0">
-                <a:hlinkClick r:id="rId2"/>
+                <a:hlinkClick r:id="rId3"/>
               </a:rPr>
               <a:t>http://www.anokacounty.us/InmateLocator</a:t>
             </a:r>
@@ -6514,13 +9396,13 @@
             </a:r>
             <a:r>
               <a:rPr lang="en-US" sz="2200" dirty="0">
-                <a:hlinkClick r:id="rId2"/>
+                <a:hlinkClick r:id="rId3"/>
               </a:rPr>
               <a:t>http://</a:t>
             </a:r>
             <a:r>
               <a:rPr lang="en-US" sz="2200" dirty="0" smtClean="0">
-                <a:hlinkClick r:id="rId2"/>
+                <a:hlinkClick r:id="rId3"/>
               </a:rPr>
               <a:t>www.anokacount.us/tryit</a:t>
             </a:r>
@@ -6839,6 +9721,291 @@
         <a:sysClr val="window" lastClr="FFFFFF"/>
       </a:lt1>
       <a:dk2>
+        <a:srgbClr val="1F497D"/>
+      </a:dk2>
+      <a:lt2>
+        <a:srgbClr val="EEECE1"/>
+      </a:lt2>
+      <a:accent1>
+        <a:srgbClr val="4F81BD"/>
+      </a:accent1>
+      <a:accent2>
+        <a:srgbClr val="C0504D"/>
+      </a:accent2>
+      <a:accent3>
+        <a:srgbClr val="9BBB59"/>
+      </a:accent3>
+      <a:accent4>
+        <a:srgbClr val="8064A2"/>
+      </a:accent4>
+      <a:accent5>
+        <a:srgbClr val="4BACC6"/>
+      </a:accent5>
+      <a:accent6>
+        <a:srgbClr val="F79646"/>
+      </a:accent6>
+      <a:hlink>
+        <a:srgbClr val="0000FF"/>
+      </a:hlink>
+      <a:folHlink>
+        <a:srgbClr val="800080"/>
+      </a:folHlink>
+    </a:clrScheme>
+    <a:fontScheme name="Office">
+      <a:majorFont>
+        <a:latin typeface="Calibri"/>
+        <a:ea typeface=""/>
+        <a:cs typeface=""/>
+        <a:font script="Jpan" typeface="ＭＳ Ｐゴシック"/>
+        <a:font script="Hang" typeface="맑은 고딕"/>
+        <a:font script="Hans" typeface="宋体"/>
+        <a:font script="Hant" typeface="新細明體"/>
+        <a:font script="Arab" typeface="Times New Roman"/>
+        <a:font script="Hebr" typeface="Times New Roman"/>
+        <a:font script="Thai" typeface="Angsana New"/>
+        <a:font script="Ethi" typeface="Nyala"/>
+        <a:font script="Beng" typeface="Vrinda"/>
+        <a:font script="Gujr" typeface="Shruti"/>
+        <a:font script="Khmr" typeface="MoolBoran"/>
+        <a:font script="Knda" typeface="Tunga"/>
+        <a:font script="Guru" typeface="Raavi"/>
+        <a:font script="Cans" typeface="Euphemia"/>
+        <a:font script="Cher" typeface="Plantagenet Cherokee"/>
+        <a:font script="Yiii" typeface="Microsoft Yi Baiti"/>
+        <a:font script="Tibt" typeface="Microsoft Himalaya"/>
+        <a:font script="Thaa" typeface="MV Boli"/>
+        <a:font script="Deva" typeface="Mangal"/>
+        <a:font script="Telu" typeface="Gautami"/>
+        <a:font script="Taml" typeface="Latha"/>
+        <a:font script="Syrc" typeface="Estrangelo Edessa"/>
+        <a:font script="Orya" typeface="Kalinga"/>
+        <a:font script="Mlym" typeface="Kartika"/>
+        <a:font script="Laoo" typeface="DokChampa"/>
+        <a:font script="Sinh" typeface="Iskoola Pota"/>
+        <a:font script="Mong" typeface="Mongolian Baiti"/>
+        <a:font script="Viet" typeface="Times New Roman"/>
+        <a:font script="Uigh" typeface="Microsoft Uighur"/>
+        <a:font script="Geor" typeface="Sylfaen"/>
+      </a:majorFont>
+      <a:minorFont>
+        <a:latin typeface="Calibri"/>
+        <a:ea typeface=""/>
+        <a:cs typeface=""/>
+        <a:font script="Jpan" typeface="ＭＳ Ｐゴシック"/>
+        <a:font script="Hang" typeface="맑은 고딕"/>
+        <a:font script="Hans" typeface="宋体"/>
+        <a:font script="Hant" typeface="新細明體"/>
+        <a:font script="Arab" typeface="Arial"/>
+        <a:font script="Hebr" typeface="Arial"/>
+        <a:font script="Thai" typeface="Cordia New"/>
+        <a:font script="Ethi" typeface="Nyala"/>
+        <a:font script="Beng" typeface="Vrinda"/>
+        <a:font script="Gujr" typeface="Shruti"/>
+        <a:font script="Khmr" typeface="DaunPenh"/>
+        <a:font script="Knda" typeface="Tunga"/>
+        <a:font script="Guru" typeface="Raavi"/>
+        <a:font script="Cans" typeface="Euphemia"/>
+        <a:font script="Cher" typeface="Plantagenet Cherokee"/>
+        <a:font script="Yiii" typeface="Microsoft Yi Baiti"/>
+        <a:font script="Tibt" typeface="Microsoft Himalaya"/>
+        <a:font script="Thaa" typeface="MV Boli"/>
+        <a:font script="Deva" typeface="Mangal"/>
+        <a:font script="Telu" typeface="Gautami"/>
+        <a:font script="Taml" typeface="Latha"/>
+        <a:font script="Syrc" typeface="Estrangelo Edessa"/>
+        <a:font script="Orya" typeface="Kalinga"/>
+        <a:font script="Mlym" typeface="Kartika"/>
+        <a:font script="Laoo" typeface="DokChampa"/>
+        <a:font script="Sinh" typeface="Iskoola Pota"/>
+        <a:font script="Mong" typeface="Mongolian Baiti"/>
+        <a:font script="Viet" typeface="Arial"/>
+        <a:font script="Uigh" typeface="Microsoft Uighur"/>
+        <a:font script="Geor" typeface="Sylfaen"/>
+      </a:minorFont>
+    </a:fontScheme>
+    <a:fmtScheme name="Office">
+      <a:fillStyleLst>
+        <a:solidFill>
+          <a:schemeClr val="phClr"/>
+        </a:solidFill>
+        <a:gradFill rotWithShape="1">
+          <a:gsLst>
+            <a:gs pos="0">
+              <a:schemeClr val="phClr">
+                <a:tint val="50000"/>
+                <a:satMod val="300000"/>
+              </a:schemeClr>
+            </a:gs>
+            <a:gs pos="35000">
+              <a:schemeClr val="phClr">
+                <a:tint val="37000"/>
+                <a:satMod val="300000"/>
+              </a:schemeClr>
+            </a:gs>
+            <a:gs pos="100000">
+              <a:schemeClr val="phClr">
+                <a:tint val="15000"/>
+                <a:satMod val="350000"/>
+              </a:schemeClr>
+            </a:gs>
+          </a:gsLst>
+          <a:lin ang="16200000" scaled="1"/>
+        </a:gradFill>
+        <a:gradFill rotWithShape="1">
+          <a:gsLst>
+            <a:gs pos="0">
+              <a:schemeClr val="phClr">
+                <a:shade val="51000"/>
+                <a:satMod val="130000"/>
+              </a:schemeClr>
+            </a:gs>
+            <a:gs pos="80000">
+              <a:schemeClr val="phClr">
+                <a:shade val="93000"/>
+                <a:satMod val="130000"/>
+              </a:schemeClr>
+            </a:gs>
+            <a:gs pos="100000">
+              <a:schemeClr val="phClr">
+                <a:shade val="94000"/>
+                <a:satMod val="135000"/>
+              </a:schemeClr>
+            </a:gs>
+          </a:gsLst>
+          <a:lin ang="16200000" scaled="0"/>
+        </a:gradFill>
+      </a:fillStyleLst>
+      <a:lnStyleLst>
+        <a:ln w="9525" cap="flat" cmpd="sng" algn="ctr">
+          <a:solidFill>
+            <a:schemeClr val="phClr">
+              <a:shade val="95000"/>
+              <a:satMod val="105000"/>
+            </a:schemeClr>
+          </a:solidFill>
+          <a:prstDash val="solid"/>
+        </a:ln>
+        <a:ln w="25400" cap="flat" cmpd="sng" algn="ctr">
+          <a:solidFill>
+            <a:schemeClr val="phClr"/>
+          </a:solidFill>
+          <a:prstDash val="solid"/>
+        </a:ln>
+        <a:ln w="38100" cap="flat" cmpd="sng" algn="ctr">
+          <a:solidFill>
+            <a:schemeClr val="phClr"/>
+          </a:solidFill>
+          <a:prstDash val="solid"/>
+        </a:ln>
+      </a:lnStyleLst>
+      <a:effectStyleLst>
+        <a:effectStyle>
+          <a:effectLst>
+            <a:outerShdw blurRad="40000" dist="20000" dir="5400000" rotWithShape="0">
+              <a:srgbClr val="000000">
+                <a:alpha val="38000"/>
+              </a:srgbClr>
+            </a:outerShdw>
+          </a:effectLst>
+        </a:effectStyle>
+        <a:effectStyle>
+          <a:effectLst>
+            <a:outerShdw blurRad="40000" dist="23000" dir="5400000" rotWithShape="0">
+              <a:srgbClr val="000000">
+                <a:alpha val="35000"/>
+              </a:srgbClr>
+            </a:outerShdw>
+          </a:effectLst>
+        </a:effectStyle>
+        <a:effectStyle>
+          <a:effectLst>
+            <a:outerShdw blurRad="40000" dist="23000" dir="5400000" rotWithShape="0">
+              <a:srgbClr val="000000">
+                <a:alpha val="35000"/>
+              </a:srgbClr>
+            </a:outerShdw>
+          </a:effectLst>
+          <a:scene3d>
+            <a:camera prst="orthographicFront">
+              <a:rot lat="0" lon="0" rev="0"/>
+            </a:camera>
+            <a:lightRig rig="threePt" dir="t">
+              <a:rot lat="0" lon="0" rev="1200000"/>
+            </a:lightRig>
+          </a:scene3d>
+          <a:sp3d>
+            <a:bevelT w="63500" h="25400"/>
+          </a:sp3d>
+        </a:effectStyle>
+      </a:effectStyleLst>
+      <a:bgFillStyleLst>
+        <a:solidFill>
+          <a:schemeClr val="phClr"/>
+        </a:solidFill>
+        <a:gradFill rotWithShape="1">
+          <a:gsLst>
+            <a:gs pos="0">
+              <a:schemeClr val="phClr">
+                <a:tint val="40000"/>
+                <a:satMod val="350000"/>
+              </a:schemeClr>
+            </a:gs>
+            <a:gs pos="40000">
+              <a:schemeClr val="phClr">
+                <a:tint val="45000"/>
+                <a:shade val="99000"/>
+                <a:satMod val="350000"/>
+              </a:schemeClr>
+            </a:gs>
+            <a:gs pos="100000">
+              <a:schemeClr val="phClr">
+                <a:shade val="20000"/>
+                <a:satMod val="255000"/>
+              </a:schemeClr>
+            </a:gs>
+          </a:gsLst>
+          <a:path path="circle">
+            <a:fillToRect l="50000" t="-80000" r="50000" b="180000"/>
+          </a:path>
+        </a:gradFill>
+        <a:gradFill rotWithShape="1">
+          <a:gsLst>
+            <a:gs pos="0">
+              <a:schemeClr val="phClr">
+                <a:tint val="80000"/>
+                <a:satMod val="300000"/>
+              </a:schemeClr>
+            </a:gs>
+            <a:gs pos="100000">
+              <a:schemeClr val="phClr">
+                <a:shade val="30000"/>
+                <a:satMod val="200000"/>
+              </a:schemeClr>
+            </a:gs>
+          </a:gsLst>
+          <a:path path="circle">
+            <a:fillToRect l="50000" t="50000" r="50000" b="50000"/>
+          </a:path>
+        </a:gradFill>
+      </a:bgFillStyleLst>
+    </a:fmtScheme>
+  </a:themeElements>
+  <a:objectDefaults/>
+  <a:extraClrSchemeLst/>
+</a:theme>
+</file>
+
+<file path=ppt/theme/theme3.xml><?xml version="1.0" encoding="utf-8"?>
+<a:theme xmlns:a="http://schemas.openxmlformats.org/drawingml/2006/main" name="Office Theme">
+  <a:themeElements>
+    <a:clrScheme name="Office">
+      <a:dk1>
+        <a:sysClr val="windowText" lastClr="000000"/>
+      </a:dk1>
+      <a:lt1>
+        <a:sysClr val="window" lastClr="FFFFFF"/>
+      </a:lt1>
+      <a:dk2>
         <a:srgbClr val="44546A"/>
       </a:dk2>
       <a:lt2>
@@ -7083,7 +10250,7 @@
   <a:extraClrSchemeLst/>
   <a:extLst>
     <a:ext uri="{05A4C25C-085E-4340-85A3-A5531E510DB2}">
-      <thm15:themeFamily xmlns:thm15="http://schemas.microsoft.com/office/thememl/2012/main" name="Office Theme" id="{62F939B6-93AF-4DB8-9C6B-D6C7DFDC589F}" vid="{4A3C46E8-61CC-4603-A589-7422A47A8E4A}"/>
+      <thm15:themeFamily xmlns:thm15="http://schemas.microsoft.com/office/thememl/2012/main" xmlns="" name="Office Theme" id="{62F939B6-93AF-4DB8-9C6B-D6C7DFDC589F}" vid="{4A3C46E8-61CC-4603-A589-7422A47A8E4A}"/>
     </a:ext>
   </a:extLst>
 </a:theme>
